--- a/chapter03/图片/03.pptx
+++ b/chapter03/图片/03.pptx
@@ -126,7 +126,7 @@
   </p:defaultTextStyle>
   <p:extLst>
     <p:ext uri="{EFAFB233-063F-42B5-8137-9DF3F51BA10A}">
-      <p15:sldGuideLst xmlns:p15="http://schemas.microsoft.com/office/powerpoint/2012/main">
+      <p15:sldGuideLst xmlns:p15="http://schemas.microsoft.com/office/powerpoint/2012/main" xmlns="">
         <p15:guide id="1" orient="horz" pos="3612" userDrawn="1">
           <p15:clr>
             <a:srgbClr val="A4A3A4"/>
@@ -225,7 +225,7 @@
           <a:p>
             <a:fld id="{ECA224F9-4505-4270-9617-4427ECCEB9B5}" type="datetimeFigureOut">
               <a:rPr lang="zh-CN" altLang="en-US" smtClean="0"/>
-              <a:t>2020/1/27</a:t>
+              <a:t>2020/2/23</a:t>
             </a:fld>
             <a:endParaRPr lang="zh-CN" altLang="en-US"/>
           </a:p>
@@ -598,7 +598,7 @@
           <p:cNvPr id="2" name="标题 1">
             <a:extLst>
               <a:ext uri="{FF2B5EF4-FFF2-40B4-BE49-F238E27FC236}">
-                <a16:creationId xmlns:a16="http://schemas.microsoft.com/office/drawing/2014/main" id="{F22A2A9A-7C64-48E5-A9F4-99DAFFC12CF9}"/>
+                <a16:creationId xmlns:a16="http://schemas.microsoft.com/office/drawing/2014/main" xmlns="" id="{F22A2A9A-7C64-48E5-A9F4-99DAFFC12CF9}"/>
               </a:ext>
             </a:extLst>
           </p:cNvPr>
@@ -635,7 +635,7 @@
           <p:cNvPr id="3" name="副标题 2">
             <a:extLst>
               <a:ext uri="{FF2B5EF4-FFF2-40B4-BE49-F238E27FC236}">
-                <a16:creationId xmlns:a16="http://schemas.microsoft.com/office/drawing/2014/main" id="{BD2A865B-43E6-41AE-AC79-17DE720E801F}"/>
+                <a16:creationId xmlns:a16="http://schemas.microsoft.com/office/drawing/2014/main" xmlns="" id="{BD2A865B-43E6-41AE-AC79-17DE720E801F}"/>
               </a:ext>
             </a:extLst>
           </p:cNvPr>
@@ -705,7 +705,7 @@
           <p:cNvPr id="4" name="日期占位符 3">
             <a:extLst>
               <a:ext uri="{FF2B5EF4-FFF2-40B4-BE49-F238E27FC236}">
-                <a16:creationId xmlns:a16="http://schemas.microsoft.com/office/drawing/2014/main" id="{2ED65073-B160-4349-A9EB-ECCBA5635411}"/>
+                <a16:creationId xmlns:a16="http://schemas.microsoft.com/office/drawing/2014/main" xmlns="" id="{2ED65073-B160-4349-A9EB-ECCBA5635411}"/>
               </a:ext>
             </a:extLst>
           </p:cNvPr>
@@ -723,7 +723,7 @@
           <a:p>
             <a:fld id="{CEFE1E18-488F-4E28-A416-04D7625F23D6}" type="datetimeFigureOut">
               <a:rPr lang="zh-CN" altLang="en-US" smtClean="0"/>
-              <a:t>2020/1/27</a:t>
+              <a:t>2020/2/23</a:t>
             </a:fld>
             <a:endParaRPr lang="zh-CN" altLang="en-US"/>
           </a:p>
@@ -734,7 +734,7 @@
           <p:cNvPr id="5" name="页脚占位符 4">
             <a:extLst>
               <a:ext uri="{FF2B5EF4-FFF2-40B4-BE49-F238E27FC236}">
-                <a16:creationId xmlns:a16="http://schemas.microsoft.com/office/drawing/2014/main" id="{AC1F9955-50B2-4FA1-9BD9-C9891C55DAC4}"/>
+                <a16:creationId xmlns:a16="http://schemas.microsoft.com/office/drawing/2014/main" xmlns="" id="{AC1F9955-50B2-4FA1-9BD9-C9891C55DAC4}"/>
               </a:ext>
             </a:extLst>
           </p:cNvPr>
@@ -759,7 +759,7 @@
           <p:cNvPr id="6" name="灯片编号占位符 5">
             <a:extLst>
               <a:ext uri="{FF2B5EF4-FFF2-40B4-BE49-F238E27FC236}">
-                <a16:creationId xmlns:a16="http://schemas.microsoft.com/office/drawing/2014/main" id="{8F2DF6E9-BDAE-414C-9EBC-35BA871B8DCE}"/>
+                <a16:creationId xmlns:a16="http://schemas.microsoft.com/office/drawing/2014/main" xmlns="" id="{8F2DF6E9-BDAE-414C-9EBC-35BA871B8DCE}"/>
               </a:ext>
             </a:extLst>
           </p:cNvPr>
@@ -818,7 +818,7 @@
           <p:cNvPr id="2" name="标题 1">
             <a:extLst>
               <a:ext uri="{FF2B5EF4-FFF2-40B4-BE49-F238E27FC236}">
-                <a16:creationId xmlns:a16="http://schemas.microsoft.com/office/drawing/2014/main" id="{7834D1A4-C0AC-4A57-A2B8-BA4D3EAAD368}"/>
+                <a16:creationId xmlns:a16="http://schemas.microsoft.com/office/drawing/2014/main" xmlns="" id="{7834D1A4-C0AC-4A57-A2B8-BA4D3EAAD368}"/>
               </a:ext>
             </a:extLst>
           </p:cNvPr>
@@ -846,7 +846,7 @@
           <p:cNvPr id="3" name="竖排文字占位符 2">
             <a:extLst>
               <a:ext uri="{FF2B5EF4-FFF2-40B4-BE49-F238E27FC236}">
-                <a16:creationId xmlns:a16="http://schemas.microsoft.com/office/drawing/2014/main" id="{D59030B1-C198-440D-9BEA-F13F0ACAD7B2}"/>
+                <a16:creationId xmlns:a16="http://schemas.microsoft.com/office/drawing/2014/main" xmlns="" id="{D59030B1-C198-440D-9BEA-F13F0ACAD7B2}"/>
               </a:ext>
             </a:extLst>
           </p:cNvPr>
@@ -903,7 +903,7 @@
           <p:cNvPr id="4" name="日期占位符 3">
             <a:extLst>
               <a:ext uri="{FF2B5EF4-FFF2-40B4-BE49-F238E27FC236}">
-                <a16:creationId xmlns:a16="http://schemas.microsoft.com/office/drawing/2014/main" id="{E5809F57-9071-4981-80FF-8589918FFA7E}"/>
+                <a16:creationId xmlns:a16="http://schemas.microsoft.com/office/drawing/2014/main" xmlns="" id="{E5809F57-9071-4981-80FF-8589918FFA7E}"/>
               </a:ext>
             </a:extLst>
           </p:cNvPr>
@@ -921,7 +921,7 @@
           <a:p>
             <a:fld id="{CEFE1E18-488F-4E28-A416-04D7625F23D6}" type="datetimeFigureOut">
               <a:rPr lang="zh-CN" altLang="en-US" smtClean="0"/>
-              <a:t>2020/1/27</a:t>
+              <a:t>2020/2/23</a:t>
             </a:fld>
             <a:endParaRPr lang="zh-CN" altLang="en-US"/>
           </a:p>
@@ -932,7 +932,7 @@
           <p:cNvPr id="5" name="页脚占位符 4">
             <a:extLst>
               <a:ext uri="{FF2B5EF4-FFF2-40B4-BE49-F238E27FC236}">
-                <a16:creationId xmlns:a16="http://schemas.microsoft.com/office/drawing/2014/main" id="{0B5DDC7A-ECA0-491D-85D1-FDF71F669C61}"/>
+                <a16:creationId xmlns:a16="http://schemas.microsoft.com/office/drawing/2014/main" xmlns="" id="{0B5DDC7A-ECA0-491D-85D1-FDF71F669C61}"/>
               </a:ext>
             </a:extLst>
           </p:cNvPr>
@@ -957,7 +957,7 @@
           <p:cNvPr id="6" name="灯片编号占位符 5">
             <a:extLst>
               <a:ext uri="{FF2B5EF4-FFF2-40B4-BE49-F238E27FC236}">
-                <a16:creationId xmlns:a16="http://schemas.microsoft.com/office/drawing/2014/main" id="{5171E61D-01FD-49F0-83C7-0A7063E14D4F}"/>
+                <a16:creationId xmlns:a16="http://schemas.microsoft.com/office/drawing/2014/main" xmlns="" id="{5171E61D-01FD-49F0-83C7-0A7063E14D4F}"/>
               </a:ext>
             </a:extLst>
           </p:cNvPr>
@@ -1016,7 +1016,7 @@
           <p:cNvPr id="2" name="竖排标题 1">
             <a:extLst>
               <a:ext uri="{FF2B5EF4-FFF2-40B4-BE49-F238E27FC236}">
-                <a16:creationId xmlns:a16="http://schemas.microsoft.com/office/drawing/2014/main" id="{525AAD2A-8AC2-463E-94CC-DB00DC663405}"/>
+                <a16:creationId xmlns:a16="http://schemas.microsoft.com/office/drawing/2014/main" xmlns="" id="{525AAD2A-8AC2-463E-94CC-DB00DC663405}"/>
               </a:ext>
             </a:extLst>
           </p:cNvPr>
@@ -1049,7 +1049,7 @@
           <p:cNvPr id="3" name="竖排文字占位符 2">
             <a:extLst>
               <a:ext uri="{FF2B5EF4-FFF2-40B4-BE49-F238E27FC236}">
-                <a16:creationId xmlns:a16="http://schemas.microsoft.com/office/drawing/2014/main" id="{B1BFE879-A6C6-4499-A4F8-7F0297C169B2}"/>
+                <a16:creationId xmlns:a16="http://schemas.microsoft.com/office/drawing/2014/main" xmlns="" id="{B1BFE879-A6C6-4499-A4F8-7F0297C169B2}"/>
               </a:ext>
             </a:extLst>
           </p:cNvPr>
@@ -1111,7 +1111,7 @@
           <p:cNvPr id="4" name="日期占位符 3">
             <a:extLst>
               <a:ext uri="{FF2B5EF4-FFF2-40B4-BE49-F238E27FC236}">
-                <a16:creationId xmlns:a16="http://schemas.microsoft.com/office/drawing/2014/main" id="{B04CE961-6214-4633-A9A9-3C15DBA8F925}"/>
+                <a16:creationId xmlns:a16="http://schemas.microsoft.com/office/drawing/2014/main" xmlns="" id="{B04CE961-6214-4633-A9A9-3C15DBA8F925}"/>
               </a:ext>
             </a:extLst>
           </p:cNvPr>
@@ -1129,7 +1129,7 @@
           <a:p>
             <a:fld id="{CEFE1E18-488F-4E28-A416-04D7625F23D6}" type="datetimeFigureOut">
               <a:rPr lang="zh-CN" altLang="en-US" smtClean="0"/>
-              <a:t>2020/1/27</a:t>
+              <a:t>2020/2/23</a:t>
             </a:fld>
             <a:endParaRPr lang="zh-CN" altLang="en-US"/>
           </a:p>
@@ -1140,7 +1140,7 @@
           <p:cNvPr id="5" name="页脚占位符 4">
             <a:extLst>
               <a:ext uri="{FF2B5EF4-FFF2-40B4-BE49-F238E27FC236}">
-                <a16:creationId xmlns:a16="http://schemas.microsoft.com/office/drawing/2014/main" id="{C5B41036-D948-4F87-BF25-60323B2E90BF}"/>
+                <a16:creationId xmlns:a16="http://schemas.microsoft.com/office/drawing/2014/main" xmlns="" id="{C5B41036-D948-4F87-BF25-60323B2E90BF}"/>
               </a:ext>
             </a:extLst>
           </p:cNvPr>
@@ -1165,7 +1165,7 @@
           <p:cNvPr id="6" name="灯片编号占位符 5">
             <a:extLst>
               <a:ext uri="{FF2B5EF4-FFF2-40B4-BE49-F238E27FC236}">
-                <a16:creationId xmlns:a16="http://schemas.microsoft.com/office/drawing/2014/main" id="{1C496060-7780-4A0D-A846-58F4078CF9F7}"/>
+                <a16:creationId xmlns:a16="http://schemas.microsoft.com/office/drawing/2014/main" xmlns="" id="{1C496060-7780-4A0D-A846-58F4078CF9F7}"/>
               </a:ext>
             </a:extLst>
           </p:cNvPr>
@@ -1224,7 +1224,7 @@
           <p:cNvPr id="2" name="标题 1">
             <a:extLst>
               <a:ext uri="{FF2B5EF4-FFF2-40B4-BE49-F238E27FC236}">
-                <a16:creationId xmlns:a16="http://schemas.microsoft.com/office/drawing/2014/main" id="{8BEFD4AF-EA3E-4C8E-B730-C669B20F46A9}"/>
+                <a16:creationId xmlns:a16="http://schemas.microsoft.com/office/drawing/2014/main" xmlns="" id="{8BEFD4AF-EA3E-4C8E-B730-C669B20F46A9}"/>
               </a:ext>
             </a:extLst>
           </p:cNvPr>
@@ -1252,7 +1252,7 @@
           <p:cNvPr id="3" name="内容占位符 2">
             <a:extLst>
               <a:ext uri="{FF2B5EF4-FFF2-40B4-BE49-F238E27FC236}">
-                <a16:creationId xmlns:a16="http://schemas.microsoft.com/office/drawing/2014/main" id="{98930D49-0CF0-4EC8-A640-B07DB4D8329D}"/>
+                <a16:creationId xmlns:a16="http://schemas.microsoft.com/office/drawing/2014/main" xmlns="" id="{98930D49-0CF0-4EC8-A640-B07DB4D8329D}"/>
               </a:ext>
             </a:extLst>
           </p:cNvPr>
@@ -1309,7 +1309,7 @@
           <p:cNvPr id="4" name="日期占位符 3">
             <a:extLst>
               <a:ext uri="{FF2B5EF4-FFF2-40B4-BE49-F238E27FC236}">
-                <a16:creationId xmlns:a16="http://schemas.microsoft.com/office/drawing/2014/main" id="{A9D62C0C-9F56-4BBD-A565-41714FFB719F}"/>
+                <a16:creationId xmlns:a16="http://schemas.microsoft.com/office/drawing/2014/main" xmlns="" id="{A9D62C0C-9F56-4BBD-A565-41714FFB719F}"/>
               </a:ext>
             </a:extLst>
           </p:cNvPr>
@@ -1327,7 +1327,7 @@
           <a:p>
             <a:fld id="{CEFE1E18-488F-4E28-A416-04D7625F23D6}" type="datetimeFigureOut">
               <a:rPr lang="zh-CN" altLang="en-US" smtClean="0"/>
-              <a:t>2020/1/27</a:t>
+              <a:t>2020/2/23</a:t>
             </a:fld>
             <a:endParaRPr lang="zh-CN" altLang="en-US"/>
           </a:p>
@@ -1338,7 +1338,7 @@
           <p:cNvPr id="5" name="页脚占位符 4">
             <a:extLst>
               <a:ext uri="{FF2B5EF4-FFF2-40B4-BE49-F238E27FC236}">
-                <a16:creationId xmlns:a16="http://schemas.microsoft.com/office/drawing/2014/main" id="{1DEE7459-551B-4964-82A3-DE25BEA8B1DB}"/>
+                <a16:creationId xmlns:a16="http://schemas.microsoft.com/office/drawing/2014/main" xmlns="" id="{1DEE7459-551B-4964-82A3-DE25BEA8B1DB}"/>
               </a:ext>
             </a:extLst>
           </p:cNvPr>
@@ -1363,7 +1363,7 @@
           <p:cNvPr id="6" name="灯片编号占位符 5">
             <a:extLst>
               <a:ext uri="{FF2B5EF4-FFF2-40B4-BE49-F238E27FC236}">
-                <a16:creationId xmlns:a16="http://schemas.microsoft.com/office/drawing/2014/main" id="{2C492335-4614-4CC2-AB9A-5CE06BE6A70C}"/>
+                <a16:creationId xmlns:a16="http://schemas.microsoft.com/office/drawing/2014/main" xmlns="" id="{2C492335-4614-4CC2-AB9A-5CE06BE6A70C}"/>
               </a:ext>
             </a:extLst>
           </p:cNvPr>
@@ -1422,7 +1422,7 @@
           <p:cNvPr id="2" name="标题 1">
             <a:extLst>
               <a:ext uri="{FF2B5EF4-FFF2-40B4-BE49-F238E27FC236}">
-                <a16:creationId xmlns:a16="http://schemas.microsoft.com/office/drawing/2014/main" id="{D16DE8FE-8654-41EC-8A62-CC687B717685}"/>
+                <a16:creationId xmlns:a16="http://schemas.microsoft.com/office/drawing/2014/main" xmlns="" id="{D16DE8FE-8654-41EC-8A62-CC687B717685}"/>
               </a:ext>
             </a:extLst>
           </p:cNvPr>
@@ -1459,7 +1459,7 @@
           <p:cNvPr id="3" name="文本占位符 2">
             <a:extLst>
               <a:ext uri="{FF2B5EF4-FFF2-40B4-BE49-F238E27FC236}">
-                <a16:creationId xmlns:a16="http://schemas.microsoft.com/office/drawing/2014/main" id="{573B1BD1-E6F2-4F23-9101-86DBCD24356C}"/>
+                <a16:creationId xmlns:a16="http://schemas.microsoft.com/office/drawing/2014/main" xmlns="" id="{573B1BD1-E6F2-4F23-9101-86DBCD24356C}"/>
               </a:ext>
             </a:extLst>
           </p:cNvPr>
@@ -1584,7 +1584,7 @@
           <p:cNvPr id="4" name="日期占位符 3">
             <a:extLst>
               <a:ext uri="{FF2B5EF4-FFF2-40B4-BE49-F238E27FC236}">
-                <a16:creationId xmlns:a16="http://schemas.microsoft.com/office/drawing/2014/main" id="{25B74E0C-0E94-4360-BC73-70E06777DA38}"/>
+                <a16:creationId xmlns:a16="http://schemas.microsoft.com/office/drawing/2014/main" xmlns="" id="{25B74E0C-0E94-4360-BC73-70E06777DA38}"/>
               </a:ext>
             </a:extLst>
           </p:cNvPr>
@@ -1602,7 +1602,7 @@
           <a:p>
             <a:fld id="{CEFE1E18-488F-4E28-A416-04D7625F23D6}" type="datetimeFigureOut">
               <a:rPr lang="zh-CN" altLang="en-US" smtClean="0"/>
-              <a:t>2020/1/27</a:t>
+              <a:t>2020/2/23</a:t>
             </a:fld>
             <a:endParaRPr lang="zh-CN" altLang="en-US"/>
           </a:p>
@@ -1613,7 +1613,7 @@
           <p:cNvPr id="5" name="页脚占位符 4">
             <a:extLst>
               <a:ext uri="{FF2B5EF4-FFF2-40B4-BE49-F238E27FC236}">
-                <a16:creationId xmlns:a16="http://schemas.microsoft.com/office/drawing/2014/main" id="{9CF47C0A-403E-44F6-B73E-9AEDF2379E00}"/>
+                <a16:creationId xmlns:a16="http://schemas.microsoft.com/office/drawing/2014/main" xmlns="" id="{9CF47C0A-403E-44F6-B73E-9AEDF2379E00}"/>
               </a:ext>
             </a:extLst>
           </p:cNvPr>
@@ -1638,7 +1638,7 @@
           <p:cNvPr id="6" name="灯片编号占位符 5">
             <a:extLst>
               <a:ext uri="{FF2B5EF4-FFF2-40B4-BE49-F238E27FC236}">
-                <a16:creationId xmlns:a16="http://schemas.microsoft.com/office/drawing/2014/main" id="{C2EC072E-EE30-48DF-B362-6DC03FD8DF8E}"/>
+                <a16:creationId xmlns:a16="http://schemas.microsoft.com/office/drawing/2014/main" xmlns="" id="{C2EC072E-EE30-48DF-B362-6DC03FD8DF8E}"/>
               </a:ext>
             </a:extLst>
           </p:cNvPr>
@@ -1697,7 +1697,7 @@
           <p:cNvPr id="2" name="标题 1">
             <a:extLst>
               <a:ext uri="{FF2B5EF4-FFF2-40B4-BE49-F238E27FC236}">
-                <a16:creationId xmlns:a16="http://schemas.microsoft.com/office/drawing/2014/main" id="{7FA8FAF2-4345-4B15-A597-B4E77FFCB50E}"/>
+                <a16:creationId xmlns:a16="http://schemas.microsoft.com/office/drawing/2014/main" xmlns="" id="{7FA8FAF2-4345-4B15-A597-B4E77FFCB50E}"/>
               </a:ext>
             </a:extLst>
           </p:cNvPr>
@@ -1725,7 +1725,7 @@
           <p:cNvPr id="3" name="内容占位符 2">
             <a:extLst>
               <a:ext uri="{FF2B5EF4-FFF2-40B4-BE49-F238E27FC236}">
-                <a16:creationId xmlns:a16="http://schemas.microsoft.com/office/drawing/2014/main" id="{8310FBEF-DDA5-457B-8D1F-D83FBCB6707D}"/>
+                <a16:creationId xmlns:a16="http://schemas.microsoft.com/office/drawing/2014/main" xmlns="" id="{8310FBEF-DDA5-457B-8D1F-D83FBCB6707D}"/>
               </a:ext>
             </a:extLst>
           </p:cNvPr>
@@ -1787,7 +1787,7 @@
           <p:cNvPr id="4" name="内容占位符 3">
             <a:extLst>
               <a:ext uri="{FF2B5EF4-FFF2-40B4-BE49-F238E27FC236}">
-                <a16:creationId xmlns:a16="http://schemas.microsoft.com/office/drawing/2014/main" id="{AD0EA178-CD72-4404-98DD-B6DB292ADFFD}"/>
+                <a16:creationId xmlns:a16="http://schemas.microsoft.com/office/drawing/2014/main" xmlns="" id="{AD0EA178-CD72-4404-98DD-B6DB292ADFFD}"/>
               </a:ext>
             </a:extLst>
           </p:cNvPr>
@@ -1849,7 +1849,7 @@
           <p:cNvPr id="5" name="日期占位符 4">
             <a:extLst>
               <a:ext uri="{FF2B5EF4-FFF2-40B4-BE49-F238E27FC236}">
-                <a16:creationId xmlns:a16="http://schemas.microsoft.com/office/drawing/2014/main" id="{091BC868-7EB4-4982-9E71-FEFB0A244450}"/>
+                <a16:creationId xmlns:a16="http://schemas.microsoft.com/office/drawing/2014/main" xmlns="" id="{091BC868-7EB4-4982-9E71-FEFB0A244450}"/>
               </a:ext>
             </a:extLst>
           </p:cNvPr>
@@ -1867,7 +1867,7 @@
           <a:p>
             <a:fld id="{CEFE1E18-488F-4E28-A416-04D7625F23D6}" type="datetimeFigureOut">
               <a:rPr lang="zh-CN" altLang="en-US" smtClean="0"/>
-              <a:t>2020/1/27</a:t>
+              <a:t>2020/2/23</a:t>
             </a:fld>
             <a:endParaRPr lang="zh-CN" altLang="en-US"/>
           </a:p>
@@ -1878,7 +1878,7 @@
           <p:cNvPr id="6" name="页脚占位符 5">
             <a:extLst>
               <a:ext uri="{FF2B5EF4-FFF2-40B4-BE49-F238E27FC236}">
-                <a16:creationId xmlns:a16="http://schemas.microsoft.com/office/drawing/2014/main" id="{9FBDD47D-990C-488E-87F9-5EA1CF7D3604}"/>
+                <a16:creationId xmlns:a16="http://schemas.microsoft.com/office/drawing/2014/main" xmlns="" id="{9FBDD47D-990C-488E-87F9-5EA1CF7D3604}"/>
               </a:ext>
             </a:extLst>
           </p:cNvPr>
@@ -1903,7 +1903,7 @@
           <p:cNvPr id="7" name="灯片编号占位符 6">
             <a:extLst>
               <a:ext uri="{FF2B5EF4-FFF2-40B4-BE49-F238E27FC236}">
-                <a16:creationId xmlns:a16="http://schemas.microsoft.com/office/drawing/2014/main" id="{A8EB7831-04C4-4F3A-B543-22F38DEDC0EA}"/>
+                <a16:creationId xmlns:a16="http://schemas.microsoft.com/office/drawing/2014/main" xmlns="" id="{A8EB7831-04C4-4F3A-B543-22F38DEDC0EA}"/>
               </a:ext>
             </a:extLst>
           </p:cNvPr>
@@ -1962,7 +1962,7 @@
           <p:cNvPr id="2" name="标题 1">
             <a:extLst>
               <a:ext uri="{FF2B5EF4-FFF2-40B4-BE49-F238E27FC236}">
-                <a16:creationId xmlns:a16="http://schemas.microsoft.com/office/drawing/2014/main" id="{937F95EB-2336-4E49-9FF6-9979F82D0080}"/>
+                <a16:creationId xmlns:a16="http://schemas.microsoft.com/office/drawing/2014/main" xmlns="" id="{937F95EB-2336-4E49-9FF6-9979F82D0080}"/>
               </a:ext>
             </a:extLst>
           </p:cNvPr>
@@ -1995,7 +1995,7 @@
           <p:cNvPr id="3" name="文本占位符 2">
             <a:extLst>
               <a:ext uri="{FF2B5EF4-FFF2-40B4-BE49-F238E27FC236}">
-                <a16:creationId xmlns:a16="http://schemas.microsoft.com/office/drawing/2014/main" id="{ACD18548-DBF4-4DDB-A4FD-8EB659174A85}"/>
+                <a16:creationId xmlns:a16="http://schemas.microsoft.com/office/drawing/2014/main" xmlns="" id="{ACD18548-DBF4-4DDB-A4FD-8EB659174A85}"/>
               </a:ext>
             </a:extLst>
           </p:cNvPr>
@@ -2066,7 +2066,7 @@
           <p:cNvPr id="4" name="内容占位符 3">
             <a:extLst>
               <a:ext uri="{FF2B5EF4-FFF2-40B4-BE49-F238E27FC236}">
-                <a16:creationId xmlns:a16="http://schemas.microsoft.com/office/drawing/2014/main" id="{D8FBD325-2B11-42FE-A52A-EA7E5ECC211B}"/>
+                <a16:creationId xmlns:a16="http://schemas.microsoft.com/office/drawing/2014/main" xmlns="" id="{D8FBD325-2B11-42FE-A52A-EA7E5ECC211B}"/>
               </a:ext>
             </a:extLst>
           </p:cNvPr>
@@ -2128,7 +2128,7 @@
           <p:cNvPr id="5" name="文本占位符 4">
             <a:extLst>
               <a:ext uri="{FF2B5EF4-FFF2-40B4-BE49-F238E27FC236}">
-                <a16:creationId xmlns:a16="http://schemas.microsoft.com/office/drawing/2014/main" id="{2AB99AEA-32A2-4BF8-8836-A16D9D3E5390}"/>
+                <a16:creationId xmlns:a16="http://schemas.microsoft.com/office/drawing/2014/main" xmlns="" id="{2AB99AEA-32A2-4BF8-8836-A16D9D3E5390}"/>
               </a:ext>
             </a:extLst>
           </p:cNvPr>
@@ -2199,7 +2199,7 @@
           <p:cNvPr id="6" name="内容占位符 5">
             <a:extLst>
               <a:ext uri="{FF2B5EF4-FFF2-40B4-BE49-F238E27FC236}">
-                <a16:creationId xmlns:a16="http://schemas.microsoft.com/office/drawing/2014/main" id="{E2DA0C87-624C-407E-9665-0E1ADC890859}"/>
+                <a16:creationId xmlns:a16="http://schemas.microsoft.com/office/drawing/2014/main" xmlns="" id="{E2DA0C87-624C-407E-9665-0E1ADC890859}"/>
               </a:ext>
             </a:extLst>
           </p:cNvPr>
@@ -2261,7 +2261,7 @@
           <p:cNvPr id="7" name="日期占位符 6">
             <a:extLst>
               <a:ext uri="{FF2B5EF4-FFF2-40B4-BE49-F238E27FC236}">
-                <a16:creationId xmlns:a16="http://schemas.microsoft.com/office/drawing/2014/main" id="{A1ABAF7B-217F-4FA6-8DCD-060EC6C9075C}"/>
+                <a16:creationId xmlns:a16="http://schemas.microsoft.com/office/drawing/2014/main" xmlns="" id="{A1ABAF7B-217F-4FA6-8DCD-060EC6C9075C}"/>
               </a:ext>
             </a:extLst>
           </p:cNvPr>
@@ -2279,7 +2279,7 @@
           <a:p>
             <a:fld id="{CEFE1E18-488F-4E28-A416-04D7625F23D6}" type="datetimeFigureOut">
               <a:rPr lang="zh-CN" altLang="en-US" smtClean="0"/>
-              <a:t>2020/1/27</a:t>
+              <a:t>2020/2/23</a:t>
             </a:fld>
             <a:endParaRPr lang="zh-CN" altLang="en-US"/>
           </a:p>
@@ -2290,7 +2290,7 @@
           <p:cNvPr id="8" name="页脚占位符 7">
             <a:extLst>
               <a:ext uri="{FF2B5EF4-FFF2-40B4-BE49-F238E27FC236}">
-                <a16:creationId xmlns:a16="http://schemas.microsoft.com/office/drawing/2014/main" id="{83F0DF77-A539-45E5-BA21-7C3D362E2054}"/>
+                <a16:creationId xmlns:a16="http://schemas.microsoft.com/office/drawing/2014/main" xmlns="" id="{83F0DF77-A539-45E5-BA21-7C3D362E2054}"/>
               </a:ext>
             </a:extLst>
           </p:cNvPr>
@@ -2315,7 +2315,7 @@
           <p:cNvPr id="9" name="灯片编号占位符 8">
             <a:extLst>
               <a:ext uri="{FF2B5EF4-FFF2-40B4-BE49-F238E27FC236}">
-                <a16:creationId xmlns:a16="http://schemas.microsoft.com/office/drawing/2014/main" id="{FD809705-5CF1-4254-A803-360BA0F70649}"/>
+                <a16:creationId xmlns:a16="http://schemas.microsoft.com/office/drawing/2014/main" xmlns="" id="{FD809705-5CF1-4254-A803-360BA0F70649}"/>
               </a:ext>
             </a:extLst>
           </p:cNvPr>
@@ -2374,7 +2374,7 @@
           <p:cNvPr id="2" name="标题 1">
             <a:extLst>
               <a:ext uri="{FF2B5EF4-FFF2-40B4-BE49-F238E27FC236}">
-                <a16:creationId xmlns:a16="http://schemas.microsoft.com/office/drawing/2014/main" id="{4C5483D7-BF30-4A9C-B7A3-126A6F9F2CC8}"/>
+                <a16:creationId xmlns:a16="http://schemas.microsoft.com/office/drawing/2014/main" xmlns="" id="{4C5483D7-BF30-4A9C-B7A3-126A6F9F2CC8}"/>
               </a:ext>
             </a:extLst>
           </p:cNvPr>
@@ -2402,7 +2402,7 @@
           <p:cNvPr id="3" name="日期占位符 2">
             <a:extLst>
               <a:ext uri="{FF2B5EF4-FFF2-40B4-BE49-F238E27FC236}">
-                <a16:creationId xmlns:a16="http://schemas.microsoft.com/office/drawing/2014/main" id="{AF27A59C-F20A-4F36-B028-9B804C7F4C97}"/>
+                <a16:creationId xmlns:a16="http://schemas.microsoft.com/office/drawing/2014/main" xmlns="" id="{AF27A59C-F20A-4F36-B028-9B804C7F4C97}"/>
               </a:ext>
             </a:extLst>
           </p:cNvPr>
@@ -2420,7 +2420,7 @@
           <a:p>
             <a:fld id="{CEFE1E18-488F-4E28-A416-04D7625F23D6}" type="datetimeFigureOut">
               <a:rPr lang="zh-CN" altLang="en-US" smtClean="0"/>
-              <a:t>2020/1/27</a:t>
+              <a:t>2020/2/23</a:t>
             </a:fld>
             <a:endParaRPr lang="zh-CN" altLang="en-US"/>
           </a:p>
@@ -2431,7 +2431,7 @@
           <p:cNvPr id="4" name="页脚占位符 3">
             <a:extLst>
               <a:ext uri="{FF2B5EF4-FFF2-40B4-BE49-F238E27FC236}">
-                <a16:creationId xmlns:a16="http://schemas.microsoft.com/office/drawing/2014/main" id="{E6DA2DF6-B9A3-4DA2-A656-EC7F3442C533}"/>
+                <a16:creationId xmlns:a16="http://schemas.microsoft.com/office/drawing/2014/main" xmlns="" id="{E6DA2DF6-B9A3-4DA2-A656-EC7F3442C533}"/>
               </a:ext>
             </a:extLst>
           </p:cNvPr>
@@ -2456,7 +2456,7 @@
           <p:cNvPr id="5" name="灯片编号占位符 4">
             <a:extLst>
               <a:ext uri="{FF2B5EF4-FFF2-40B4-BE49-F238E27FC236}">
-                <a16:creationId xmlns:a16="http://schemas.microsoft.com/office/drawing/2014/main" id="{FFABBB61-7AD6-4464-A2C4-42D65A9BD15B}"/>
+                <a16:creationId xmlns:a16="http://schemas.microsoft.com/office/drawing/2014/main" xmlns="" id="{FFABBB61-7AD6-4464-A2C4-42D65A9BD15B}"/>
               </a:ext>
             </a:extLst>
           </p:cNvPr>
@@ -2515,7 +2515,7 @@
           <p:cNvPr id="2" name="日期占位符 1">
             <a:extLst>
               <a:ext uri="{FF2B5EF4-FFF2-40B4-BE49-F238E27FC236}">
-                <a16:creationId xmlns:a16="http://schemas.microsoft.com/office/drawing/2014/main" id="{B166BB1F-04FC-4C53-B3EF-803F0C6C4C13}"/>
+                <a16:creationId xmlns:a16="http://schemas.microsoft.com/office/drawing/2014/main" xmlns="" id="{B166BB1F-04FC-4C53-B3EF-803F0C6C4C13}"/>
               </a:ext>
             </a:extLst>
           </p:cNvPr>
@@ -2533,7 +2533,7 @@
           <a:p>
             <a:fld id="{CEFE1E18-488F-4E28-A416-04D7625F23D6}" type="datetimeFigureOut">
               <a:rPr lang="zh-CN" altLang="en-US" smtClean="0"/>
-              <a:t>2020/1/27</a:t>
+              <a:t>2020/2/23</a:t>
             </a:fld>
             <a:endParaRPr lang="zh-CN" altLang="en-US"/>
           </a:p>
@@ -2544,7 +2544,7 @@
           <p:cNvPr id="3" name="页脚占位符 2">
             <a:extLst>
               <a:ext uri="{FF2B5EF4-FFF2-40B4-BE49-F238E27FC236}">
-                <a16:creationId xmlns:a16="http://schemas.microsoft.com/office/drawing/2014/main" id="{2993FB50-54A8-491E-A30A-7D8041B64742}"/>
+                <a16:creationId xmlns:a16="http://schemas.microsoft.com/office/drawing/2014/main" xmlns="" id="{2993FB50-54A8-491E-A30A-7D8041B64742}"/>
               </a:ext>
             </a:extLst>
           </p:cNvPr>
@@ -2569,7 +2569,7 @@
           <p:cNvPr id="4" name="灯片编号占位符 3">
             <a:extLst>
               <a:ext uri="{FF2B5EF4-FFF2-40B4-BE49-F238E27FC236}">
-                <a16:creationId xmlns:a16="http://schemas.microsoft.com/office/drawing/2014/main" id="{0FC0CB51-3B92-490E-AFE0-DADFF2C65E24}"/>
+                <a16:creationId xmlns:a16="http://schemas.microsoft.com/office/drawing/2014/main" xmlns="" id="{0FC0CB51-3B92-490E-AFE0-DADFF2C65E24}"/>
               </a:ext>
             </a:extLst>
           </p:cNvPr>
@@ -2628,7 +2628,7 @@
           <p:cNvPr id="2" name="标题 1">
             <a:extLst>
               <a:ext uri="{FF2B5EF4-FFF2-40B4-BE49-F238E27FC236}">
-                <a16:creationId xmlns:a16="http://schemas.microsoft.com/office/drawing/2014/main" id="{599DE076-7209-4937-9B22-CFA3A86F622E}"/>
+                <a16:creationId xmlns:a16="http://schemas.microsoft.com/office/drawing/2014/main" xmlns="" id="{599DE076-7209-4937-9B22-CFA3A86F622E}"/>
               </a:ext>
             </a:extLst>
           </p:cNvPr>
@@ -2665,7 +2665,7 @@
           <p:cNvPr id="3" name="内容占位符 2">
             <a:extLst>
               <a:ext uri="{FF2B5EF4-FFF2-40B4-BE49-F238E27FC236}">
-                <a16:creationId xmlns:a16="http://schemas.microsoft.com/office/drawing/2014/main" id="{42DC3637-3B72-48B0-A8E3-849AFC6608AF}"/>
+                <a16:creationId xmlns:a16="http://schemas.microsoft.com/office/drawing/2014/main" xmlns="" id="{42DC3637-3B72-48B0-A8E3-849AFC6608AF}"/>
               </a:ext>
             </a:extLst>
           </p:cNvPr>
@@ -2755,7 +2755,7 @@
           <p:cNvPr id="4" name="文本占位符 3">
             <a:extLst>
               <a:ext uri="{FF2B5EF4-FFF2-40B4-BE49-F238E27FC236}">
-                <a16:creationId xmlns:a16="http://schemas.microsoft.com/office/drawing/2014/main" id="{8E35AE1F-3BA2-46A4-B54A-A86DAA84A5F2}"/>
+                <a16:creationId xmlns:a16="http://schemas.microsoft.com/office/drawing/2014/main" xmlns="" id="{8E35AE1F-3BA2-46A4-B54A-A86DAA84A5F2}"/>
               </a:ext>
             </a:extLst>
           </p:cNvPr>
@@ -2826,7 +2826,7 @@
           <p:cNvPr id="5" name="日期占位符 4">
             <a:extLst>
               <a:ext uri="{FF2B5EF4-FFF2-40B4-BE49-F238E27FC236}">
-                <a16:creationId xmlns:a16="http://schemas.microsoft.com/office/drawing/2014/main" id="{93AE9701-0060-4D95-A64B-E5EEAA9F4A04}"/>
+                <a16:creationId xmlns:a16="http://schemas.microsoft.com/office/drawing/2014/main" xmlns="" id="{93AE9701-0060-4D95-A64B-E5EEAA9F4A04}"/>
               </a:ext>
             </a:extLst>
           </p:cNvPr>
@@ -2844,7 +2844,7 @@
           <a:p>
             <a:fld id="{CEFE1E18-488F-4E28-A416-04D7625F23D6}" type="datetimeFigureOut">
               <a:rPr lang="zh-CN" altLang="en-US" smtClean="0"/>
-              <a:t>2020/1/27</a:t>
+              <a:t>2020/2/23</a:t>
             </a:fld>
             <a:endParaRPr lang="zh-CN" altLang="en-US"/>
           </a:p>
@@ -2855,7 +2855,7 @@
           <p:cNvPr id="6" name="页脚占位符 5">
             <a:extLst>
               <a:ext uri="{FF2B5EF4-FFF2-40B4-BE49-F238E27FC236}">
-                <a16:creationId xmlns:a16="http://schemas.microsoft.com/office/drawing/2014/main" id="{A2A43AE0-ABCA-4EAA-8461-8918F62C13BF}"/>
+                <a16:creationId xmlns:a16="http://schemas.microsoft.com/office/drawing/2014/main" xmlns="" id="{A2A43AE0-ABCA-4EAA-8461-8918F62C13BF}"/>
               </a:ext>
             </a:extLst>
           </p:cNvPr>
@@ -2880,7 +2880,7 @@
           <p:cNvPr id="7" name="灯片编号占位符 6">
             <a:extLst>
               <a:ext uri="{FF2B5EF4-FFF2-40B4-BE49-F238E27FC236}">
-                <a16:creationId xmlns:a16="http://schemas.microsoft.com/office/drawing/2014/main" id="{CAFF1730-74B0-4F81-8BC9-D1C2654413DC}"/>
+                <a16:creationId xmlns:a16="http://schemas.microsoft.com/office/drawing/2014/main" xmlns="" id="{CAFF1730-74B0-4F81-8BC9-D1C2654413DC}"/>
               </a:ext>
             </a:extLst>
           </p:cNvPr>
@@ -2939,7 +2939,7 @@
           <p:cNvPr id="2" name="标题 1">
             <a:extLst>
               <a:ext uri="{FF2B5EF4-FFF2-40B4-BE49-F238E27FC236}">
-                <a16:creationId xmlns:a16="http://schemas.microsoft.com/office/drawing/2014/main" id="{330B132C-D4AD-4489-8658-F085BFFA5985}"/>
+                <a16:creationId xmlns:a16="http://schemas.microsoft.com/office/drawing/2014/main" xmlns="" id="{330B132C-D4AD-4489-8658-F085BFFA5985}"/>
               </a:ext>
             </a:extLst>
           </p:cNvPr>
@@ -2976,7 +2976,7 @@
           <p:cNvPr id="3" name="图片占位符 2">
             <a:extLst>
               <a:ext uri="{FF2B5EF4-FFF2-40B4-BE49-F238E27FC236}">
-                <a16:creationId xmlns:a16="http://schemas.microsoft.com/office/drawing/2014/main" id="{030064CC-8EC4-4CBA-B033-9DA90C46D4D8}"/>
+                <a16:creationId xmlns:a16="http://schemas.microsoft.com/office/drawing/2014/main" xmlns="" id="{030064CC-8EC4-4CBA-B033-9DA90C46D4D8}"/>
               </a:ext>
             </a:extLst>
           </p:cNvPr>
@@ -3043,7 +3043,7 @@
           <p:cNvPr id="4" name="文本占位符 3">
             <a:extLst>
               <a:ext uri="{FF2B5EF4-FFF2-40B4-BE49-F238E27FC236}">
-                <a16:creationId xmlns:a16="http://schemas.microsoft.com/office/drawing/2014/main" id="{2E277620-A857-4927-8BE8-3124139E7BF4}"/>
+                <a16:creationId xmlns:a16="http://schemas.microsoft.com/office/drawing/2014/main" xmlns="" id="{2E277620-A857-4927-8BE8-3124139E7BF4}"/>
               </a:ext>
             </a:extLst>
           </p:cNvPr>
@@ -3114,7 +3114,7 @@
           <p:cNvPr id="5" name="日期占位符 4">
             <a:extLst>
               <a:ext uri="{FF2B5EF4-FFF2-40B4-BE49-F238E27FC236}">
-                <a16:creationId xmlns:a16="http://schemas.microsoft.com/office/drawing/2014/main" id="{16335D3D-1D4A-44C8-8356-F587841A8E76}"/>
+                <a16:creationId xmlns:a16="http://schemas.microsoft.com/office/drawing/2014/main" xmlns="" id="{16335D3D-1D4A-44C8-8356-F587841A8E76}"/>
               </a:ext>
             </a:extLst>
           </p:cNvPr>
@@ -3132,7 +3132,7 @@
           <a:p>
             <a:fld id="{CEFE1E18-488F-4E28-A416-04D7625F23D6}" type="datetimeFigureOut">
               <a:rPr lang="zh-CN" altLang="en-US" smtClean="0"/>
-              <a:t>2020/1/27</a:t>
+              <a:t>2020/2/23</a:t>
             </a:fld>
             <a:endParaRPr lang="zh-CN" altLang="en-US"/>
           </a:p>
@@ -3143,7 +3143,7 @@
           <p:cNvPr id="6" name="页脚占位符 5">
             <a:extLst>
               <a:ext uri="{FF2B5EF4-FFF2-40B4-BE49-F238E27FC236}">
-                <a16:creationId xmlns:a16="http://schemas.microsoft.com/office/drawing/2014/main" id="{D9033418-B410-4469-ACEF-A6DF55AF5B6A}"/>
+                <a16:creationId xmlns:a16="http://schemas.microsoft.com/office/drawing/2014/main" xmlns="" id="{D9033418-B410-4469-ACEF-A6DF55AF5B6A}"/>
               </a:ext>
             </a:extLst>
           </p:cNvPr>
@@ -3168,7 +3168,7 @@
           <p:cNvPr id="7" name="灯片编号占位符 6">
             <a:extLst>
               <a:ext uri="{FF2B5EF4-FFF2-40B4-BE49-F238E27FC236}">
-                <a16:creationId xmlns:a16="http://schemas.microsoft.com/office/drawing/2014/main" id="{AAC6B9E0-044D-421B-B778-CD56754D05E9}"/>
+                <a16:creationId xmlns:a16="http://schemas.microsoft.com/office/drawing/2014/main" xmlns="" id="{AAC6B9E0-044D-421B-B778-CD56754D05E9}"/>
               </a:ext>
             </a:extLst>
           </p:cNvPr>
@@ -3232,7 +3232,7 @@
           <p:cNvPr id="2" name="标题占位符 1">
             <a:extLst>
               <a:ext uri="{FF2B5EF4-FFF2-40B4-BE49-F238E27FC236}">
-                <a16:creationId xmlns:a16="http://schemas.microsoft.com/office/drawing/2014/main" id="{7A22B977-6EE2-45CB-A25E-33244B2355A5}"/>
+                <a16:creationId xmlns:a16="http://schemas.microsoft.com/office/drawing/2014/main" xmlns="" id="{7A22B977-6EE2-45CB-A25E-33244B2355A5}"/>
               </a:ext>
             </a:extLst>
           </p:cNvPr>
@@ -3270,7 +3270,7 @@
           <p:cNvPr id="3" name="文本占位符 2">
             <a:extLst>
               <a:ext uri="{FF2B5EF4-FFF2-40B4-BE49-F238E27FC236}">
-                <a16:creationId xmlns:a16="http://schemas.microsoft.com/office/drawing/2014/main" id="{D6AB2D27-E4CC-4C13-ACD5-7F510AC7FD9A}"/>
+                <a16:creationId xmlns:a16="http://schemas.microsoft.com/office/drawing/2014/main" xmlns="" id="{D6AB2D27-E4CC-4C13-ACD5-7F510AC7FD9A}"/>
               </a:ext>
             </a:extLst>
           </p:cNvPr>
@@ -3337,7 +3337,7 @@
           <p:cNvPr id="4" name="日期占位符 3">
             <a:extLst>
               <a:ext uri="{FF2B5EF4-FFF2-40B4-BE49-F238E27FC236}">
-                <a16:creationId xmlns:a16="http://schemas.microsoft.com/office/drawing/2014/main" id="{B7C6D5B4-53FC-44AF-98AB-0578C4EAF4A5}"/>
+                <a16:creationId xmlns:a16="http://schemas.microsoft.com/office/drawing/2014/main" xmlns="" id="{B7C6D5B4-53FC-44AF-98AB-0578C4EAF4A5}"/>
               </a:ext>
             </a:extLst>
           </p:cNvPr>
@@ -3373,7 +3373,7 @@
           <a:p>
             <a:fld id="{CEFE1E18-488F-4E28-A416-04D7625F23D6}" type="datetimeFigureOut">
               <a:rPr lang="zh-CN" altLang="en-US" smtClean="0"/>
-              <a:t>2020/1/27</a:t>
+              <a:t>2020/2/23</a:t>
             </a:fld>
             <a:endParaRPr lang="zh-CN" altLang="en-US"/>
           </a:p>
@@ -3384,7 +3384,7 @@
           <p:cNvPr id="5" name="页脚占位符 4">
             <a:extLst>
               <a:ext uri="{FF2B5EF4-FFF2-40B4-BE49-F238E27FC236}">
-                <a16:creationId xmlns:a16="http://schemas.microsoft.com/office/drawing/2014/main" id="{FC3942EC-E75D-494D-BBDB-EDE0FDFE6299}"/>
+                <a16:creationId xmlns:a16="http://schemas.microsoft.com/office/drawing/2014/main" xmlns="" id="{FC3942EC-E75D-494D-BBDB-EDE0FDFE6299}"/>
               </a:ext>
             </a:extLst>
           </p:cNvPr>
@@ -3427,7 +3427,7 @@
           <p:cNvPr id="6" name="灯片编号占位符 5">
             <a:extLst>
               <a:ext uri="{FF2B5EF4-FFF2-40B4-BE49-F238E27FC236}">
-                <a16:creationId xmlns:a16="http://schemas.microsoft.com/office/drawing/2014/main" id="{D12447E3-C28B-4F2E-9F7F-39197D4DEAAF}"/>
+                <a16:creationId xmlns:a16="http://schemas.microsoft.com/office/drawing/2014/main" xmlns="" id="{D12447E3-C28B-4F2E-9F7F-39197D4DEAAF}"/>
               </a:ext>
             </a:extLst>
           </p:cNvPr>
@@ -3795,7 +3795,7 @@
           <p:cNvPr id="5" name="图片 4">
             <a:extLst>
               <a:ext uri="{FF2B5EF4-FFF2-40B4-BE49-F238E27FC236}">
-                <a16:creationId xmlns:a16="http://schemas.microsoft.com/office/drawing/2014/main" id="{DD191DAD-6C3D-4375-A4BE-2B09B7C3EA20}"/>
+                <a16:creationId xmlns:a16="http://schemas.microsoft.com/office/drawing/2014/main" xmlns="" id="{DD191DAD-6C3D-4375-A4BE-2B09B7C3EA20}"/>
               </a:ext>
             </a:extLst>
           </p:cNvPr>
@@ -3831,7 +3831,7 @@
           <p:cNvPr id="7" name="图片 6">
             <a:extLst>
               <a:ext uri="{FF2B5EF4-FFF2-40B4-BE49-F238E27FC236}">
-                <a16:creationId xmlns:a16="http://schemas.microsoft.com/office/drawing/2014/main" id="{195B1902-0FFB-4908-9890-2FECC29BC872}"/>
+                <a16:creationId xmlns:a16="http://schemas.microsoft.com/office/drawing/2014/main" xmlns="" id="{195B1902-0FFB-4908-9890-2FECC29BC872}"/>
               </a:ext>
             </a:extLst>
           </p:cNvPr>
@@ -3867,7 +3867,7 @@
           <p:cNvPr id="8" name="箭头: 右 7">
             <a:extLst>
               <a:ext uri="{FF2B5EF4-FFF2-40B4-BE49-F238E27FC236}">
-                <a16:creationId xmlns:a16="http://schemas.microsoft.com/office/drawing/2014/main" id="{40F075EB-CAD4-4434-81D0-55E40913105E}"/>
+                <a16:creationId xmlns:a16="http://schemas.microsoft.com/office/drawing/2014/main" xmlns="" id="{40F075EB-CAD4-4434-81D0-55E40913105E}"/>
               </a:ext>
             </a:extLst>
           </p:cNvPr>
@@ -3943,7 +3943,7 @@
           <p:cNvPr id="13" name="文本框 12">
             <a:extLst>
               <a:ext uri="{FF2B5EF4-FFF2-40B4-BE49-F238E27FC236}">
-                <a16:creationId xmlns:a16="http://schemas.microsoft.com/office/drawing/2014/main" id="{39522679-1DBD-45E3-A697-06B2AD65BB7D}"/>
+                <a16:creationId xmlns:a16="http://schemas.microsoft.com/office/drawing/2014/main" xmlns="" id="{39522679-1DBD-45E3-A697-06B2AD65BB7D}"/>
               </a:ext>
             </a:extLst>
           </p:cNvPr>
@@ -3979,7 +3979,7 @@
           <p:cNvPr id="14" name="文本框 13">
             <a:extLst>
               <a:ext uri="{FF2B5EF4-FFF2-40B4-BE49-F238E27FC236}">
-                <a16:creationId xmlns:a16="http://schemas.microsoft.com/office/drawing/2014/main" id="{A8DC7F8D-133B-4ABB-A750-912E0B6CFD91}"/>
+                <a16:creationId xmlns:a16="http://schemas.microsoft.com/office/drawing/2014/main" xmlns="" id="{A8DC7F8D-133B-4ABB-A750-912E0B6CFD91}"/>
               </a:ext>
             </a:extLst>
           </p:cNvPr>
@@ -4015,7 +4015,7 @@
           <p:cNvPr id="15" name="文本框 14">
             <a:extLst>
               <a:ext uri="{FF2B5EF4-FFF2-40B4-BE49-F238E27FC236}">
-                <a16:creationId xmlns:a16="http://schemas.microsoft.com/office/drawing/2014/main" id="{75966CCA-5CBD-40B2-A276-9BE6C813E604}"/>
+                <a16:creationId xmlns:a16="http://schemas.microsoft.com/office/drawing/2014/main" xmlns="" id="{75966CCA-5CBD-40B2-A276-9BE6C813E604}"/>
               </a:ext>
             </a:extLst>
           </p:cNvPr>
@@ -4051,7 +4051,7 @@
           <p:cNvPr id="16" name="文本框 15">
             <a:extLst>
               <a:ext uri="{FF2B5EF4-FFF2-40B4-BE49-F238E27FC236}">
-                <a16:creationId xmlns:a16="http://schemas.microsoft.com/office/drawing/2014/main" id="{B438946F-29E0-421C-9C5A-3AEE6A8861D6}"/>
+                <a16:creationId xmlns:a16="http://schemas.microsoft.com/office/drawing/2014/main" xmlns="" id="{B438946F-29E0-421C-9C5A-3AEE6A8861D6}"/>
               </a:ext>
             </a:extLst>
           </p:cNvPr>
@@ -4087,7 +4087,7 @@
           <p:cNvPr id="28" name="图片 27">
             <a:extLst>
               <a:ext uri="{FF2B5EF4-FFF2-40B4-BE49-F238E27FC236}">
-                <a16:creationId xmlns:a16="http://schemas.microsoft.com/office/drawing/2014/main" id="{B421DCDE-4ACA-448D-9866-EC4F8BF60143}"/>
+                <a16:creationId xmlns:a16="http://schemas.microsoft.com/office/drawing/2014/main" xmlns="" id="{B421DCDE-4ACA-448D-9866-EC4F8BF60143}"/>
               </a:ext>
             </a:extLst>
           </p:cNvPr>
@@ -4123,7 +4123,7 @@
           <p:cNvPr id="30" name="图片 29">
             <a:extLst>
               <a:ext uri="{FF2B5EF4-FFF2-40B4-BE49-F238E27FC236}">
-                <a16:creationId xmlns:a16="http://schemas.microsoft.com/office/drawing/2014/main" id="{D5E53485-E626-486F-B422-0C925A8F50DF}"/>
+                <a16:creationId xmlns:a16="http://schemas.microsoft.com/office/drawing/2014/main" xmlns="" id="{D5E53485-E626-486F-B422-0C925A8F50DF}"/>
               </a:ext>
             </a:extLst>
           </p:cNvPr>
@@ -4159,7 +4159,7 @@
           <p:cNvPr id="32" name="图片 31">
             <a:extLst>
               <a:ext uri="{FF2B5EF4-FFF2-40B4-BE49-F238E27FC236}">
-                <a16:creationId xmlns:a16="http://schemas.microsoft.com/office/drawing/2014/main" id="{6C6C47EA-5D61-48AE-8598-0EC4DCC044AE}"/>
+                <a16:creationId xmlns:a16="http://schemas.microsoft.com/office/drawing/2014/main" xmlns="" id="{6C6C47EA-5D61-48AE-8598-0EC4DCC044AE}"/>
               </a:ext>
             </a:extLst>
           </p:cNvPr>
@@ -4195,7 +4195,7 @@
           <p:cNvPr id="34" name="图片 33">
             <a:extLst>
               <a:ext uri="{FF2B5EF4-FFF2-40B4-BE49-F238E27FC236}">
-                <a16:creationId xmlns:a16="http://schemas.microsoft.com/office/drawing/2014/main" id="{6DF0B6DC-55E7-4998-8AC8-28CABE909AE3}"/>
+                <a16:creationId xmlns:a16="http://schemas.microsoft.com/office/drawing/2014/main" xmlns="" id="{6DF0B6DC-55E7-4998-8AC8-28CABE909AE3}"/>
               </a:ext>
             </a:extLst>
           </p:cNvPr>
@@ -4261,7 +4261,7 @@
           <p:cNvPr id="127" name="组合 126">
             <a:extLst>
               <a:ext uri="{FF2B5EF4-FFF2-40B4-BE49-F238E27FC236}">
-                <a16:creationId xmlns:a16="http://schemas.microsoft.com/office/drawing/2014/main" id="{B272328B-F972-4C04-A4EE-57F56EA33B72}"/>
+                <a16:creationId xmlns:a16="http://schemas.microsoft.com/office/drawing/2014/main" xmlns="" id="{B272328B-F972-4C04-A4EE-57F56EA33B72}"/>
               </a:ext>
             </a:extLst>
           </p:cNvPr>
@@ -4281,7 +4281,7 @@
             <p:cNvPr id="2" name="椭圆 1">
               <a:extLst>
                 <a:ext uri="{FF2B5EF4-FFF2-40B4-BE49-F238E27FC236}">
-                  <a16:creationId xmlns:a16="http://schemas.microsoft.com/office/drawing/2014/main" id="{4DA6AB1A-DA35-4B3B-AB6A-9553716E90B9}"/>
+                  <a16:creationId xmlns:a16="http://schemas.microsoft.com/office/drawing/2014/main" xmlns="" id="{4DA6AB1A-DA35-4B3B-AB6A-9553716E90B9}"/>
                 </a:ext>
               </a:extLst>
             </p:cNvPr>
@@ -4330,7 +4330,7 @@
             <p:cNvPr id="12" name="椭圆 11">
               <a:extLst>
                 <a:ext uri="{FF2B5EF4-FFF2-40B4-BE49-F238E27FC236}">
-                  <a16:creationId xmlns:a16="http://schemas.microsoft.com/office/drawing/2014/main" id="{AEF5F4C7-52AD-44FE-8C9E-6C14A73C942F}"/>
+                  <a16:creationId xmlns:a16="http://schemas.microsoft.com/office/drawing/2014/main" xmlns="" id="{AEF5F4C7-52AD-44FE-8C9E-6C14A73C942F}"/>
                 </a:ext>
               </a:extLst>
             </p:cNvPr>
@@ -4379,7 +4379,7 @@
             <p:cNvPr id="22" name="椭圆 21">
               <a:extLst>
                 <a:ext uri="{FF2B5EF4-FFF2-40B4-BE49-F238E27FC236}">
-                  <a16:creationId xmlns:a16="http://schemas.microsoft.com/office/drawing/2014/main" id="{A46B6463-B575-4B51-ABF4-05049A62D1D0}"/>
+                  <a16:creationId xmlns:a16="http://schemas.microsoft.com/office/drawing/2014/main" xmlns="" id="{A46B6463-B575-4B51-ABF4-05049A62D1D0}"/>
                 </a:ext>
               </a:extLst>
             </p:cNvPr>
@@ -4428,7 +4428,7 @@
             <p:cNvPr id="23" name="椭圆 22">
               <a:extLst>
                 <a:ext uri="{FF2B5EF4-FFF2-40B4-BE49-F238E27FC236}">
-                  <a16:creationId xmlns:a16="http://schemas.microsoft.com/office/drawing/2014/main" id="{7EC7C9EA-F39A-4124-A60E-DC9699816EB1}"/>
+                  <a16:creationId xmlns:a16="http://schemas.microsoft.com/office/drawing/2014/main" xmlns="" id="{7EC7C9EA-F39A-4124-A60E-DC9699816EB1}"/>
                 </a:ext>
               </a:extLst>
             </p:cNvPr>
@@ -4477,7 +4477,7 @@
             <p:cNvPr id="24" name="椭圆 23">
               <a:extLst>
                 <a:ext uri="{FF2B5EF4-FFF2-40B4-BE49-F238E27FC236}">
-                  <a16:creationId xmlns:a16="http://schemas.microsoft.com/office/drawing/2014/main" id="{8A317C67-90FB-49A3-BDD7-A8DC34C27371}"/>
+                  <a16:creationId xmlns:a16="http://schemas.microsoft.com/office/drawing/2014/main" xmlns="" id="{8A317C67-90FB-49A3-BDD7-A8DC34C27371}"/>
                 </a:ext>
               </a:extLst>
             </p:cNvPr>
@@ -4526,7 +4526,7 @@
             <p:cNvPr id="25" name="椭圆 24">
               <a:extLst>
                 <a:ext uri="{FF2B5EF4-FFF2-40B4-BE49-F238E27FC236}">
-                  <a16:creationId xmlns:a16="http://schemas.microsoft.com/office/drawing/2014/main" id="{0D14E1AF-3D6C-4369-8DDC-0A1A737DB7C9}"/>
+                  <a16:creationId xmlns:a16="http://schemas.microsoft.com/office/drawing/2014/main" xmlns="" id="{0D14E1AF-3D6C-4369-8DDC-0A1A737DB7C9}"/>
                 </a:ext>
               </a:extLst>
             </p:cNvPr>
@@ -4575,7 +4575,7 @@
             <p:cNvPr id="26" name="椭圆 25">
               <a:extLst>
                 <a:ext uri="{FF2B5EF4-FFF2-40B4-BE49-F238E27FC236}">
-                  <a16:creationId xmlns:a16="http://schemas.microsoft.com/office/drawing/2014/main" id="{156D1125-188D-4CF2-B253-D9A8D2A62C11}"/>
+                  <a16:creationId xmlns:a16="http://schemas.microsoft.com/office/drawing/2014/main" xmlns="" id="{156D1125-188D-4CF2-B253-D9A8D2A62C11}"/>
                 </a:ext>
               </a:extLst>
             </p:cNvPr>
@@ -4624,7 +4624,7 @@
             <p:cNvPr id="27" name="椭圆 26">
               <a:extLst>
                 <a:ext uri="{FF2B5EF4-FFF2-40B4-BE49-F238E27FC236}">
-                  <a16:creationId xmlns:a16="http://schemas.microsoft.com/office/drawing/2014/main" id="{C7C73B13-46B0-4F49-9191-A6E6022E91A6}"/>
+                  <a16:creationId xmlns:a16="http://schemas.microsoft.com/office/drawing/2014/main" xmlns="" id="{C7C73B13-46B0-4F49-9191-A6E6022E91A6}"/>
                 </a:ext>
               </a:extLst>
             </p:cNvPr>
@@ -4673,7 +4673,7 @@
             <p:cNvPr id="29" name="椭圆 28">
               <a:extLst>
                 <a:ext uri="{FF2B5EF4-FFF2-40B4-BE49-F238E27FC236}">
-                  <a16:creationId xmlns:a16="http://schemas.microsoft.com/office/drawing/2014/main" id="{D2ADA9BC-D946-45FB-8702-17109284B281}"/>
+                  <a16:creationId xmlns:a16="http://schemas.microsoft.com/office/drawing/2014/main" xmlns="" id="{D2ADA9BC-D946-45FB-8702-17109284B281}"/>
                 </a:ext>
               </a:extLst>
             </p:cNvPr>
@@ -4722,7 +4722,7 @@
             <p:cNvPr id="31" name="椭圆 30">
               <a:extLst>
                 <a:ext uri="{FF2B5EF4-FFF2-40B4-BE49-F238E27FC236}">
-                  <a16:creationId xmlns:a16="http://schemas.microsoft.com/office/drawing/2014/main" id="{B5ADD823-85EC-420D-9D86-29A3C11C28FF}"/>
+                  <a16:creationId xmlns:a16="http://schemas.microsoft.com/office/drawing/2014/main" xmlns="" id="{B5ADD823-85EC-420D-9D86-29A3C11C28FF}"/>
                 </a:ext>
               </a:extLst>
             </p:cNvPr>
@@ -4771,7 +4771,7 @@
             <p:cNvPr id="33" name="椭圆 32">
               <a:extLst>
                 <a:ext uri="{FF2B5EF4-FFF2-40B4-BE49-F238E27FC236}">
-                  <a16:creationId xmlns:a16="http://schemas.microsoft.com/office/drawing/2014/main" id="{86F14B60-764B-47EA-A7AE-E760FEA924B8}"/>
+                  <a16:creationId xmlns:a16="http://schemas.microsoft.com/office/drawing/2014/main" xmlns="" id="{86F14B60-764B-47EA-A7AE-E760FEA924B8}"/>
                 </a:ext>
               </a:extLst>
             </p:cNvPr>
@@ -4820,7 +4820,7 @@
             <p:cNvPr id="35" name="椭圆 34">
               <a:extLst>
                 <a:ext uri="{FF2B5EF4-FFF2-40B4-BE49-F238E27FC236}">
-                  <a16:creationId xmlns:a16="http://schemas.microsoft.com/office/drawing/2014/main" id="{E6E8F6CD-021B-45C7-90DF-ED56DE77A688}"/>
+                  <a16:creationId xmlns:a16="http://schemas.microsoft.com/office/drawing/2014/main" xmlns="" id="{E6E8F6CD-021B-45C7-90DF-ED56DE77A688}"/>
                 </a:ext>
               </a:extLst>
             </p:cNvPr>
@@ -4869,7 +4869,7 @@
             <p:cNvPr id="36" name="椭圆 35">
               <a:extLst>
                 <a:ext uri="{FF2B5EF4-FFF2-40B4-BE49-F238E27FC236}">
-                  <a16:creationId xmlns:a16="http://schemas.microsoft.com/office/drawing/2014/main" id="{64659544-8BCB-4298-987C-51731F4947D5}"/>
+                  <a16:creationId xmlns:a16="http://schemas.microsoft.com/office/drawing/2014/main" xmlns="" id="{64659544-8BCB-4298-987C-51731F4947D5}"/>
                 </a:ext>
               </a:extLst>
             </p:cNvPr>
@@ -4918,7 +4918,7 @@
             <p:cNvPr id="37" name="椭圆 36">
               <a:extLst>
                 <a:ext uri="{FF2B5EF4-FFF2-40B4-BE49-F238E27FC236}">
-                  <a16:creationId xmlns:a16="http://schemas.microsoft.com/office/drawing/2014/main" id="{364E8D54-41BF-4871-BC1F-EE12C9751427}"/>
+                  <a16:creationId xmlns:a16="http://schemas.microsoft.com/office/drawing/2014/main" xmlns="" id="{364E8D54-41BF-4871-BC1F-EE12C9751427}"/>
                 </a:ext>
               </a:extLst>
             </p:cNvPr>
@@ -4967,7 +4967,7 @@
             <p:cNvPr id="4" name="箭头: 右 3">
               <a:extLst>
                 <a:ext uri="{FF2B5EF4-FFF2-40B4-BE49-F238E27FC236}">
-                  <a16:creationId xmlns:a16="http://schemas.microsoft.com/office/drawing/2014/main" id="{63CEFA86-5800-43CA-8277-5B574ECEA55E}"/>
+                  <a16:creationId xmlns:a16="http://schemas.microsoft.com/office/drawing/2014/main" xmlns="" id="{63CEFA86-5800-43CA-8277-5B574ECEA55E}"/>
                 </a:ext>
               </a:extLst>
             </p:cNvPr>
@@ -5013,7 +5013,7 @@
             <p:cNvPr id="5" name="文本框 4">
               <a:extLst>
                 <a:ext uri="{FF2B5EF4-FFF2-40B4-BE49-F238E27FC236}">
-                  <a16:creationId xmlns:a16="http://schemas.microsoft.com/office/drawing/2014/main" id="{DB761B0D-B4EF-4C5A-9973-54372F2D5E96}"/>
+                  <a16:creationId xmlns:a16="http://schemas.microsoft.com/office/drawing/2014/main" xmlns="" id="{DB761B0D-B4EF-4C5A-9973-54372F2D5E96}"/>
                 </a:ext>
               </a:extLst>
             </p:cNvPr>
@@ -5048,7 +5048,7 @@
             <p:cNvPr id="42" name="椭圆 41">
               <a:extLst>
                 <a:ext uri="{FF2B5EF4-FFF2-40B4-BE49-F238E27FC236}">
-                  <a16:creationId xmlns:a16="http://schemas.microsoft.com/office/drawing/2014/main" id="{4314A379-8DAE-4946-B3EF-2829220F61FC}"/>
+                  <a16:creationId xmlns:a16="http://schemas.microsoft.com/office/drawing/2014/main" xmlns="" id="{4314A379-8DAE-4946-B3EF-2829220F61FC}"/>
                 </a:ext>
               </a:extLst>
             </p:cNvPr>
@@ -5097,7 +5097,7 @@
             <p:cNvPr id="43" name="椭圆 42">
               <a:extLst>
                 <a:ext uri="{FF2B5EF4-FFF2-40B4-BE49-F238E27FC236}">
-                  <a16:creationId xmlns:a16="http://schemas.microsoft.com/office/drawing/2014/main" id="{931B962A-1CBA-43C8-9EFE-76A30E4D48D9}"/>
+                  <a16:creationId xmlns:a16="http://schemas.microsoft.com/office/drawing/2014/main" xmlns="" id="{931B962A-1CBA-43C8-9EFE-76A30E4D48D9}"/>
                 </a:ext>
               </a:extLst>
             </p:cNvPr>
@@ -5146,7 +5146,7 @@
             <p:cNvPr id="44" name="椭圆 43">
               <a:extLst>
                 <a:ext uri="{FF2B5EF4-FFF2-40B4-BE49-F238E27FC236}">
-                  <a16:creationId xmlns:a16="http://schemas.microsoft.com/office/drawing/2014/main" id="{3223C0BC-6226-4503-853E-B849FEA990E1}"/>
+                  <a16:creationId xmlns:a16="http://schemas.microsoft.com/office/drawing/2014/main" xmlns="" id="{3223C0BC-6226-4503-853E-B849FEA990E1}"/>
                 </a:ext>
               </a:extLst>
             </p:cNvPr>
@@ -5195,7 +5195,7 @@
             <p:cNvPr id="45" name="椭圆 44">
               <a:extLst>
                 <a:ext uri="{FF2B5EF4-FFF2-40B4-BE49-F238E27FC236}">
-                  <a16:creationId xmlns:a16="http://schemas.microsoft.com/office/drawing/2014/main" id="{1228C1B3-9199-476A-AD66-7824507D8539}"/>
+                  <a16:creationId xmlns:a16="http://schemas.microsoft.com/office/drawing/2014/main" xmlns="" id="{1228C1B3-9199-476A-AD66-7824507D8539}"/>
                 </a:ext>
               </a:extLst>
             </p:cNvPr>
@@ -5244,7 +5244,7 @@
             <p:cNvPr id="46" name="椭圆 45">
               <a:extLst>
                 <a:ext uri="{FF2B5EF4-FFF2-40B4-BE49-F238E27FC236}">
-                  <a16:creationId xmlns:a16="http://schemas.microsoft.com/office/drawing/2014/main" id="{B5BC4BBF-FA8A-4C45-8FEF-CD00A8103970}"/>
+                  <a16:creationId xmlns:a16="http://schemas.microsoft.com/office/drawing/2014/main" xmlns="" id="{B5BC4BBF-FA8A-4C45-8FEF-CD00A8103970}"/>
                 </a:ext>
               </a:extLst>
             </p:cNvPr>
@@ -5293,7 +5293,7 @@
             <p:cNvPr id="11" name="组合 10">
               <a:extLst>
                 <a:ext uri="{FF2B5EF4-FFF2-40B4-BE49-F238E27FC236}">
-                  <a16:creationId xmlns:a16="http://schemas.microsoft.com/office/drawing/2014/main" id="{CDFA6D8A-7DDB-419F-86B8-B37255CDFAAA}"/>
+                  <a16:creationId xmlns:a16="http://schemas.microsoft.com/office/drawing/2014/main" xmlns="" id="{CDFA6D8A-7DDB-419F-86B8-B37255CDFAAA}"/>
                 </a:ext>
               </a:extLst>
             </p:cNvPr>
@@ -5313,7 +5313,7 @@
               <p:cNvPr id="47" name="椭圆 46">
                 <a:extLst>
                   <a:ext uri="{FF2B5EF4-FFF2-40B4-BE49-F238E27FC236}">
-                    <a16:creationId xmlns:a16="http://schemas.microsoft.com/office/drawing/2014/main" id="{F83D6A45-D267-4B1B-BCEE-C4F60556B50F}"/>
+                    <a16:creationId xmlns:a16="http://schemas.microsoft.com/office/drawing/2014/main" xmlns="" id="{F83D6A45-D267-4B1B-BCEE-C4F60556B50F}"/>
                   </a:ext>
                 </a:extLst>
               </p:cNvPr>
@@ -5362,7 +5362,7 @@
               <p:cNvPr id="48" name="椭圆 47">
                 <a:extLst>
                   <a:ext uri="{FF2B5EF4-FFF2-40B4-BE49-F238E27FC236}">
-                    <a16:creationId xmlns:a16="http://schemas.microsoft.com/office/drawing/2014/main" id="{27E22C83-E99B-4AA9-92EE-F76453479B2A}"/>
+                    <a16:creationId xmlns:a16="http://schemas.microsoft.com/office/drawing/2014/main" xmlns="" id="{27E22C83-E99B-4AA9-92EE-F76453479B2A}"/>
                   </a:ext>
                 </a:extLst>
               </p:cNvPr>
@@ -5411,7 +5411,7 @@
               <p:cNvPr id="49" name="椭圆 48">
                 <a:extLst>
                   <a:ext uri="{FF2B5EF4-FFF2-40B4-BE49-F238E27FC236}">
-                    <a16:creationId xmlns:a16="http://schemas.microsoft.com/office/drawing/2014/main" id="{5AB39D17-454C-42F7-96C7-905932FA4C06}"/>
+                    <a16:creationId xmlns:a16="http://schemas.microsoft.com/office/drawing/2014/main" xmlns="" id="{5AB39D17-454C-42F7-96C7-905932FA4C06}"/>
                   </a:ext>
                 </a:extLst>
               </p:cNvPr>
@@ -5460,7 +5460,7 @@
               <p:cNvPr id="50" name="椭圆 49">
                 <a:extLst>
                   <a:ext uri="{FF2B5EF4-FFF2-40B4-BE49-F238E27FC236}">
-                    <a16:creationId xmlns:a16="http://schemas.microsoft.com/office/drawing/2014/main" id="{BEF627A3-5B38-4361-A88E-AF23A1360BE3}"/>
+                    <a16:creationId xmlns:a16="http://schemas.microsoft.com/office/drawing/2014/main" xmlns="" id="{BEF627A3-5B38-4361-A88E-AF23A1360BE3}"/>
                   </a:ext>
                 </a:extLst>
               </p:cNvPr>
@@ -5509,7 +5509,7 @@
               <p:cNvPr id="51" name="椭圆 50">
                 <a:extLst>
                   <a:ext uri="{FF2B5EF4-FFF2-40B4-BE49-F238E27FC236}">
-                    <a16:creationId xmlns:a16="http://schemas.microsoft.com/office/drawing/2014/main" id="{E2AE4E48-5D29-480B-8A88-B217C87FA3B9}"/>
+                    <a16:creationId xmlns:a16="http://schemas.microsoft.com/office/drawing/2014/main" xmlns="" id="{E2AE4E48-5D29-480B-8A88-B217C87FA3B9}"/>
                   </a:ext>
                 </a:extLst>
               </p:cNvPr>
@@ -5559,7 +5559,7 @@
             <p:cNvPr id="52" name="椭圆 51">
               <a:extLst>
                 <a:ext uri="{FF2B5EF4-FFF2-40B4-BE49-F238E27FC236}">
-                  <a16:creationId xmlns:a16="http://schemas.microsoft.com/office/drawing/2014/main" id="{582DC9C6-9676-4D18-A421-EA54BC650DB6}"/>
+                  <a16:creationId xmlns:a16="http://schemas.microsoft.com/office/drawing/2014/main" xmlns="" id="{582DC9C6-9676-4D18-A421-EA54BC650DB6}"/>
                 </a:ext>
               </a:extLst>
             </p:cNvPr>
@@ -5608,7 +5608,7 @@
             <p:cNvPr id="53" name="椭圆 52">
               <a:extLst>
                 <a:ext uri="{FF2B5EF4-FFF2-40B4-BE49-F238E27FC236}">
-                  <a16:creationId xmlns:a16="http://schemas.microsoft.com/office/drawing/2014/main" id="{CCABECE7-EADD-451D-98C5-5E7272D984B0}"/>
+                  <a16:creationId xmlns:a16="http://schemas.microsoft.com/office/drawing/2014/main" xmlns="" id="{CCABECE7-EADD-451D-98C5-5E7272D984B0}"/>
                 </a:ext>
               </a:extLst>
             </p:cNvPr>
@@ -5657,7 +5657,7 @@
             <p:cNvPr id="54" name="椭圆 53">
               <a:extLst>
                 <a:ext uri="{FF2B5EF4-FFF2-40B4-BE49-F238E27FC236}">
-                  <a16:creationId xmlns:a16="http://schemas.microsoft.com/office/drawing/2014/main" id="{463CDD2C-A9DE-405F-973A-4F6F40D294FC}"/>
+                  <a16:creationId xmlns:a16="http://schemas.microsoft.com/office/drawing/2014/main" xmlns="" id="{463CDD2C-A9DE-405F-973A-4F6F40D294FC}"/>
                 </a:ext>
               </a:extLst>
             </p:cNvPr>
@@ -5706,7 +5706,7 @@
             <p:cNvPr id="55" name="椭圆 54">
               <a:extLst>
                 <a:ext uri="{FF2B5EF4-FFF2-40B4-BE49-F238E27FC236}">
-                  <a16:creationId xmlns:a16="http://schemas.microsoft.com/office/drawing/2014/main" id="{2033D296-F9D1-4B70-9936-BA3A9B1D412D}"/>
+                  <a16:creationId xmlns:a16="http://schemas.microsoft.com/office/drawing/2014/main" xmlns="" id="{2033D296-F9D1-4B70-9936-BA3A9B1D412D}"/>
                 </a:ext>
               </a:extLst>
             </p:cNvPr>
@@ -5755,7 +5755,7 @@
             <p:cNvPr id="56" name="椭圆 55">
               <a:extLst>
                 <a:ext uri="{FF2B5EF4-FFF2-40B4-BE49-F238E27FC236}">
-                  <a16:creationId xmlns:a16="http://schemas.microsoft.com/office/drawing/2014/main" id="{4DDC81EB-3287-48CA-A388-B79C5B3E2B1B}"/>
+                  <a16:creationId xmlns:a16="http://schemas.microsoft.com/office/drawing/2014/main" xmlns="" id="{4DDC81EB-3287-48CA-A388-B79C5B3E2B1B}"/>
                 </a:ext>
               </a:extLst>
             </p:cNvPr>
@@ -5804,7 +5804,7 @@
             <p:cNvPr id="57" name="椭圆 56">
               <a:extLst>
                 <a:ext uri="{FF2B5EF4-FFF2-40B4-BE49-F238E27FC236}">
-                  <a16:creationId xmlns:a16="http://schemas.microsoft.com/office/drawing/2014/main" id="{69B5B7BA-CB8B-41DE-A038-CE0F9FE72F1B}"/>
+                  <a16:creationId xmlns:a16="http://schemas.microsoft.com/office/drawing/2014/main" xmlns="" id="{69B5B7BA-CB8B-41DE-A038-CE0F9FE72F1B}"/>
                 </a:ext>
               </a:extLst>
             </p:cNvPr>
@@ -5853,7 +5853,7 @@
             <p:cNvPr id="58" name="椭圆 57">
               <a:extLst>
                 <a:ext uri="{FF2B5EF4-FFF2-40B4-BE49-F238E27FC236}">
-                  <a16:creationId xmlns:a16="http://schemas.microsoft.com/office/drawing/2014/main" id="{49099C4F-55BD-41BE-AF62-B36465082FD4}"/>
+                  <a16:creationId xmlns:a16="http://schemas.microsoft.com/office/drawing/2014/main" xmlns="" id="{49099C4F-55BD-41BE-AF62-B36465082FD4}"/>
                 </a:ext>
               </a:extLst>
             </p:cNvPr>
@@ -5902,7 +5902,7 @@
             <p:cNvPr id="59" name="椭圆 58">
               <a:extLst>
                 <a:ext uri="{FF2B5EF4-FFF2-40B4-BE49-F238E27FC236}">
-                  <a16:creationId xmlns:a16="http://schemas.microsoft.com/office/drawing/2014/main" id="{A4B6430B-02EB-4695-B5DB-88DEB5D57232}"/>
+                  <a16:creationId xmlns:a16="http://schemas.microsoft.com/office/drawing/2014/main" xmlns="" id="{A4B6430B-02EB-4695-B5DB-88DEB5D57232}"/>
                 </a:ext>
               </a:extLst>
             </p:cNvPr>
@@ -5951,7 +5951,7 @@
             <p:cNvPr id="60" name="椭圆 59">
               <a:extLst>
                 <a:ext uri="{FF2B5EF4-FFF2-40B4-BE49-F238E27FC236}">
-                  <a16:creationId xmlns:a16="http://schemas.microsoft.com/office/drawing/2014/main" id="{D90D967B-B7DC-48C4-875C-F379A692E013}"/>
+                  <a16:creationId xmlns:a16="http://schemas.microsoft.com/office/drawing/2014/main" xmlns="" id="{D90D967B-B7DC-48C4-875C-F379A692E013}"/>
                 </a:ext>
               </a:extLst>
             </p:cNvPr>
@@ -6000,7 +6000,7 @@
             <p:cNvPr id="61" name="椭圆 60">
               <a:extLst>
                 <a:ext uri="{FF2B5EF4-FFF2-40B4-BE49-F238E27FC236}">
-                  <a16:creationId xmlns:a16="http://schemas.microsoft.com/office/drawing/2014/main" id="{0C38C913-A23C-4C82-BF0A-417918D52FAF}"/>
+                  <a16:creationId xmlns:a16="http://schemas.microsoft.com/office/drawing/2014/main" xmlns="" id="{0C38C913-A23C-4C82-BF0A-417918D52FAF}"/>
                 </a:ext>
               </a:extLst>
             </p:cNvPr>
@@ -6049,7 +6049,7 @@
             <p:cNvPr id="62" name="文本框 61">
               <a:extLst>
                 <a:ext uri="{FF2B5EF4-FFF2-40B4-BE49-F238E27FC236}">
-                  <a16:creationId xmlns:a16="http://schemas.microsoft.com/office/drawing/2014/main" id="{6DE50091-AF85-41F9-9213-5E275F43058B}"/>
+                  <a16:creationId xmlns:a16="http://schemas.microsoft.com/office/drawing/2014/main" xmlns="" id="{6DE50091-AF85-41F9-9213-5E275F43058B}"/>
                 </a:ext>
               </a:extLst>
             </p:cNvPr>
@@ -6084,7 +6084,7 @@
             <p:cNvPr id="8" name="箭头: 下 7">
               <a:extLst>
                 <a:ext uri="{FF2B5EF4-FFF2-40B4-BE49-F238E27FC236}">
-                  <a16:creationId xmlns:a16="http://schemas.microsoft.com/office/drawing/2014/main" id="{844F3648-BF01-48E0-B68C-3A38CA6ECE44}"/>
+                  <a16:creationId xmlns:a16="http://schemas.microsoft.com/office/drawing/2014/main" xmlns="" id="{844F3648-BF01-48E0-B68C-3A38CA6ECE44}"/>
                 </a:ext>
               </a:extLst>
             </p:cNvPr>
@@ -6132,7 +6132,7 @@
             <p:cNvPr id="63" name="文本框 62">
               <a:extLst>
                 <a:ext uri="{FF2B5EF4-FFF2-40B4-BE49-F238E27FC236}">
-                  <a16:creationId xmlns:a16="http://schemas.microsoft.com/office/drawing/2014/main" id="{2FFBDCBE-26B7-4E55-9CC3-2A1C72A09F47}"/>
+                  <a16:creationId xmlns:a16="http://schemas.microsoft.com/office/drawing/2014/main" xmlns="" id="{2FFBDCBE-26B7-4E55-9CC3-2A1C72A09F47}"/>
                 </a:ext>
               </a:extLst>
             </p:cNvPr>
@@ -6167,7 +6167,7 @@
             <p:cNvPr id="71" name="文本框 70">
               <a:extLst>
                 <a:ext uri="{FF2B5EF4-FFF2-40B4-BE49-F238E27FC236}">
-                  <a16:creationId xmlns:a16="http://schemas.microsoft.com/office/drawing/2014/main" id="{74D4930A-F22D-44FB-86AF-E2AC096FFEA5}"/>
+                  <a16:creationId xmlns:a16="http://schemas.microsoft.com/office/drawing/2014/main" xmlns="" id="{74D4930A-F22D-44FB-86AF-E2AC096FFEA5}"/>
                 </a:ext>
               </a:extLst>
             </p:cNvPr>
@@ -6202,7 +6202,7 @@
             <p:cNvPr id="79" name="文本框 78">
               <a:extLst>
                 <a:ext uri="{FF2B5EF4-FFF2-40B4-BE49-F238E27FC236}">
-                  <a16:creationId xmlns:a16="http://schemas.microsoft.com/office/drawing/2014/main" id="{CC0309FD-7D47-49B0-978B-3D874EDCD50C}"/>
+                  <a16:creationId xmlns:a16="http://schemas.microsoft.com/office/drawing/2014/main" xmlns="" id="{CC0309FD-7D47-49B0-978B-3D874EDCD50C}"/>
                 </a:ext>
               </a:extLst>
             </p:cNvPr>
@@ -6253,7 +6253,7 @@
             <p:cNvPr id="80" name="文本框 79">
               <a:extLst>
                 <a:ext uri="{FF2B5EF4-FFF2-40B4-BE49-F238E27FC236}">
-                  <a16:creationId xmlns:a16="http://schemas.microsoft.com/office/drawing/2014/main" id="{0BF4F416-DD10-4CDC-8906-BEB3D796B865}"/>
+                  <a16:creationId xmlns:a16="http://schemas.microsoft.com/office/drawing/2014/main" xmlns="" id="{0BF4F416-DD10-4CDC-8906-BEB3D796B865}"/>
                 </a:ext>
               </a:extLst>
             </p:cNvPr>
@@ -6288,7 +6288,7 @@
             <p:cNvPr id="85" name="组合 84">
               <a:extLst>
                 <a:ext uri="{FF2B5EF4-FFF2-40B4-BE49-F238E27FC236}">
-                  <a16:creationId xmlns:a16="http://schemas.microsoft.com/office/drawing/2014/main" id="{40459A90-C6F3-4780-8CC9-E013B626E0FB}"/>
+                  <a16:creationId xmlns:a16="http://schemas.microsoft.com/office/drawing/2014/main" xmlns="" id="{40459A90-C6F3-4780-8CC9-E013B626E0FB}"/>
                 </a:ext>
               </a:extLst>
             </p:cNvPr>
@@ -6308,7 +6308,7 @@
               <p:cNvPr id="66" name="椭圆 65">
                 <a:extLst>
                   <a:ext uri="{FF2B5EF4-FFF2-40B4-BE49-F238E27FC236}">
-                    <a16:creationId xmlns:a16="http://schemas.microsoft.com/office/drawing/2014/main" id="{D26A346B-5103-4FB6-97CA-47ED3A802751}"/>
+                    <a16:creationId xmlns:a16="http://schemas.microsoft.com/office/drawing/2014/main" xmlns="" id="{D26A346B-5103-4FB6-97CA-47ED3A802751}"/>
                   </a:ext>
                 </a:extLst>
               </p:cNvPr>
@@ -6355,7 +6355,7 @@
               <p:cNvPr id="81" name="等腰三角形 80">
                 <a:extLst>
                   <a:ext uri="{FF2B5EF4-FFF2-40B4-BE49-F238E27FC236}">
-                    <a16:creationId xmlns:a16="http://schemas.microsoft.com/office/drawing/2014/main" id="{FAE1FA29-24F4-4486-8910-8F8CC1495403}"/>
+                    <a16:creationId xmlns:a16="http://schemas.microsoft.com/office/drawing/2014/main" xmlns="" id="{FAE1FA29-24F4-4486-8910-8F8CC1495403}"/>
                   </a:ext>
                 </a:extLst>
               </p:cNvPr>
@@ -6401,7 +6401,7 @@
               <p:cNvPr id="82" name="等腰三角形 81">
                 <a:extLst>
                   <a:ext uri="{FF2B5EF4-FFF2-40B4-BE49-F238E27FC236}">
-                    <a16:creationId xmlns:a16="http://schemas.microsoft.com/office/drawing/2014/main" id="{CAF28357-7A36-4132-9831-EAE71B7AB6A2}"/>
+                    <a16:creationId xmlns:a16="http://schemas.microsoft.com/office/drawing/2014/main" xmlns="" id="{CAF28357-7A36-4132-9831-EAE71B7AB6A2}"/>
                   </a:ext>
                 </a:extLst>
               </p:cNvPr>
@@ -6447,7 +6447,7 @@
               <p:cNvPr id="83" name="等腰三角形 82">
                 <a:extLst>
                   <a:ext uri="{FF2B5EF4-FFF2-40B4-BE49-F238E27FC236}">
-                    <a16:creationId xmlns:a16="http://schemas.microsoft.com/office/drawing/2014/main" id="{C1D9D443-DF91-4D4E-B5F1-011F557B081A}"/>
+                    <a16:creationId xmlns:a16="http://schemas.microsoft.com/office/drawing/2014/main" xmlns="" id="{C1D9D443-DF91-4D4E-B5F1-011F557B081A}"/>
                   </a:ext>
                 </a:extLst>
               </p:cNvPr>
@@ -6493,7 +6493,7 @@
               <p:cNvPr id="84" name="等腰三角形 83">
                 <a:extLst>
                   <a:ext uri="{FF2B5EF4-FFF2-40B4-BE49-F238E27FC236}">
-                    <a16:creationId xmlns:a16="http://schemas.microsoft.com/office/drawing/2014/main" id="{ADE07E06-AB40-40C1-BF9F-D65114FF3574}"/>
+                    <a16:creationId xmlns:a16="http://schemas.microsoft.com/office/drawing/2014/main" xmlns="" id="{ADE07E06-AB40-40C1-BF9F-D65114FF3574}"/>
                   </a:ext>
                 </a:extLst>
               </p:cNvPr>
@@ -6540,7 +6540,7 @@
             <p:cNvPr id="86" name="组合 85">
               <a:extLst>
                 <a:ext uri="{FF2B5EF4-FFF2-40B4-BE49-F238E27FC236}">
-                  <a16:creationId xmlns:a16="http://schemas.microsoft.com/office/drawing/2014/main" id="{443E78E8-60E4-4706-A4AB-AA6E4802C374}"/>
+                  <a16:creationId xmlns:a16="http://schemas.microsoft.com/office/drawing/2014/main" xmlns="" id="{443E78E8-60E4-4706-A4AB-AA6E4802C374}"/>
                 </a:ext>
               </a:extLst>
             </p:cNvPr>
@@ -6560,7 +6560,7 @@
               <p:cNvPr id="87" name="椭圆 86">
                 <a:extLst>
                   <a:ext uri="{FF2B5EF4-FFF2-40B4-BE49-F238E27FC236}">
-                    <a16:creationId xmlns:a16="http://schemas.microsoft.com/office/drawing/2014/main" id="{FC5C18F1-E606-4912-9C2C-2F9579654754}"/>
+                    <a16:creationId xmlns:a16="http://schemas.microsoft.com/office/drawing/2014/main" xmlns="" id="{FC5C18F1-E606-4912-9C2C-2F9579654754}"/>
                   </a:ext>
                 </a:extLst>
               </p:cNvPr>
@@ -6607,7 +6607,7 @@
               <p:cNvPr id="88" name="等腰三角形 87">
                 <a:extLst>
                   <a:ext uri="{FF2B5EF4-FFF2-40B4-BE49-F238E27FC236}">
-                    <a16:creationId xmlns:a16="http://schemas.microsoft.com/office/drawing/2014/main" id="{97A0BCEE-F942-48FD-A476-808CA3B52DD9}"/>
+                    <a16:creationId xmlns:a16="http://schemas.microsoft.com/office/drawing/2014/main" xmlns="" id="{97A0BCEE-F942-48FD-A476-808CA3B52DD9}"/>
                   </a:ext>
                 </a:extLst>
               </p:cNvPr>
@@ -6653,7 +6653,7 @@
               <p:cNvPr id="89" name="等腰三角形 88">
                 <a:extLst>
                   <a:ext uri="{FF2B5EF4-FFF2-40B4-BE49-F238E27FC236}">
-                    <a16:creationId xmlns:a16="http://schemas.microsoft.com/office/drawing/2014/main" id="{8BED627E-F97B-4989-82E3-14F8A36853E3}"/>
+                    <a16:creationId xmlns:a16="http://schemas.microsoft.com/office/drawing/2014/main" xmlns="" id="{8BED627E-F97B-4989-82E3-14F8A36853E3}"/>
                   </a:ext>
                 </a:extLst>
               </p:cNvPr>
@@ -6699,7 +6699,7 @@
               <p:cNvPr id="90" name="等腰三角形 89">
                 <a:extLst>
                   <a:ext uri="{FF2B5EF4-FFF2-40B4-BE49-F238E27FC236}">
-                    <a16:creationId xmlns:a16="http://schemas.microsoft.com/office/drawing/2014/main" id="{3FE129D6-40FF-4405-8CDB-B4208409B318}"/>
+                    <a16:creationId xmlns:a16="http://schemas.microsoft.com/office/drawing/2014/main" xmlns="" id="{3FE129D6-40FF-4405-8CDB-B4208409B318}"/>
                   </a:ext>
                 </a:extLst>
               </p:cNvPr>
@@ -6745,7 +6745,7 @@
               <p:cNvPr id="91" name="等腰三角形 90">
                 <a:extLst>
                   <a:ext uri="{FF2B5EF4-FFF2-40B4-BE49-F238E27FC236}">
-                    <a16:creationId xmlns:a16="http://schemas.microsoft.com/office/drawing/2014/main" id="{54F309EE-434D-4400-8A71-D8A328B60F91}"/>
+                    <a16:creationId xmlns:a16="http://schemas.microsoft.com/office/drawing/2014/main" xmlns="" id="{54F309EE-434D-4400-8A71-D8A328B60F91}"/>
                   </a:ext>
                 </a:extLst>
               </p:cNvPr>
@@ -6792,7 +6792,7 @@
             <p:cNvPr id="98" name="组合 97">
               <a:extLst>
                 <a:ext uri="{FF2B5EF4-FFF2-40B4-BE49-F238E27FC236}">
-                  <a16:creationId xmlns:a16="http://schemas.microsoft.com/office/drawing/2014/main" id="{92C223B8-68B6-47AD-90B4-E487D9E34C1E}"/>
+                  <a16:creationId xmlns:a16="http://schemas.microsoft.com/office/drawing/2014/main" xmlns="" id="{92C223B8-68B6-47AD-90B4-E487D9E34C1E}"/>
                 </a:ext>
               </a:extLst>
             </p:cNvPr>
@@ -6812,7 +6812,7 @@
               <p:cNvPr id="73" name="组合 72">
                 <a:extLst>
                   <a:ext uri="{FF2B5EF4-FFF2-40B4-BE49-F238E27FC236}">
-                    <a16:creationId xmlns:a16="http://schemas.microsoft.com/office/drawing/2014/main" id="{F420887B-B79C-4C36-8BD0-3BB9FE6E75F4}"/>
+                    <a16:creationId xmlns:a16="http://schemas.microsoft.com/office/drawing/2014/main" xmlns="" id="{F420887B-B79C-4C36-8BD0-3BB9FE6E75F4}"/>
                   </a:ext>
                 </a:extLst>
               </p:cNvPr>
@@ -6832,7 +6832,7 @@
                 <p:cNvPr id="74" name="椭圆 73">
                   <a:extLst>
                     <a:ext uri="{FF2B5EF4-FFF2-40B4-BE49-F238E27FC236}">
-                      <a16:creationId xmlns:a16="http://schemas.microsoft.com/office/drawing/2014/main" id="{A9BD9724-DA0A-4B27-9407-45C429746F72}"/>
+                      <a16:creationId xmlns:a16="http://schemas.microsoft.com/office/drawing/2014/main" xmlns="" id="{A9BD9724-DA0A-4B27-9407-45C429746F72}"/>
                     </a:ext>
                   </a:extLst>
                 </p:cNvPr>
@@ -6881,7 +6881,7 @@
                 <p:cNvPr id="75" name="椭圆 74">
                   <a:extLst>
                     <a:ext uri="{FF2B5EF4-FFF2-40B4-BE49-F238E27FC236}">
-                      <a16:creationId xmlns:a16="http://schemas.microsoft.com/office/drawing/2014/main" id="{63C53EB4-8E61-42B1-B8D7-F65AD425C64C}"/>
+                      <a16:creationId xmlns:a16="http://schemas.microsoft.com/office/drawing/2014/main" xmlns="" id="{63C53EB4-8E61-42B1-B8D7-F65AD425C64C}"/>
                     </a:ext>
                   </a:extLst>
                 </p:cNvPr>
@@ -6930,7 +6930,7 @@
                 <p:cNvPr id="76" name="椭圆 75">
                   <a:extLst>
                     <a:ext uri="{FF2B5EF4-FFF2-40B4-BE49-F238E27FC236}">
-                      <a16:creationId xmlns:a16="http://schemas.microsoft.com/office/drawing/2014/main" id="{A981740D-53A0-478A-8451-EDCC50A9C174}"/>
+                      <a16:creationId xmlns:a16="http://schemas.microsoft.com/office/drawing/2014/main" xmlns="" id="{A981740D-53A0-478A-8451-EDCC50A9C174}"/>
                     </a:ext>
                   </a:extLst>
                 </p:cNvPr>
@@ -6979,7 +6979,7 @@
                 <p:cNvPr id="77" name="椭圆 76">
                   <a:extLst>
                     <a:ext uri="{FF2B5EF4-FFF2-40B4-BE49-F238E27FC236}">
-                      <a16:creationId xmlns:a16="http://schemas.microsoft.com/office/drawing/2014/main" id="{584FC886-038E-466A-9F4F-1BA6B4C9C019}"/>
+                      <a16:creationId xmlns:a16="http://schemas.microsoft.com/office/drawing/2014/main" xmlns="" id="{584FC886-038E-466A-9F4F-1BA6B4C9C019}"/>
                     </a:ext>
                   </a:extLst>
                 </p:cNvPr>
@@ -7028,7 +7028,7 @@
                 <p:cNvPr id="78" name="椭圆 77">
                   <a:extLst>
                     <a:ext uri="{FF2B5EF4-FFF2-40B4-BE49-F238E27FC236}">
-                      <a16:creationId xmlns:a16="http://schemas.microsoft.com/office/drawing/2014/main" id="{AA0E04A7-A3F9-4C2E-B429-AFD974E46CD3}"/>
+                      <a16:creationId xmlns:a16="http://schemas.microsoft.com/office/drawing/2014/main" xmlns="" id="{AA0E04A7-A3F9-4C2E-B429-AFD974E46CD3}"/>
                     </a:ext>
                   </a:extLst>
                 </p:cNvPr>
@@ -7078,7 +7078,7 @@
               <p:cNvPr id="92" name="组合 91">
                 <a:extLst>
                   <a:ext uri="{FF2B5EF4-FFF2-40B4-BE49-F238E27FC236}">
-                    <a16:creationId xmlns:a16="http://schemas.microsoft.com/office/drawing/2014/main" id="{1F6CBC88-C7B2-4DFD-99E1-BDE004F2CD41}"/>
+                    <a16:creationId xmlns:a16="http://schemas.microsoft.com/office/drawing/2014/main" xmlns="" id="{1F6CBC88-C7B2-4DFD-99E1-BDE004F2CD41}"/>
                   </a:ext>
                 </a:extLst>
               </p:cNvPr>
@@ -7098,7 +7098,7 @@
                 <p:cNvPr id="93" name="椭圆 92">
                   <a:extLst>
                     <a:ext uri="{FF2B5EF4-FFF2-40B4-BE49-F238E27FC236}">
-                      <a16:creationId xmlns:a16="http://schemas.microsoft.com/office/drawing/2014/main" id="{89701682-EE01-45BA-B85F-3CD9F6729141}"/>
+                      <a16:creationId xmlns:a16="http://schemas.microsoft.com/office/drawing/2014/main" xmlns="" id="{89701682-EE01-45BA-B85F-3CD9F6729141}"/>
                     </a:ext>
                   </a:extLst>
                 </p:cNvPr>
@@ -7145,7 +7145,7 @@
                 <p:cNvPr id="94" name="等腰三角形 93">
                   <a:extLst>
                     <a:ext uri="{FF2B5EF4-FFF2-40B4-BE49-F238E27FC236}">
-                      <a16:creationId xmlns:a16="http://schemas.microsoft.com/office/drawing/2014/main" id="{F834C38C-A03D-450D-A6AD-9F36A9CF4F3C}"/>
+                      <a16:creationId xmlns:a16="http://schemas.microsoft.com/office/drawing/2014/main" xmlns="" id="{F834C38C-A03D-450D-A6AD-9F36A9CF4F3C}"/>
                     </a:ext>
                   </a:extLst>
                 </p:cNvPr>
@@ -7191,7 +7191,7 @@
                 <p:cNvPr id="95" name="等腰三角形 94">
                   <a:extLst>
                     <a:ext uri="{FF2B5EF4-FFF2-40B4-BE49-F238E27FC236}">
-                      <a16:creationId xmlns:a16="http://schemas.microsoft.com/office/drawing/2014/main" id="{12582A5A-4010-4D7C-9E4D-6A0B50F912AA}"/>
+                      <a16:creationId xmlns:a16="http://schemas.microsoft.com/office/drawing/2014/main" xmlns="" id="{12582A5A-4010-4D7C-9E4D-6A0B50F912AA}"/>
                     </a:ext>
                   </a:extLst>
                 </p:cNvPr>
@@ -7237,7 +7237,7 @@
                 <p:cNvPr id="96" name="等腰三角形 95">
                   <a:extLst>
                     <a:ext uri="{FF2B5EF4-FFF2-40B4-BE49-F238E27FC236}">
-                      <a16:creationId xmlns:a16="http://schemas.microsoft.com/office/drawing/2014/main" id="{16CA405F-C4A9-4052-A094-1BC656CF0918}"/>
+                      <a16:creationId xmlns:a16="http://schemas.microsoft.com/office/drawing/2014/main" xmlns="" id="{16CA405F-C4A9-4052-A094-1BC656CF0918}"/>
                     </a:ext>
                   </a:extLst>
                 </p:cNvPr>
@@ -7283,7 +7283,7 @@
                 <p:cNvPr id="97" name="等腰三角形 96">
                   <a:extLst>
                     <a:ext uri="{FF2B5EF4-FFF2-40B4-BE49-F238E27FC236}">
-                      <a16:creationId xmlns:a16="http://schemas.microsoft.com/office/drawing/2014/main" id="{DF4301C6-7C72-40D8-A2D2-C999573C5CBD}"/>
+                      <a16:creationId xmlns:a16="http://schemas.microsoft.com/office/drawing/2014/main" xmlns="" id="{DF4301C6-7C72-40D8-A2D2-C999573C5CBD}"/>
                     </a:ext>
                   </a:extLst>
                 </p:cNvPr>
@@ -7331,7 +7331,7 @@
             <p:cNvPr id="99" name="组合 98">
               <a:extLst>
                 <a:ext uri="{FF2B5EF4-FFF2-40B4-BE49-F238E27FC236}">
-                  <a16:creationId xmlns:a16="http://schemas.microsoft.com/office/drawing/2014/main" id="{E66FE670-F2BF-4CDA-B3C1-4A545430927B}"/>
+                  <a16:creationId xmlns:a16="http://schemas.microsoft.com/office/drawing/2014/main" xmlns="" id="{E66FE670-F2BF-4CDA-B3C1-4A545430927B}"/>
                 </a:ext>
               </a:extLst>
             </p:cNvPr>
@@ -7351,7 +7351,7 @@
               <p:cNvPr id="100" name="组合 99">
                 <a:extLst>
                   <a:ext uri="{FF2B5EF4-FFF2-40B4-BE49-F238E27FC236}">
-                    <a16:creationId xmlns:a16="http://schemas.microsoft.com/office/drawing/2014/main" id="{EEE8008A-5F9D-4F03-A241-86A026E86AB0}"/>
+                    <a16:creationId xmlns:a16="http://schemas.microsoft.com/office/drawing/2014/main" xmlns="" id="{EEE8008A-5F9D-4F03-A241-86A026E86AB0}"/>
                   </a:ext>
                 </a:extLst>
               </p:cNvPr>
@@ -7371,7 +7371,7 @@
                 <p:cNvPr id="107" name="椭圆 106">
                   <a:extLst>
                     <a:ext uri="{FF2B5EF4-FFF2-40B4-BE49-F238E27FC236}">
-                      <a16:creationId xmlns:a16="http://schemas.microsoft.com/office/drawing/2014/main" id="{DB8A17CF-20B2-4164-A07C-186F7B96994F}"/>
+                      <a16:creationId xmlns:a16="http://schemas.microsoft.com/office/drawing/2014/main" xmlns="" id="{DB8A17CF-20B2-4164-A07C-186F7B96994F}"/>
                     </a:ext>
                   </a:extLst>
                 </p:cNvPr>
@@ -7420,7 +7420,7 @@
                 <p:cNvPr id="108" name="椭圆 107">
                   <a:extLst>
                     <a:ext uri="{FF2B5EF4-FFF2-40B4-BE49-F238E27FC236}">
-                      <a16:creationId xmlns:a16="http://schemas.microsoft.com/office/drawing/2014/main" id="{6946F3BC-003A-4438-82C9-204977ADA5B1}"/>
+                      <a16:creationId xmlns:a16="http://schemas.microsoft.com/office/drawing/2014/main" xmlns="" id="{6946F3BC-003A-4438-82C9-204977ADA5B1}"/>
                     </a:ext>
                   </a:extLst>
                 </p:cNvPr>
@@ -7469,7 +7469,7 @@
                 <p:cNvPr id="109" name="椭圆 108">
                   <a:extLst>
                     <a:ext uri="{FF2B5EF4-FFF2-40B4-BE49-F238E27FC236}">
-                      <a16:creationId xmlns:a16="http://schemas.microsoft.com/office/drawing/2014/main" id="{360F0CA3-C33E-441D-8059-4D290FACDF7A}"/>
+                      <a16:creationId xmlns:a16="http://schemas.microsoft.com/office/drawing/2014/main" xmlns="" id="{360F0CA3-C33E-441D-8059-4D290FACDF7A}"/>
                     </a:ext>
                   </a:extLst>
                 </p:cNvPr>
@@ -7518,7 +7518,7 @@
                 <p:cNvPr id="110" name="椭圆 109">
                   <a:extLst>
                     <a:ext uri="{FF2B5EF4-FFF2-40B4-BE49-F238E27FC236}">
-                      <a16:creationId xmlns:a16="http://schemas.microsoft.com/office/drawing/2014/main" id="{850B5550-EB4F-4A55-920F-B0CE932948DE}"/>
+                      <a16:creationId xmlns:a16="http://schemas.microsoft.com/office/drawing/2014/main" xmlns="" id="{850B5550-EB4F-4A55-920F-B0CE932948DE}"/>
                     </a:ext>
                   </a:extLst>
                 </p:cNvPr>
@@ -7567,7 +7567,7 @@
                 <p:cNvPr id="111" name="椭圆 110">
                   <a:extLst>
                     <a:ext uri="{FF2B5EF4-FFF2-40B4-BE49-F238E27FC236}">
-                      <a16:creationId xmlns:a16="http://schemas.microsoft.com/office/drawing/2014/main" id="{54AF1A7F-B481-425C-A66D-0B30FDD44AB0}"/>
+                      <a16:creationId xmlns:a16="http://schemas.microsoft.com/office/drawing/2014/main" xmlns="" id="{54AF1A7F-B481-425C-A66D-0B30FDD44AB0}"/>
                     </a:ext>
                   </a:extLst>
                 </p:cNvPr>
@@ -7617,7 +7617,7 @@
               <p:cNvPr id="101" name="组合 100">
                 <a:extLst>
                   <a:ext uri="{FF2B5EF4-FFF2-40B4-BE49-F238E27FC236}">
-                    <a16:creationId xmlns:a16="http://schemas.microsoft.com/office/drawing/2014/main" id="{5E91829F-6C12-4983-825C-C28A52C57F79}"/>
+                    <a16:creationId xmlns:a16="http://schemas.microsoft.com/office/drawing/2014/main" xmlns="" id="{5E91829F-6C12-4983-825C-C28A52C57F79}"/>
                   </a:ext>
                 </a:extLst>
               </p:cNvPr>
@@ -7637,7 +7637,7 @@
                 <p:cNvPr id="102" name="椭圆 101">
                   <a:extLst>
                     <a:ext uri="{FF2B5EF4-FFF2-40B4-BE49-F238E27FC236}">
-                      <a16:creationId xmlns:a16="http://schemas.microsoft.com/office/drawing/2014/main" id="{B69F6474-E6C3-4F6A-A3B0-BD435589B564}"/>
+                      <a16:creationId xmlns:a16="http://schemas.microsoft.com/office/drawing/2014/main" xmlns="" id="{B69F6474-E6C3-4F6A-A3B0-BD435589B564}"/>
                     </a:ext>
                   </a:extLst>
                 </p:cNvPr>
@@ -7684,7 +7684,7 @@
                 <p:cNvPr id="103" name="等腰三角形 102">
                   <a:extLst>
                     <a:ext uri="{FF2B5EF4-FFF2-40B4-BE49-F238E27FC236}">
-                      <a16:creationId xmlns:a16="http://schemas.microsoft.com/office/drawing/2014/main" id="{B13A8219-3088-418B-9F0E-479EFD6C3981}"/>
+                      <a16:creationId xmlns:a16="http://schemas.microsoft.com/office/drawing/2014/main" xmlns="" id="{B13A8219-3088-418B-9F0E-479EFD6C3981}"/>
                     </a:ext>
                   </a:extLst>
                 </p:cNvPr>
@@ -7730,7 +7730,7 @@
                 <p:cNvPr id="104" name="等腰三角形 103">
                   <a:extLst>
                     <a:ext uri="{FF2B5EF4-FFF2-40B4-BE49-F238E27FC236}">
-                      <a16:creationId xmlns:a16="http://schemas.microsoft.com/office/drawing/2014/main" id="{77574A10-031C-43ED-9F87-B552779D3F71}"/>
+                      <a16:creationId xmlns:a16="http://schemas.microsoft.com/office/drawing/2014/main" xmlns="" id="{77574A10-031C-43ED-9F87-B552779D3F71}"/>
                     </a:ext>
                   </a:extLst>
                 </p:cNvPr>
@@ -7776,7 +7776,7 @@
                 <p:cNvPr id="105" name="等腰三角形 104">
                   <a:extLst>
                     <a:ext uri="{FF2B5EF4-FFF2-40B4-BE49-F238E27FC236}">
-                      <a16:creationId xmlns:a16="http://schemas.microsoft.com/office/drawing/2014/main" id="{97EECA96-430D-4A4C-9110-DBC32C9A9970}"/>
+                      <a16:creationId xmlns:a16="http://schemas.microsoft.com/office/drawing/2014/main" xmlns="" id="{97EECA96-430D-4A4C-9110-DBC32C9A9970}"/>
                     </a:ext>
                   </a:extLst>
                 </p:cNvPr>
@@ -7822,7 +7822,7 @@
                 <p:cNvPr id="106" name="等腰三角形 105">
                   <a:extLst>
                     <a:ext uri="{FF2B5EF4-FFF2-40B4-BE49-F238E27FC236}">
-                      <a16:creationId xmlns:a16="http://schemas.microsoft.com/office/drawing/2014/main" id="{5A52B900-3060-44C2-BDC8-8596E0F1986D}"/>
+                      <a16:creationId xmlns:a16="http://schemas.microsoft.com/office/drawing/2014/main" xmlns="" id="{5A52B900-3060-44C2-BDC8-8596E0F1986D}"/>
                     </a:ext>
                   </a:extLst>
                 </p:cNvPr>
@@ -7870,7 +7870,7 @@
             <p:cNvPr id="125" name="文本框 124">
               <a:extLst>
                 <a:ext uri="{FF2B5EF4-FFF2-40B4-BE49-F238E27FC236}">
-                  <a16:creationId xmlns:a16="http://schemas.microsoft.com/office/drawing/2014/main" id="{01F49776-9F1D-4EEA-A7AE-85D74751135D}"/>
+                  <a16:creationId xmlns:a16="http://schemas.microsoft.com/office/drawing/2014/main" xmlns="" id="{01F49776-9F1D-4EEA-A7AE-85D74751135D}"/>
                 </a:ext>
               </a:extLst>
             </p:cNvPr>
@@ -7914,7 +7914,7 @@
             <p:cNvPr id="126" name="文本框 125">
               <a:extLst>
                 <a:ext uri="{FF2B5EF4-FFF2-40B4-BE49-F238E27FC236}">
-                  <a16:creationId xmlns:a16="http://schemas.microsoft.com/office/drawing/2014/main" id="{C1EA071E-0414-484D-8FC5-03A92DF6CE5C}"/>
+                  <a16:creationId xmlns:a16="http://schemas.microsoft.com/office/drawing/2014/main" xmlns="" id="{C1EA071E-0414-484D-8FC5-03A92DF6CE5C}"/>
                 </a:ext>
               </a:extLst>
             </p:cNvPr>
@@ -7981,7 +7981,7 @@
           <p:cNvPr id="18" name="组合 17">
             <a:extLst>
               <a:ext uri="{FF2B5EF4-FFF2-40B4-BE49-F238E27FC236}">
-                <a16:creationId xmlns:a16="http://schemas.microsoft.com/office/drawing/2014/main" id="{07FD14B5-AC42-4371-A3C3-CD812A6815F7}"/>
+                <a16:creationId xmlns:a16="http://schemas.microsoft.com/office/drawing/2014/main" xmlns="" id="{07FD14B5-AC42-4371-A3C3-CD812A6815F7}"/>
               </a:ext>
             </a:extLst>
           </p:cNvPr>
@@ -8001,7 +8001,7 @@
             <p:cNvPr id="73" name="组合 72">
               <a:extLst>
                 <a:ext uri="{FF2B5EF4-FFF2-40B4-BE49-F238E27FC236}">
-                  <a16:creationId xmlns:a16="http://schemas.microsoft.com/office/drawing/2014/main" id="{F420887B-B79C-4C36-8BD0-3BB9FE6E75F4}"/>
+                  <a16:creationId xmlns:a16="http://schemas.microsoft.com/office/drawing/2014/main" xmlns="" id="{F420887B-B79C-4C36-8BD0-3BB9FE6E75F4}"/>
                 </a:ext>
               </a:extLst>
             </p:cNvPr>
@@ -8021,7 +8021,7 @@
               <p:cNvPr id="74" name="椭圆 73">
                 <a:extLst>
                   <a:ext uri="{FF2B5EF4-FFF2-40B4-BE49-F238E27FC236}">
-                    <a16:creationId xmlns:a16="http://schemas.microsoft.com/office/drawing/2014/main" id="{A9BD9724-DA0A-4B27-9407-45C429746F72}"/>
+                    <a16:creationId xmlns:a16="http://schemas.microsoft.com/office/drawing/2014/main" xmlns="" id="{A9BD9724-DA0A-4B27-9407-45C429746F72}"/>
                   </a:ext>
                 </a:extLst>
               </p:cNvPr>
@@ -8070,7 +8070,7 @@
               <p:cNvPr id="75" name="椭圆 74">
                 <a:extLst>
                   <a:ext uri="{FF2B5EF4-FFF2-40B4-BE49-F238E27FC236}">
-                    <a16:creationId xmlns:a16="http://schemas.microsoft.com/office/drawing/2014/main" id="{63C53EB4-8E61-42B1-B8D7-F65AD425C64C}"/>
+                    <a16:creationId xmlns:a16="http://schemas.microsoft.com/office/drawing/2014/main" xmlns="" id="{63C53EB4-8E61-42B1-B8D7-F65AD425C64C}"/>
                   </a:ext>
                 </a:extLst>
               </p:cNvPr>
@@ -8119,7 +8119,7 @@
               <p:cNvPr id="76" name="椭圆 75">
                 <a:extLst>
                   <a:ext uri="{FF2B5EF4-FFF2-40B4-BE49-F238E27FC236}">
-                    <a16:creationId xmlns:a16="http://schemas.microsoft.com/office/drawing/2014/main" id="{A981740D-53A0-478A-8451-EDCC50A9C174}"/>
+                    <a16:creationId xmlns:a16="http://schemas.microsoft.com/office/drawing/2014/main" xmlns="" id="{A981740D-53A0-478A-8451-EDCC50A9C174}"/>
                   </a:ext>
                 </a:extLst>
               </p:cNvPr>
@@ -8168,7 +8168,7 @@
               <p:cNvPr id="77" name="椭圆 76">
                 <a:extLst>
                   <a:ext uri="{FF2B5EF4-FFF2-40B4-BE49-F238E27FC236}">
-                    <a16:creationId xmlns:a16="http://schemas.microsoft.com/office/drawing/2014/main" id="{584FC886-038E-466A-9F4F-1BA6B4C9C019}"/>
+                    <a16:creationId xmlns:a16="http://schemas.microsoft.com/office/drawing/2014/main" xmlns="" id="{584FC886-038E-466A-9F4F-1BA6B4C9C019}"/>
                   </a:ext>
                 </a:extLst>
               </p:cNvPr>
@@ -8217,7 +8217,7 @@
               <p:cNvPr id="78" name="椭圆 77">
                 <a:extLst>
                   <a:ext uri="{FF2B5EF4-FFF2-40B4-BE49-F238E27FC236}">
-                    <a16:creationId xmlns:a16="http://schemas.microsoft.com/office/drawing/2014/main" id="{AA0E04A7-A3F9-4C2E-B429-AFD974E46CD3}"/>
+                    <a16:creationId xmlns:a16="http://schemas.microsoft.com/office/drawing/2014/main" xmlns="" id="{AA0E04A7-A3F9-4C2E-B429-AFD974E46CD3}"/>
                   </a:ext>
                 </a:extLst>
               </p:cNvPr>
@@ -8266,7 +8266,7 @@
               <p:cNvPr id="124" name="椭圆 123">
                 <a:extLst>
                   <a:ext uri="{FF2B5EF4-FFF2-40B4-BE49-F238E27FC236}">
-                    <a16:creationId xmlns:a16="http://schemas.microsoft.com/office/drawing/2014/main" id="{EEF47692-B1AD-447A-8430-EEB5EB20C87D}"/>
+                    <a16:creationId xmlns:a16="http://schemas.microsoft.com/office/drawing/2014/main" xmlns="" id="{EEF47692-B1AD-447A-8430-EEB5EB20C87D}"/>
                   </a:ext>
                 </a:extLst>
               </p:cNvPr>
@@ -8316,7 +8316,7 @@
             <p:cNvPr id="93" name="椭圆 92">
               <a:extLst>
                 <a:ext uri="{FF2B5EF4-FFF2-40B4-BE49-F238E27FC236}">
-                  <a16:creationId xmlns:a16="http://schemas.microsoft.com/office/drawing/2014/main" id="{89701682-EE01-45BA-B85F-3CD9F6729141}"/>
+                  <a16:creationId xmlns:a16="http://schemas.microsoft.com/office/drawing/2014/main" xmlns="" id="{89701682-EE01-45BA-B85F-3CD9F6729141}"/>
                 </a:ext>
               </a:extLst>
             </p:cNvPr>
@@ -8363,7 +8363,7 @@
             <p:cNvPr id="94" name="等腰三角形 93">
               <a:extLst>
                 <a:ext uri="{FF2B5EF4-FFF2-40B4-BE49-F238E27FC236}">
-                  <a16:creationId xmlns:a16="http://schemas.microsoft.com/office/drawing/2014/main" id="{F834C38C-A03D-450D-A6AD-9F36A9CF4F3C}"/>
+                  <a16:creationId xmlns:a16="http://schemas.microsoft.com/office/drawing/2014/main" xmlns="" id="{F834C38C-A03D-450D-A6AD-9F36A9CF4F3C}"/>
                 </a:ext>
               </a:extLst>
             </p:cNvPr>
@@ -8409,7 +8409,7 @@
             <p:cNvPr id="95" name="等腰三角形 94">
               <a:extLst>
                 <a:ext uri="{FF2B5EF4-FFF2-40B4-BE49-F238E27FC236}">
-                  <a16:creationId xmlns:a16="http://schemas.microsoft.com/office/drawing/2014/main" id="{12582A5A-4010-4D7C-9E4D-6A0B50F912AA}"/>
+                  <a16:creationId xmlns:a16="http://schemas.microsoft.com/office/drawing/2014/main" xmlns="" id="{12582A5A-4010-4D7C-9E4D-6A0B50F912AA}"/>
                 </a:ext>
               </a:extLst>
             </p:cNvPr>
@@ -8455,7 +8455,7 @@
             <p:cNvPr id="96" name="等腰三角形 95">
               <a:extLst>
                 <a:ext uri="{FF2B5EF4-FFF2-40B4-BE49-F238E27FC236}">
-                  <a16:creationId xmlns:a16="http://schemas.microsoft.com/office/drawing/2014/main" id="{16CA405F-C4A9-4052-A094-1BC656CF0918}"/>
+                  <a16:creationId xmlns:a16="http://schemas.microsoft.com/office/drawing/2014/main" xmlns="" id="{16CA405F-C4A9-4052-A094-1BC656CF0918}"/>
                 </a:ext>
               </a:extLst>
             </p:cNvPr>
@@ -8501,7 +8501,7 @@
             <p:cNvPr id="97" name="等腰三角形 96">
               <a:extLst>
                 <a:ext uri="{FF2B5EF4-FFF2-40B4-BE49-F238E27FC236}">
-                  <a16:creationId xmlns:a16="http://schemas.microsoft.com/office/drawing/2014/main" id="{DF4301C6-7C72-40D8-A2D2-C999573C5CBD}"/>
+                  <a16:creationId xmlns:a16="http://schemas.microsoft.com/office/drawing/2014/main" xmlns="" id="{DF4301C6-7C72-40D8-A2D2-C999573C5CBD}"/>
                 </a:ext>
               </a:extLst>
             </p:cNvPr>
@@ -8547,7 +8547,7 @@
             <p:cNvPr id="123" name="等腰三角形 122">
               <a:extLst>
                 <a:ext uri="{FF2B5EF4-FFF2-40B4-BE49-F238E27FC236}">
-                  <a16:creationId xmlns:a16="http://schemas.microsoft.com/office/drawing/2014/main" id="{33A45A8B-719B-40CE-A585-91E98BF38A56}"/>
+                  <a16:creationId xmlns:a16="http://schemas.microsoft.com/office/drawing/2014/main" xmlns="" id="{33A45A8B-719B-40CE-A585-91E98BF38A56}"/>
                 </a:ext>
               </a:extLst>
             </p:cNvPr>
@@ -8593,7 +8593,7 @@
             <p:cNvPr id="99" name="组合 98">
               <a:extLst>
                 <a:ext uri="{FF2B5EF4-FFF2-40B4-BE49-F238E27FC236}">
-                  <a16:creationId xmlns:a16="http://schemas.microsoft.com/office/drawing/2014/main" id="{E66FE670-F2BF-4CDA-B3C1-4A545430927B}"/>
+                  <a16:creationId xmlns:a16="http://schemas.microsoft.com/office/drawing/2014/main" xmlns="" id="{E66FE670-F2BF-4CDA-B3C1-4A545430927B}"/>
                 </a:ext>
               </a:extLst>
             </p:cNvPr>
@@ -8613,7 +8613,7 @@
               <p:cNvPr id="100" name="组合 99">
                 <a:extLst>
                   <a:ext uri="{FF2B5EF4-FFF2-40B4-BE49-F238E27FC236}">
-                    <a16:creationId xmlns:a16="http://schemas.microsoft.com/office/drawing/2014/main" id="{EEE8008A-5F9D-4F03-A241-86A026E86AB0}"/>
+                    <a16:creationId xmlns:a16="http://schemas.microsoft.com/office/drawing/2014/main" xmlns="" id="{EEE8008A-5F9D-4F03-A241-86A026E86AB0}"/>
                   </a:ext>
                 </a:extLst>
               </p:cNvPr>
@@ -8633,7 +8633,7 @@
                 <p:cNvPr id="107" name="椭圆 106">
                   <a:extLst>
                     <a:ext uri="{FF2B5EF4-FFF2-40B4-BE49-F238E27FC236}">
-                      <a16:creationId xmlns:a16="http://schemas.microsoft.com/office/drawing/2014/main" id="{DB8A17CF-20B2-4164-A07C-186F7B96994F}"/>
+                      <a16:creationId xmlns:a16="http://schemas.microsoft.com/office/drawing/2014/main" xmlns="" id="{DB8A17CF-20B2-4164-A07C-186F7B96994F}"/>
                     </a:ext>
                   </a:extLst>
                 </p:cNvPr>
@@ -8682,7 +8682,7 @@
                 <p:cNvPr id="108" name="椭圆 107">
                   <a:extLst>
                     <a:ext uri="{FF2B5EF4-FFF2-40B4-BE49-F238E27FC236}">
-                      <a16:creationId xmlns:a16="http://schemas.microsoft.com/office/drawing/2014/main" id="{6946F3BC-003A-4438-82C9-204977ADA5B1}"/>
+                      <a16:creationId xmlns:a16="http://schemas.microsoft.com/office/drawing/2014/main" xmlns="" id="{6946F3BC-003A-4438-82C9-204977ADA5B1}"/>
                     </a:ext>
                   </a:extLst>
                 </p:cNvPr>
@@ -8731,7 +8731,7 @@
                 <p:cNvPr id="109" name="椭圆 108">
                   <a:extLst>
                     <a:ext uri="{FF2B5EF4-FFF2-40B4-BE49-F238E27FC236}">
-                      <a16:creationId xmlns:a16="http://schemas.microsoft.com/office/drawing/2014/main" id="{360F0CA3-C33E-441D-8059-4D290FACDF7A}"/>
+                      <a16:creationId xmlns:a16="http://schemas.microsoft.com/office/drawing/2014/main" xmlns="" id="{360F0CA3-C33E-441D-8059-4D290FACDF7A}"/>
                     </a:ext>
                   </a:extLst>
                 </p:cNvPr>
@@ -8780,7 +8780,7 @@
                 <p:cNvPr id="110" name="椭圆 109">
                   <a:extLst>
                     <a:ext uri="{FF2B5EF4-FFF2-40B4-BE49-F238E27FC236}">
-                      <a16:creationId xmlns:a16="http://schemas.microsoft.com/office/drawing/2014/main" id="{850B5550-EB4F-4A55-920F-B0CE932948DE}"/>
+                      <a16:creationId xmlns:a16="http://schemas.microsoft.com/office/drawing/2014/main" xmlns="" id="{850B5550-EB4F-4A55-920F-B0CE932948DE}"/>
                     </a:ext>
                   </a:extLst>
                 </p:cNvPr>
@@ -8829,7 +8829,7 @@
                 <p:cNvPr id="111" name="椭圆 110">
                   <a:extLst>
                     <a:ext uri="{FF2B5EF4-FFF2-40B4-BE49-F238E27FC236}">
-                      <a16:creationId xmlns:a16="http://schemas.microsoft.com/office/drawing/2014/main" id="{54AF1A7F-B481-425C-A66D-0B30FDD44AB0}"/>
+                      <a16:creationId xmlns:a16="http://schemas.microsoft.com/office/drawing/2014/main" xmlns="" id="{54AF1A7F-B481-425C-A66D-0B30FDD44AB0}"/>
                     </a:ext>
                   </a:extLst>
                 </p:cNvPr>
@@ -8879,7 +8879,7 @@
               <p:cNvPr id="101" name="组合 100">
                 <a:extLst>
                   <a:ext uri="{FF2B5EF4-FFF2-40B4-BE49-F238E27FC236}">
-                    <a16:creationId xmlns:a16="http://schemas.microsoft.com/office/drawing/2014/main" id="{5E91829F-6C12-4983-825C-C28A52C57F79}"/>
+                    <a16:creationId xmlns:a16="http://schemas.microsoft.com/office/drawing/2014/main" xmlns="" id="{5E91829F-6C12-4983-825C-C28A52C57F79}"/>
                   </a:ext>
                 </a:extLst>
               </p:cNvPr>
@@ -8899,7 +8899,7 @@
                 <p:cNvPr id="102" name="椭圆 101">
                   <a:extLst>
                     <a:ext uri="{FF2B5EF4-FFF2-40B4-BE49-F238E27FC236}">
-                      <a16:creationId xmlns:a16="http://schemas.microsoft.com/office/drawing/2014/main" id="{B69F6474-E6C3-4F6A-A3B0-BD435589B564}"/>
+                      <a16:creationId xmlns:a16="http://schemas.microsoft.com/office/drawing/2014/main" xmlns="" id="{B69F6474-E6C3-4F6A-A3B0-BD435589B564}"/>
                     </a:ext>
                   </a:extLst>
                 </p:cNvPr>
@@ -8946,7 +8946,7 @@
                 <p:cNvPr id="103" name="等腰三角形 102">
                   <a:extLst>
                     <a:ext uri="{FF2B5EF4-FFF2-40B4-BE49-F238E27FC236}">
-                      <a16:creationId xmlns:a16="http://schemas.microsoft.com/office/drawing/2014/main" id="{B13A8219-3088-418B-9F0E-479EFD6C3981}"/>
+                      <a16:creationId xmlns:a16="http://schemas.microsoft.com/office/drawing/2014/main" xmlns="" id="{B13A8219-3088-418B-9F0E-479EFD6C3981}"/>
                     </a:ext>
                   </a:extLst>
                 </p:cNvPr>
@@ -8992,7 +8992,7 @@
                 <p:cNvPr id="104" name="等腰三角形 103">
                   <a:extLst>
                     <a:ext uri="{FF2B5EF4-FFF2-40B4-BE49-F238E27FC236}">
-                      <a16:creationId xmlns:a16="http://schemas.microsoft.com/office/drawing/2014/main" id="{77574A10-031C-43ED-9F87-B552779D3F71}"/>
+                      <a16:creationId xmlns:a16="http://schemas.microsoft.com/office/drawing/2014/main" xmlns="" id="{77574A10-031C-43ED-9F87-B552779D3F71}"/>
                     </a:ext>
                   </a:extLst>
                 </p:cNvPr>
@@ -9038,7 +9038,7 @@
                 <p:cNvPr id="105" name="等腰三角形 104">
                   <a:extLst>
                     <a:ext uri="{FF2B5EF4-FFF2-40B4-BE49-F238E27FC236}">
-                      <a16:creationId xmlns:a16="http://schemas.microsoft.com/office/drawing/2014/main" id="{97EECA96-430D-4A4C-9110-DBC32C9A9970}"/>
+                      <a16:creationId xmlns:a16="http://schemas.microsoft.com/office/drawing/2014/main" xmlns="" id="{97EECA96-430D-4A4C-9110-DBC32C9A9970}"/>
                     </a:ext>
                   </a:extLst>
                 </p:cNvPr>
@@ -9084,7 +9084,7 @@
                 <p:cNvPr id="106" name="等腰三角形 105">
                   <a:extLst>
                     <a:ext uri="{FF2B5EF4-FFF2-40B4-BE49-F238E27FC236}">
-                      <a16:creationId xmlns:a16="http://schemas.microsoft.com/office/drawing/2014/main" id="{5A52B900-3060-44C2-BDC8-8596E0F1986D}"/>
+                      <a16:creationId xmlns:a16="http://schemas.microsoft.com/office/drawing/2014/main" xmlns="" id="{5A52B900-3060-44C2-BDC8-8596E0F1986D}"/>
                     </a:ext>
                   </a:extLst>
                 </p:cNvPr>
@@ -9132,7 +9132,7 @@
             <p:cNvPr id="125" name="文本框 124">
               <a:extLst>
                 <a:ext uri="{FF2B5EF4-FFF2-40B4-BE49-F238E27FC236}">
-                  <a16:creationId xmlns:a16="http://schemas.microsoft.com/office/drawing/2014/main" id="{01F49776-9F1D-4EEA-A7AE-85D74751135D}"/>
+                  <a16:creationId xmlns:a16="http://schemas.microsoft.com/office/drawing/2014/main" xmlns="" id="{01F49776-9F1D-4EEA-A7AE-85D74751135D}"/>
                 </a:ext>
               </a:extLst>
             </p:cNvPr>
@@ -9176,7 +9176,7 @@
             <p:cNvPr id="6" name="箭头: 下 5">
               <a:extLst>
                 <a:ext uri="{FF2B5EF4-FFF2-40B4-BE49-F238E27FC236}">
-                  <a16:creationId xmlns:a16="http://schemas.microsoft.com/office/drawing/2014/main" id="{FB4FE969-7AA3-45CE-8B25-90AC50963716}"/>
+                  <a16:creationId xmlns:a16="http://schemas.microsoft.com/office/drawing/2014/main" xmlns="" id="{FB4FE969-7AA3-45CE-8B25-90AC50963716}"/>
                 </a:ext>
               </a:extLst>
             </p:cNvPr>
@@ -9222,7 +9222,7 @@
             <p:cNvPr id="112" name="箭头: 下 111">
               <a:extLst>
                 <a:ext uri="{FF2B5EF4-FFF2-40B4-BE49-F238E27FC236}">
-                  <a16:creationId xmlns:a16="http://schemas.microsoft.com/office/drawing/2014/main" id="{77B3CC18-D8CF-471F-B179-C67E7E1D0199}"/>
+                  <a16:creationId xmlns:a16="http://schemas.microsoft.com/office/drawing/2014/main" xmlns="" id="{77B3CC18-D8CF-471F-B179-C67E7E1D0199}"/>
                 </a:ext>
               </a:extLst>
             </p:cNvPr>
@@ -9268,7 +9268,7 @@
             <p:cNvPr id="7" name="矩形 6">
               <a:extLst>
                 <a:ext uri="{FF2B5EF4-FFF2-40B4-BE49-F238E27FC236}">
-                  <a16:creationId xmlns:a16="http://schemas.microsoft.com/office/drawing/2014/main" id="{27B72B76-7F28-403E-B05B-99E9E2A29AE3}"/>
+                  <a16:creationId xmlns:a16="http://schemas.microsoft.com/office/drawing/2014/main" xmlns="" id="{27B72B76-7F28-403E-B05B-99E9E2A29AE3}"/>
                 </a:ext>
               </a:extLst>
             </p:cNvPr>
@@ -9322,7 +9322,7 @@
             <p:cNvPr id="113" name="矩形 112">
               <a:extLst>
                 <a:ext uri="{FF2B5EF4-FFF2-40B4-BE49-F238E27FC236}">
-                  <a16:creationId xmlns:a16="http://schemas.microsoft.com/office/drawing/2014/main" id="{28CC07E8-6496-4456-98E6-282F32FE1B98}"/>
+                  <a16:creationId xmlns:a16="http://schemas.microsoft.com/office/drawing/2014/main" xmlns="" id="{28CC07E8-6496-4456-98E6-282F32FE1B98}"/>
                 </a:ext>
               </a:extLst>
             </p:cNvPr>
@@ -9376,7 +9376,7 @@
             <p:cNvPr id="114" name="文本框 113">
               <a:extLst>
                 <a:ext uri="{FF2B5EF4-FFF2-40B4-BE49-F238E27FC236}">
-                  <a16:creationId xmlns:a16="http://schemas.microsoft.com/office/drawing/2014/main" id="{D9F911FE-497F-4D78-9998-0CDA5122EC5C}"/>
+                  <a16:creationId xmlns:a16="http://schemas.microsoft.com/office/drawing/2014/main" xmlns="" id="{D9F911FE-497F-4D78-9998-0CDA5122EC5C}"/>
                 </a:ext>
               </a:extLst>
             </p:cNvPr>
@@ -9420,7 +9420,7 @@
             <p:cNvPr id="115" name="文本框 114">
               <a:extLst>
                 <a:ext uri="{FF2B5EF4-FFF2-40B4-BE49-F238E27FC236}">
-                  <a16:creationId xmlns:a16="http://schemas.microsoft.com/office/drawing/2014/main" id="{A9E5FEAB-BFF3-4BB8-97DA-D26C4626B5D6}"/>
+                  <a16:creationId xmlns:a16="http://schemas.microsoft.com/office/drawing/2014/main" xmlns="" id="{A9E5FEAB-BFF3-4BB8-97DA-D26C4626B5D6}"/>
                 </a:ext>
               </a:extLst>
             </p:cNvPr>
@@ -9455,7 +9455,7 @@
             <p:cNvPr id="15" name="组合 14">
               <a:extLst>
                 <a:ext uri="{FF2B5EF4-FFF2-40B4-BE49-F238E27FC236}">
-                  <a16:creationId xmlns:a16="http://schemas.microsoft.com/office/drawing/2014/main" id="{B1373A03-1097-4EE9-B801-ABC19629FDAC}"/>
+                  <a16:creationId xmlns:a16="http://schemas.microsoft.com/office/drawing/2014/main" xmlns="" id="{B1373A03-1097-4EE9-B801-ABC19629FDAC}"/>
                 </a:ext>
               </a:extLst>
             </p:cNvPr>
@@ -9475,7 +9475,7 @@
               <p:cNvPr id="116" name="矩形 115">
                 <a:extLst>
                   <a:ext uri="{FF2B5EF4-FFF2-40B4-BE49-F238E27FC236}">
-                    <a16:creationId xmlns:a16="http://schemas.microsoft.com/office/drawing/2014/main" id="{8F0837AA-8557-44B0-91E9-1C68A1C47164}"/>
+                    <a16:creationId xmlns:a16="http://schemas.microsoft.com/office/drawing/2014/main" xmlns="" id="{8F0837AA-8557-44B0-91E9-1C68A1C47164}"/>
                   </a:ext>
                 </a:extLst>
               </p:cNvPr>
@@ -9529,7 +9529,7 @@
               <p:cNvPr id="117" name="矩形 116">
                 <a:extLst>
                   <a:ext uri="{FF2B5EF4-FFF2-40B4-BE49-F238E27FC236}">
-                    <a16:creationId xmlns:a16="http://schemas.microsoft.com/office/drawing/2014/main" id="{0A4A8FCE-A009-4452-AE6B-205CA39EB6D8}"/>
+                    <a16:creationId xmlns:a16="http://schemas.microsoft.com/office/drawing/2014/main" xmlns="" id="{0A4A8FCE-A009-4452-AE6B-205CA39EB6D8}"/>
                   </a:ext>
                 </a:extLst>
               </p:cNvPr>
@@ -9583,7 +9583,7 @@
               <p:cNvPr id="119" name="矩形 118">
                 <a:extLst>
                   <a:ext uri="{FF2B5EF4-FFF2-40B4-BE49-F238E27FC236}">
-                    <a16:creationId xmlns:a16="http://schemas.microsoft.com/office/drawing/2014/main" id="{286DA451-1D94-40BF-A07C-26561668BE40}"/>
+                    <a16:creationId xmlns:a16="http://schemas.microsoft.com/office/drawing/2014/main" xmlns="" id="{286DA451-1D94-40BF-A07C-26561668BE40}"/>
                   </a:ext>
                 </a:extLst>
               </p:cNvPr>
@@ -9637,7 +9637,7 @@
               <p:cNvPr id="120" name="文本框 119">
                 <a:extLst>
                   <a:ext uri="{FF2B5EF4-FFF2-40B4-BE49-F238E27FC236}">
-                    <a16:creationId xmlns:a16="http://schemas.microsoft.com/office/drawing/2014/main" id="{55084A03-71BE-41FC-82AA-C9E1B79667F2}"/>
+                    <a16:creationId xmlns:a16="http://schemas.microsoft.com/office/drawing/2014/main" xmlns="" id="{55084A03-71BE-41FC-82AA-C9E1B79667F2}"/>
                   </a:ext>
                 </a:extLst>
               </p:cNvPr>
@@ -9674,7 +9674,7 @@
             <p:cNvPr id="13" name="图片 12">
               <a:extLst>
                 <a:ext uri="{FF2B5EF4-FFF2-40B4-BE49-F238E27FC236}">
-                  <a16:creationId xmlns:a16="http://schemas.microsoft.com/office/drawing/2014/main" id="{EE962C43-8EE9-45F7-BE12-5AC7574C907B}"/>
+                  <a16:creationId xmlns:a16="http://schemas.microsoft.com/office/drawing/2014/main" xmlns="" id="{EE962C43-8EE9-45F7-BE12-5AC7574C907B}"/>
                 </a:ext>
               </a:extLst>
             </p:cNvPr>
@@ -9684,7 +9684,7 @@
             <p:nvPr/>
           </p:nvPicPr>
           <p:blipFill>
-            <a:blip r:embed="rId2">
+            <a:blip r:embed="rId2" cstate="print">
               <a:extLst>
                 <a:ext uri="{28A0092B-C50C-407E-A947-70E740481C1C}">
                   <a14:useLocalDpi xmlns:a14="http://schemas.microsoft.com/office/drawing/2010/main" val="0"/>
@@ -9710,7 +9710,7 @@
             <p:cNvPr id="14" name="箭头: 右 13">
               <a:extLst>
                 <a:ext uri="{FF2B5EF4-FFF2-40B4-BE49-F238E27FC236}">
-                  <a16:creationId xmlns:a16="http://schemas.microsoft.com/office/drawing/2014/main" id="{519946F0-98BA-4E2D-B7EB-4CAD44E710EA}"/>
+                  <a16:creationId xmlns:a16="http://schemas.microsoft.com/office/drawing/2014/main" xmlns="" id="{519946F0-98BA-4E2D-B7EB-4CAD44E710EA}"/>
                 </a:ext>
               </a:extLst>
             </p:cNvPr>
@@ -9756,7 +9756,7 @@
             <p:cNvPr id="16" name="箭头: 下 15">
               <a:extLst>
                 <a:ext uri="{FF2B5EF4-FFF2-40B4-BE49-F238E27FC236}">
-                  <a16:creationId xmlns:a16="http://schemas.microsoft.com/office/drawing/2014/main" id="{84646EF5-2974-41B6-B1AB-68EE54925BB1}"/>
+                  <a16:creationId xmlns:a16="http://schemas.microsoft.com/office/drawing/2014/main" xmlns="" id="{84646EF5-2974-41B6-B1AB-68EE54925BB1}"/>
                 </a:ext>
               </a:extLst>
             </p:cNvPr>
@@ -9802,7 +9802,7 @@
             <p:cNvPr id="122" name="文本框 121">
               <a:extLst>
                 <a:ext uri="{FF2B5EF4-FFF2-40B4-BE49-F238E27FC236}">
-                  <a16:creationId xmlns:a16="http://schemas.microsoft.com/office/drawing/2014/main" id="{FE1C04A4-95C9-4FA2-B437-F499263317CC}"/>
+                  <a16:creationId xmlns:a16="http://schemas.microsoft.com/office/drawing/2014/main" xmlns="" id="{FE1C04A4-95C9-4FA2-B437-F499263317CC}"/>
                 </a:ext>
               </a:extLst>
             </p:cNvPr>
@@ -9837,7 +9837,7 @@
             <p:cNvPr id="127" name="图片 126">
               <a:extLst>
                 <a:ext uri="{FF2B5EF4-FFF2-40B4-BE49-F238E27FC236}">
-                  <a16:creationId xmlns:a16="http://schemas.microsoft.com/office/drawing/2014/main" id="{9FE0B338-77B0-4198-9248-7A4BAA5F8440}"/>
+                  <a16:creationId xmlns:a16="http://schemas.microsoft.com/office/drawing/2014/main" xmlns="" id="{9FE0B338-77B0-4198-9248-7A4BAA5F8440}"/>
                 </a:ext>
               </a:extLst>
             </p:cNvPr>
@@ -9847,7 +9847,7 @@
             <p:nvPr/>
           </p:nvPicPr>
           <p:blipFill>
-            <a:blip r:embed="rId2">
+            <a:blip r:embed="rId2" cstate="print">
               <a:extLst>
                 <a:ext uri="{28A0092B-C50C-407E-A947-70E740481C1C}">
                   <a14:useLocalDpi xmlns:a14="http://schemas.microsoft.com/office/drawing/2010/main" val="0"/>
@@ -9873,7 +9873,7 @@
             <p:cNvPr id="17" name="等号 16">
               <a:extLst>
                 <a:ext uri="{FF2B5EF4-FFF2-40B4-BE49-F238E27FC236}">
-                  <a16:creationId xmlns:a16="http://schemas.microsoft.com/office/drawing/2014/main" id="{68BF9FCA-82C4-45D7-9BB1-A55FB4F32D54}"/>
+                  <a16:creationId xmlns:a16="http://schemas.microsoft.com/office/drawing/2014/main" xmlns="" id="{68BF9FCA-82C4-45D7-9BB1-A55FB4F32D54}"/>
                 </a:ext>
               </a:extLst>
             </p:cNvPr>
@@ -9923,7 +9923,7 @@
             <p:cNvPr id="128" name="文本框 127">
               <a:extLst>
                 <a:ext uri="{FF2B5EF4-FFF2-40B4-BE49-F238E27FC236}">
-                  <a16:creationId xmlns:a16="http://schemas.microsoft.com/office/drawing/2014/main" id="{EA4871E1-F7E8-41A9-B433-63AEFA75A5FC}"/>
+                  <a16:creationId xmlns:a16="http://schemas.microsoft.com/office/drawing/2014/main" xmlns="" id="{EA4871E1-F7E8-41A9-B433-63AEFA75A5FC}"/>
                 </a:ext>
               </a:extLst>
             </p:cNvPr>
@@ -9990,7 +9990,7 @@
           <p:cNvPr id="52" name="文本框 51">
             <a:extLst>
               <a:ext uri="{FF2B5EF4-FFF2-40B4-BE49-F238E27FC236}">
-                <a16:creationId xmlns:a16="http://schemas.microsoft.com/office/drawing/2014/main" id="{77B05667-F1B1-4631-9050-0D42AB031DAF}"/>
+                <a16:creationId xmlns:a16="http://schemas.microsoft.com/office/drawing/2014/main" xmlns="" id="{77B05667-F1B1-4631-9050-0D42AB031DAF}"/>
               </a:ext>
             </a:extLst>
           </p:cNvPr>
@@ -10026,7 +10026,7 @@
           <p:cNvPr id="53" name="文本框 52">
             <a:extLst>
               <a:ext uri="{FF2B5EF4-FFF2-40B4-BE49-F238E27FC236}">
-                <a16:creationId xmlns:a16="http://schemas.microsoft.com/office/drawing/2014/main" id="{707FC7AA-4458-4CFA-B1F6-5F06A952702F}"/>
+                <a16:creationId xmlns:a16="http://schemas.microsoft.com/office/drawing/2014/main" xmlns="" id="{707FC7AA-4458-4CFA-B1F6-5F06A952702F}"/>
               </a:ext>
             </a:extLst>
           </p:cNvPr>
@@ -10062,7 +10062,7 @@
           <p:cNvPr id="54" name="组合 53">
             <a:extLst>
               <a:ext uri="{FF2B5EF4-FFF2-40B4-BE49-F238E27FC236}">
-                <a16:creationId xmlns:a16="http://schemas.microsoft.com/office/drawing/2014/main" id="{C1D7DA71-A325-42F8-ABBD-8E4332F52BCF}"/>
+                <a16:creationId xmlns:a16="http://schemas.microsoft.com/office/drawing/2014/main" xmlns="" id="{C1D7DA71-A325-42F8-ABBD-8E4332F52BCF}"/>
               </a:ext>
             </a:extLst>
           </p:cNvPr>
@@ -10082,7 +10082,7 @@
             <p:cNvPr id="55" name="椭圆 54">
               <a:extLst>
                 <a:ext uri="{FF2B5EF4-FFF2-40B4-BE49-F238E27FC236}">
-                  <a16:creationId xmlns:a16="http://schemas.microsoft.com/office/drawing/2014/main" id="{1A0B6BA2-D957-495D-921D-545AD98F5785}"/>
+                  <a16:creationId xmlns:a16="http://schemas.microsoft.com/office/drawing/2014/main" xmlns="" id="{1A0B6BA2-D957-495D-921D-545AD98F5785}"/>
                 </a:ext>
               </a:extLst>
             </p:cNvPr>
@@ -10131,7 +10131,7 @@
             <p:cNvPr id="56" name="椭圆 55">
               <a:extLst>
                 <a:ext uri="{FF2B5EF4-FFF2-40B4-BE49-F238E27FC236}">
-                  <a16:creationId xmlns:a16="http://schemas.microsoft.com/office/drawing/2014/main" id="{BCE18C2E-BB20-4FE5-81CA-44BC423FB860}"/>
+                  <a16:creationId xmlns:a16="http://schemas.microsoft.com/office/drawing/2014/main" xmlns="" id="{BCE18C2E-BB20-4FE5-81CA-44BC423FB860}"/>
                 </a:ext>
               </a:extLst>
             </p:cNvPr>
@@ -10180,7 +10180,7 @@
             <p:cNvPr id="57" name="椭圆 56">
               <a:extLst>
                 <a:ext uri="{FF2B5EF4-FFF2-40B4-BE49-F238E27FC236}">
-                  <a16:creationId xmlns:a16="http://schemas.microsoft.com/office/drawing/2014/main" id="{4BF93B52-0903-4015-8ACF-80B99BDBB664}"/>
+                  <a16:creationId xmlns:a16="http://schemas.microsoft.com/office/drawing/2014/main" xmlns="" id="{4BF93B52-0903-4015-8ACF-80B99BDBB664}"/>
                 </a:ext>
               </a:extLst>
             </p:cNvPr>
@@ -10229,7 +10229,7 @@
             <p:cNvPr id="58" name="椭圆 57">
               <a:extLst>
                 <a:ext uri="{FF2B5EF4-FFF2-40B4-BE49-F238E27FC236}">
-                  <a16:creationId xmlns:a16="http://schemas.microsoft.com/office/drawing/2014/main" id="{757CF9F1-E8D0-4A4A-8FF1-25C7124D6039}"/>
+                  <a16:creationId xmlns:a16="http://schemas.microsoft.com/office/drawing/2014/main" xmlns="" id="{757CF9F1-E8D0-4A4A-8FF1-25C7124D6039}"/>
                 </a:ext>
               </a:extLst>
             </p:cNvPr>
@@ -10278,7 +10278,7 @@
             <p:cNvPr id="59" name="椭圆 58">
               <a:extLst>
                 <a:ext uri="{FF2B5EF4-FFF2-40B4-BE49-F238E27FC236}">
-                  <a16:creationId xmlns:a16="http://schemas.microsoft.com/office/drawing/2014/main" id="{99119649-3F34-4A69-9056-FA34BD03E7BA}"/>
+                  <a16:creationId xmlns:a16="http://schemas.microsoft.com/office/drawing/2014/main" xmlns="" id="{99119649-3F34-4A69-9056-FA34BD03E7BA}"/>
                 </a:ext>
               </a:extLst>
             </p:cNvPr>
@@ -10327,7 +10327,7 @@
             <p:cNvPr id="60" name="椭圆 59">
               <a:extLst>
                 <a:ext uri="{FF2B5EF4-FFF2-40B4-BE49-F238E27FC236}">
-                  <a16:creationId xmlns:a16="http://schemas.microsoft.com/office/drawing/2014/main" id="{356AC296-DED3-4455-AFCC-C757F0DA19BA}"/>
+                  <a16:creationId xmlns:a16="http://schemas.microsoft.com/office/drawing/2014/main" xmlns="" id="{356AC296-DED3-4455-AFCC-C757F0DA19BA}"/>
                 </a:ext>
               </a:extLst>
             </p:cNvPr>
@@ -10376,7 +10376,7 @@
             <p:cNvPr id="61" name="椭圆 60">
               <a:extLst>
                 <a:ext uri="{FF2B5EF4-FFF2-40B4-BE49-F238E27FC236}">
-                  <a16:creationId xmlns:a16="http://schemas.microsoft.com/office/drawing/2014/main" id="{10121090-8D1C-4FB6-8B4E-1148074F595C}"/>
+                  <a16:creationId xmlns:a16="http://schemas.microsoft.com/office/drawing/2014/main" xmlns="" id="{10121090-8D1C-4FB6-8B4E-1148074F595C}"/>
                 </a:ext>
               </a:extLst>
             </p:cNvPr>
@@ -10425,7 +10425,7 @@
             <p:cNvPr id="62" name="椭圆 61">
               <a:extLst>
                 <a:ext uri="{FF2B5EF4-FFF2-40B4-BE49-F238E27FC236}">
-                  <a16:creationId xmlns:a16="http://schemas.microsoft.com/office/drawing/2014/main" id="{325D1AE2-04B0-4B7C-9780-0C7784DAAB82}"/>
+                  <a16:creationId xmlns:a16="http://schemas.microsoft.com/office/drawing/2014/main" xmlns="" id="{325D1AE2-04B0-4B7C-9780-0C7784DAAB82}"/>
                 </a:ext>
               </a:extLst>
             </p:cNvPr>
@@ -10474,7 +10474,7 @@
             <p:cNvPr id="63" name="椭圆 62">
               <a:extLst>
                 <a:ext uri="{FF2B5EF4-FFF2-40B4-BE49-F238E27FC236}">
-                  <a16:creationId xmlns:a16="http://schemas.microsoft.com/office/drawing/2014/main" id="{C05A2AD6-9DE5-4165-8D61-F46A5B48969A}"/>
+                  <a16:creationId xmlns:a16="http://schemas.microsoft.com/office/drawing/2014/main" xmlns="" id="{C05A2AD6-9DE5-4165-8D61-F46A5B48969A}"/>
                 </a:ext>
               </a:extLst>
             </p:cNvPr>
@@ -10523,7 +10523,7 @@
             <p:cNvPr id="64" name="椭圆 63">
               <a:extLst>
                 <a:ext uri="{FF2B5EF4-FFF2-40B4-BE49-F238E27FC236}">
-                  <a16:creationId xmlns:a16="http://schemas.microsoft.com/office/drawing/2014/main" id="{C1FDAEDC-337C-465C-BF65-475359AEF602}"/>
+                  <a16:creationId xmlns:a16="http://schemas.microsoft.com/office/drawing/2014/main" xmlns="" id="{C1FDAEDC-337C-465C-BF65-475359AEF602}"/>
                 </a:ext>
               </a:extLst>
             </p:cNvPr>
@@ -10572,7 +10572,7 @@
             <p:cNvPr id="65" name="椭圆 64">
               <a:extLst>
                 <a:ext uri="{FF2B5EF4-FFF2-40B4-BE49-F238E27FC236}">
-                  <a16:creationId xmlns:a16="http://schemas.microsoft.com/office/drawing/2014/main" id="{247DDE22-EAF1-479E-BF49-62AE5D5DC968}"/>
+                  <a16:creationId xmlns:a16="http://schemas.microsoft.com/office/drawing/2014/main" xmlns="" id="{247DDE22-EAF1-479E-BF49-62AE5D5DC968}"/>
                 </a:ext>
               </a:extLst>
             </p:cNvPr>
@@ -10621,7 +10621,7 @@
             <p:cNvPr id="66" name="椭圆 65">
               <a:extLst>
                 <a:ext uri="{FF2B5EF4-FFF2-40B4-BE49-F238E27FC236}">
-                  <a16:creationId xmlns:a16="http://schemas.microsoft.com/office/drawing/2014/main" id="{49D41CED-E98D-4BF3-AD27-D68C59206B43}"/>
+                  <a16:creationId xmlns:a16="http://schemas.microsoft.com/office/drawing/2014/main" xmlns="" id="{49D41CED-E98D-4BF3-AD27-D68C59206B43}"/>
                 </a:ext>
               </a:extLst>
             </p:cNvPr>
@@ -10670,7 +10670,7 @@
             <p:cNvPr id="67" name="椭圆 66">
               <a:extLst>
                 <a:ext uri="{FF2B5EF4-FFF2-40B4-BE49-F238E27FC236}">
-                  <a16:creationId xmlns:a16="http://schemas.microsoft.com/office/drawing/2014/main" id="{41CDF45F-AB34-429B-A1F7-9E226CBE56DC}"/>
+                  <a16:creationId xmlns:a16="http://schemas.microsoft.com/office/drawing/2014/main" xmlns="" id="{41CDF45F-AB34-429B-A1F7-9E226CBE56DC}"/>
                 </a:ext>
               </a:extLst>
             </p:cNvPr>
@@ -10719,7 +10719,7 @@
             <p:cNvPr id="68" name="椭圆 67">
               <a:extLst>
                 <a:ext uri="{FF2B5EF4-FFF2-40B4-BE49-F238E27FC236}">
-                  <a16:creationId xmlns:a16="http://schemas.microsoft.com/office/drawing/2014/main" id="{95C64783-82B6-4748-8CE6-083D55B057CD}"/>
+                  <a16:creationId xmlns:a16="http://schemas.microsoft.com/office/drawing/2014/main" xmlns="" id="{95C64783-82B6-4748-8CE6-083D55B057CD}"/>
                 </a:ext>
               </a:extLst>
             </p:cNvPr>
@@ -10768,7 +10768,7 @@
             <p:cNvPr id="69" name="箭头: 右 68">
               <a:extLst>
                 <a:ext uri="{FF2B5EF4-FFF2-40B4-BE49-F238E27FC236}">
-                  <a16:creationId xmlns:a16="http://schemas.microsoft.com/office/drawing/2014/main" id="{795838AD-F917-4A82-9CAB-A16353ABF583}"/>
+                  <a16:creationId xmlns:a16="http://schemas.microsoft.com/office/drawing/2014/main" xmlns="" id="{795838AD-F917-4A82-9CAB-A16353ABF583}"/>
                 </a:ext>
               </a:extLst>
             </p:cNvPr>
@@ -10814,7 +10814,7 @@
             <p:cNvPr id="70" name="文本框 69">
               <a:extLst>
                 <a:ext uri="{FF2B5EF4-FFF2-40B4-BE49-F238E27FC236}">
-                  <a16:creationId xmlns:a16="http://schemas.microsoft.com/office/drawing/2014/main" id="{517E86DF-FF00-4556-AFE0-025F0E0F5639}"/>
+                  <a16:creationId xmlns:a16="http://schemas.microsoft.com/office/drawing/2014/main" xmlns="" id="{517E86DF-FF00-4556-AFE0-025F0E0F5639}"/>
                 </a:ext>
               </a:extLst>
             </p:cNvPr>
@@ -10849,7 +10849,7 @@
             <p:cNvPr id="71" name="椭圆 70">
               <a:extLst>
                 <a:ext uri="{FF2B5EF4-FFF2-40B4-BE49-F238E27FC236}">
-                  <a16:creationId xmlns:a16="http://schemas.microsoft.com/office/drawing/2014/main" id="{4896F817-48A5-4A67-A020-BC85E1DB6808}"/>
+                  <a16:creationId xmlns:a16="http://schemas.microsoft.com/office/drawing/2014/main" xmlns="" id="{4896F817-48A5-4A67-A020-BC85E1DB6808}"/>
                 </a:ext>
               </a:extLst>
             </p:cNvPr>
@@ -10898,7 +10898,7 @@
             <p:cNvPr id="72" name="椭圆 71">
               <a:extLst>
                 <a:ext uri="{FF2B5EF4-FFF2-40B4-BE49-F238E27FC236}">
-                  <a16:creationId xmlns:a16="http://schemas.microsoft.com/office/drawing/2014/main" id="{00388788-39A2-46B7-BFD4-867A8B96FF0D}"/>
+                  <a16:creationId xmlns:a16="http://schemas.microsoft.com/office/drawing/2014/main" xmlns="" id="{00388788-39A2-46B7-BFD4-867A8B96FF0D}"/>
                 </a:ext>
               </a:extLst>
             </p:cNvPr>
@@ -10947,7 +10947,7 @@
             <p:cNvPr id="79" name="椭圆 78">
               <a:extLst>
                 <a:ext uri="{FF2B5EF4-FFF2-40B4-BE49-F238E27FC236}">
-                  <a16:creationId xmlns:a16="http://schemas.microsoft.com/office/drawing/2014/main" id="{4884CD08-38E7-4B5D-A612-7A52EE54ABDC}"/>
+                  <a16:creationId xmlns:a16="http://schemas.microsoft.com/office/drawing/2014/main" xmlns="" id="{4884CD08-38E7-4B5D-A612-7A52EE54ABDC}"/>
                 </a:ext>
               </a:extLst>
             </p:cNvPr>
@@ -10996,7 +10996,7 @@
             <p:cNvPr id="80" name="椭圆 79">
               <a:extLst>
                 <a:ext uri="{FF2B5EF4-FFF2-40B4-BE49-F238E27FC236}">
-                  <a16:creationId xmlns:a16="http://schemas.microsoft.com/office/drawing/2014/main" id="{934E8CBB-7A4D-43F2-A52C-BA25C86B0B33}"/>
+                  <a16:creationId xmlns:a16="http://schemas.microsoft.com/office/drawing/2014/main" xmlns="" id="{934E8CBB-7A4D-43F2-A52C-BA25C86B0B33}"/>
                 </a:ext>
               </a:extLst>
             </p:cNvPr>
@@ -11045,7 +11045,7 @@
             <p:cNvPr id="81" name="椭圆 80">
               <a:extLst>
                 <a:ext uri="{FF2B5EF4-FFF2-40B4-BE49-F238E27FC236}">
-                  <a16:creationId xmlns:a16="http://schemas.microsoft.com/office/drawing/2014/main" id="{4BA95B11-8E2B-4045-BA09-11626E73FBA6}"/>
+                  <a16:creationId xmlns:a16="http://schemas.microsoft.com/office/drawing/2014/main" xmlns="" id="{4BA95B11-8E2B-4045-BA09-11626E73FBA6}"/>
                 </a:ext>
               </a:extLst>
             </p:cNvPr>
@@ -11094,7 +11094,7 @@
             <p:cNvPr id="82" name="组合 81">
               <a:extLst>
                 <a:ext uri="{FF2B5EF4-FFF2-40B4-BE49-F238E27FC236}">
-                  <a16:creationId xmlns:a16="http://schemas.microsoft.com/office/drawing/2014/main" id="{AD438A3B-3334-4E4E-9A26-EF15D5AF81B3}"/>
+                  <a16:creationId xmlns:a16="http://schemas.microsoft.com/office/drawing/2014/main" xmlns="" id="{AD438A3B-3334-4E4E-9A26-EF15D5AF81B3}"/>
                 </a:ext>
               </a:extLst>
             </p:cNvPr>
@@ -11114,7 +11114,7 @@
               <p:cNvPr id="171" name="椭圆 170">
                 <a:extLst>
                   <a:ext uri="{FF2B5EF4-FFF2-40B4-BE49-F238E27FC236}">
-                    <a16:creationId xmlns:a16="http://schemas.microsoft.com/office/drawing/2014/main" id="{FB21130C-7529-465A-93DC-71885E5FB93A}"/>
+                    <a16:creationId xmlns:a16="http://schemas.microsoft.com/office/drawing/2014/main" xmlns="" id="{FB21130C-7529-465A-93DC-71885E5FB93A}"/>
                   </a:ext>
                 </a:extLst>
               </p:cNvPr>
@@ -11163,7 +11163,7 @@
               <p:cNvPr id="172" name="椭圆 171">
                 <a:extLst>
                   <a:ext uri="{FF2B5EF4-FFF2-40B4-BE49-F238E27FC236}">
-                    <a16:creationId xmlns:a16="http://schemas.microsoft.com/office/drawing/2014/main" id="{5A8E7EA3-4899-43CB-B6A9-82A108CBB469}"/>
+                    <a16:creationId xmlns:a16="http://schemas.microsoft.com/office/drawing/2014/main" xmlns="" id="{5A8E7EA3-4899-43CB-B6A9-82A108CBB469}"/>
                   </a:ext>
                 </a:extLst>
               </p:cNvPr>
@@ -11212,7 +11212,7 @@
               <p:cNvPr id="173" name="椭圆 172">
                 <a:extLst>
                   <a:ext uri="{FF2B5EF4-FFF2-40B4-BE49-F238E27FC236}">
-                    <a16:creationId xmlns:a16="http://schemas.microsoft.com/office/drawing/2014/main" id="{3D2E27A6-A8BA-406C-80AE-27971CC67823}"/>
+                    <a16:creationId xmlns:a16="http://schemas.microsoft.com/office/drawing/2014/main" xmlns="" id="{3D2E27A6-A8BA-406C-80AE-27971CC67823}"/>
                   </a:ext>
                 </a:extLst>
               </p:cNvPr>
@@ -11261,7 +11261,7 @@
               <p:cNvPr id="174" name="椭圆 173">
                 <a:extLst>
                   <a:ext uri="{FF2B5EF4-FFF2-40B4-BE49-F238E27FC236}">
-                    <a16:creationId xmlns:a16="http://schemas.microsoft.com/office/drawing/2014/main" id="{16E761CE-8B46-4E3E-965F-89BD149BF345}"/>
+                    <a16:creationId xmlns:a16="http://schemas.microsoft.com/office/drawing/2014/main" xmlns="" id="{16E761CE-8B46-4E3E-965F-89BD149BF345}"/>
                   </a:ext>
                 </a:extLst>
               </p:cNvPr>
@@ -11310,7 +11310,7 @@
               <p:cNvPr id="175" name="椭圆 174">
                 <a:extLst>
                   <a:ext uri="{FF2B5EF4-FFF2-40B4-BE49-F238E27FC236}">
-                    <a16:creationId xmlns:a16="http://schemas.microsoft.com/office/drawing/2014/main" id="{27613B33-D992-4477-92E3-D4832846BE0C}"/>
+                    <a16:creationId xmlns:a16="http://schemas.microsoft.com/office/drawing/2014/main" xmlns="" id="{27613B33-D992-4477-92E3-D4832846BE0C}"/>
                   </a:ext>
                 </a:extLst>
               </p:cNvPr>
@@ -11360,7 +11360,7 @@
             <p:cNvPr id="83" name="椭圆 82">
               <a:extLst>
                 <a:ext uri="{FF2B5EF4-FFF2-40B4-BE49-F238E27FC236}">
-                  <a16:creationId xmlns:a16="http://schemas.microsoft.com/office/drawing/2014/main" id="{B09AFEA9-6145-4B54-8001-D8FC6F296EB0}"/>
+                  <a16:creationId xmlns:a16="http://schemas.microsoft.com/office/drawing/2014/main" xmlns="" id="{B09AFEA9-6145-4B54-8001-D8FC6F296EB0}"/>
                 </a:ext>
               </a:extLst>
             </p:cNvPr>
@@ -11409,7 +11409,7 @@
             <p:cNvPr id="84" name="椭圆 83">
               <a:extLst>
                 <a:ext uri="{FF2B5EF4-FFF2-40B4-BE49-F238E27FC236}">
-                  <a16:creationId xmlns:a16="http://schemas.microsoft.com/office/drawing/2014/main" id="{F51E24C2-2BC4-4FA9-A730-45E62305D7EA}"/>
+                  <a16:creationId xmlns:a16="http://schemas.microsoft.com/office/drawing/2014/main" xmlns="" id="{F51E24C2-2BC4-4FA9-A730-45E62305D7EA}"/>
                 </a:ext>
               </a:extLst>
             </p:cNvPr>
@@ -11458,7 +11458,7 @@
             <p:cNvPr id="85" name="椭圆 84">
               <a:extLst>
                 <a:ext uri="{FF2B5EF4-FFF2-40B4-BE49-F238E27FC236}">
-                  <a16:creationId xmlns:a16="http://schemas.microsoft.com/office/drawing/2014/main" id="{783B1F12-2A07-4E11-961F-22415DCEB810}"/>
+                  <a16:creationId xmlns:a16="http://schemas.microsoft.com/office/drawing/2014/main" xmlns="" id="{783B1F12-2A07-4E11-961F-22415DCEB810}"/>
                 </a:ext>
               </a:extLst>
             </p:cNvPr>
@@ -11507,7 +11507,7 @@
             <p:cNvPr id="86" name="椭圆 85">
               <a:extLst>
                 <a:ext uri="{FF2B5EF4-FFF2-40B4-BE49-F238E27FC236}">
-                  <a16:creationId xmlns:a16="http://schemas.microsoft.com/office/drawing/2014/main" id="{A702EB56-C10C-4761-B5FF-4596A424AA2C}"/>
+                  <a16:creationId xmlns:a16="http://schemas.microsoft.com/office/drawing/2014/main" xmlns="" id="{A702EB56-C10C-4761-B5FF-4596A424AA2C}"/>
                 </a:ext>
               </a:extLst>
             </p:cNvPr>
@@ -11556,7 +11556,7 @@
             <p:cNvPr id="87" name="椭圆 86">
               <a:extLst>
                 <a:ext uri="{FF2B5EF4-FFF2-40B4-BE49-F238E27FC236}">
-                  <a16:creationId xmlns:a16="http://schemas.microsoft.com/office/drawing/2014/main" id="{6677FA3E-556D-4617-AE9A-4275EAFE793D}"/>
+                  <a16:creationId xmlns:a16="http://schemas.microsoft.com/office/drawing/2014/main" xmlns="" id="{6677FA3E-556D-4617-AE9A-4275EAFE793D}"/>
                 </a:ext>
               </a:extLst>
             </p:cNvPr>
@@ -11605,7 +11605,7 @@
             <p:cNvPr id="88" name="椭圆 87">
               <a:extLst>
                 <a:ext uri="{FF2B5EF4-FFF2-40B4-BE49-F238E27FC236}">
-                  <a16:creationId xmlns:a16="http://schemas.microsoft.com/office/drawing/2014/main" id="{E54D0F6C-6E96-466F-A4B0-16FE1D5CFCD6}"/>
+                  <a16:creationId xmlns:a16="http://schemas.microsoft.com/office/drawing/2014/main" xmlns="" id="{E54D0F6C-6E96-466F-A4B0-16FE1D5CFCD6}"/>
                 </a:ext>
               </a:extLst>
             </p:cNvPr>
@@ -11654,7 +11654,7 @@
             <p:cNvPr id="89" name="椭圆 88">
               <a:extLst>
                 <a:ext uri="{FF2B5EF4-FFF2-40B4-BE49-F238E27FC236}">
-                  <a16:creationId xmlns:a16="http://schemas.microsoft.com/office/drawing/2014/main" id="{1DAAB435-93B4-476F-AE14-AD345F6B3459}"/>
+                  <a16:creationId xmlns:a16="http://schemas.microsoft.com/office/drawing/2014/main" xmlns="" id="{1DAAB435-93B4-476F-AE14-AD345F6B3459}"/>
                 </a:ext>
               </a:extLst>
             </p:cNvPr>
@@ -11703,7 +11703,7 @@
             <p:cNvPr id="90" name="椭圆 89">
               <a:extLst>
                 <a:ext uri="{FF2B5EF4-FFF2-40B4-BE49-F238E27FC236}">
-                  <a16:creationId xmlns:a16="http://schemas.microsoft.com/office/drawing/2014/main" id="{481DA07F-05D2-4923-A7C8-5635DC703D62}"/>
+                  <a16:creationId xmlns:a16="http://schemas.microsoft.com/office/drawing/2014/main" xmlns="" id="{481DA07F-05D2-4923-A7C8-5635DC703D62}"/>
                 </a:ext>
               </a:extLst>
             </p:cNvPr>
@@ -11752,7 +11752,7 @@
             <p:cNvPr id="91" name="椭圆 90">
               <a:extLst>
                 <a:ext uri="{FF2B5EF4-FFF2-40B4-BE49-F238E27FC236}">
-                  <a16:creationId xmlns:a16="http://schemas.microsoft.com/office/drawing/2014/main" id="{A8D293C0-6416-4B6C-AFF1-64D918238EC0}"/>
+                  <a16:creationId xmlns:a16="http://schemas.microsoft.com/office/drawing/2014/main" xmlns="" id="{A8D293C0-6416-4B6C-AFF1-64D918238EC0}"/>
                 </a:ext>
               </a:extLst>
             </p:cNvPr>
@@ -11801,7 +11801,7 @@
             <p:cNvPr id="92" name="椭圆 91">
               <a:extLst>
                 <a:ext uri="{FF2B5EF4-FFF2-40B4-BE49-F238E27FC236}">
-                  <a16:creationId xmlns:a16="http://schemas.microsoft.com/office/drawing/2014/main" id="{1F90871E-C8D2-4A14-9A10-9581D72587A3}"/>
+                  <a16:creationId xmlns:a16="http://schemas.microsoft.com/office/drawing/2014/main" xmlns="" id="{1F90871E-C8D2-4A14-9A10-9581D72587A3}"/>
                 </a:ext>
               </a:extLst>
             </p:cNvPr>
@@ -11850,7 +11850,7 @@
             <p:cNvPr id="98" name="文本框 97">
               <a:extLst>
                 <a:ext uri="{FF2B5EF4-FFF2-40B4-BE49-F238E27FC236}">
-                  <a16:creationId xmlns:a16="http://schemas.microsoft.com/office/drawing/2014/main" id="{A8C2F159-907D-4FD2-878A-9A2EA1D97698}"/>
+                  <a16:creationId xmlns:a16="http://schemas.microsoft.com/office/drawing/2014/main" xmlns="" id="{A8C2F159-907D-4FD2-878A-9A2EA1D97698}"/>
                 </a:ext>
               </a:extLst>
             </p:cNvPr>
@@ -11885,7 +11885,7 @@
             <p:cNvPr id="118" name="箭头: 下 117">
               <a:extLst>
                 <a:ext uri="{FF2B5EF4-FFF2-40B4-BE49-F238E27FC236}">
-                  <a16:creationId xmlns:a16="http://schemas.microsoft.com/office/drawing/2014/main" id="{C080F4F9-0695-4EE2-939E-7D4131B8795A}"/>
+                  <a16:creationId xmlns:a16="http://schemas.microsoft.com/office/drawing/2014/main" xmlns="" id="{C080F4F9-0695-4EE2-939E-7D4131B8795A}"/>
                 </a:ext>
               </a:extLst>
             </p:cNvPr>
@@ -11933,7 +11933,7 @@
             <p:cNvPr id="121" name="文本框 120">
               <a:extLst>
                 <a:ext uri="{FF2B5EF4-FFF2-40B4-BE49-F238E27FC236}">
-                  <a16:creationId xmlns:a16="http://schemas.microsoft.com/office/drawing/2014/main" id="{ABE4F786-B4C7-430A-9520-A5D2FF093CEA}"/>
+                  <a16:creationId xmlns:a16="http://schemas.microsoft.com/office/drawing/2014/main" xmlns="" id="{ABE4F786-B4C7-430A-9520-A5D2FF093CEA}"/>
                 </a:ext>
               </a:extLst>
             </p:cNvPr>
@@ -11968,7 +11968,7 @@
             <p:cNvPr id="126" name="文本框 125">
               <a:extLst>
                 <a:ext uri="{FF2B5EF4-FFF2-40B4-BE49-F238E27FC236}">
-                  <a16:creationId xmlns:a16="http://schemas.microsoft.com/office/drawing/2014/main" id="{60966420-94EC-4CE6-A808-CCD3F2DABBDF}"/>
+                  <a16:creationId xmlns:a16="http://schemas.microsoft.com/office/drawing/2014/main" xmlns="" id="{60966420-94EC-4CE6-A808-CCD3F2DABBDF}"/>
                 </a:ext>
               </a:extLst>
             </p:cNvPr>
@@ -12003,7 +12003,7 @@
             <p:cNvPr id="129" name="文本框 128">
               <a:extLst>
                 <a:ext uri="{FF2B5EF4-FFF2-40B4-BE49-F238E27FC236}">
-                  <a16:creationId xmlns:a16="http://schemas.microsoft.com/office/drawing/2014/main" id="{5729B282-EE03-4F15-A23F-278F3A831A00}"/>
+                  <a16:creationId xmlns:a16="http://schemas.microsoft.com/office/drawing/2014/main" xmlns="" id="{5729B282-EE03-4F15-A23F-278F3A831A00}"/>
                 </a:ext>
               </a:extLst>
             </p:cNvPr>
@@ -12054,7 +12054,7 @@
             <p:cNvPr id="130" name="文本框 129">
               <a:extLst>
                 <a:ext uri="{FF2B5EF4-FFF2-40B4-BE49-F238E27FC236}">
-                  <a16:creationId xmlns:a16="http://schemas.microsoft.com/office/drawing/2014/main" id="{F5E5E1D2-DEC0-4B73-9960-24CFE767CD5E}"/>
+                  <a16:creationId xmlns:a16="http://schemas.microsoft.com/office/drawing/2014/main" xmlns="" id="{F5E5E1D2-DEC0-4B73-9960-24CFE767CD5E}"/>
                 </a:ext>
               </a:extLst>
             </p:cNvPr>
@@ -12089,7 +12089,7 @@
             <p:cNvPr id="131" name="组合 130">
               <a:extLst>
                 <a:ext uri="{FF2B5EF4-FFF2-40B4-BE49-F238E27FC236}">
-                  <a16:creationId xmlns:a16="http://schemas.microsoft.com/office/drawing/2014/main" id="{83D64FB1-CC3E-4A4E-8F25-7098BC747624}"/>
+                  <a16:creationId xmlns:a16="http://schemas.microsoft.com/office/drawing/2014/main" xmlns="" id="{83D64FB1-CC3E-4A4E-8F25-7098BC747624}"/>
                 </a:ext>
               </a:extLst>
             </p:cNvPr>
@@ -12109,7 +12109,7 @@
               <p:cNvPr id="166" name="椭圆 165">
                 <a:extLst>
                   <a:ext uri="{FF2B5EF4-FFF2-40B4-BE49-F238E27FC236}">
-                    <a16:creationId xmlns:a16="http://schemas.microsoft.com/office/drawing/2014/main" id="{E398B15D-E463-450A-BA46-B86F78E3257F}"/>
+                    <a16:creationId xmlns:a16="http://schemas.microsoft.com/office/drawing/2014/main" xmlns="" id="{E398B15D-E463-450A-BA46-B86F78E3257F}"/>
                   </a:ext>
                 </a:extLst>
               </p:cNvPr>
@@ -12156,7 +12156,7 @@
               <p:cNvPr id="167" name="等腰三角形 166">
                 <a:extLst>
                   <a:ext uri="{FF2B5EF4-FFF2-40B4-BE49-F238E27FC236}">
-                    <a16:creationId xmlns:a16="http://schemas.microsoft.com/office/drawing/2014/main" id="{4372C56C-197B-4275-A0BD-476EEEA203E1}"/>
+                    <a16:creationId xmlns:a16="http://schemas.microsoft.com/office/drawing/2014/main" xmlns="" id="{4372C56C-197B-4275-A0BD-476EEEA203E1}"/>
                   </a:ext>
                 </a:extLst>
               </p:cNvPr>
@@ -12202,7 +12202,7 @@
               <p:cNvPr id="168" name="等腰三角形 167">
                 <a:extLst>
                   <a:ext uri="{FF2B5EF4-FFF2-40B4-BE49-F238E27FC236}">
-                    <a16:creationId xmlns:a16="http://schemas.microsoft.com/office/drawing/2014/main" id="{189580D2-6AE0-4E5F-B23D-BB658B597F37}"/>
+                    <a16:creationId xmlns:a16="http://schemas.microsoft.com/office/drawing/2014/main" xmlns="" id="{189580D2-6AE0-4E5F-B23D-BB658B597F37}"/>
                   </a:ext>
                 </a:extLst>
               </p:cNvPr>
@@ -12248,7 +12248,7 @@
               <p:cNvPr id="169" name="等腰三角形 168">
                 <a:extLst>
                   <a:ext uri="{FF2B5EF4-FFF2-40B4-BE49-F238E27FC236}">
-                    <a16:creationId xmlns:a16="http://schemas.microsoft.com/office/drawing/2014/main" id="{BBD1EC48-38E0-4465-BC9F-80C74390619C}"/>
+                    <a16:creationId xmlns:a16="http://schemas.microsoft.com/office/drawing/2014/main" xmlns="" id="{BBD1EC48-38E0-4465-BC9F-80C74390619C}"/>
                   </a:ext>
                 </a:extLst>
               </p:cNvPr>
@@ -12294,7 +12294,7 @@
               <p:cNvPr id="170" name="等腰三角形 169">
                 <a:extLst>
                   <a:ext uri="{FF2B5EF4-FFF2-40B4-BE49-F238E27FC236}">
-                    <a16:creationId xmlns:a16="http://schemas.microsoft.com/office/drawing/2014/main" id="{1790EF72-4F64-449C-B3CD-6C2446C03CD7}"/>
+                    <a16:creationId xmlns:a16="http://schemas.microsoft.com/office/drawing/2014/main" xmlns="" id="{1790EF72-4F64-449C-B3CD-6C2446C03CD7}"/>
                   </a:ext>
                 </a:extLst>
               </p:cNvPr>
@@ -12341,7 +12341,7 @@
             <p:cNvPr id="132" name="组合 131">
               <a:extLst>
                 <a:ext uri="{FF2B5EF4-FFF2-40B4-BE49-F238E27FC236}">
-                  <a16:creationId xmlns:a16="http://schemas.microsoft.com/office/drawing/2014/main" id="{CC7BE5CD-82F8-4273-A0E2-0050EAE8B2F6}"/>
+                  <a16:creationId xmlns:a16="http://schemas.microsoft.com/office/drawing/2014/main" xmlns="" id="{CC7BE5CD-82F8-4273-A0E2-0050EAE8B2F6}"/>
                 </a:ext>
               </a:extLst>
             </p:cNvPr>
@@ -12361,7 +12361,7 @@
               <p:cNvPr id="161" name="椭圆 160">
                 <a:extLst>
                   <a:ext uri="{FF2B5EF4-FFF2-40B4-BE49-F238E27FC236}">
-                    <a16:creationId xmlns:a16="http://schemas.microsoft.com/office/drawing/2014/main" id="{C5634C27-5690-43EC-88FC-1C3B018CF4F5}"/>
+                    <a16:creationId xmlns:a16="http://schemas.microsoft.com/office/drawing/2014/main" xmlns="" id="{C5634C27-5690-43EC-88FC-1C3B018CF4F5}"/>
                   </a:ext>
                 </a:extLst>
               </p:cNvPr>
@@ -12408,7 +12408,7 @@
               <p:cNvPr id="162" name="等腰三角形 161">
                 <a:extLst>
                   <a:ext uri="{FF2B5EF4-FFF2-40B4-BE49-F238E27FC236}">
-                    <a16:creationId xmlns:a16="http://schemas.microsoft.com/office/drawing/2014/main" id="{E88742DC-7F8F-4A16-BD18-05EAFE1C7760}"/>
+                    <a16:creationId xmlns:a16="http://schemas.microsoft.com/office/drawing/2014/main" xmlns="" id="{E88742DC-7F8F-4A16-BD18-05EAFE1C7760}"/>
                   </a:ext>
                 </a:extLst>
               </p:cNvPr>
@@ -12454,7 +12454,7 @@
               <p:cNvPr id="163" name="等腰三角形 162">
                 <a:extLst>
                   <a:ext uri="{FF2B5EF4-FFF2-40B4-BE49-F238E27FC236}">
-                    <a16:creationId xmlns:a16="http://schemas.microsoft.com/office/drawing/2014/main" id="{49109A11-F952-43C2-B0FC-9EE19FD9BF56}"/>
+                    <a16:creationId xmlns:a16="http://schemas.microsoft.com/office/drawing/2014/main" xmlns="" id="{49109A11-F952-43C2-B0FC-9EE19FD9BF56}"/>
                   </a:ext>
                 </a:extLst>
               </p:cNvPr>
@@ -12500,7 +12500,7 @@
               <p:cNvPr id="164" name="等腰三角形 163">
                 <a:extLst>
                   <a:ext uri="{FF2B5EF4-FFF2-40B4-BE49-F238E27FC236}">
-                    <a16:creationId xmlns:a16="http://schemas.microsoft.com/office/drawing/2014/main" id="{799EA4C3-BABE-4FA8-984D-87EA9E03F17A}"/>
+                    <a16:creationId xmlns:a16="http://schemas.microsoft.com/office/drawing/2014/main" xmlns="" id="{799EA4C3-BABE-4FA8-984D-87EA9E03F17A}"/>
                   </a:ext>
                 </a:extLst>
               </p:cNvPr>
@@ -12546,7 +12546,7 @@
               <p:cNvPr id="165" name="等腰三角形 164">
                 <a:extLst>
                   <a:ext uri="{FF2B5EF4-FFF2-40B4-BE49-F238E27FC236}">
-                    <a16:creationId xmlns:a16="http://schemas.microsoft.com/office/drawing/2014/main" id="{7919AB5F-3C48-4EAC-B2F9-BE4773C09CE6}"/>
+                    <a16:creationId xmlns:a16="http://schemas.microsoft.com/office/drawing/2014/main" xmlns="" id="{7919AB5F-3C48-4EAC-B2F9-BE4773C09CE6}"/>
                   </a:ext>
                 </a:extLst>
               </p:cNvPr>
@@ -12593,7 +12593,7 @@
             <p:cNvPr id="133" name="组合 132">
               <a:extLst>
                 <a:ext uri="{FF2B5EF4-FFF2-40B4-BE49-F238E27FC236}">
-                  <a16:creationId xmlns:a16="http://schemas.microsoft.com/office/drawing/2014/main" id="{E366C1A1-D42F-4D81-AC8F-ACE547820164}"/>
+                  <a16:creationId xmlns:a16="http://schemas.microsoft.com/office/drawing/2014/main" xmlns="" id="{E366C1A1-D42F-4D81-AC8F-ACE547820164}"/>
                 </a:ext>
               </a:extLst>
             </p:cNvPr>
@@ -12613,7 +12613,7 @@
               <p:cNvPr id="149" name="组合 148">
                 <a:extLst>
                   <a:ext uri="{FF2B5EF4-FFF2-40B4-BE49-F238E27FC236}">
-                    <a16:creationId xmlns:a16="http://schemas.microsoft.com/office/drawing/2014/main" id="{7D1CF7D9-086C-4825-B8FB-599AEEA26EF1}"/>
+                    <a16:creationId xmlns:a16="http://schemas.microsoft.com/office/drawing/2014/main" xmlns="" id="{7D1CF7D9-086C-4825-B8FB-599AEEA26EF1}"/>
                   </a:ext>
                 </a:extLst>
               </p:cNvPr>
@@ -12633,7 +12633,7 @@
                 <p:cNvPr id="156" name="椭圆 155">
                   <a:extLst>
                     <a:ext uri="{FF2B5EF4-FFF2-40B4-BE49-F238E27FC236}">
-                      <a16:creationId xmlns:a16="http://schemas.microsoft.com/office/drawing/2014/main" id="{53688768-15F2-439A-BE37-AC9504034D58}"/>
+                      <a16:creationId xmlns:a16="http://schemas.microsoft.com/office/drawing/2014/main" xmlns="" id="{53688768-15F2-439A-BE37-AC9504034D58}"/>
                     </a:ext>
                   </a:extLst>
                 </p:cNvPr>
@@ -12682,7 +12682,7 @@
                 <p:cNvPr id="157" name="椭圆 156">
                   <a:extLst>
                     <a:ext uri="{FF2B5EF4-FFF2-40B4-BE49-F238E27FC236}">
-                      <a16:creationId xmlns:a16="http://schemas.microsoft.com/office/drawing/2014/main" id="{91237FC1-72A3-4C59-B6A6-0A41302AD18F}"/>
+                      <a16:creationId xmlns:a16="http://schemas.microsoft.com/office/drawing/2014/main" xmlns="" id="{91237FC1-72A3-4C59-B6A6-0A41302AD18F}"/>
                     </a:ext>
                   </a:extLst>
                 </p:cNvPr>
@@ -12731,7 +12731,7 @@
                 <p:cNvPr id="158" name="椭圆 157">
                   <a:extLst>
                     <a:ext uri="{FF2B5EF4-FFF2-40B4-BE49-F238E27FC236}">
-                      <a16:creationId xmlns:a16="http://schemas.microsoft.com/office/drawing/2014/main" id="{B38C778D-41C1-435B-8F7C-17AE04E21D4E}"/>
+                      <a16:creationId xmlns:a16="http://schemas.microsoft.com/office/drawing/2014/main" xmlns="" id="{B38C778D-41C1-435B-8F7C-17AE04E21D4E}"/>
                     </a:ext>
                   </a:extLst>
                 </p:cNvPr>
@@ -12780,7 +12780,7 @@
                 <p:cNvPr id="159" name="椭圆 158">
                   <a:extLst>
                     <a:ext uri="{FF2B5EF4-FFF2-40B4-BE49-F238E27FC236}">
-                      <a16:creationId xmlns:a16="http://schemas.microsoft.com/office/drawing/2014/main" id="{7EA83F59-D4D7-4D99-A988-864C72D71872}"/>
+                      <a16:creationId xmlns:a16="http://schemas.microsoft.com/office/drawing/2014/main" xmlns="" id="{7EA83F59-D4D7-4D99-A988-864C72D71872}"/>
                     </a:ext>
                   </a:extLst>
                 </p:cNvPr>
@@ -12829,7 +12829,7 @@
                 <p:cNvPr id="160" name="椭圆 159">
                   <a:extLst>
                     <a:ext uri="{FF2B5EF4-FFF2-40B4-BE49-F238E27FC236}">
-                      <a16:creationId xmlns:a16="http://schemas.microsoft.com/office/drawing/2014/main" id="{C572CD62-A912-4D68-BB3B-7579FCA35613}"/>
+                      <a16:creationId xmlns:a16="http://schemas.microsoft.com/office/drawing/2014/main" xmlns="" id="{C572CD62-A912-4D68-BB3B-7579FCA35613}"/>
                     </a:ext>
                   </a:extLst>
                 </p:cNvPr>
@@ -12879,7 +12879,7 @@
               <p:cNvPr id="150" name="组合 149">
                 <a:extLst>
                   <a:ext uri="{FF2B5EF4-FFF2-40B4-BE49-F238E27FC236}">
-                    <a16:creationId xmlns:a16="http://schemas.microsoft.com/office/drawing/2014/main" id="{7F64C21D-E0B9-41A7-A9EB-C56D42AF9CC8}"/>
+                    <a16:creationId xmlns:a16="http://schemas.microsoft.com/office/drawing/2014/main" xmlns="" id="{7F64C21D-E0B9-41A7-A9EB-C56D42AF9CC8}"/>
                   </a:ext>
                 </a:extLst>
               </p:cNvPr>
@@ -12899,7 +12899,7 @@
                 <p:cNvPr id="151" name="椭圆 150">
                   <a:extLst>
                     <a:ext uri="{FF2B5EF4-FFF2-40B4-BE49-F238E27FC236}">
-                      <a16:creationId xmlns:a16="http://schemas.microsoft.com/office/drawing/2014/main" id="{E50A0389-260B-4485-B20E-0F388614AF11}"/>
+                      <a16:creationId xmlns:a16="http://schemas.microsoft.com/office/drawing/2014/main" xmlns="" id="{E50A0389-260B-4485-B20E-0F388614AF11}"/>
                     </a:ext>
                   </a:extLst>
                 </p:cNvPr>
@@ -12946,7 +12946,7 @@
                 <p:cNvPr id="152" name="等腰三角形 151">
                   <a:extLst>
                     <a:ext uri="{FF2B5EF4-FFF2-40B4-BE49-F238E27FC236}">
-                      <a16:creationId xmlns:a16="http://schemas.microsoft.com/office/drawing/2014/main" id="{AD8C235E-4CB1-4DBE-8342-9E2913654715}"/>
+                      <a16:creationId xmlns:a16="http://schemas.microsoft.com/office/drawing/2014/main" xmlns="" id="{AD8C235E-4CB1-4DBE-8342-9E2913654715}"/>
                     </a:ext>
                   </a:extLst>
                 </p:cNvPr>
@@ -12992,7 +12992,7 @@
                 <p:cNvPr id="153" name="等腰三角形 152">
                   <a:extLst>
                     <a:ext uri="{FF2B5EF4-FFF2-40B4-BE49-F238E27FC236}">
-                      <a16:creationId xmlns:a16="http://schemas.microsoft.com/office/drawing/2014/main" id="{7EC5FD7C-A5D1-4170-8A20-D742424CFA21}"/>
+                      <a16:creationId xmlns:a16="http://schemas.microsoft.com/office/drawing/2014/main" xmlns="" id="{7EC5FD7C-A5D1-4170-8A20-D742424CFA21}"/>
                     </a:ext>
                   </a:extLst>
                 </p:cNvPr>
@@ -13038,7 +13038,7 @@
                 <p:cNvPr id="154" name="等腰三角形 153">
                   <a:extLst>
                     <a:ext uri="{FF2B5EF4-FFF2-40B4-BE49-F238E27FC236}">
-                      <a16:creationId xmlns:a16="http://schemas.microsoft.com/office/drawing/2014/main" id="{184B5124-86E5-42DE-8A4B-0F7655A8F75F}"/>
+                      <a16:creationId xmlns:a16="http://schemas.microsoft.com/office/drawing/2014/main" xmlns="" id="{184B5124-86E5-42DE-8A4B-0F7655A8F75F}"/>
                     </a:ext>
                   </a:extLst>
                 </p:cNvPr>
@@ -13084,7 +13084,7 @@
                 <p:cNvPr id="155" name="等腰三角形 154">
                   <a:extLst>
                     <a:ext uri="{FF2B5EF4-FFF2-40B4-BE49-F238E27FC236}">
-                      <a16:creationId xmlns:a16="http://schemas.microsoft.com/office/drawing/2014/main" id="{9995F199-90AA-4B86-A2AF-762DAB13ECB8}"/>
+                      <a16:creationId xmlns:a16="http://schemas.microsoft.com/office/drawing/2014/main" xmlns="" id="{9995F199-90AA-4B86-A2AF-762DAB13ECB8}"/>
                     </a:ext>
                   </a:extLst>
                 </p:cNvPr>
@@ -13132,7 +13132,7 @@
             <p:cNvPr id="134" name="组合 133">
               <a:extLst>
                 <a:ext uri="{FF2B5EF4-FFF2-40B4-BE49-F238E27FC236}">
-                  <a16:creationId xmlns:a16="http://schemas.microsoft.com/office/drawing/2014/main" id="{1A7D561B-7244-4B9A-B4BF-BDC360708843}"/>
+                  <a16:creationId xmlns:a16="http://schemas.microsoft.com/office/drawing/2014/main" xmlns="" id="{1A7D561B-7244-4B9A-B4BF-BDC360708843}"/>
                 </a:ext>
               </a:extLst>
             </p:cNvPr>
@@ -13152,7 +13152,7 @@
               <p:cNvPr id="137" name="组合 136">
                 <a:extLst>
                   <a:ext uri="{FF2B5EF4-FFF2-40B4-BE49-F238E27FC236}">
-                    <a16:creationId xmlns:a16="http://schemas.microsoft.com/office/drawing/2014/main" id="{93B841E4-612E-4ACE-8B57-1600A6799FF8}"/>
+                    <a16:creationId xmlns:a16="http://schemas.microsoft.com/office/drawing/2014/main" xmlns="" id="{93B841E4-612E-4ACE-8B57-1600A6799FF8}"/>
                   </a:ext>
                 </a:extLst>
               </p:cNvPr>
@@ -13172,7 +13172,7 @@
                 <p:cNvPr id="144" name="椭圆 143">
                   <a:extLst>
                     <a:ext uri="{FF2B5EF4-FFF2-40B4-BE49-F238E27FC236}">
-                      <a16:creationId xmlns:a16="http://schemas.microsoft.com/office/drawing/2014/main" id="{66AAD8A9-B88D-4449-BB56-9684463602B4}"/>
+                      <a16:creationId xmlns:a16="http://schemas.microsoft.com/office/drawing/2014/main" xmlns="" id="{66AAD8A9-B88D-4449-BB56-9684463602B4}"/>
                     </a:ext>
                   </a:extLst>
                 </p:cNvPr>
@@ -13221,7 +13221,7 @@
                 <p:cNvPr id="145" name="椭圆 144">
                   <a:extLst>
                     <a:ext uri="{FF2B5EF4-FFF2-40B4-BE49-F238E27FC236}">
-                      <a16:creationId xmlns:a16="http://schemas.microsoft.com/office/drawing/2014/main" id="{F7E2B669-7F20-4B1F-A079-F186F390E741}"/>
+                      <a16:creationId xmlns:a16="http://schemas.microsoft.com/office/drawing/2014/main" xmlns="" id="{F7E2B669-7F20-4B1F-A079-F186F390E741}"/>
                     </a:ext>
                   </a:extLst>
                 </p:cNvPr>
@@ -13270,7 +13270,7 @@
                 <p:cNvPr id="146" name="椭圆 145">
                   <a:extLst>
                     <a:ext uri="{FF2B5EF4-FFF2-40B4-BE49-F238E27FC236}">
-                      <a16:creationId xmlns:a16="http://schemas.microsoft.com/office/drawing/2014/main" id="{7684F596-B4A9-4B6C-A744-55D5227E3A68}"/>
+                      <a16:creationId xmlns:a16="http://schemas.microsoft.com/office/drawing/2014/main" xmlns="" id="{7684F596-B4A9-4B6C-A744-55D5227E3A68}"/>
                     </a:ext>
                   </a:extLst>
                 </p:cNvPr>
@@ -13319,7 +13319,7 @@
                 <p:cNvPr id="147" name="椭圆 146">
                   <a:extLst>
                     <a:ext uri="{FF2B5EF4-FFF2-40B4-BE49-F238E27FC236}">
-                      <a16:creationId xmlns:a16="http://schemas.microsoft.com/office/drawing/2014/main" id="{ACD384E9-0A55-4CFF-BA25-374C286CF21C}"/>
+                      <a16:creationId xmlns:a16="http://schemas.microsoft.com/office/drawing/2014/main" xmlns="" id="{ACD384E9-0A55-4CFF-BA25-374C286CF21C}"/>
                     </a:ext>
                   </a:extLst>
                 </p:cNvPr>
@@ -13368,7 +13368,7 @@
                 <p:cNvPr id="148" name="椭圆 147">
                   <a:extLst>
                     <a:ext uri="{FF2B5EF4-FFF2-40B4-BE49-F238E27FC236}">
-                      <a16:creationId xmlns:a16="http://schemas.microsoft.com/office/drawing/2014/main" id="{D455AB47-B9A7-4CEA-A071-4F56AF326755}"/>
+                      <a16:creationId xmlns:a16="http://schemas.microsoft.com/office/drawing/2014/main" xmlns="" id="{D455AB47-B9A7-4CEA-A071-4F56AF326755}"/>
                     </a:ext>
                   </a:extLst>
                 </p:cNvPr>
@@ -13418,7 +13418,7 @@
               <p:cNvPr id="138" name="组合 137">
                 <a:extLst>
                   <a:ext uri="{FF2B5EF4-FFF2-40B4-BE49-F238E27FC236}">
-                    <a16:creationId xmlns:a16="http://schemas.microsoft.com/office/drawing/2014/main" id="{43D8C8BB-16CD-40FC-9721-8C2C56F5A2B3}"/>
+                    <a16:creationId xmlns:a16="http://schemas.microsoft.com/office/drawing/2014/main" xmlns="" id="{43D8C8BB-16CD-40FC-9721-8C2C56F5A2B3}"/>
                   </a:ext>
                 </a:extLst>
               </p:cNvPr>
@@ -13438,7 +13438,7 @@
                 <p:cNvPr id="139" name="椭圆 138">
                   <a:extLst>
                     <a:ext uri="{FF2B5EF4-FFF2-40B4-BE49-F238E27FC236}">
-                      <a16:creationId xmlns:a16="http://schemas.microsoft.com/office/drawing/2014/main" id="{7069C51C-B249-442F-9C3B-D9B820FC8262}"/>
+                      <a16:creationId xmlns:a16="http://schemas.microsoft.com/office/drawing/2014/main" xmlns="" id="{7069C51C-B249-442F-9C3B-D9B820FC8262}"/>
                     </a:ext>
                   </a:extLst>
                 </p:cNvPr>
@@ -13485,7 +13485,7 @@
                 <p:cNvPr id="140" name="等腰三角形 139">
                   <a:extLst>
                     <a:ext uri="{FF2B5EF4-FFF2-40B4-BE49-F238E27FC236}">
-                      <a16:creationId xmlns:a16="http://schemas.microsoft.com/office/drawing/2014/main" id="{D61FCE37-E621-4F2F-8561-7BC9A5D5F1EE}"/>
+                      <a16:creationId xmlns:a16="http://schemas.microsoft.com/office/drawing/2014/main" xmlns="" id="{D61FCE37-E621-4F2F-8561-7BC9A5D5F1EE}"/>
                     </a:ext>
                   </a:extLst>
                 </p:cNvPr>
@@ -13531,7 +13531,7 @@
                 <p:cNvPr id="141" name="等腰三角形 140">
                   <a:extLst>
                     <a:ext uri="{FF2B5EF4-FFF2-40B4-BE49-F238E27FC236}">
-                      <a16:creationId xmlns:a16="http://schemas.microsoft.com/office/drawing/2014/main" id="{F5406079-91D3-4F4E-90FD-4E9322384487}"/>
+                      <a16:creationId xmlns:a16="http://schemas.microsoft.com/office/drawing/2014/main" xmlns="" id="{F5406079-91D3-4F4E-90FD-4E9322384487}"/>
                     </a:ext>
                   </a:extLst>
                 </p:cNvPr>
@@ -13577,7 +13577,7 @@
                 <p:cNvPr id="142" name="等腰三角形 141">
                   <a:extLst>
                     <a:ext uri="{FF2B5EF4-FFF2-40B4-BE49-F238E27FC236}">
-                      <a16:creationId xmlns:a16="http://schemas.microsoft.com/office/drawing/2014/main" id="{C3CEE9CC-7A16-4F76-8D18-C46FEE7A4F11}"/>
+                      <a16:creationId xmlns:a16="http://schemas.microsoft.com/office/drawing/2014/main" xmlns="" id="{C3CEE9CC-7A16-4F76-8D18-C46FEE7A4F11}"/>
                     </a:ext>
                   </a:extLst>
                 </p:cNvPr>
@@ -13623,7 +13623,7 @@
                 <p:cNvPr id="143" name="等腰三角形 142">
                   <a:extLst>
                     <a:ext uri="{FF2B5EF4-FFF2-40B4-BE49-F238E27FC236}">
-                      <a16:creationId xmlns:a16="http://schemas.microsoft.com/office/drawing/2014/main" id="{4ABF171E-7E64-401B-A4C2-EEE8B866D361}"/>
+                      <a16:creationId xmlns:a16="http://schemas.microsoft.com/office/drawing/2014/main" xmlns="" id="{4ABF171E-7E64-401B-A4C2-EEE8B866D361}"/>
                     </a:ext>
                   </a:extLst>
                 </p:cNvPr>
@@ -13671,7 +13671,7 @@
             <p:cNvPr id="135" name="文本框 134">
               <a:extLst>
                 <a:ext uri="{FF2B5EF4-FFF2-40B4-BE49-F238E27FC236}">
-                  <a16:creationId xmlns:a16="http://schemas.microsoft.com/office/drawing/2014/main" id="{80101C3E-DB58-4B6A-B790-E14A154D5221}"/>
+                  <a16:creationId xmlns:a16="http://schemas.microsoft.com/office/drawing/2014/main" xmlns="" id="{80101C3E-DB58-4B6A-B790-E14A154D5221}"/>
                 </a:ext>
               </a:extLst>
             </p:cNvPr>
@@ -13715,7 +13715,7 @@
             <p:cNvPr id="136" name="文本框 135">
               <a:extLst>
                 <a:ext uri="{FF2B5EF4-FFF2-40B4-BE49-F238E27FC236}">
-                  <a16:creationId xmlns:a16="http://schemas.microsoft.com/office/drawing/2014/main" id="{C2B8913D-E40E-49EE-8091-58CA6EC41015}"/>
+                  <a16:creationId xmlns:a16="http://schemas.microsoft.com/office/drawing/2014/main" xmlns="" id="{C2B8913D-E40E-49EE-8091-58CA6EC41015}"/>
                 </a:ext>
               </a:extLst>
             </p:cNvPr>
@@ -13752,7 +13752,7 @@
           <p:cNvPr id="176" name="组合 175">
             <a:extLst>
               <a:ext uri="{FF2B5EF4-FFF2-40B4-BE49-F238E27FC236}">
-                <a16:creationId xmlns:a16="http://schemas.microsoft.com/office/drawing/2014/main" id="{ED83BFF9-5AC4-42C9-AEC9-684B6A962535}"/>
+                <a16:creationId xmlns:a16="http://schemas.microsoft.com/office/drawing/2014/main" xmlns="" id="{ED83BFF9-5AC4-42C9-AEC9-684B6A962535}"/>
               </a:ext>
             </a:extLst>
           </p:cNvPr>
@@ -13772,7 +13772,7 @@
             <p:cNvPr id="177" name="组合 176">
               <a:extLst>
                 <a:ext uri="{FF2B5EF4-FFF2-40B4-BE49-F238E27FC236}">
-                  <a16:creationId xmlns:a16="http://schemas.microsoft.com/office/drawing/2014/main" id="{5BF7B7AD-D0AD-49E7-BEF0-7E63719E4A59}"/>
+                  <a16:creationId xmlns:a16="http://schemas.microsoft.com/office/drawing/2014/main" xmlns="" id="{5BF7B7AD-D0AD-49E7-BEF0-7E63719E4A59}"/>
                 </a:ext>
               </a:extLst>
             </p:cNvPr>
@@ -13792,7 +13792,7 @@
               <p:cNvPr id="216" name="椭圆 215">
                 <a:extLst>
                   <a:ext uri="{FF2B5EF4-FFF2-40B4-BE49-F238E27FC236}">
-                    <a16:creationId xmlns:a16="http://schemas.microsoft.com/office/drawing/2014/main" id="{55A64857-F878-44AA-BEE9-E79025194479}"/>
+                    <a16:creationId xmlns:a16="http://schemas.microsoft.com/office/drawing/2014/main" xmlns="" id="{55A64857-F878-44AA-BEE9-E79025194479}"/>
                   </a:ext>
                 </a:extLst>
               </p:cNvPr>
@@ -13841,7 +13841,7 @@
               <p:cNvPr id="217" name="椭圆 216">
                 <a:extLst>
                   <a:ext uri="{FF2B5EF4-FFF2-40B4-BE49-F238E27FC236}">
-                    <a16:creationId xmlns:a16="http://schemas.microsoft.com/office/drawing/2014/main" id="{C1B30E19-4EDD-465B-9AB1-26F08CF69FB8}"/>
+                    <a16:creationId xmlns:a16="http://schemas.microsoft.com/office/drawing/2014/main" xmlns="" id="{C1B30E19-4EDD-465B-9AB1-26F08CF69FB8}"/>
                   </a:ext>
                 </a:extLst>
               </p:cNvPr>
@@ -13890,7 +13890,7 @@
               <p:cNvPr id="218" name="椭圆 217">
                 <a:extLst>
                   <a:ext uri="{FF2B5EF4-FFF2-40B4-BE49-F238E27FC236}">
-                    <a16:creationId xmlns:a16="http://schemas.microsoft.com/office/drawing/2014/main" id="{F723C5AC-6D33-4700-88EA-DE181C287953}"/>
+                    <a16:creationId xmlns:a16="http://schemas.microsoft.com/office/drawing/2014/main" xmlns="" id="{F723C5AC-6D33-4700-88EA-DE181C287953}"/>
                   </a:ext>
                 </a:extLst>
               </p:cNvPr>
@@ -13939,7 +13939,7 @@
               <p:cNvPr id="219" name="椭圆 218">
                 <a:extLst>
                   <a:ext uri="{FF2B5EF4-FFF2-40B4-BE49-F238E27FC236}">
-                    <a16:creationId xmlns:a16="http://schemas.microsoft.com/office/drawing/2014/main" id="{63941D49-44C6-40AF-A539-C8EA650D2206}"/>
+                    <a16:creationId xmlns:a16="http://schemas.microsoft.com/office/drawing/2014/main" xmlns="" id="{63941D49-44C6-40AF-A539-C8EA650D2206}"/>
                   </a:ext>
                 </a:extLst>
               </p:cNvPr>
@@ -13988,7 +13988,7 @@
               <p:cNvPr id="220" name="椭圆 219">
                 <a:extLst>
                   <a:ext uri="{FF2B5EF4-FFF2-40B4-BE49-F238E27FC236}">
-                    <a16:creationId xmlns:a16="http://schemas.microsoft.com/office/drawing/2014/main" id="{4AF46B08-47D0-4286-B85F-38E6B30BB793}"/>
+                    <a16:creationId xmlns:a16="http://schemas.microsoft.com/office/drawing/2014/main" xmlns="" id="{4AF46B08-47D0-4286-B85F-38E6B30BB793}"/>
                   </a:ext>
                 </a:extLst>
               </p:cNvPr>
@@ -14037,7 +14037,7 @@
               <p:cNvPr id="221" name="椭圆 220">
                 <a:extLst>
                   <a:ext uri="{FF2B5EF4-FFF2-40B4-BE49-F238E27FC236}">
-                    <a16:creationId xmlns:a16="http://schemas.microsoft.com/office/drawing/2014/main" id="{0283E570-F549-42AF-9813-23129A17C30B}"/>
+                    <a16:creationId xmlns:a16="http://schemas.microsoft.com/office/drawing/2014/main" xmlns="" id="{0283E570-F549-42AF-9813-23129A17C30B}"/>
                   </a:ext>
                 </a:extLst>
               </p:cNvPr>
@@ -14087,7 +14087,7 @@
             <p:cNvPr id="178" name="椭圆 177">
               <a:extLst>
                 <a:ext uri="{FF2B5EF4-FFF2-40B4-BE49-F238E27FC236}">
-                  <a16:creationId xmlns:a16="http://schemas.microsoft.com/office/drawing/2014/main" id="{0DA85C81-6B81-4177-A817-2E52E2F3FFD5}"/>
+                  <a16:creationId xmlns:a16="http://schemas.microsoft.com/office/drawing/2014/main" xmlns="" id="{0DA85C81-6B81-4177-A817-2E52E2F3FFD5}"/>
                 </a:ext>
               </a:extLst>
             </p:cNvPr>
@@ -14134,7 +14134,7 @@
             <p:cNvPr id="179" name="等腰三角形 178">
               <a:extLst>
                 <a:ext uri="{FF2B5EF4-FFF2-40B4-BE49-F238E27FC236}">
-                  <a16:creationId xmlns:a16="http://schemas.microsoft.com/office/drawing/2014/main" id="{DB21739B-E7C1-4FBB-8C3E-A4B803701EEF}"/>
+                  <a16:creationId xmlns:a16="http://schemas.microsoft.com/office/drawing/2014/main" xmlns="" id="{DB21739B-E7C1-4FBB-8C3E-A4B803701EEF}"/>
                 </a:ext>
               </a:extLst>
             </p:cNvPr>
@@ -14180,7 +14180,7 @@
             <p:cNvPr id="180" name="等腰三角形 179">
               <a:extLst>
                 <a:ext uri="{FF2B5EF4-FFF2-40B4-BE49-F238E27FC236}">
-                  <a16:creationId xmlns:a16="http://schemas.microsoft.com/office/drawing/2014/main" id="{3E552C48-43E3-4D2D-8D30-824AA993013E}"/>
+                  <a16:creationId xmlns:a16="http://schemas.microsoft.com/office/drawing/2014/main" xmlns="" id="{3E552C48-43E3-4D2D-8D30-824AA993013E}"/>
                 </a:ext>
               </a:extLst>
             </p:cNvPr>
@@ -14226,7 +14226,7 @@
             <p:cNvPr id="181" name="等腰三角形 180">
               <a:extLst>
                 <a:ext uri="{FF2B5EF4-FFF2-40B4-BE49-F238E27FC236}">
-                  <a16:creationId xmlns:a16="http://schemas.microsoft.com/office/drawing/2014/main" id="{5D471BDD-E521-451C-A9BF-52529566FCC7}"/>
+                  <a16:creationId xmlns:a16="http://schemas.microsoft.com/office/drawing/2014/main" xmlns="" id="{5D471BDD-E521-451C-A9BF-52529566FCC7}"/>
                 </a:ext>
               </a:extLst>
             </p:cNvPr>
@@ -14272,7 +14272,7 @@
             <p:cNvPr id="182" name="等腰三角形 181">
               <a:extLst>
                 <a:ext uri="{FF2B5EF4-FFF2-40B4-BE49-F238E27FC236}">
-                  <a16:creationId xmlns:a16="http://schemas.microsoft.com/office/drawing/2014/main" id="{9B805142-AF91-4389-B8BD-D588007B46B2}"/>
+                  <a16:creationId xmlns:a16="http://schemas.microsoft.com/office/drawing/2014/main" xmlns="" id="{9B805142-AF91-4389-B8BD-D588007B46B2}"/>
                 </a:ext>
               </a:extLst>
             </p:cNvPr>
@@ -14318,7 +14318,7 @@
             <p:cNvPr id="183" name="等腰三角形 182">
               <a:extLst>
                 <a:ext uri="{FF2B5EF4-FFF2-40B4-BE49-F238E27FC236}">
-                  <a16:creationId xmlns:a16="http://schemas.microsoft.com/office/drawing/2014/main" id="{3AB144E2-D69F-418E-80DA-D6759880DABB}"/>
+                  <a16:creationId xmlns:a16="http://schemas.microsoft.com/office/drawing/2014/main" xmlns="" id="{3AB144E2-D69F-418E-80DA-D6759880DABB}"/>
                 </a:ext>
               </a:extLst>
             </p:cNvPr>
@@ -14364,7 +14364,7 @@
             <p:cNvPr id="184" name="组合 183">
               <a:extLst>
                 <a:ext uri="{FF2B5EF4-FFF2-40B4-BE49-F238E27FC236}">
-                  <a16:creationId xmlns:a16="http://schemas.microsoft.com/office/drawing/2014/main" id="{6FD41181-446E-4C3D-8350-238965FF6BA2}"/>
+                  <a16:creationId xmlns:a16="http://schemas.microsoft.com/office/drawing/2014/main" xmlns="" id="{6FD41181-446E-4C3D-8350-238965FF6BA2}"/>
                 </a:ext>
               </a:extLst>
             </p:cNvPr>
@@ -14384,7 +14384,7 @@
               <p:cNvPr id="204" name="组合 203">
                 <a:extLst>
                   <a:ext uri="{FF2B5EF4-FFF2-40B4-BE49-F238E27FC236}">
-                    <a16:creationId xmlns:a16="http://schemas.microsoft.com/office/drawing/2014/main" id="{645F5730-8E9C-4E8D-BFF1-0AAED4A66998}"/>
+                    <a16:creationId xmlns:a16="http://schemas.microsoft.com/office/drawing/2014/main" xmlns="" id="{645F5730-8E9C-4E8D-BFF1-0AAED4A66998}"/>
                   </a:ext>
                 </a:extLst>
               </p:cNvPr>
@@ -14404,7 +14404,7 @@
                 <p:cNvPr id="211" name="椭圆 210">
                   <a:extLst>
                     <a:ext uri="{FF2B5EF4-FFF2-40B4-BE49-F238E27FC236}">
-                      <a16:creationId xmlns:a16="http://schemas.microsoft.com/office/drawing/2014/main" id="{4739C342-15C7-4758-BF27-1F29C8EC99F0}"/>
+                      <a16:creationId xmlns:a16="http://schemas.microsoft.com/office/drawing/2014/main" xmlns="" id="{4739C342-15C7-4758-BF27-1F29C8EC99F0}"/>
                     </a:ext>
                   </a:extLst>
                 </p:cNvPr>
@@ -14453,7 +14453,7 @@
                 <p:cNvPr id="212" name="椭圆 211">
                   <a:extLst>
                     <a:ext uri="{FF2B5EF4-FFF2-40B4-BE49-F238E27FC236}">
-                      <a16:creationId xmlns:a16="http://schemas.microsoft.com/office/drawing/2014/main" id="{110BA42E-D427-4184-9DC9-34C4CF2F7686}"/>
+                      <a16:creationId xmlns:a16="http://schemas.microsoft.com/office/drawing/2014/main" xmlns="" id="{110BA42E-D427-4184-9DC9-34C4CF2F7686}"/>
                     </a:ext>
                   </a:extLst>
                 </p:cNvPr>
@@ -14502,7 +14502,7 @@
                 <p:cNvPr id="213" name="椭圆 212">
                   <a:extLst>
                     <a:ext uri="{FF2B5EF4-FFF2-40B4-BE49-F238E27FC236}">
-                      <a16:creationId xmlns:a16="http://schemas.microsoft.com/office/drawing/2014/main" id="{4B615E05-3690-4F12-9658-B4839AEFEE94}"/>
+                      <a16:creationId xmlns:a16="http://schemas.microsoft.com/office/drawing/2014/main" xmlns="" id="{4B615E05-3690-4F12-9658-B4839AEFEE94}"/>
                     </a:ext>
                   </a:extLst>
                 </p:cNvPr>
@@ -14551,7 +14551,7 @@
                 <p:cNvPr id="214" name="椭圆 213">
                   <a:extLst>
                     <a:ext uri="{FF2B5EF4-FFF2-40B4-BE49-F238E27FC236}">
-                      <a16:creationId xmlns:a16="http://schemas.microsoft.com/office/drawing/2014/main" id="{7EE95EEE-0036-4DB0-9095-943FE1F93A2E}"/>
+                      <a16:creationId xmlns:a16="http://schemas.microsoft.com/office/drawing/2014/main" xmlns="" id="{7EE95EEE-0036-4DB0-9095-943FE1F93A2E}"/>
                     </a:ext>
                   </a:extLst>
                 </p:cNvPr>
@@ -14600,7 +14600,7 @@
                 <p:cNvPr id="215" name="椭圆 214">
                   <a:extLst>
                     <a:ext uri="{FF2B5EF4-FFF2-40B4-BE49-F238E27FC236}">
-                      <a16:creationId xmlns:a16="http://schemas.microsoft.com/office/drawing/2014/main" id="{479EDC2D-1AA9-4CFE-8490-633CC982590B}"/>
+                      <a16:creationId xmlns:a16="http://schemas.microsoft.com/office/drawing/2014/main" xmlns="" id="{479EDC2D-1AA9-4CFE-8490-633CC982590B}"/>
                     </a:ext>
                   </a:extLst>
                 </p:cNvPr>
@@ -14650,7 +14650,7 @@
               <p:cNvPr id="205" name="组合 204">
                 <a:extLst>
                   <a:ext uri="{FF2B5EF4-FFF2-40B4-BE49-F238E27FC236}">
-                    <a16:creationId xmlns:a16="http://schemas.microsoft.com/office/drawing/2014/main" id="{586850E9-8EF6-44B0-B122-20E0C98B05A0}"/>
+                    <a16:creationId xmlns:a16="http://schemas.microsoft.com/office/drawing/2014/main" xmlns="" id="{586850E9-8EF6-44B0-B122-20E0C98B05A0}"/>
                   </a:ext>
                 </a:extLst>
               </p:cNvPr>
@@ -14670,7 +14670,7 @@
                 <p:cNvPr id="206" name="椭圆 205">
                   <a:extLst>
                     <a:ext uri="{FF2B5EF4-FFF2-40B4-BE49-F238E27FC236}">
-                      <a16:creationId xmlns:a16="http://schemas.microsoft.com/office/drawing/2014/main" id="{49C8DEBE-F2AE-4672-9A92-8D5FA499EEB4}"/>
+                      <a16:creationId xmlns:a16="http://schemas.microsoft.com/office/drawing/2014/main" xmlns="" id="{49C8DEBE-F2AE-4672-9A92-8D5FA499EEB4}"/>
                     </a:ext>
                   </a:extLst>
                 </p:cNvPr>
@@ -14717,7 +14717,7 @@
                 <p:cNvPr id="207" name="等腰三角形 206">
                   <a:extLst>
                     <a:ext uri="{FF2B5EF4-FFF2-40B4-BE49-F238E27FC236}">
-                      <a16:creationId xmlns:a16="http://schemas.microsoft.com/office/drawing/2014/main" id="{0574A13A-AB4A-498C-B401-B4AD9F596056}"/>
+                      <a16:creationId xmlns:a16="http://schemas.microsoft.com/office/drawing/2014/main" xmlns="" id="{0574A13A-AB4A-498C-B401-B4AD9F596056}"/>
                     </a:ext>
                   </a:extLst>
                 </p:cNvPr>
@@ -14763,7 +14763,7 @@
                 <p:cNvPr id="208" name="等腰三角形 207">
                   <a:extLst>
                     <a:ext uri="{FF2B5EF4-FFF2-40B4-BE49-F238E27FC236}">
-                      <a16:creationId xmlns:a16="http://schemas.microsoft.com/office/drawing/2014/main" id="{D39543F5-FE7C-4689-932A-7404C58342FC}"/>
+                      <a16:creationId xmlns:a16="http://schemas.microsoft.com/office/drawing/2014/main" xmlns="" id="{D39543F5-FE7C-4689-932A-7404C58342FC}"/>
                     </a:ext>
                   </a:extLst>
                 </p:cNvPr>
@@ -14809,7 +14809,7 @@
                 <p:cNvPr id="209" name="等腰三角形 208">
                   <a:extLst>
                     <a:ext uri="{FF2B5EF4-FFF2-40B4-BE49-F238E27FC236}">
-                      <a16:creationId xmlns:a16="http://schemas.microsoft.com/office/drawing/2014/main" id="{B8790694-6C0E-4ACD-B612-FCA0293B029B}"/>
+                      <a16:creationId xmlns:a16="http://schemas.microsoft.com/office/drawing/2014/main" xmlns="" id="{B8790694-6C0E-4ACD-B612-FCA0293B029B}"/>
                     </a:ext>
                   </a:extLst>
                 </p:cNvPr>
@@ -14855,7 +14855,7 @@
                 <p:cNvPr id="210" name="等腰三角形 209">
                   <a:extLst>
                     <a:ext uri="{FF2B5EF4-FFF2-40B4-BE49-F238E27FC236}">
-                      <a16:creationId xmlns:a16="http://schemas.microsoft.com/office/drawing/2014/main" id="{726DCFE1-15C9-4EF6-B122-66EA71CF8FEB}"/>
+                      <a16:creationId xmlns:a16="http://schemas.microsoft.com/office/drawing/2014/main" xmlns="" id="{726DCFE1-15C9-4EF6-B122-66EA71CF8FEB}"/>
                     </a:ext>
                   </a:extLst>
                 </p:cNvPr>
@@ -14903,7 +14903,7 @@
             <p:cNvPr id="185" name="文本框 184">
               <a:extLst>
                 <a:ext uri="{FF2B5EF4-FFF2-40B4-BE49-F238E27FC236}">
-                  <a16:creationId xmlns:a16="http://schemas.microsoft.com/office/drawing/2014/main" id="{7FF33D43-9D05-4034-BE59-70930A75F2C4}"/>
+                  <a16:creationId xmlns:a16="http://schemas.microsoft.com/office/drawing/2014/main" xmlns="" id="{7FF33D43-9D05-4034-BE59-70930A75F2C4}"/>
                 </a:ext>
               </a:extLst>
             </p:cNvPr>
@@ -14947,7 +14947,7 @@
             <p:cNvPr id="186" name="箭头: 下 185">
               <a:extLst>
                 <a:ext uri="{FF2B5EF4-FFF2-40B4-BE49-F238E27FC236}">
-                  <a16:creationId xmlns:a16="http://schemas.microsoft.com/office/drawing/2014/main" id="{AD71B31C-D555-439E-8ED9-D035D2E859D3}"/>
+                  <a16:creationId xmlns:a16="http://schemas.microsoft.com/office/drawing/2014/main" xmlns="" id="{AD71B31C-D555-439E-8ED9-D035D2E859D3}"/>
                 </a:ext>
               </a:extLst>
             </p:cNvPr>
@@ -14993,7 +14993,7 @@
             <p:cNvPr id="187" name="箭头: 下 186">
               <a:extLst>
                 <a:ext uri="{FF2B5EF4-FFF2-40B4-BE49-F238E27FC236}">
-                  <a16:creationId xmlns:a16="http://schemas.microsoft.com/office/drawing/2014/main" id="{F4FB9817-F9A7-47E4-84EE-72461BFC9B3E}"/>
+                  <a16:creationId xmlns:a16="http://schemas.microsoft.com/office/drawing/2014/main" xmlns="" id="{F4FB9817-F9A7-47E4-84EE-72461BFC9B3E}"/>
                 </a:ext>
               </a:extLst>
             </p:cNvPr>
@@ -15039,7 +15039,7 @@
             <p:cNvPr id="188" name="矩形 187">
               <a:extLst>
                 <a:ext uri="{FF2B5EF4-FFF2-40B4-BE49-F238E27FC236}">
-                  <a16:creationId xmlns:a16="http://schemas.microsoft.com/office/drawing/2014/main" id="{71171048-1DB5-4C6F-93F0-A17F403B153D}"/>
+                  <a16:creationId xmlns:a16="http://schemas.microsoft.com/office/drawing/2014/main" xmlns="" id="{71171048-1DB5-4C6F-93F0-A17F403B153D}"/>
                 </a:ext>
               </a:extLst>
             </p:cNvPr>
@@ -15093,7 +15093,7 @@
             <p:cNvPr id="189" name="矩形 188">
               <a:extLst>
                 <a:ext uri="{FF2B5EF4-FFF2-40B4-BE49-F238E27FC236}">
-                  <a16:creationId xmlns:a16="http://schemas.microsoft.com/office/drawing/2014/main" id="{FF8EE733-588B-411D-85A7-6EE5FBB88089}"/>
+                  <a16:creationId xmlns:a16="http://schemas.microsoft.com/office/drawing/2014/main" xmlns="" id="{FF8EE733-588B-411D-85A7-6EE5FBB88089}"/>
                 </a:ext>
               </a:extLst>
             </p:cNvPr>
@@ -15147,7 +15147,7 @@
             <p:cNvPr id="190" name="文本框 189">
               <a:extLst>
                 <a:ext uri="{FF2B5EF4-FFF2-40B4-BE49-F238E27FC236}">
-                  <a16:creationId xmlns:a16="http://schemas.microsoft.com/office/drawing/2014/main" id="{7708C2AE-30CC-4DAA-8FFB-DD6225A221FC}"/>
+                  <a16:creationId xmlns:a16="http://schemas.microsoft.com/office/drawing/2014/main" xmlns="" id="{7708C2AE-30CC-4DAA-8FFB-DD6225A221FC}"/>
                 </a:ext>
               </a:extLst>
             </p:cNvPr>
@@ -15191,7 +15191,7 @@
             <p:cNvPr id="191" name="文本框 190">
               <a:extLst>
                 <a:ext uri="{FF2B5EF4-FFF2-40B4-BE49-F238E27FC236}">
-                  <a16:creationId xmlns:a16="http://schemas.microsoft.com/office/drawing/2014/main" id="{02560D3A-B31A-493A-B14C-0FA3096A7B74}"/>
+                  <a16:creationId xmlns:a16="http://schemas.microsoft.com/office/drawing/2014/main" xmlns="" id="{02560D3A-B31A-493A-B14C-0FA3096A7B74}"/>
                 </a:ext>
               </a:extLst>
             </p:cNvPr>
@@ -15226,7 +15226,7 @@
             <p:cNvPr id="192" name="组合 191">
               <a:extLst>
                 <a:ext uri="{FF2B5EF4-FFF2-40B4-BE49-F238E27FC236}">
-                  <a16:creationId xmlns:a16="http://schemas.microsoft.com/office/drawing/2014/main" id="{F32CF223-4CC9-4700-AB6F-F0FC89DD3F56}"/>
+                  <a16:creationId xmlns:a16="http://schemas.microsoft.com/office/drawing/2014/main" xmlns="" id="{F32CF223-4CC9-4700-AB6F-F0FC89DD3F56}"/>
                 </a:ext>
               </a:extLst>
             </p:cNvPr>
@@ -15246,7 +15246,7 @@
               <p:cNvPr id="200" name="矩形 199">
                 <a:extLst>
                   <a:ext uri="{FF2B5EF4-FFF2-40B4-BE49-F238E27FC236}">
-                    <a16:creationId xmlns:a16="http://schemas.microsoft.com/office/drawing/2014/main" id="{4CC38506-2207-46BC-9273-6E24F6CE0817}"/>
+                    <a16:creationId xmlns:a16="http://schemas.microsoft.com/office/drawing/2014/main" xmlns="" id="{4CC38506-2207-46BC-9273-6E24F6CE0817}"/>
                   </a:ext>
                 </a:extLst>
               </p:cNvPr>
@@ -15296,7 +15296,7 @@
               <p:cNvPr id="201" name="矩形 200">
                 <a:extLst>
                   <a:ext uri="{FF2B5EF4-FFF2-40B4-BE49-F238E27FC236}">
-                    <a16:creationId xmlns:a16="http://schemas.microsoft.com/office/drawing/2014/main" id="{6DDED330-EEEB-4D8B-8A80-5F59532A9310}"/>
+                    <a16:creationId xmlns:a16="http://schemas.microsoft.com/office/drawing/2014/main" xmlns="" id="{6DDED330-EEEB-4D8B-8A80-5F59532A9310}"/>
                   </a:ext>
                 </a:extLst>
               </p:cNvPr>
@@ -15346,7 +15346,7 @@
               <p:cNvPr id="202" name="矩形 201">
                 <a:extLst>
                   <a:ext uri="{FF2B5EF4-FFF2-40B4-BE49-F238E27FC236}">
-                    <a16:creationId xmlns:a16="http://schemas.microsoft.com/office/drawing/2014/main" id="{41E2A2F6-D36F-4E1E-AE9A-14CE2D942D65}"/>
+                    <a16:creationId xmlns:a16="http://schemas.microsoft.com/office/drawing/2014/main" xmlns="" id="{41E2A2F6-D36F-4E1E-AE9A-14CE2D942D65}"/>
                   </a:ext>
                 </a:extLst>
               </p:cNvPr>
@@ -15396,7 +15396,7 @@
               <p:cNvPr id="203" name="文本框 202">
                 <a:extLst>
                   <a:ext uri="{FF2B5EF4-FFF2-40B4-BE49-F238E27FC236}">
-                    <a16:creationId xmlns:a16="http://schemas.microsoft.com/office/drawing/2014/main" id="{A3D6B591-F7D9-4956-A336-A3CA9445B5DE}"/>
+                    <a16:creationId xmlns:a16="http://schemas.microsoft.com/office/drawing/2014/main" xmlns="" id="{A3D6B591-F7D9-4956-A336-A3CA9445B5DE}"/>
                   </a:ext>
                 </a:extLst>
               </p:cNvPr>
@@ -15433,7 +15433,7 @@
             <p:cNvPr id="193" name="图片 192">
               <a:extLst>
                 <a:ext uri="{FF2B5EF4-FFF2-40B4-BE49-F238E27FC236}">
-                  <a16:creationId xmlns:a16="http://schemas.microsoft.com/office/drawing/2014/main" id="{E69AED51-10D0-4A1C-9B73-BCA74AC2DD5F}"/>
+                  <a16:creationId xmlns:a16="http://schemas.microsoft.com/office/drawing/2014/main" xmlns="" id="{E69AED51-10D0-4A1C-9B73-BCA74AC2DD5F}"/>
                 </a:ext>
               </a:extLst>
             </p:cNvPr>
@@ -15443,7 +15443,7 @@
             <p:nvPr/>
           </p:nvPicPr>
           <p:blipFill>
-            <a:blip r:embed="rId2">
+            <a:blip r:embed="rId2" cstate="print">
               <a:extLst>
                 <a:ext uri="{28A0092B-C50C-407E-A947-70E740481C1C}">
                   <a14:useLocalDpi xmlns:a14="http://schemas.microsoft.com/office/drawing/2010/main" val="0"/>
@@ -15469,7 +15469,7 @@
             <p:cNvPr id="194" name="箭头: 右 193">
               <a:extLst>
                 <a:ext uri="{FF2B5EF4-FFF2-40B4-BE49-F238E27FC236}">
-                  <a16:creationId xmlns:a16="http://schemas.microsoft.com/office/drawing/2014/main" id="{0427D0C6-3689-4E04-B1EB-86967E3E4E23}"/>
+                  <a16:creationId xmlns:a16="http://schemas.microsoft.com/office/drawing/2014/main" xmlns="" id="{0427D0C6-3689-4E04-B1EB-86967E3E4E23}"/>
                 </a:ext>
               </a:extLst>
             </p:cNvPr>
@@ -15515,7 +15515,7 @@
             <p:cNvPr id="195" name="箭头: 下 194">
               <a:extLst>
                 <a:ext uri="{FF2B5EF4-FFF2-40B4-BE49-F238E27FC236}">
-                  <a16:creationId xmlns:a16="http://schemas.microsoft.com/office/drawing/2014/main" id="{71E83D5B-BE61-4550-9AD9-ACE9C2C899A4}"/>
+                  <a16:creationId xmlns:a16="http://schemas.microsoft.com/office/drawing/2014/main" xmlns="" id="{71E83D5B-BE61-4550-9AD9-ACE9C2C899A4}"/>
                 </a:ext>
               </a:extLst>
             </p:cNvPr>
@@ -15561,7 +15561,7 @@
             <p:cNvPr id="196" name="文本框 195">
               <a:extLst>
                 <a:ext uri="{FF2B5EF4-FFF2-40B4-BE49-F238E27FC236}">
-                  <a16:creationId xmlns:a16="http://schemas.microsoft.com/office/drawing/2014/main" id="{4E8C735F-5FB4-4799-9998-C093595CA98E}"/>
+                  <a16:creationId xmlns:a16="http://schemas.microsoft.com/office/drawing/2014/main" xmlns="" id="{4E8C735F-5FB4-4799-9998-C093595CA98E}"/>
                 </a:ext>
               </a:extLst>
             </p:cNvPr>
@@ -15596,7 +15596,7 @@
             <p:cNvPr id="197" name="图片 196">
               <a:extLst>
                 <a:ext uri="{FF2B5EF4-FFF2-40B4-BE49-F238E27FC236}">
-                  <a16:creationId xmlns:a16="http://schemas.microsoft.com/office/drawing/2014/main" id="{684F291A-67CA-4276-89CD-2AF781F664C9}"/>
+                  <a16:creationId xmlns:a16="http://schemas.microsoft.com/office/drawing/2014/main" xmlns="" id="{684F291A-67CA-4276-89CD-2AF781F664C9}"/>
                 </a:ext>
               </a:extLst>
             </p:cNvPr>
@@ -15606,7 +15606,7 @@
             <p:nvPr/>
           </p:nvPicPr>
           <p:blipFill>
-            <a:blip r:embed="rId2">
+            <a:blip r:embed="rId2" cstate="print">
               <a:extLst>
                 <a:ext uri="{28A0092B-C50C-407E-A947-70E740481C1C}">
                   <a14:useLocalDpi xmlns:a14="http://schemas.microsoft.com/office/drawing/2010/main" val="0"/>
@@ -15632,7 +15632,7 @@
             <p:cNvPr id="198" name="等号 197">
               <a:extLst>
                 <a:ext uri="{FF2B5EF4-FFF2-40B4-BE49-F238E27FC236}">
-                  <a16:creationId xmlns:a16="http://schemas.microsoft.com/office/drawing/2014/main" id="{2E5129D9-A264-4F8A-8972-0EFCCB9FA73A}"/>
+                  <a16:creationId xmlns:a16="http://schemas.microsoft.com/office/drawing/2014/main" xmlns="" id="{2E5129D9-A264-4F8A-8972-0EFCCB9FA73A}"/>
                 </a:ext>
               </a:extLst>
             </p:cNvPr>
@@ -15682,7 +15682,7 @@
             <p:cNvPr id="199" name="文本框 198">
               <a:extLst>
                 <a:ext uri="{FF2B5EF4-FFF2-40B4-BE49-F238E27FC236}">
-                  <a16:creationId xmlns:a16="http://schemas.microsoft.com/office/drawing/2014/main" id="{35F5108C-E17A-4073-AE7F-3706F03ACEC7}"/>
+                  <a16:creationId xmlns:a16="http://schemas.microsoft.com/office/drawing/2014/main" xmlns="" id="{35F5108C-E17A-4073-AE7F-3706F03ACEC7}"/>
                 </a:ext>
               </a:extLst>
             </p:cNvPr>
@@ -15749,7 +15749,7 @@
           <p:cNvPr id="2" name="加号 1">
             <a:extLst>
               <a:ext uri="{FF2B5EF4-FFF2-40B4-BE49-F238E27FC236}">
-                <a16:creationId xmlns:a16="http://schemas.microsoft.com/office/drawing/2014/main" id="{F88A369C-9AE0-4565-8B1F-90256009828A}"/>
+                <a16:creationId xmlns:a16="http://schemas.microsoft.com/office/drawing/2014/main" xmlns="" id="{F88A369C-9AE0-4565-8B1F-90256009828A}"/>
               </a:ext>
             </a:extLst>
           </p:cNvPr>
@@ -15795,7 +15795,7 @@
           <p:cNvPr id="93" name="加号 92">
             <a:extLst>
               <a:ext uri="{FF2B5EF4-FFF2-40B4-BE49-F238E27FC236}">
-                <a16:creationId xmlns:a16="http://schemas.microsoft.com/office/drawing/2014/main" id="{3E6DDA07-826F-4F44-9E54-A068D14FECE2}"/>
+                <a16:creationId xmlns:a16="http://schemas.microsoft.com/office/drawing/2014/main" xmlns="" id="{3E6DDA07-826F-4F44-9E54-A068D14FECE2}"/>
               </a:ext>
             </a:extLst>
           </p:cNvPr>
@@ -15841,7 +15841,7 @@
           <p:cNvPr id="94" name="加号 93">
             <a:extLst>
               <a:ext uri="{FF2B5EF4-FFF2-40B4-BE49-F238E27FC236}">
-                <a16:creationId xmlns:a16="http://schemas.microsoft.com/office/drawing/2014/main" id="{84B14E5A-A489-4DB7-B5C5-F2C2442C800A}"/>
+                <a16:creationId xmlns:a16="http://schemas.microsoft.com/office/drawing/2014/main" xmlns="" id="{84B14E5A-A489-4DB7-B5C5-F2C2442C800A}"/>
               </a:ext>
             </a:extLst>
           </p:cNvPr>
@@ -15887,7 +15887,7 @@
           <p:cNvPr id="95" name="加号 94">
             <a:extLst>
               <a:ext uri="{FF2B5EF4-FFF2-40B4-BE49-F238E27FC236}">
-                <a16:creationId xmlns:a16="http://schemas.microsoft.com/office/drawing/2014/main" id="{6F1FB943-97E9-49B7-B333-C18E186A61BF}"/>
+                <a16:creationId xmlns:a16="http://schemas.microsoft.com/office/drawing/2014/main" xmlns="" id="{6F1FB943-97E9-49B7-B333-C18E186A61BF}"/>
               </a:ext>
             </a:extLst>
           </p:cNvPr>
@@ -15933,7 +15933,7 @@
           <p:cNvPr id="96" name="加号 95">
             <a:extLst>
               <a:ext uri="{FF2B5EF4-FFF2-40B4-BE49-F238E27FC236}">
-                <a16:creationId xmlns:a16="http://schemas.microsoft.com/office/drawing/2014/main" id="{518CB124-31F7-423A-A529-50438D3BF1DA}"/>
+                <a16:creationId xmlns:a16="http://schemas.microsoft.com/office/drawing/2014/main" xmlns="" id="{518CB124-31F7-423A-A529-50438D3BF1DA}"/>
               </a:ext>
             </a:extLst>
           </p:cNvPr>
@@ -15979,7 +15979,7 @@
           <p:cNvPr id="97" name="加号 96">
             <a:extLst>
               <a:ext uri="{FF2B5EF4-FFF2-40B4-BE49-F238E27FC236}">
-                <a16:creationId xmlns:a16="http://schemas.microsoft.com/office/drawing/2014/main" id="{905F6527-8CBE-495A-82CE-E0CF8661081B}"/>
+                <a16:creationId xmlns:a16="http://schemas.microsoft.com/office/drawing/2014/main" xmlns="" id="{905F6527-8CBE-495A-82CE-E0CF8661081B}"/>
               </a:ext>
             </a:extLst>
           </p:cNvPr>
@@ -16025,7 +16025,7 @@
           <p:cNvPr id="3" name="减号 2">
             <a:extLst>
               <a:ext uri="{FF2B5EF4-FFF2-40B4-BE49-F238E27FC236}">
-                <a16:creationId xmlns:a16="http://schemas.microsoft.com/office/drawing/2014/main" id="{D583CC3C-6E35-4ABB-B095-B7D0018B9FB6}"/>
+                <a16:creationId xmlns:a16="http://schemas.microsoft.com/office/drawing/2014/main" xmlns="" id="{D583CC3C-6E35-4ABB-B095-B7D0018B9FB6}"/>
               </a:ext>
             </a:extLst>
           </p:cNvPr>
@@ -16071,7 +16071,7 @@
           <p:cNvPr id="99" name="减号 98">
             <a:extLst>
               <a:ext uri="{FF2B5EF4-FFF2-40B4-BE49-F238E27FC236}">
-                <a16:creationId xmlns:a16="http://schemas.microsoft.com/office/drawing/2014/main" id="{0890847E-A5A4-4D0D-A95F-0549FEC1EA3A}"/>
+                <a16:creationId xmlns:a16="http://schemas.microsoft.com/office/drawing/2014/main" xmlns="" id="{0890847E-A5A4-4D0D-A95F-0549FEC1EA3A}"/>
               </a:ext>
             </a:extLst>
           </p:cNvPr>
@@ -16117,7 +16117,7 @@
           <p:cNvPr id="100" name="减号 99">
             <a:extLst>
               <a:ext uri="{FF2B5EF4-FFF2-40B4-BE49-F238E27FC236}">
-                <a16:creationId xmlns:a16="http://schemas.microsoft.com/office/drawing/2014/main" id="{0D9A5D3D-EDE5-4B32-9727-FC778AEBC22E}"/>
+                <a16:creationId xmlns:a16="http://schemas.microsoft.com/office/drawing/2014/main" xmlns="" id="{0D9A5D3D-EDE5-4B32-9727-FC778AEBC22E}"/>
               </a:ext>
             </a:extLst>
           </p:cNvPr>
@@ -16163,7 +16163,7 @@
           <p:cNvPr id="101" name="减号 100">
             <a:extLst>
               <a:ext uri="{FF2B5EF4-FFF2-40B4-BE49-F238E27FC236}">
-                <a16:creationId xmlns:a16="http://schemas.microsoft.com/office/drawing/2014/main" id="{AF9CC9A5-4E7C-416D-A5E3-CF37D08D072B}"/>
+                <a16:creationId xmlns:a16="http://schemas.microsoft.com/office/drawing/2014/main" xmlns="" id="{AF9CC9A5-4E7C-416D-A5E3-CF37D08D072B}"/>
               </a:ext>
             </a:extLst>
           </p:cNvPr>
@@ -16209,7 +16209,7 @@
           <p:cNvPr id="102" name="减号 101">
             <a:extLst>
               <a:ext uri="{FF2B5EF4-FFF2-40B4-BE49-F238E27FC236}">
-                <a16:creationId xmlns:a16="http://schemas.microsoft.com/office/drawing/2014/main" id="{4F6DE3B4-EE83-4739-8DF2-9D1D6F3CED9C}"/>
+                <a16:creationId xmlns:a16="http://schemas.microsoft.com/office/drawing/2014/main" xmlns="" id="{4F6DE3B4-EE83-4739-8DF2-9D1D6F3CED9C}"/>
               </a:ext>
             </a:extLst>
           </p:cNvPr>
@@ -16255,7 +16255,7 @@
           <p:cNvPr id="103" name="减号 102">
             <a:extLst>
               <a:ext uri="{FF2B5EF4-FFF2-40B4-BE49-F238E27FC236}">
-                <a16:creationId xmlns:a16="http://schemas.microsoft.com/office/drawing/2014/main" id="{9A4DB484-0CAC-4F8A-85FA-CA57D9FBF06E}"/>
+                <a16:creationId xmlns:a16="http://schemas.microsoft.com/office/drawing/2014/main" xmlns="" id="{9A4DB484-0CAC-4F8A-85FA-CA57D9FBF06E}"/>
               </a:ext>
             </a:extLst>
           </p:cNvPr>
@@ -16301,7 +16301,7 @@
           <p:cNvPr id="104" name="减号 103">
             <a:extLst>
               <a:ext uri="{FF2B5EF4-FFF2-40B4-BE49-F238E27FC236}">
-                <a16:creationId xmlns:a16="http://schemas.microsoft.com/office/drawing/2014/main" id="{0E9191B9-6E0D-4DEA-BE06-842ED3C2B57E}"/>
+                <a16:creationId xmlns:a16="http://schemas.microsoft.com/office/drawing/2014/main" xmlns="" id="{0E9191B9-6E0D-4DEA-BE06-842ED3C2B57E}"/>
               </a:ext>
             </a:extLst>
           </p:cNvPr>
@@ -16347,7 +16347,7 @@
           <p:cNvPr id="105" name="减号 104">
             <a:extLst>
               <a:ext uri="{FF2B5EF4-FFF2-40B4-BE49-F238E27FC236}">
-                <a16:creationId xmlns:a16="http://schemas.microsoft.com/office/drawing/2014/main" id="{2478AE33-9085-4C09-99EE-89B77511474E}"/>
+                <a16:creationId xmlns:a16="http://schemas.microsoft.com/office/drawing/2014/main" xmlns="" id="{2478AE33-9085-4C09-99EE-89B77511474E}"/>
               </a:ext>
             </a:extLst>
           </p:cNvPr>
@@ -16393,7 +16393,7 @@
           <p:cNvPr id="106" name="减号 105">
             <a:extLst>
               <a:ext uri="{FF2B5EF4-FFF2-40B4-BE49-F238E27FC236}">
-                <a16:creationId xmlns:a16="http://schemas.microsoft.com/office/drawing/2014/main" id="{DEE8D26A-3289-4B72-8123-6BDAB18A247E}"/>
+                <a16:creationId xmlns:a16="http://schemas.microsoft.com/office/drawing/2014/main" xmlns="" id="{DEE8D26A-3289-4B72-8123-6BDAB18A247E}"/>
               </a:ext>
             </a:extLst>
           </p:cNvPr>
@@ -16439,7 +16439,7 @@
           <p:cNvPr id="112" name="减号 111">
             <a:extLst>
               <a:ext uri="{FF2B5EF4-FFF2-40B4-BE49-F238E27FC236}">
-                <a16:creationId xmlns:a16="http://schemas.microsoft.com/office/drawing/2014/main" id="{9EB1271D-4F24-46D8-BF96-C2282114D901}"/>
+                <a16:creationId xmlns:a16="http://schemas.microsoft.com/office/drawing/2014/main" xmlns="" id="{9EB1271D-4F24-46D8-BF96-C2282114D901}"/>
               </a:ext>
             </a:extLst>
           </p:cNvPr>
@@ -16485,7 +16485,7 @@
           <p:cNvPr id="4" name="矩形 3">
             <a:extLst>
               <a:ext uri="{FF2B5EF4-FFF2-40B4-BE49-F238E27FC236}">
-                <a16:creationId xmlns:a16="http://schemas.microsoft.com/office/drawing/2014/main" id="{0CF65495-14F3-41AB-88B3-4BCA9BBAE54A}"/>
+                <a16:creationId xmlns:a16="http://schemas.microsoft.com/office/drawing/2014/main" xmlns="" id="{0CF65495-14F3-41AB-88B3-4BCA9BBAE54A}"/>
               </a:ext>
             </a:extLst>
           </p:cNvPr>
@@ -16529,7 +16529,7 @@
           <p:cNvPr id="113" name="加号 112">
             <a:extLst>
               <a:ext uri="{FF2B5EF4-FFF2-40B4-BE49-F238E27FC236}">
-                <a16:creationId xmlns:a16="http://schemas.microsoft.com/office/drawing/2014/main" id="{09BB5F44-8AEC-4138-909E-CBEB0D15D884}"/>
+                <a16:creationId xmlns:a16="http://schemas.microsoft.com/office/drawing/2014/main" xmlns="" id="{09BB5F44-8AEC-4138-909E-CBEB0D15D884}"/>
               </a:ext>
             </a:extLst>
           </p:cNvPr>
@@ -16575,7 +16575,7 @@
           <p:cNvPr id="114" name="减号 113">
             <a:extLst>
               <a:ext uri="{FF2B5EF4-FFF2-40B4-BE49-F238E27FC236}">
-                <a16:creationId xmlns:a16="http://schemas.microsoft.com/office/drawing/2014/main" id="{A3F0C284-D27E-467E-86D8-111E7B5A8FFB}"/>
+                <a16:creationId xmlns:a16="http://schemas.microsoft.com/office/drawing/2014/main" xmlns="" id="{A3F0C284-D27E-467E-86D8-111E7B5A8FFB}"/>
               </a:ext>
             </a:extLst>
           </p:cNvPr>
@@ -16621,7 +16621,7 @@
           <p:cNvPr id="6" name="文本框 5">
             <a:extLst>
               <a:ext uri="{FF2B5EF4-FFF2-40B4-BE49-F238E27FC236}">
-                <a16:creationId xmlns:a16="http://schemas.microsoft.com/office/drawing/2014/main" id="{E6641EC1-9506-4C5C-B3AF-50DD20789EFC}"/>
+                <a16:creationId xmlns:a16="http://schemas.microsoft.com/office/drawing/2014/main" xmlns="" id="{E6641EC1-9506-4C5C-B3AF-50DD20789EFC}"/>
               </a:ext>
             </a:extLst>
           </p:cNvPr>
@@ -16657,7 +16657,7 @@
           <p:cNvPr id="115" name="文本框 114">
             <a:extLst>
               <a:ext uri="{FF2B5EF4-FFF2-40B4-BE49-F238E27FC236}">
-                <a16:creationId xmlns:a16="http://schemas.microsoft.com/office/drawing/2014/main" id="{1EE4DF9A-45AB-4462-B710-ED03C2EC6AD2}"/>
+                <a16:creationId xmlns:a16="http://schemas.microsoft.com/office/drawing/2014/main" xmlns="" id="{1EE4DF9A-45AB-4462-B710-ED03C2EC6AD2}"/>
               </a:ext>
             </a:extLst>
           </p:cNvPr>
@@ -16693,7 +16693,7 @@
           <p:cNvPr id="7" name="椭圆 6">
             <a:extLst>
               <a:ext uri="{FF2B5EF4-FFF2-40B4-BE49-F238E27FC236}">
-                <a16:creationId xmlns:a16="http://schemas.microsoft.com/office/drawing/2014/main" id="{688779AD-F2AD-477A-8422-9D6C521DB958}"/>
+                <a16:creationId xmlns:a16="http://schemas.microsoft.com/office/drawing/2014/main" xmlns="" id="{688779AD-F2AD-477A-8422-9D6C521DB958}"/>
               </a:ext>
             </a:extLst>
           </p:cNvPr>
@@ -16745,7 +16745,7 @@
           <p:cNvPr id="116" name="椭圆 115">
             <a:extLst>
               <a:ext uri="{FF2B5EF4-FFF2-40B4-BE49-F238E27FC236}">
-                <a16:creationId xmlns:a16="http://schemas.microsoft.com/office/drawing/2014/main" id="{6A16C7E5-3AB6-4957-AC07-A7DBE980475E}"/>
+                <a16:creationId xmlns:a16="http://schemas.microsoft.com/office/drawing/2014/main" xmlns="" id="{6A16C7E5-3AB6-4957-AC07-A7DBE980475E}"/>
               </a:ext>
             </a:extLst>
           </p:cNvPr>
@@ -16797,7 +16797,7 @@
           <p:cNvPr id="117" name="椭圆 116">
             <a:extLst>
               <a:ext uri="{FF2B5EF4-FFF2-40B4-BE49-F238E27FC236}">
-                <a16:creationId xmlns:a16="http://schemas.microsoft.com/office/drawing/2014/main" id="{9E6371F0-DF4D-4478-A78C-D4412D14DEDF}"/>
+                <a16:creationId xmlns:a16="http://schemas.microsoft.com/office/drawing/2014/main" xmlns="" id="{9E6371F0-DF4D-4478-A78C-D4412D14DEDF}"/>
               </a:ext>
             </a:extLst>
           </p:cNvPr>
@@ -16849,7 +16849,7 @@
           <p:cNvPr id="119" name="椭圆 118">
             <a:extLst>
               <a:ext uri="{FF2B5EF4-FFF2-40B4-BE49-F238E27FC236}">
-                <a16:creationId xmlns:a16="http://schemas.microsoft.com/office/drawing/2014/main" id="{C201C88F-249B-43A3-B78C-3B8BFF5AE04E}"/>
+                <a16:creationId xmlns:a16="http://schemas.microsoft.com/office/drawing/2014/main" xmlns="" id="{C201C88F-249B-43A3-B78C-3B8BFF5AE04E}"/>
               </a:ext>
             </a:extLst>
           </p:cNvPr>
@@ -16901,7 +16901,7 @@
           <p:cNvPr id="120" name="椭圆 119">
             <a:extLst>
               <a:ext uri="{FF2B5EF4-FFF2-40B4-BE49-F238E27FC236}">
-                <a16:creationId xmlns:a16="http://schemas.microsoft.com/office/drawing/2014/main" id="{043E952D-D979-4A78-8D3E-CB51C37A0C0B}"/>
+                <a16:creationId xmlns:a16="http://schemas.microsoft.com/office/drawing/2014/main" xmlns="" id="{043E952D-D979-4A78-8D3E-CB51C37A0C0B}"/>
               </a:ext>
             </a:extLst>
           </p:cNvPr>
@@ -16953,7 +16953,7 @@
           <p:cNvPr id="122" name="椭圆 121">
             <a:extLst>
               <a:ext uri="{FF2B5EF4-FFF2-40B4-BE49-F238E27FC236}">
-                <a16:creationId xmlns:a16="http://schemas.microsoft.com/office/drawing/2014/main" id="{9220B66C-5DEA-490C-BFA8-3B053102E64E}"/>
+                <a16:creationId xmlns:a16="http://schemas.microsoft.com/office/drawing/2014/main" xmlns="" id="{9220B66C-5DEA-490C-BFA8-3B053102E64E}"/>
               </a:ext>
             </a:extLst>
           </p:cNvPr>
@@ -17005,7 +17005,7 @@
           <p:cNvPr id="123" name="文本框 122">
             <a:extLst>
               <a:ext uri="{FF2B5EF4-FFF2-40B4-BE49-F238E27FC236}">
-                <a16:creationId xmlns:a16="http://schemas.microsoft.com/office/drawing/2014/main" id="{44FB65C2-312F-4294-8FAB-4E68C0C1AD50}"/>
+                <a16:creationId xmlns:a16="http://schemas.microsoft.com/office/drawing/2014/main" xmlns="" id="{44FB65C2-312F-4294-8FAB-4E68C0C1AD50}"/>
               </a:ext>
             </a:extLst>
           </p:cNvPr>
@@ -17041,7 +17041,7 @@
           <p:cNvPr id="124" name="文本框 123">
             <a:extLst>
               <a:ext uri="{FF2B5EF4-FFF2-40B4-BE49-F238E27FC236}">
-                <a16:creationId xmlns:a16="http://schemas.microsoft.com/office/drawing/2014/main" id="{1DC63CD8-CB24-42BF-A2E9-7B3EECB2325A}"/>
+                <a16:creationId xmlns:a16="http://schemas.microsoft.com/office/drawing/2014/main" xmlns="" id="{1DC63CD8-CB24-42BF-A2E9-7B3EECB2325A}"/>
               </a:ext>
             </a:extLst>
           </p:cNvPr>
@@ -17077,7 +17077,7 @@
           <p:cNvPr id="125" name="文本框 124">
             <a:extLst>
               <a:ext uri="{FF2B5EF4-FFF2-40B4-BE49-F238E27FC236}">
-                <a16:creationId xmlns:a16="http://schemas.microsoft.com/office/drawing/2014/main" id="{F9E6ED4E-F695-4928-8A92-F42E8F3731AF}"/>
+                <a16:creationId xmlns:a16="http://schemas.microsoft.com/office/drawing/2014/main" xmlns="" id="{F9E6ED4E-F695-4928-8A92-F42E8F3731AF}"/>
               </a:ext>
             </a:extLst>
           </p:cNvPr>
@@ -17113,7 +17113,7 @@
           <p:cNvPr id="127" name="文本框 126">
             <a:extLst>
               <a:ext uri="{FF2B5EF4-FFF2-40B4-BE49-F238E27FC236}">
-                <a16:creationId xmlns:a16="http://schemas.microsoft.com/office/drawing/2014/main" id="{11E126F5-4B91-4CA6-AFD4-B0C612AFA336}"/>
+                <a16:creationId xmlns:a16="http://schemas.microsoft.com/office/drawing/2014/main" xmlns="" id="{11E126F5-4B91-4CA6-AFD4-B0C612AFA336}"/>
               </a:ext>
             </a:extLst>
           </p:cNvPr>
@@ -17149,7 +17149,7 @@
           <p:cNvPr id="128" name="文本框 127">
             <a:extLst>
               <a:ext uri="{FF2B5EF4-FFF2-40B4-BE49-F238E27FC236}">
-                <a16:creationId xmlns:a16="http://schemas.microsoft.com/office/drawing/2014/main" id="{F3E782C5-DA96-4657-8CCD-D92749792732}"/>
+                <a16:creationId xmlns:a16="http://schemas.microsoft.com/office/drawing/2014/main" xmlns="" id="{F3E782C5-DA96-4657-8CCD-D92749792732}"/>
               </a:ext>
             </a:extLst>
           </p:cNvPr>
@@ -17185,7 +17185,7 @@
           <p:cNvPr id="176" name="文本框 175">
             <a:extLst>
               <a:ext uri="{FF2B5EF4-FFF2-40B4-BE49-F238E27FC236}">
-                <a16:creationId xmlns:a16="http://schemas.microsoft.com/office/drawing/2014/main" id="{2BFBED90-14FF-4BA0-8FF2-6DA2906474E5}"/>
+                <a16:creationId xmlns:a16="http://schemas.microsoft.com/office/drawing/2014/main" xmlns="" id="{2BFBED90-14FF-4BA0-8FF2-6DA2906474E5}"/>
               </a:ext>
             </a:extLst>
           </p:cNvPr>
@@ -17221,7 +17221,7 @@
           <p:cNvPr id="177" name="减号 176">
             <a:extLst>
               <a:ext uri="{FF2B5EF4-FFF2-40B4-BE49-F238E27FC236}">
-                <a16:creationId xmlns:a16="http://schemas.microsoft.com/office/drawing/2014/main" id="{92197414-6C63-4A18-9944-56745D95193D}"/>
+                <a16:creationId xmlns:a16="http://schemas.microsoft.com/office/drawing/2014/main" xmlns="" id="{92197414-6C63-4A18-9944-56745D95193D}"/>
               </a:ext>
             </a:extLst>
           </p:cNvPr>
@@ -17267,7 +17267,7 @@
           <p:cNvPr id="178" name="减号 177">
             <a:extLst>
               <a:ext uri="{FF2B5EF4-FFF2-40B4-BE49-F238E27FC236}">
-                <a16:creationId xmlns:a16="http://schemas.microsoft.com/office/drawing/2014/main" id="{B5146095-E87E-484E-81C9-6708165F497E}"/>
+                <a16:creationId xmlns:a16="http://schemas.microsoft.com/office/drawing/2014/main" xmlns="" id="{B5146095-E87E-484E-81C9-6708165F497E}"/>
               </a:ext>
             </a:extLst>
           </p:cNvPr>
@@ -17313,7 +17313,7 @@
           <p:cNvPr id="179" name="减号 178">
             <a:extLst>
               <a:ext uri="{FF2B5EF4-FFF2-40B4-BE49-F238E27FC236}">
-                <a16:creationId xmlns:a16="http://schemas.microsoft.com/office/drawing/2014/main" id="{3A4E9B14-44B3-4EC4-B198-E86213E92414}"/>
+                <a16:creationId xmlns:a16="http://schemas.microsoft.com/office/drawing/2014/main" xmlns="" id="{3A4E9B14-44B3-4EC4-B198-E86213E92414}"/>
               </a:ext>
             </a:extLst>
           </p:cNvPr>
@@ -17359,7 +17359,7 @@
           <p:cNvPr id="180" name="减号 179">
             <a:extLst>
               <a:ext uri="{FF2B5EF4-FFF2-40B4-BE49-F238E27FC236}">
-                <a16:creationId xmlns:a16="http://schemas.microsoft.com/office/drawing/2014/main" id="{0E9A8EDE-AECD-4028-82A1-A512CE2180BB}"/>
+                <a16:creationId xmlns:a16="http://schemas.microsoft.com/office/drawing/2014/main" xmlns="" id="{0E9A8EDE-AECD-4028-82A1-A512CE2180BB}"/>
               </a:ext>
             </a:extLst>
           </p:cNvPr>
@@ -17405,7 +17405,7 @@
           <p:cNvPr id="181" name="减号 180">
             <a:extLst>
               <a:ext uri="{FF2B5EF4-FFF2-40B4-BE49-F238E27FC236}">
-                <a16:creationId xmlns:a16="http://schemas.microsoft.com/office/drawing/2014/main" id="{242F8469-B26E-407A-A885-49BB63FED313}"/>
+                <a16:creationId xmlns:a16="http://schemas.microsoft.com/office/drawing/2014/main" xmlns="" id="{242F8469-B26E-407A-A885-49BB63FED313}"/>
               </a:ext>
             </a:extLst>
           </p:cNvPr>
@@ -17451,7 +17451,7 @@
           <p:cNvPr id="182" name="减号 181">
             <a:extLst>
               <a:ext uri="{FF2B5EF4-FFF2-40B4-BE49-F238E27FC236}">
-                <a16:creationId xmlns:a16="http://schemas.microsoft.com/office/drawing/2014/main" id="{8F4CDCE0-2C4D-4296-AA24-5653406A5130}"/>
+                <a16:creationId xmlns:a16="http://schemas.microsoft.com/office/drawing/2014/main" xmlns="" id="{8F4CDCE0-2C4D-4296-AA24-5653406A5130}"/>
               </a:ext>
             </a:extLst>
           </p:cNvPr>
@@ -17497,7 +17497,7 @@
           <p:cNvPr id="183" name="减号 182">
             <a:extLst>
               <a:ext uri="{FF2B5EF4-FFF2-40B4-BE49-F238E27FC236}">
-                <a16:creationId xmlns:a16="http://schemas.microsoft.com/office/drawing/2014/main" id="{3F5E651A-41A8-4D16-9DC6-1BCFA0134D19}"/>
+                <a16:creationId xmlns:a16="http://schemas.microsoft.com/office/drawing/2014/main" xmlns="" id="{3F5E651A-41A8-4D16-9DC6-1BCFA0134D19}"/>
               </a:ext>
             </a:extLst>
           </p:cNvPr>
@@ -17543,7 +17543,7 @@
           <p:cNvPr id="184" name="减号 183">
             <a:extLst>
               <a:ext uri="{FF2B5EF4-FFF2-40B4-BE49-F238E27FC236}">
-                <a16:creationId xmlns:a16="http://schemas.microsoft.com/office/drawing/2014/main" id="{38B6A48A-8194-4064-BE23-FE44AC7B845D}"/>
+                <a16:creationId xmlns:a16="http://schemas.microsoft.com/office/drawing/2014/main" xmlns="" id="{38B6A48A-8194-4064-BE23-FE44AC7B845D}"/>
               </a:ext>
             </a:extLst>
           </p:cNvPr>
@@ -17589,7 +17589,7 @@
           <p:cNvPr id="185" name="减号 184">
             <a:extLst>
               <a:ext uri="{FF2B5EF4-FFF2-40B4-BE49-F238E27FC236}">
-                <a16:creationId xmlns:a16="http://schemas.microsoft.com/office/drawing/2014/main" id="{FB694FEA-43EF-436F-8EAD-2730C72F722B}"/>
+                <a16:creationId xmlns:a16="http://schemas.microsoft.com/office/drawing/2014/main" xmlns="" id="{FB694FEA-43EF-436F-8EAD-2730C72F722B}"/>
               </a:ext>
             </a:extLst>
           </p:cNvPr>
@@ -17635,7 +17635,7 @@
           <p:cNvPr id="186" name="减号 185">
             <a:extLst>
               <a:ext uri="{FF2B5EF4-FFF2-40B4-BE49-F238E27FC236}">
-                <a16:creationId xmlns:a16="http://schemas.microsoft.com/office/drawing/2014/main" id="{D2373CE2-F7B9-47DC-9583-9E84C8F79F2B}"/>
+                <a16:creationId xmlns:a16="http://schemas.microsoft.com/office/drawing/2014/main" xmlns="" id="{D2373CE2-F7B9-47DC-9583-9E84C8F79F2B}"/>
               </a:ext>
             </a:extLst>
           </p:cNvPr>
@@ -17681,7 +17681,7 @@
           <p:cNvPr id="187" name="减号 186">
             <a:extLst>
               <a:ext uri="{FF2B5EF4-FFF2-40B4-BE49-F238E27FC236}">
-                <a16:creationId xmlns:a16="http://schemas.microsoft.com/office/drawing/2014/main" id="{EC89C7FD-F21C-4C75-9BDF-E93DA0561019}"/>
+                <a16:creationId xmlns:a16="http://schemas.microsoft.com/office/drawing/2014/main" xmlns="" id="{EC89C7FD-F21C-4C75-9BDF-E93DA0561019}"/>
               </a:ext>
             </a:extLst>
           </p:cNvPr>
@@ -17727,7 +17727,7 @@
           <p:cNvPr id="188" name="减号 187">
             <a:extLst>
               <a:ext uri="{FF2B5EF4-FFF2-40B4-BE49-F238E27FC236}">
-                <a16:creationId xmlns:a16="http://schemas.microsoft.com/office/drawing/2014/main" id="{2732DA5C-C104-4ED0-945C-796D838C7C38}"/>
+                <a16:creationId xmlns:a16="http://schemas.microsoft.com/office/drawing/2014/main" xmlns="" id="{2732DA5C-C104-4ED0-945C-796D838C7C38}"/>
               </a:ext>
             </a:extLst>
           </p:cNvPr>
@@ -17773,7 +17773,7 @@
           <p:cNvPr id="189" name="减号 188">
             <a:extLst>
               <a:ext uri="{FF2B5EF4-FFF2-40B4-BE49-F238E27FC236}">
-                <a16:creationId xmlns:a16="http://schemas.microsoft.com/office/drawing/2014/main" id="{169189FD-8E8F-4805-A572-6441402619D0}"/>
+                <a16:creationId xmlns:a16="http://schemas.microsoft.com/office/drawing/2014/main" xmlns="" id="{169189FD-8E8F-4805-A572-6441402619D0}"/>
               </a:ext>
             </a:extLst>
           </p:cNvPr>
@@ -17819,7 +17819,7 @@
           <p:cNvPr id="190" name="减号 189">
             <a:extLst>
               <a:ext uri="{FF2B5EF4-FFF2-40B4-BE49-F238E27FC236}">
-                <a16:creationId xmlns:a16="http://schemas.microsoft.com/office/drawing/2014/main" id="{DE287770-B6AE-4652-9AD6-465D63894A42}"/>
+                <a16:creationId xmlns:a16="http://schemas.microsoft.com/office/drawing/2014/main" xmlns="" id="{DE287770-B6AE-4652-9AD6-465D63894A42}"/>
               </a:ext>
             </a:extLst>
           </p:cNvPr>
@@ -17865,7 +17865,7 @@
           <p:cNvPr id="191" name="减号 190">
             <a:extLst>
               <a:ext uri="{FF2B5EF4-FFF2-40B4-BE49-F238E27FC236}">
-                <a16:creationId xmlns:a16="http://schemas.microsoft.com/office/drawing/2014/main" id="{FB7DE4AF-C222-48B1-BEBD-E7ACEE9CED1B}"/>
+                <a16:creationId xmlns:a16="http://schemas.microsoft.com/office/drawing/2014/main" xmlns="" id="{FB7DE4AF-C222-48B1-BEBD-E7ACEE9CED1B}"/>
               </a:ext>
             </a:extLst>
           </p:cNvPr>
@@ -17911,7 +17911,7 @@
           <p:cNvPr id="192" name="减号 191">
             <a:extLst>
               <a:ext uri="{FF2B5EF4-FFF2-40B4-BE49-F238E27FC236}">
-                <a16:creationId xmlns:a16="http://schemas.microsoft.com/office/drawing/2014/main" id="{8D87FC0A-D5C9-48FE-919E-3A9A9218D61D}"/>
+                <a16:creationId xmlns:a16="http://schemas.microsoft.com/office/drawing/2014/main" xmlns="" id="{8D87FC0A-D5C9-48FE-919E-3A9A9218D61D}"/>
               </a:ext>
             </a:extLst>
           </p:cNvPr>
@@ -17957,7 +17957,7 @@
           <p:cNvPr id="193" name="椭圆 192">
             <a:extLst>
               <a:ext uri="{FF2B5EF4-FFF2-40B4-BE49-F238E27FC236}">
-                <a16:creationId xmlns:a16="http://schemas.microsoft.com/office/drawing/2014/main" id="{435B00EC-C0A8-41CB-93A4-E727F34CB78D}"/>
+                <a16:creationId xmlns:a16="http://schemas.microsoft.com/office/drawing/2014/main" xmlns="" id="{435B00EC-C0A8-41CB-93A4-E727F34CB78D}"/>
               </a:ext>
             </a:extLst>
           </p:cNvPr>
@@ -18010,7 +18010,7 @@
           <p:cNvPr id="194" name="减号 193">
             <a:extLst>
               <a:ext uri="{FF2B5EF4-FFF2-40B4-BE49-F238E27FC236}">
-                <a16:creationId xmlns:a16="http://schemas.microsoft.com/office/drawing/2014/main" id="{E51DAE95-869E-4E93-852E-51D883C7D2B2}"/>
+                <a16:creationId xmlns:a16="http://schemas.microsoft.com/office/drawing/2014/main" xmlns="" id="{E51DAE95-869E-4E93-852E-51D883C7D2B2}"/>
               </a:ext>
             </a:extLst>
           </p:cNvPr>
@@ -18056,7 +18056,7 @@
           <p:cNvPr id="195" name="减号 194">
             <a:extLst>
               <a:ext uri="{FF2B5EF4-FFF2-40B4-BE49-F238E27FC236}">
-                <a16:creationId xmlns:a16="http://schemas.microsoft.com/office/drawing/2014/main" id="{9025EBC1-1872-497A-BC90-76C72E1354CB}"/>
+                <a16:creationId xmlns:a16="http://schemas.microsoft.com/office/drawing/2014/main" xmlns="" id="{9025EBC1-1872-497A-BC90-76C72E1354CB}"/>
               </a:ext>
             </a:extLst>
           </p:cNvPr>
@@ -18102,7 +18102,7 @@
           <p:cNvPr id="196" name="减号 195">
             <a:extLst>
               <a:ext uri="{FF2B5EF4-FFF2-40B4-BE49-F238E27FC236}">
-                <a16:creationId xmlns:a16="http://schemas.microsoft.com/office/drawing/2014/main" id="{BEC8A7A8-40A3-43F8-8F06-3523AAF8E2CA}"/>
+                <a16:creationId xmlns:a16="http://schemas.microsoft.com/office/drawing/2014/main" xmlns="" id="{BEC8A7A8-40A3-43F8-8F06-3523AAF8E2CA}"/>
               </a:ext>
             </a:extLst>
           </p:cNvPr>
@@ -18148,7 +18148,7 @@
           <p:cNvPr id="197" name="减号 196">
             <a:extLst>
               <a:ext uri="{FF2B5EF4-FFF2-40B4-BE49-F238E27FC236}">
-                <a16:creationId xmlns:a16="http://schemas.microsoft.com/office/drawing/2014/main" id="{934B4877-3AB0-4F07-8E07-389C82215FCB}"/>
+                <a16:creationId xmlns:a16="http://schemas.microsoft.com/office/drawing/2014/main" xmlns="" id="{934B4877-3AB0-4F07-8E07-389C82215FCB}"/>
               </a:ext>
             </a:extLst>
           </p:cNvPr>
@@ -18194,7 +18194,7 @@
           <p:cNvPr id="198" name="减号 197">
             <a:extLst>
               <a:ext uri="{FF2B5EF4-FFF2-40B4-BE49-F238E27FC236}">
-                <a16:creationId xmlns:a16="http://schemas.microsoft.com/office/drawing/2014/main" id="{A3E3D37D-8FA2-4CF9-9BD4-ED36A26D6554}"/>
+                <a16:creationId xmlns:a16="http://schemas.microsoft.com/office/drawing/2014/main" xmlns="" id="{A3E3D37D-8FA2-4CF9-9BD4-ED36A26D6554}"/>
               </a:ext>
             </a:extLst>
           </p:cNvPr>
@@ -18240,7 +18240,7 @@
           <p:cNvPr id="199" name="减号 198">
             <a:extLst>
               <a:ext uri="{FF2B5EF4-FFF2-40B4-BE49-F238E27FC236}">
-                <a16:creationId xmlns:a16="http://schemas.microsoft.com/office/drawing/2014/main" id="{BB6A61CE-D2C3-4388-929A-2F277FC1B333}"/>
+                <a16:creationId xmlns:a16="http://schemas.microsoft.com/office/drawing/2014/main" xmlns="" id="{BB6A61CE-D2C3-4388-929A-2F277FC1B333}"/>
               </a:ext>
             </a:extLst>
           </p:cNvPr>
@@ -18286,7 +18286,7 @@
           <p:cNvPr id="200" name="减号 199">
             <a:extLst>
               <a:ext uri="{FF2B5EF4-FFF2-40B4-BE49-F238E27FC236}">
-                <a16:creationId xmlns:a16="http://schemas.microsoft.com/office/drawing/2014/main" id="{3D842D2C-0F72-4CAB-8DD1-3A534AB98274}"/>
+                <a16:creationId xmlns:a16="http://schemas.microsoft.com/office/drawing/2014/main" xmlns="" id="{3D842D2C-0F72-4CAB-8DD1-3A534AB98274}"/>
               </a:ext>
             </a:extLst>
           </p:cNvPr>
@@ -18332,7 +18332,7 @@
           <p:cNvPr id="201" name="减号 200">
             <a:extLst>
               <a:ext uri="{FF2B5EF4-FFF2-40B4-BE49-F238E27FC236}">
-                <a16:creationId xmlns:a16="http://schemas.microsoft.com/office/drawing/2014/main" id="{01AFBBB2-C6ED-449D-9336-30DEDAF920C7}"/>
+                <a16:creationId xmlns:a16="http://schemas.microsoft.com/office/drawing/2014/main" xmlns="" id="{01AFBBB2-C6ED-449D-9336-30DEDAF920C7}"/>
               </a:ext>
             </a:extLst>
           </p:cNvPr>
@@ -18378,7 +18378,7 @@
           <p:cNvPr id="202" name="减号 201">
             <a:extLst>
               <a:ext uri="{FF2B5EF4-FFF2-40B4-BE49-F238E27FC236}">
-                <a16:creationId xmlns:a16="http://schemas.microsoft.com/office/drawing/2014/main" id="{EBBC0133-AB14-40DE-B123-AD064B49BE46}"/>
+                <a16:creationId xmlns:a16="http://schemas.microsoft.com/office/drawing/2014/main" xmlns="" id="{EBBC0133-AB14-40DE-B123-AD064B49BE46}"/>
               </a:ext>
             </a:extLst>
           </p:cNvPr>
@@ -18424,7 +18424,7 @@
           <p:cNvPr id="203" name="减号 202">
             <a:extLst>
               <a:ext uri="{FF2B5EF4-FFF2-40B4-BE49-F238E27FC236}">
-                <a16:creationId xmlns:a16="http://schemas.microsoft.com/office/drawing/2014/main" id="{5AD28BBA-F753-4FE7-A5A7-A5156819CE97}"/>
+                <a16:creationId xmlns:a16="http://schemas.microsoft.com/office/drawing/2014/main" xmlns="" id="{5AD28BBA-F753-4FE7-A5A7-A5156819CE97}"/>
               </a:ext>
             </a:extLst>
           </p:cNvPr>
@@ -18470,7 +18470,7 @@
           <p:cNvPr id="204" name="减号 203">
             <a:extLst>
               <a:ext uri="{FF2B5EF4-FFF2-40B4-BE49-F238E27FC236}">
-                <a16:creationId xmlns:a16="http://schemas.microsoft.com/office/drawing/2014/main" id="{5070CD0D-87E6-4B49-8DA3-F4B5E588C200}"/>
+                <a16:creationId xmlns:a16="http://schemas.microsoft.com/office/drawing/2014/main" xmlns="" id="{5070CD0D-87E6-4B49-8DA3-F4B5E588C200}"/>
               </a:ext>
             </a:extLst>
           </p:cNvPr>
@@ -18516,7 +18516,7 @@
           <p:cNvPr id="205" name="文本框 204">
             <a:extLst>
               <a:ext uri="{FF2B5EF4-FFF2-40B4-BE49-F238E27FC236}">
-                <a16:creationId xmlns:a16="http://schemas.microsoft.com/office/drawing/2014/main" id="{36EE99CE-E8B2-487F-9A79-F662E9089100}"/>
+                <a16:creationId xmlns:a16="http://schemas.microsoft.com/office/drawing/2014/main" xmlns="" id="{36EE99CE-E8B2-487F-9A79-F662E9089100}"/>
               </a:ext>
             </a:extLst>
           </p:cNvPr>
@@ -18584,7 +18584,7 @@
               <p:cNvPr id="5" name="文本框 4">
                 <a:extLst>
                   <a:ext uri="{FF2B5EF4-FFF2-40B4-BE49-F238E27FC236}">
-                    <a16:creationId xmlns:a16="http://schemas.microsoft.com/office/drawing/2014/main" id="{576F6B9C-0C1D-426A-853B-E21D4E490ACE}"/>
+                    <a16:creationId xmlns:a16="http://schemas.microsoft.com/office/drawing/2014/main" xmlns="" id="{576F6B9C-0C1D-426A-853B-E21D4E490ACE}"/>
                   </a:ext>
                 </a:extLst>
               </p:cNvPr>
@@ -18620,7 +18620,7 @@
                           <m:endChr m:val=""/>
                           <m:ctrlPr>
                             <a:rPr lang="en-US" altLang="zh-CN" sz="3200" i="1" smtClean="0">
-                              <a:latin typeface="Cambria Math" panose="02040503050406030204" pitchFamily="18" charset="0"/>
+                              <a:latin typeface="Cambria Math"/>
                             </a:rPr>
                           </m:ctrlPr>
                         </m:dPr>
@@ -18629,7 +18629,7 @@
                             <m:eqArrPr>
                               <m:ctrlPr>
                                 <a:rPr lang="en-US" altLang="zh-CN" sz="3200" i="1" smtClean="0">
-                                  <a:latin typeface="Cambria Math" panose="02040503050406030204" pitchFamily="18" charset="0"/>
+                                  <a:latin typeface="Cambria Math"/>
                                 </a:rPr>
                               </m:ctrlPr>
                             </m:eqArrPr>
@@ -18674,7 +18674,7 @@
                                 <m:sSubPr>
                                   <m:ctrlPr>
                                     <a:rPr lang="en-US" altLang="zh-CN" sz="3200" b="0" i="1" smtClean="0">
-                                      <a:latin typeface="Cambria Math" panose="02040503050406030204" pitchFamily="18" charset="0"/>
+                                      <a:latin typeface="Cambria Math"/>
                                     </a:rPr>
                                   </m:ctrlPr>
                                 </m:sSubPr>
@@ -18737,7 +18737,7 @@
                                 <m:sSubPr>
                                   <m:ctrlPr>
                                     <a:rPr lang="en-US" altLang="zh-CN" sz="3200" b="0" i="1" smtClean="0">
-                                      <a:latin typeface="Cambria Math" panose="02040503050406030204" pitchFamily="18" charset="0"/>
+                                      <a:latin typeface="Cambria Math"/>
                                     </a:rPr>
                                   </m:ctrlPr>
                                 </m:sSubPr>
@@ -18822,7 +18822,7 @@
               <p:cNvPr id="65" name="文本框 64">
                 <a:extLst>
                   <a:ext uri="{FF2B5EF4-FFF2-40B4-BE49-F238E27FC236}">
-                    <a16:creationId xmlns:a16="http://schemas.microsoft.com/office/drawing/2014/main" id="{C65CD46D-E22D-4D0F-824F-7D937374B7E5}"/>
+                    <a16:creationId xmlns:a16="http://schemas.microsoft.com/office/drawing/2014/main" xmlns="" id="{C65CD46D-E22D-4D0F-824F-7D937374B7E5}"/>
                   </a:ext>
                 </a:extLst>
               </p:cNvPr>
@@ -18927,7 +18927,7 @@
               <p:cNvPr id="66" name="文本框 65">
                 <a:extLst>
                   <a:ext uri="{FF2B5EF4-FFF2-40B4-BE49-F238E27FC236}">
-                    <a16:creationId xmlns:a16="http://schemas.microsoft.com/office/drawing/2014/main" id="{A99829DE-167E-4B06-9C9C-0F2FD796C9A1}"/>
+                    <a16:creationId xmlns:a16="http://schemas.microsoft.com/office/drawing/2014/main" xmlns="" id="{A99829DE-167E-4B06-9C9C-0F2FD796C9A1}"/>
                   </a:ext>
                 </a:extLst>
               </p:cNvPr>
@@ -18967,7 +18967,7 @@
                         <m:sSubPr>
                           <m:ctrlPr>
                             <a:rPr lang="en-US" altLang="zh-CN" sz="3200" b="0" i="1" smtClean="0">
-                              <a:latin typeface="Cambria Math" panose="02040503050406030204" pitchFamily="18" charset="0"/>
+                              <a:latin typeface="Cambria Math"/>
                             </a:rPr>
                           </m:ctrlPr>
                         </m:sSubPr>
@@ -18995,7 +18995,7 @@
                         <m:sSupPr>
                           <m:ctrlPr>
                             <a:rPr lang="en-US" altLang="zh-CN" sz="3200" b="0" i="1" smtClean="0">
-                              <a:latin typeface="Cambria Math" panose="02040503050406030204" pitchFamily="18" charset="0"/>
+                              <a:latin typeface="Cambria Math"/>
                               <a:ea typeface="Cambria Math" panose="02040503050406030204" pitchFamily="18" charset="0"/>
                             </a:rPr>
                           </m:ctrlPr>
@@ -19053,7 +19053,7 @@
                           <m:endChr m:val=""/>
                           <m:ctrlPr>
                             <a:rPr lang="en-US" altLang="zh-CN" sz="3200" b="0" i="1" smtClean="0">
-                              <a:latin typeface="Cambria Math" panose="02040503050406030204" pitchFamily="18" charset="0"/>
+                              <a:latin typeface="Cambria Math"/>
                               <a:ea typeface="Cambria Math" panose="02040503050406030204" pitchFamily="18" charset="0"/>
                             </a:rPr>
                           </m:ctrlPr>
@@ -19063,7 +19063,7 @@
                             <m:eqArrPr>
                               <m:ctrlPr>
                                 <a:rPr lang="en-US" altLang="zh-CN" sz="3200" b="0" i="1" smtClean="0">
-                                  <a:latin typeface="Cambria Math" panose="02040503050406030204" pitchFamily="18" charset="0"/>
+                                  <a:latin typeface="Cambria Math"/>
                                   <a:ea typeface="Cambria Math" panose="02040503050406030204" pitchFamily="18" charset="0"/>
                                 </a:rPr>
                               </m:ctrlPr>
@@ -19167,7 +19167,7 @@
                         <m:sSupPr>
                           <m:ctrlPr>
                             <a:rPr lang="en-US" altLang="zh-CN" sz="3200" b="0" i="1" smtClean="0">
-                              <a:latin typeface="Cambria Math" panose="02040503050406030204" pitchFamily="18" charset="0"/>
+                              <a:latin typeface="Cambria Math"/>
                             </a:rPr>
                           </m:ctrlPr>
                         </m:sSupPr>
@@ -19297,7 +19297,7 @@
               <p:cNvPr id="68" name="文本框 67">
                 <a:extLst>
                   <a:ext uri="{FF2B5EF4-FFF2-40B4-BE49-F238E27FC236}">
-                    <a16:creationId xmlns:a16="http://schemas.microsoft.com/office/drawing/2014/main" id="{EDB767C6-3FC3-4DD9-A2E4-EA95ADDBA6C3}"/>
+                    <a16:creationId xmlns:a16="http://schemas.microsoft.com/office/drawing/2014/main" xmlns="" id="{EDB767C6-3FC3-4DD9-A2E4-EA95ADDBA6C3}"/>
                   </a:ext>
                 </a:extLst>
               </p:cNvPr>
@@ -19389,7 +19389,7 @@
           <p:cNvPr id="69" name="文本框 68">
             <a:extLst>
               <a:ext uri="{FF2B5EF4-FFF2-40B4-BE49-F238E27FC236}">
-                <a16:creationId xmlns:a16="http://schemas.microsoft.com/office/drawing/2014/main" id="{2A2EDED1-B169-4DF1-B35D-C9D6171C5961}"/>
+                <a16:creationId xmlns:a16="http://schemas.microsoft.com/office/drawing/2014/main" xmlns="" id="{2A2EDED1-B169-4DF1-B35D-C9D6171C5961}"/>
               </a:ext>
             </a:extLst>
           </p:cNvPr>
@@ -19424,7 +19424,7 @@
           <p:cNvPr id="70" name="文本框 69">
             <a:extLst>
               <a:ext uri="{FF2B5EF4-FFF2-40B4-BE49-F238E27FC236}">
-                <a16:creationId xmlns:a16="http://schemas.microsoft.com/office/drawing/2014/main" id="{5A2AAF12-5EE6-457D-B80C-0501AD961B62}"/>
+                <a16:creationId xmlns:a16="http://schemas.microsoft.com/office/drawing/2014/main" xmlns="" id="{5A2AAF12-5EE6-457D-B80C-0501AD961B62}"/>
               </a:ext>
             </a:extLst>
           </p:cNvPr>
@@ -19459,7 +19459,7 @@
           <p:cNvPr id="71" name="文本框 70">
             <a:extLst>
               <a:ext uri="{FF2B5EF4-FFF2-40B4-BE49-F238E27FC236}">
-                <a16:creationId xmlns:a16="http://schemas.microsoft.com/office/drawing/2014/main" id="{6A2FAC17-7812-445E-AC0E-382F6516D2D3}"/>
+                <a16:creationId xmlns:a16="http://schemas.microsoft.com/office/drawing/2014/main" xmlns="" id="{6A2FAC17-7812-445E-AC0E-382F6516D2D3}"/>
               </a:ext>
             </a:extLst>
           </p:cNvPr>
@@ -19494,7 +19494,7 @@
           <p:cNvPr id="9" name="组合 8">
             <a:extLst>
               <a:ext uri="{FF2B5EF4-FFF2-40B4-BE49-F238E27FC236}">
-                <a16:creationId xmlns:a16="http://schemas.microsoft.com/office/drawing/2014/main" id="{8C2792B4-E707-4E57-89C5-EBDAE1C5FEBD}"/>
+                <a16:creationId xmlns:a16="http://schemas.microsoft.com/office/drawing/2014/main" xmlns="" id="{8C2792B4-E707-4E57-89C5-EBDAE1C5FEBD}"/>
               </a:ext>
             </a:extLst>
           </p:cNvPr>
@@ -19514,7 +19514,7 @@
             <p:cNvPr id="67" name="文本框 66">
               <a:extLst>
                 <a:ext uri="{FF2B5EF4-FFF2-40B4-BE49-F238E27FC236}">
-                  <a16:creationId xmlns:a16="http://schemas.microsoft.com/office/drawing/2014/main" id="{E32ADABE-EE10-461F-B77D-060B97C39142}"/>
+                  <a16:creationId xmlns:a16="http://schemas.microsoft.com/office/drawing/2014/main" xmlns="" id="{E32ADABE-EE10-461F-B77D-060B97C39142}"/>
                 </a:ext>
               </a:extLst>
             </p:cNvPr>
@@ -19557,7 +19557,7 @@
             <p:cNvPr id="72" name="文本框 71">
               <a:extLst>
                 <a:ext uri="{FF2B5EF4-FFF2-40B4-BE49-F238E27FC236}">
-                  <a16:creationId xmlns:a16="http://schemas.microsoft.com/office/drawing/2014/main" id="{325E0AF8-11A8-4D72-BE4E-3EE3BC4393D6}"/>
+                  <a16:creationId xmlns:a16="http://schemas.microsoft.com/office/drawing/2014/main" xmlns="" id="{325E0AF8-11A8-4D72-BE4E-3EE3BC4393D6}"/>
                 </a:ext>
               </a:extLst>
             </p:cNvPr>
@@ -19593,7 +19593,7 @@
           <p:cNvPr id="73" name="文本框 72">
             <a:extLst>
               <a:ext uri="{FF2B5EF4-FFF2-40B4-BE49-F238E27FC236}">
-                <a16:creationId xmlns:a16="http://schemas.microsoft.com/office/drawing/2014/main" id="{AC6A8883-5064-4C8F-9C42-083D6E92CF21}"/>
+                <a16:creationId xmlns:a16="http://schemas.microsoft.com/office/drawing/2014/main" xmlns="" id="{AC6A8883-5064-4C8F-9C42-083D6E92CF21}"/>
               </a:ext>
             </a:extLst>
           </p:cNvPr>
@@ -19628,7 +19628,7 @@
           <p:cNvPr id="8" name="箭头: 下 7">
             <a:extLst>
               <a:ext uri="{FF2B5EF4-FFF2-40B4-BE49-F238E27FC236}">
-                <a16:creationId xmlns:a16="http://schemas.microsoft.com/office/drawing/2014/main" id="{3B349C6D-AE1A-4DE9-848A-E0DEF9EFE4C0}"/>
+                <a16:creationId xmlns:a16="http://schemas.microsoft.com/office/drawing/2014/main" xmlns="" id="{3B349C6D-AE1A-4DE9-848A-E0DEF9EFE4C0}"/>
               </a:ext>
             </a:extLst>
           </p:cNvPr>
@@ -19680,7 +19680,7 @@
           <p:cNvPr id="75" name="箭头: 下 74">
             <a:extLst>
               <a:ext uri="{FF2B5EF4-FFF2-40B4-BE49-F238E27FC236}">
-                <a16:creationId xmlns:a16="http://schemas.microsoft.com/office/drawing/2014/main" id="{361DD326-D29A-4AFD-B969-7E67D96D3066}"/>
+                <a16:creationId xmlns:a16="http://schemas.microsoft.com/office/drawing/2014/main" xmlns="" id="{361DD326-D29A-4AFD-B969-7E67D96D3066}"/>
               </a:ext>
             </a:extLst>
           </p:cNvPr>
@@ -19732,7 +19732,7 @@
           <p:cNvPr id="76" name="箭头: 下 75">
             <a:extLst>
               <a:ext uri="{FF2B5EF4-FFF2-40B4-BE49-F238E27FC236}">
-                <a16:creationId xmlns:a16="http://schemas.microsoft.com/office/drawing/2014/main" id="{AB8EFF5F-8F1D-4AF9-AFEC-285D0D7AC82A}"/>
+                <a16:creationId xmlns:a16="http://schemas.microsoft.com/office/drawing/2014/main" xmlns="" id="{AB8EFF5F-8F1D-4AF9-AFEC-285D0D7AC82A}"/>
               </a:ext>
             </a:extLst>
           </p:cNvPr>
@@ -19784,7 +19784,7 @@
           <p:cNvPr id="78" name="箭头: 下 77">
             <a:extLst>
               <a:ext uri="{FF2B5EF4-FFF2-40B4-BE49-F238E27FC236}">
-                <a16:creationId xmlns:a16="http://schemas.microsoft.com/office/drawing/2014/main" id="{1A7C6C97-5876-40D4-958B-9DAE30A4DE39}"/>
+                <a16:creationId xmlns:a16="http://schemas.microsoft.com/office/drawing/2014/main" xmlns="" id="{1A7C6C97-5876-40D4-958B-9DAE30A4DE39}"/>
               </a:ext>
             </a:extLst>
           </p:cNvPr>
@@ -19836,7 +19836,7 @@
           <p:cNvPr id="13" name="连接符: 曲线 12">
             <a:extLst>
               <a:ext uri="{FF2B5EF4-FFF2-40B4-BE49-F238E27FC236}">
-                <a16:creationId xmlns:a16="http://schemas.microsoft.com/office/drawing/2014/main" id="{65E4CC8E-07D0-4133-BAAB-745AE26F816A}"/>
+                <a16:creationId xmlns:a16="http://schemas.microsoft.com/office/drawing/2014/main" xmlns="" id="{65E4CC8E-07D0-4133-BAAB-745AE26F816A}"/>
               </a:ext>
             </a:extLst>
           </p:cNvPr>
@@ -19906,14 +19906,14 @@
           <a:chExt cx="0" cy="0"/>
         </a:xfrm>
       </p:grpSpPr>
-      <mc:AlternateContent xmlns:mc="http://schemas.openxmlformats.org/markup-compatibility/2006">
-        <mc:Choice xmlns:a14="http://schemas.microsoft.com/office/drawing/2010/main" Requires="a14">
+      <mc:AlternateContent xmlns:mc="http://schemas.openxmlformats.org/markup-compatibility/2006" xmlns:a14="http://schemas.microsoft.com/office/drawing/2010/main">
+        <mc:Choice Requires="a14">
           <p:sp>
             <p:nvSpPr>
               <p:cNvPr id="2" name="文本框 1">
                 <a:extLst>
                   <a:ext uri="{FF2B5EF4-FFF2-40B4-BE49-F238E27FC236}">
-                    <a16:creationId xmlns:a16="http://schemas.microsoft.com/office/drawing/2014/main" id="{2C1E997C-FCF8-43EE-8433-2C58AAF877F7}"/>
+                    <a16:creationId xmlns:a16="http://schemas.microsoft.com/office/drawing/2014/main" xmlns="" id="{2C1E997C-FCF8-43EE-8433-2C58AAF877F7}"/>
                   </a:ext>
                 </a:extLst>
               </p:cNvPr>
@@ -19979,7 +19979,7 @@
                       <m:sSubPr>
                         <m:ctrlPr>
                           <a:rPr lang="en-US" altLang="zh-CN" sz="2800" b="0" i="1" smtClean="0">
-                            <a:latin typeface="Cambria Math" panose="02040503050406030204" pitchFamily="18" charset="0"/>
+                            <a:latin typeface="Cambria Math"/>
                           </a:rPr>
                         </m:ctrlPr>
                       </m:sSubPr>
@@ -20063,7 +20063,7 @@
                       <m:sSubPr>
                         <m:ctrlPr>
                           <a:rPr lang="en-US" altLang="zh-CN" sz="2800" b="0" i="1" smtClean="0">
-                            <a:latin typeface="Cambria Math" panose="02040503050406030204" pitchFamily="18" charset="0"/>
+                            <a:latin typeface="Cambria Math"/>
                           </a:rPr>
                         </m:ctrlPr>
                       </m:sSubPr>
@@ -20108,7 +20108,7 @@
                         <m:sSubPr>
                           <m:ctrlPr>
                             <a:rPr lang="en-US" altLang="zh-CN" sz="2800" b="0" i="1" smtClean="0">
-                              <a:latin typeface="Cambria Math" panose="02040503050406030204" pitchFamily="18" charset="0"/>
+                              <a:latin typeface="Cambria Math"/>
                             </a:rPr>
                           </m:ctrlPr>
                         </m:sSubPr>
@@ -20139,7 +20139,7 @@
                         <m:sSubPr>
                           <m:ctrlPr>
                             <a:rPr lang="en-US" altLang="zh-CN" sz="2800" b="0" i="1" smtClean="0">
-                              <a:latin typeface="Cambria Math" panose="02040503050406030204" pitchFamily="18" charset="0"/>
+                              <a:latin typeface="Cambria Math"/>
                             </a:rPr>
                           </m:ctrlPr>
                         </m:sSubPr>
@@ -20176,7 +20176,7 @@
                         <m:dPr>
                           <m:ctrlPr>
                             <a:rPr lang="en-US" altLang="zh-CN" sz="2800" b="0" i="1" smtClean="0">
-                              <a:latin typeface="Cambria Math" panose="02040503050406030204" pitchFamily="18" charset="0"/>
+                              <a:latin typeface="Cambria Math"/>
                             </a:rPr>
                           </m:ctrlPr>
                         </m:dPr>
@@ -20193,7 +20193,7 @@
                         <m:dPr>
                           <m:ctrlPr>
                             <a:rPr lang="en-US" altLang="zh-CN" sz="2800" b="0" i="1" smtClean="0">
-                              <a:latin typeface="Cambria Math" panose="02040503050406030204" pitchFamily="18" charset="0"/>
+                              <a:latin typeface="Cambria Math"/>
                             </a:rPr>
                           </m:ctrlPr>
                         </m:dPr>
@@ -20202,7 +20202,7 @@
                             <m:sSubPr>
                               <m:ctrlPr>
                                 <a:rPr lang="en-US" altLang="zh-CN" sz="2800" b="0" i="1" smtClean="0">
-                                  <a:latin typeface="Cambria Math" panose="02040503050406030204" pitchFamily="18" charset="0"/>
+                                  <a:latin typeface="Cambria Math"/>
                                 </a:rPr>
                               </m:ctrlPr>
                             </m:sSubPr>
@@ -20233,7 +20233,7 @@
                             <m:sSubPr>
                               <m:ctrlPr>
                                 <a:rPr lang="en-US" altLang="zh-CN" sz="2800" b="0" i="1" smtClean="0">
-                                  <a:latin typeface="Cambria Math" panose="02040503050406030204" pitchFamily="18" charset="0"/>
+                                  <a:latin typeface="Cambria Math"/>
                                 </a:rPr>
                               </m:ctrlPr>
                             </m:sSubPr>
@@ -20286,7 +20286,7 @@
             </p:txBody>
           </p:sp>
         </mc:Choice>
-        <mc:Fallback>
+        <mc:Fallback xmlns="">
           <p:sp>
             <p:nvSpPr>
               <p:cNvPr id="2" name="文本框 1">
@@ -20366,7 +20366,7 @@
           <p:cNvPr id="18" name="组合 17">
             <a:extLst>
               <a:ext uri="{FF2B5EF4-FFF2-40B4-BE49-F238E27FC236}">
-                <a16:creationId xmlns:a16="http://schemas.microsoft.com/office/drawing/2014/main" id="{4D17FDCD-2E97-4728-853F-A86AFB64C703}"/>
+                <a16:creationId xmlns:a16="http://schemas.microsoft.com/office/drawing/2014/main" xmlns="" id="{4D17FDCD-2E97-4728-853F-A86AFB64C703}"/>
               </a:ext>
             </a:extLst>
           </p:cNvPr>
@@ -20386,7 +20386,7 @@
             <p:cNvPr id="16" name="组合 15">
               <a:extLst>
                 <a:ext uri="{FF2B5EF4-FFF2-40B4-BE49-F238E27FC236}">
-                  <a16:creationId xmlns:a16="http://schemas.microsoft.com/office/drawing/2014/main" id="{78AADE82-5E41-4C3D-B7D7-79CE56412C25}"/>
+                  <a16:creationId xmlns:a16="http://schemas.microsoft.com/office/drawing/2014/main" xmlns="" id="{78AADE82-5E41-4C3D-B7D7-79CE56412C25}"/>
                 </a:ext>
               </a:extLst>
             </p:cNvPr>
@@ -20406,7 +20406,7 @@
               <p:cNvPr id="3" name="矩形 2">
                 <a:extLst>
                   <a:ext uri="{FF2B5EF4-FFF2-40B4-BE49-F238E27FC236}">
-                    <a16:creationId xmlns:a16="http://schemas.microsoft.com/office/drawing/2014/main" id="{B2A29C48-B6D2-4092-8E0B-8B17DB9AE7D0}"/>
+                    <a16:creationId xmlns:a16="http://schemas.microsoft.com/office/drawing/2014/main" xmlns="" id="{B2A29C48-B6D2-4092-8E0B-8B17DB9AE7D0}"/>
                   </a:ext>
                 </a:extLst>
               </p:cNvPr>
@@ -20458,7 +20458,7 @@
               <p:cNvPr id="14" name="直接连接符 13">
                 <a:extLst>
                   <a:ext uri="{FF2B5EF4-FFF2-40B4-BE49-F238E27FC236}">
-                    <a16:creationId xmlns:a16="http://schemas.microsoft.com/office/drawing/2014/main" id="{12CB4EE1-43C8-49B3-AE2E-742501F4974E}"/>
+                    <a16:creationId xmlns:a16="http://schemas.microsoft.com/office/drawing/2014/main" xmlns="" id="{12CB4EE1-43C8-49B3-AE2E-742501F4974E}"/>
                   </a:ext>
                 </a:extLst>
               </p:cNvPr>
@@ -20504,7 +20504,7 @@
             <p:cNvPr id="15" name="直接连接符 14">
               <a:extLst>
                 <a:ext uri="{FF2B5EF4-FFF2-40B4-BE49-F238E27FC236}">
-                  <a16:creationId xmlns:a16="http://schemas.microsoft.com/office/drawing/2014/main" id="{1323E7A1-A3FF-4026-AC33-CADD9854D944}"/>
+                  <a16:creationId xmlns:a16="http://schemas.microsoft.com/office/drawing/2014/main" xmlns="" id="{1323E7A1-A3FF-4026-AC33-CADD9854D944}"/>
                 </a:ext>
               </a:extLst>
             </p:cNvPr>
@@ -20547,7 +20547,7 @@
             <p:cNvPr id="17" name="直接连接符 16">
               <a:extLst>
                 <a:ext uri="{FF2B5EF4-FFF2-40B4-BE49-F238E27FC236}">
-                  <a16:creationId xmlns:a16="http://schemas.microsoft.com/office/drawing/2014/main" id="{B9CACF79-8F27-402B-B178-61124449A7EA}"/>
+                  <a16:creationId xmlns:a16="http://schemas.microsoft.com/office/drawing/2014/main" xmlns="" id="{B9CACF79-8F27-402B-B178-61124449A7EA}"/>
                 </a:ext>
               </a:extLst>
             </p:cNvPr>
@@ -20591,7 +20591,7 @@
           <p:cNvPr id="19" name="文本框 18">
             <a:extLst>
               <a:ext uri="{FF2B5EF4-FFF2-40B4-BE49-F238E27FC236}">
-                <a16:creationId xmlns:a16="http://schemas.microsoft.com/office/drawing/2014/main" id="{9AD3B861-0FA9-4F9F-8CFA-0EE5A44238FE}"/>
+                <a16:creationId xmlns:a16="http://schemas.microsoft.com/office/drawing/2014/main" xmlns="" id="{9AD3B861-0FA9-4F9F-8CFA-0EE5A44238FE}"/>
               </a:ext>
             </a:extLst>
           </p:cNvPr>
@@ -20627,7 +20627,7 @@
           <p:cNvPr id="20" name="文本框 19">
             <a:extLst>
               <a:ext uri="{FF2B5EF4-FFF2-40B4-BE49-F238E27FC236}">
-                <a16:creationId xmlns:a16="http://schemas.microsoft.com/office/drawing/2014/main" id="{150FC204-1D59-47D4-AF08-01907A523FE2}"/>
+                <a16:creationId xmlns:a16="http://schemas.microsoft.com/office/drawing/2014/main" xmlns="" id="{150FC204-1D59-47D4-AF08-01907A523FE2}"/>
               </a:ext>
             </a:extLst>
           </p:cNvPr>
@@ -20663,7 +20663,7 @@
           <p:cNvPr id="21" name="文本框 20">
             <a:extLst>
               <a:ext uri="{FF2B5EF4-FFF2-40B4-BE49-F238E27FC236}">
-                <a16:creationId xmlns:a16="http://schemas.microsoft.com/office/drawing/2014/main" id="{7144D6AD-BD57-4D3B-91C2-593F9B45F6A2}"/>
+                <a16:creationId xmlns:a16="http://schemas.microsoft.com/office/drawing/2014/main" xmlns="" id="{7144D6AD-BD57-4D3B-91C2-593F9B45F6A2}"/>
               </a:ext>
             </a:extLst>
           </p:cNvPr>
@@ -20699,7 +20699,7 @@
           <p:cNvPr id="22" name="文本框 21">
             <a:extLst>
               <a:ext uri="{FF2B5EF4-FFF2-40B4-BE49-F238E27FC236}">
-                <a16:creationId xmlns:a16="http://schemas.microsoft.com/office/drawing/2014/main" id="{B5ACB6A4-5BEF-4930-85BC-9D68F3392072}"/>
+                <a16:creationId xmlns:a16="http://schemas.microsoft.com/office/drawing/2014/main" xmlns="" id="{B5ACB6A4-5BEF-4930-85BC-9D68F3392072}"/>
               </a:ext>
             </a:extLst>
           </p:cNvPr>
@@ -20735,7 +20735,7 @@
           <p:cNvPr id="33" name="文本框 32">
             <a:extLst>
               <a:ext uri="{FF2B5EF4-FFF2-40B4-BE49-F238E27FC236}">
-                <a16:creationId xmlns:a16="http://schemas.microsoft.com/office/drawing/2014/main" id="{19B06D99-78E7-46F5-91F7-DC0C402D2EE9}"/>
+                <a16:creationId xmlns:a16="http://schemas.microsoft.com/office/drawing/2014/main" xmlns="" id="{19B06D99-78E7-46F5-91F7-DC0C402D2EE9}"/>
               </a:ext>
             </a:extLst>
           </p:cNvPr>
@@ -20770,7 +20770,7 @@
           <p:cNvPr id="34" name="文本框 33">
             <a:extLst>
               <a:ext uri="{FF2B5EF4-FFF2-40B4-BE49-F238E27FC236}">
-                <a16:creationId xmlns:a16="http://schemas.microsoft.com/office/drawing/2014/main" id="{06CD2A0D-64D7-43FA-BBE7-AF4F01CA92F9}"/>
+                <a16:creationId xmlns:a16="http://schemas.microsoft.com/office/drawing/2014/main" xmlns="" id="{06CD2A0D-64D7-43FA-BBE7-AF4F01CA92F9}"/>
               </a:ext>
             </a:extLst>
           </p:cNvPr>
@@ -20809,7 +20809,7 @@
           <p:cNvPr id="35" name="左大括号 34">
             <a:extLst>
               <a:ext uri="{FF2B5EF4-FFF2-40B4-BE49-F238E27FC236}">
-                <a16:creationId xmlns:a16="http://schemas.microsoft.com/office/drawing/2014/main" id="{D62568C1-9446-4549-BDE2-168D7E599FE0}"/>
+                <a16:creationId xmlns:a16="http://schemas.microsoft.com/office/drawing/2014/main" xmlns="" id="{D62568C1-9446-4549-BDE2-168D7E599FE0}"/>
               </a:ext>
             </a:extLst>
           </p:cNvPr>
@@ -20849,14 +20849,14 @@
           </a:p>
         </p:txBody>
       </p:sp>
-      <mc:AlternateContent xmlns:mc="http://schemas.openxmlformats.org/markup-compatibility/2006">
-        <mc:Choice xmlns:a14="http://schemas.microsoft.com/office/drawing/2010/main" Requires="a14">
+      <mc:AlternateContent xmlns:mc="http://schemas.openxmlformats.org/markup-compatibility/2006" xmlns:a14="http://schemas.microsoft.com/office/drawing/2010/main">
+        <mc:Choice Requires="a14">
           <p:sp>
             <p:nvSpPr>
               <p:cNvPr id="88" name="文本框 87">
                 <a:extLst>
                   <a:ext uri="{FF2B5EF4-FFF2-40B4-BE49-F238E27FC236}">
-                    <a16:creationId xmlns:a16="http://schemas.microsoft.com/office/drawing/2014/main" id="{1B383783-A568-4B60-9218-A6899331C822}"/>
+                    <a16:creationId xmlns:a16="http://schemas.microsoft.com/office/drawing/2014/main" xmlns="" id="{1B383783-A568-4B60-9218-A6899331C822}"/>
                   </a:ext>
                 </a:extLst>
               </p:cNvPr>
@@ -20889,7 +20889,7 @@
                       <m:sSubPr>
                         <m:ctrlPr>
                           <a:rPr lang="en-US" altLang="zh-CN" sz="2400" b="1" i="1" smtClean="0">
-                            <a:latin typeface="Cambria Math" panose="02040503050406030204" pitchFamily="18" charset="0"/>
+                            <a:latin typeface="Cambria Math"/>
                           </a:rPr>
                         </m:ctrlPr>
                       </m:sSubPr>
@@ -20920,7 +20920,7 @@
                       <m:sSubPr>
                         <m:ctrlPr>
                           <a:rPr lang="en-US" altLang="zh-CN" sz="2400" b="1" i="1" smtClean="0">
-                            <a:latin typeface="Cambria Math" panose="02040503050406030204" pitchFamily="18" charset="0"/>
+                            <a:latin typeface="Cambria Math"/>
                           </a:rPr>
                         </m:ctrlPr>
                       </m:sSubPr>
@@ -20951,7 +20951,7 @@
                       <m:sSubPr>
                         <m:ctrlPr>
                           <a:rPr lang="en-US" altLang="zh-CN" sz="2400" b="1" i="1" smtClean="0">
-                            <a:latin typeface="Cambria Math" panose="02040503050406030204" pitchFamily="18" charset="0"/>
+                            <a:latin typeface="Cambria Math"/>
                           </a:rPr>
                         </m:ctrlPr>
                       </m:sSubPr>
@@ -20985,7 +20985,7 @@
             </p:txBody>
           </p:sp>
         </mc:Choice>
-        <mc:Fallback>
+        <mc:Fallback xmlns="">
           <p:sp>
             <p:nvSpPr>
               <p:cNvPr id="88" name="文本框 87">
@@ -21035,7 +21035,7 @@
           <p:cNvPr id="56" name="组合 55">
             <a:extLst>
               <a:ext uri="{FF2B5EF4-FFF2-40B4-BE49-F238E27FC236}">
-                <a16:creationId xmlns:a16="http://schemas.microsoft.com/office/drawing/2014/main" id="{D6C1E805-52B7-47F8-9C6C-DF7F516B6C58}"/>
+                <a16:creationId xmlns:a16="http://schemas.microsoft.com/office/drawing/2014/main" xmlns="" id="{D6C1E805-52B7-47F8-9C6C-DF7F516B6C58}"/>
               </a:ext>
             </a:extLst>
           </p:cNvPr>
@@ -21055,7 +21055,7 @@
             <p:cNvPr id="46" name="组合 45">
               <a:extLst>
                 <a:ext uri="{FF2B5EF4-FFF2-40B4-BE49-F238E27FC236}">
-                  <a16:creationId xmlns:a16="http://schemas.microsoft.com/office/drawing/2014/main" id="{0922C6B8-54ED-487E-B5A5-7350A90BC4E2}"/>
+                  <a16:creationId xmlns:a16="http://schemas.microsoft.com/office/drawing/2014/main" xmlns="" id="{0922C6B8-54ED-487E-B5A5-7350A90BC4E2}"/>
                 </a:ext>
               </a:extLst>
             </p:cNvPr>
@@ -21075,7 +21075,7 @@
               <p:cNvPr id="37" name="矩形 36">
                 <a:extLst>
                   <a:ext uri="{FF2B5EF4-FFF2-40B4-BE49-F238E27FC236}">
-                    <a16:creationId xmlns:a16="http://schemas.microsoft.com/office/drawing/2014/main" id="{D5B971FD-149A-4AC2-9A6D-91EE9440F3C2}"/>
+                    <a16:creationId xmlns:a16="http://schemas.microsoft.com/office/drawing/2014/main" xmlns="" id="{D5B971FD-149A-4AC2-9A6D-91EE9440F3C2}"/>
                   </a:ext>
                 </a:extLst>
               </p:cNvPr>
@@ -21129,7 +21129,7 @@
               <p:cNvPr id="39" name="直接连接符 38">
                 <a:extLst>
                   <a:ext uri="{FF2B5EF4-FFF2-40B4-BE49-F238E27FC236}">
-                    <a16:creationId xmlns:a16="http://schemas.microsoft.com/office/drawing/2014/main" id="{EF5E1246-3739-42FE-AEDC-2604E69FF772}"/>
+                    <a16:creationId xmlns:a16="http://schemas.microsoft.com/office/drawing/2014/main" xmlns="" id="{EF5E1246-3739-42FE-AEDC-2604E69FF772}"/>
                   </a:ext>
                 </a:extLst>
               </p:cNvPr>
@@ -21172,7 +21172,7 @@
               <p:cNvPr id="40" name="矩形 39">
                 <a:extLst>
                   <a:ext uri="{FF2B5EF4-FFF2-40B4-BE49-F238E27FC236}">
-                    <a16:creationId xmlns:a16="http://schemas.microsoft.com/office/drawing/2014/main" id="{E7B0FD1D-6909-4EBF-8D7F-B81EFBFA8319}"/>
+                    <a16:creationId xmlns:a16="http://schemas.microsoft.com/office/drawing/2014/main" xmlns="" id="{E7B0FD1D-6909-4EBF-8D7F-B81EFBFA8319}"/>
                   </a:ext>
                 </a:extLst>
               </p:cNvPr>
@@ -21224,7 +21224,7 @@
               <p:cNvPr id="41" name="文本框 40">
                 <a:extLst>
                   <a:ext uri="{FF2B5EF4-FFF2-40B4-BE49-F238E27FC236}">
-                    <a16:creationId xmlns:a16="http://schemas.microsoft.com/office/drawing/2014/main" id="{4B36F6B4-9B97-468F-B3C2-053AF1AEA6CF}"/>
+                    <a16:creationId xmlns:a16="http://schemas.microsoft.com/office/drawing/2014/main" xmlns="" id="{4B36F6B4-9B97-468F-B3C2-053AF1AEA6CF}"/>
                   </a:ext>
                 </a:extLst>
               </p:cNvPr>
@@ -21260,7 +21260,7 @@
               <p:cNvPr id="42" name="文本框 41">
                 <a:extLst>
                   <a:ext uri="{FF2B5EF4-FFF2-40B4-BE49-F238E27FC236}">
-                    <a16:creationId xmlns:a16="http://schemas.microsoft.com/office/drawing/2014/main" id="{E165D65E-D035-441C-BB3E-2BD260D27161}"/>
+                    <a16:creationId xmlns:a16="http://schemas.microsoft.com/office/drawing/2014/main" xmlns="" id="{E165D65E-D035-441C-BB3E-2BD260D27161}"/>
                   </a:ext>
                 </a:extLst>
               </p:cNvPr>
@@ -21296,7 +21296,7 @@
               <p:cNvPr id="43" name="文本框 42">
                 <a:extLst>
                   <a:ext uri="{FF2B5EF4-FFF2-40B4-BE49-F238E27FC236}">
-                    <a16:creationId xmlns:a16="http://schemas.microsoft.com/office/drawing/2014/main" id="{12C9E305-D2A6-4DB0-8D6C-A4DF2258077C}"/>
+                    <a16:creationId xmlns:a16="http://schemas.microsoft.com/office/drawing/2014/main" xmlns="" id="{12C9E305-D2A6-4DB0-8D6C-A4DF2258077C}"/>
                   </a:ext>
                 </a:extLst>
               </p:cNvPr>
@@ -21332,7 +21332,7 @@
               <p:cNvPr id="44" name="文本框 43">
                 <a:extLst>
                   <a:ext uri="{FF2B5EF4-FFF2-40B4-BE49-F238E27FC236}">
-                    <a16:creationId xmlns:a16="http://schemas.microsoft.com/office/drawing/2014/main" id="{0B85EA64-A234-411F-B8AC-02F39CFCDED7}"/>
+                    <a16:creationId xmlns:a16="http://schemas.microsoft.com/office/drawing/2014/main" xmlns="" id="{0B85EA64-A234-411F-B8AC-02F39CFCDED7}"/>
                   </a:ext>
                 </a:extLst>
               </p:cNvPr>
@@ -21369,7 +21369,7 @@
             <p:cNvPr id="38" name="直接连接符 37">
               <a:extLst>
                 <a:ext uri="{FF2B5EF4-FFF2-40B4-BE49-F238E27FC236}">
-                  <a16:creationId xmlns:a16="http://schemas.microsoft.com/office/drawing/2014/main" id="{FC277FA2-F81C-4B52-8655-6C921C24C8A4}"/>
+                  <a16:creationId xmlns:a16="http://schemas.microsoft.com/office/drawing/2014/main" xmlns="" id="{FC277FA2-F81C-4B52-8655-6C921C24C8A4}"/>
                 </a:ext>
               </a:extLst>
             </p:cNvPr>
@@ -21413,7 +21413,7 @@
           <p:cNvPr id="57" name="组合 56">
             <a:extLst>
               <a:ext uri="{FF2B5EF4-FFF2-40B4-BE49-F238E27FC236}">
-                <a16:creationId xmlns:a16="http://schemas.microsoft.com/office/drawing/2014/main" id="{6C6233A0-A389-469C-B3A6-155EB147C9B4}"/>
+                <a16:creationId xmlns:a16="http://schemas.microsoft.com/office/drawing/2014/main" xmlns="" id="{6C6233A0-A389-469C-B3A6-155EB147C9B4}"/>
               </a:ext>
             </a:extLst>
           </p:cNvPr>
@@ -21433,7 +21433,7 @@
             <p:cNvPr id="58" name="组合 57">
               <a:extLst>
                 <a:ext uri="{FF2B5EF4-FFF2-40B4-BE49-F238E27FC236}">
-                  <a16:creationId xmlns:a16="http://schemas.microsoft.com/office/drawing/2014/main" id="{741A3D1D-51F6-48E1-ABAC-9F970925FE43}"/>
+                  <a16:creationId xmlns:a16="http://schemas.microsoft.com/office/drawing/2014/main" xmlns="" id="{741A3D1D-51F6-48E1-ABAC-9F970925FE43}"/>
                 </a:ext>
               </a:extLst>
             </p:cNvPr>
@@ -21453,7 +21453,7 @@
               <p:cNvPr id="60" name="矩形 59">
                 <a:extLst>
                   <a:ext uri="{FF2B5EF4-FFF2-40B4-BE49-F238E27FC236}">
-                    <a16:creationId xmlns:a16="http://schemas.microsoft.com/office/drawing/2014/main" id="{75122A33-D190-40C8-B13D-32DAFB97AB12}"/>
+                    <a16:creationId xmlns:a16="http://schemas.microsoft.com/office/drawing/2014/main" xmlns="" id="{75122A33-D190-40C8-B13D-32DAFB97AB12}"/>
                   </a:ext>
                 </a:extLst>
               </p:cNvPr>
@@ -21507,7 +21507,7 @@
               <p:cNvPr id="61" name="直接连接符 60">
                 <a:extLst>
                   <a:ext uri="{FF2B5EF4-FFF2-40B4-BE49-F238E27FC236}">
-                    <a16:creationId xmlns:a16="http://schemas.microsoft.com/office/drawing/2014/main" id="{3799C769-C44B-4909-812E-25370E9941BE}"/>
+                    <a16:creationId xmlns:a16="http://schemas.microsoft.com/office/drawing/2014/main" xmlns="" id="{3799C769-C44B-4909-812E-25370E9941BE}"/>
                   </a:ext>
                 </a:extLst>
               </p:cNvPr>
@@ -21550,7 +21550,7 @@
               <p:cNvPr id="62" name="矩形 61">
                 <a:extLst>
                   <a:ext uri="{FF2B5EF4-FFF2-40B4-BE49-F238E27FC236}">
-                    <a16:creationId xmlns:a16="http://schemas.microsoft.com/office/drawing/2014/main" id="{D0D8974C-A8A2-467D-A468-A630C1912241}"/>
+                    <a16:creationId xmlns:a16="http://schemas.microsoft.com/office/drawing/2014/main" xmlns="" id="{D0D8974C-A8A2-467D-A468-A630C1912241}"/>
                   </a:ext>
                 </a:extLst>
               </p:cNvPr>
@@ -21602,7 +21602,7 @@
               <p:cNvPr id="63" name="文本框 62">
                 <a:extLst>
                   <a:ext uri="{FF2B5EF4-FFF2-40B4-BE49-F238E27FC236}">
-                    <a16:creationId xmlns:a16="http://schemas.microsoft.com/office/drawing/2014/main" id="{75963A98-027D-4D0C-8B42-6B4779DFFEFD}"/>
+                    <a16:creationId xmlns:a16="http://schemas.microsoft.com/office/drawing/2014/main" xmlns="" id="{75963A98-027D-4D0C-8B42-6B4779DFFEFD}"/>
                   </a:ext>
                 </a:extLst>
               </p:cNvPr>
@@ -21638,7 +21638,7 @@
               <p:cNvPr id="64" name="文本框 63">
                 <a:extLst>
                   <a:ext uri="{FF2B5EF4-FFF2-40B4-BE49-F238E27FC236}">
-                    <a16:creationId xmlns:a16="http://schemas.microsoft.com/office/drawing/2014/main" id="{AD591186-450C-4EBC-AC89-6119CDA0AF4A}"/>
+                    <a16:creationId xmlns:a16="http://schemas.microsoft.com/office/drawing/2014/main" xmlns="" id="{AD591186-450C-4EBC-AC89-6119CDA0AF4A}"/>
                   </a:ext>
                 </a:extLst>
               </p:cNvPr>
@@ -21674,7 +21674,7 @@
               <p:cNvPr id="65" name="文本框 64">
                 <a:extLst>
                   <a:ext uri="{FF2B5EF4-FFF2-40B4-BE49-F238E27FC236}">
-                    <a16:creationId xmlns:a16="http://schemas.microsoft.com/office/drawing/2014/main" id="{BCE1A1F6-DF3E-4015-A2AD-7A999499DD9C}"/>
+                    <a16:creationId xmlns:a16="http://schemas.microsoft.com/office/drawing/2014/main" xmlns="" id="{BCE1A1F6-DF3E-4015-A2AD-7A999499DD9C}"/>
                   </a:ext>
                 </a:extLst>
               </p:cNvPr>
@@ -21710,7 +21710,7 @@
               <p:cNvPr id="66" name="文本框 65">
                 <a:extLst>
                   <a:ext uri="{FF2B5EF4-FFF2-40B4-BE49-F238E27FC236}">
-                    <a16:creationId xmlns:a16="http://schemas.microsoft.com/office/drawing/2014/main" id="{45B7D879-A146-4CA5-BA83-1DAE84DFDFFB}"/>
+                    <a16:creationId xmlns:a16="http://schemas.microsoft.com/office/drawing/2014/main" xmlns="" id="{45B7D879-A146-4CA5-BA83-1DAE84DFDFFB}"/>
                   </a:ext>
                 </a:extLst>
               </p:cNvPr>
@@ -21747,7 +21747,7 @@
             <p:cNvPr id="59" name="直接连接符 58">
               <a:extLst>
                 <a:ext uri="{FF2B5EF4-FFF2-40B4-BE49-F238E27FC236}">
-                  <a16:creationId xmlns:a16="http://schemas.microsoft.com/office/drawing/2014/main" id="{7E26EA3E-D5FC-4DA5-B8AB-176A915C61DC}"/>
+                  <a16:creationId xmlns:a16="http://schemas.microsoft.com/office/drawing/2014/main" xmlns="" id="{7E26EA3E-D5FC-4DA5-B8AB-176A915C61DC}"/>
                 </a:ext>
               </a:extLst>
             </p:cNvPr>
@@ -21791,7 +21791,7 @@
           <p:cNvPr id="67" name="组合 66">
             <a:extLst>
               <a:ext uri="{FF2B5EF4-FFF2-40B4-BE49-F238E27FC236}">
-                <a16:creationId xmlns:a16="http://schemas.microsoft.com/office/drawing/2014/main" id="{0167E82E-4A87-4F59-980F-A02ED4DED12E}"/>
+                <a16:creationId xmlns:a16="http://schemas.microsoft.com/office/drawing/2014/main" xmlns="" id="{0167E82E-4A87-4F59-980F-A02ED4DED12E}"/>
               </a:ext>
             </a:extLst>
           </p:cNvPr>
@@ -21811,7 +21811,7 @@
             <p:cNvPr id="68" name="组合 67">
               <a:extLst>
                 <a:ext uri="{FF2B5EF4-FFF2-40B4-BE49-F238E27FC236}">
-                  <a16:creationId xmlns:a16="http://schemas.microsoft.com/office/drawing/2014/main" id="{3F6C5F48-A629-407A-A1E4-49DA7239BDAD}"/>
+                  <a16:creationId xmlns:a16="http://schemas.microsoft.com/office/drawing/2014/main" xmlns="" id="{3F6C5F48-A629-407A-A1E4-49DA7239BDAD}"/>
                 </a:ext>
               </a:extLst>
             </p:cNvPr>
@@ -21831,7 +21831,7 @@
               <p:cNvPr id="70" name="矩形 69">
                 <a:extLst>
                   <a:ext uri="{FF2B5EF4-FFF2-40B4-BE49-F238E27FC236}">
-                    <a16:creationId xmlns:a16="http://schemas.microsoft.com/office/drawing/2014/main" id="{39A9C1AB-DA5F-49CB-8F19-983A2FDB226F}"/>
+                    <a16:creationId xmlns:a16="http://schemas.microsoft.com/office/drawing/2014/main" xmlns="" id="{39A9C1AB-DA5F-49CB-8F19-983A2FDB226F}"/>
                   </a:ext>
                 </a:extLst>
               </p:cNvPr>
@@ -21885,7 +21885,7 @@
               <p:cNvPr id="71" name="直接连接符 70">
                 <a:extLst>
                   <a:ext uri="{FF2B5EF4-FFF2-40B4-BE49-F238E27FC236}">
-                    <a16:creationId xmlns:a16="http://schemas.microsoft.com/office/drawing/2014/main" id="{E6D3F8BB-A762-417B-A338-280D56CB3C4A}"/>
+                    <a16:creationId xmlns:a16="http://schemas.microsoft.com/office/drawing/2014/main" xmlns="" id="{E6D3F8BB-A762-417B-A338-280D56CB3C4A}"/>
                   </a:ext>
                 </a:extLst>
               </p:cNvPr>
@@ -21928,7 +21928,7 @@
               <p:cNvPr id="72" name="矩形 71">
                 <a:extLst>
                   <a:ext uri="{FF2B5EF4-FFF2-40B4-BE49-F238E27FC236}">
-                    <a16:creationId xmlns:a16="http://schemas.microsoft.com/office/drawing/2014/main" id="{36B65A7F-E24C-4BA3-9DF9-C0D334975DB6}"/>
+                    <a16:creationId xmlns:a16="http://schemas.microsoft.com/office/drawing/2014/main" xmlns="" id="{36B65A7F-E24C-4BA3-9DF9-C0D334975DB6}"/>
                   </a:ext>
                 </a:extLst>
               </p:cNvPr>
@@ -21980,7 +21980,7 @@
               <p:cNvPr id="73" name="文本框 72">
                 <a:extLst>
                   <a:ext uri="{FF2B5EF4-FFF2-40B4-BE49-F238E27FC236}">
-                    <a16:creationId xmlns:a16="http://schemas.microsoft.com/office/drawing/2014/main" id="{12F984B4-3AC0-4CE4-B4B6-FF2A803010CF}"/>
+                    <a16:creationId xmlns:a16="http://schemas.microsoft.com/office/drawing/2014/main" xmlns="" id="{12F984B4-3AC0-4CE4-B4B6-FF2A803010CF}"/>
                   </a:ext>
                 </a:extLst>
               </p:cNvPr>
@@ -22016,7 +22016,7 @@
               <p:cNvPr id="74" name="文本框 73">
                 <a:extLst>
                   <a:ext uri="{FF2B5EF4-FFF2-40B4-BE49-F238E27FC236}">
-                    <a16:creationId xmlns:a16="http://schemas.microsoft.com/office/drawing/2014/main" id="{CE379800-9B03-43AC-A2C0-C1D0F2686B45}"/>
+                    <a16:creationId xmlns:a16="http://schemas.microsoft.com/office/drawing/2014/main" xmlns="" id="{CE379800-9B03-43AC-A2C0-C1D0F2686B45}"/>
                   </a:ext>
                 </a:extLst>
               </p:cNvPr>
@@ -22052,7 +22052,7 @@
               <p:cNvPr id="75" name="文本框 74">
                 <a:extLst>
                   <a:ext uri="{FF2B5EF4-FFF2-40B4-BE49-F238E27FC236}">
-                    <a16:creationId xmlns:a16="http://schemas.microsoft.com/office/drawing/2014/main" id="{BBF0D10E-C00B-44B4-B40D-96B566690FE0}"/>
+                    <a16:creationId xmlns:a16="http://schemas.microsoft.com/office/drawing/2014/main" xmlns="" id="{BBF0D10E-C00B-44B4-B40D-96B566690FE0}"/>
                   </a:ext>
                 </a:extLst>
               </p:cNvPr>
@@ -22088,7 +22088,7 @@
               <p:cNvPr id="76" name="文本框 75">
                 <a:extLst>
                   <a:ext uri="{FF2B5EF4-FFF2-40B4-BE49-F238E27FC236}">
-                    <a16:creationId xmlns:a16="http://schemas.microsoft.com/office/drawing/2014/main" id="{D87A4F89-D202-401D-BE90-CD9658714057}"/>
+                    <a16:creationId xmlns:a16="http://schemas.microsoft.com/office/drawing/2014/main" xmlns="" id="{D87A4F89-D202-401D-BE90-CD9658714057}"/>
                   </a:ext>
                 </a:extLst>
               </p:cNvPr>
@@ -22125,7 +22125,7 @@
             <p:cNvPr id="69" name="直接连接符 68">
               <a:extLst>
                 <a:ext uri="{FF2B5EF4-FFF2-40B4-BE49-F238E27FC236}">
-                  <a16:creationId xmlns:a16="http://schemas.microsoft.com/office/drawing/2014/main" id="{419CEA0F-9EAD-4255-A58C-422DB4708738}"/>
+                  <a16:creationId xmlns:a16="http://schemas.microsoft.com/office/drawing/2014/main" xmlns="" id="{419CEA0F-9EAD-4255-A58C-422DB4708738}"/>
                 </a:ext>
               </a:extLst>
             </p:cNvPr>
@@ -22169,7 +22169,7 @@
           <p:cNvPr id="77" name="组合 76">
             <a:extLst>
               <a:ext uri="{FF2B5EF4-FFF2-40B4-BE49-F238E27FC236}">
-                <a16:creationId xmlns:a16="http://schemas.microsoft.com/office/drawing/2014/main" id="{F351F159-9DCF-4788-8FB4-175057A22519}"/>
+                <a16:creationId xmlns:a16="http://schemas.microsoft.com/office/drawing/2014/main" xmlns="" id="{F351F159-9DCF-4788-8FB4-175057A22519}"/>
               </a:ext>
             </a:extLst>
           </p:cNvPr>
@@ -22189,7 +22189,7 @@
             <p:cNvPr id="78" name="组合 77">
               <a:extLst>
                 <a:ext uri="{FF2B5EF4-FFF2-40B4-BE49-F238E27FC236}">
-                  <a16:creationId xmlns:a16="http://schemas.microsoft.com/office/drawing/2014/main" id="{24F749C5-9E46-474D-8E32-AAE4FC307459}"/>
+                  <a16:creationId xmlns:a16="http://schemas.microsoft.com/office/drawing/2014/main" xmlns="" id="{24F749C5-9E46-474D-8E32-AAE4FC307459}"/>
                 </a:ext>
               </a:extLst>
             </p:cNvPr>
@@ -22209,7 +22209,7 @@
               <p:cNvPr id="80" name="矩形 79">
                 <a:extLst>
                   <a:ext uri="{FF2B5EF4-FFF2-40B4-BE49-F238E27FC236}">
-                    <a16:creationId xmlns:a16="http://schemas.microsoft.com/office/drawing/2014/main" id="{9EDCE604-9D97-404E-8C9A-BD8B12898C28}"/>
+                    <a16:creationId xmlns:a16="http://schemas.microsoft.com/office/drawing/2014/main" xmlns="" id="{9EDCE604-9D97-404E-8C9A-BD8B12898C28}"/>
                   </a:ext>
                 </a:extLst>
               </p:cNvPr>
@@ -22263,7 +22263,7 @@
               <p:cNvPr id="81" name="直接连接符 80">
                 <a:extLst>
                   <a:ext uri="{FF2B5EF4-FFF2-40B4-BE49-F238E27FC236}">
-                    <a16:creationId xmlns:a16="http://schemas.microsoft.com/office/drawing/2014/main" id="{27C9CD50-2317-4E30-A544-4F50B509F035}"/>
+                    <a16:creationId xmlns:a16="http://schemas.microsoft.com/office/drawing/2014/main" xmlns="" id="{27C9CD50-2317-4E30-A544-4F50B509F035}"/>
                   </a:ext>
                 </a:extLst>
               </p:cNvPr>
@@ -22306,7 +22306,7 @@
               <p:cNvPr id="82" name="矩形 81">
                 <a:extLst>
                   <a:ext uri="{FF2B5EF4-FFF2-40B4-BE49-F238E27FC236}">
-                    <a16:creationId xmlns:a16="http://schemas.microsoft.com/office/drawing/2014/main" id="{76181017-426D-4775-8A16-2C1E00042CBE}"/>
+                    <a16:creationId xmlns:a16="http://schemas.microsoft.com/office/drawing/2014/main" xmlns="" id="{76181017-426D-4775-8A16-2C1E00042CBE}"/>
                   </a:ext>
                 </a:extLst>
               </p:cNvPr>
@@ -22358,7 +22358,7 @@
               <p:cNvPr id="83" name="文本框 82">
                 <a:extLst>
                   <a:ext uri="{FF2B5EF4-FFF2-40B4-BE49-F238E27FC236}">
-                    <a16:creationId xmlns:a16="http://schemas.microsoft.com/office/drawing/2014/main" id="{2A6F9E07-C385-4C1E-A859-0DE90ABD5F8D}"/>
+                    <a16:creationId xmlns:a16="http://schemas.microsoft.com/office/drawing/2014/main" xmlns="" id="{2A6F9E07-C385-4C1E-A859-0DE90ABD5F8D}"/>
                   </a:ext>
                 </a:extLst>
               </p:cNvPr>
@@ -22394,7 +22394,7 @@
               <p:cNvPr id="84" name="文本框 83">
                 <a:extLst>
                   <a:ext uri="{FF2B5EF4-FFF2-40B4-BE49-F238E27FC236}">
-                    <a16:creationId xmlns:a16="http://schemas.microsoft.com/office/drawing/2014/main" id="{227E8030-DAB8-49B9-99F6-E71FB83406FF}"/>
+                    <a16:creationId xmlns:a16="http://schemas.microsoft.com/office/drawing/2014/main" xmlns="" id="{227E8030-DAB8-49B9-99F6-E71FB83406FF}"/>
                   </a:ext>
                 </a:extLst>
               </p:cNvPr>
@@ -22430,7 +22430,7 @@
               <p:cNvPr id="85" name="文本框 84">
                 <a:extLst>
                   <a:ext uri="{FF2B5EF4-FFF2-40B4-BE49-F238E27FC236}">
-                    <a16:creationId xmlns:a16="http://schemas.microsoft.com/office/drawing/2014/main" id="{D2E1A631-3EFB-4BA6-8362-15563346718A}"/>
+                    <a16:creationId xmlns:a16="http://schemas.microsoft.com/office/drawing/2014/main" xmlns="" id="{D2E1A631-3EFB-4BA6-8362-15563346718A}"/>
                   </a:ext>
                 </a:extLst>
               </p:cNvPr>
@@ -22466,7 +22466,7 @@
               <p:cNvPr id="86" name="文本框 85">
                 <a:extLst>
                   <a:ext uri="{FF2B5EF4-FFF2-40B4-BE49-F238E27FC236}">
-                    <a16:creationId xmlns:a16="http://schemas.microsoft.com/office/drawing/2014/main" id="{C04ABC5E-80F5-4164-94E7-16E24DEC0473}"/>
+                    <a16:creationId xmlns:a16="http://schemas.microsoft.com/office/drawing/2014/main" xmlns="" id="{C04ABC5E-80F5-4164-94E7-16E24DEC0473}"/>
                   </a:ext>
                 </a:extLst>
               </p:cNvPr>
@@ -22503,7 +22503,7 @@
             <p:cNvPr id="79" name="直接连接符 78">
               <a:extLst>
                 <a:ext uri="{FF2B5EF4-FFF2-40B4-BE49-F238E27FC236}">
-                  <a16:creationId xmlns:a16="http://schemas.microsoft.com/office/drawing/2014/main" id="{C8658C7B-6A19-43CE-A6AC-6FE93FBE01AA}"/>
+                  <a16:creationId xmlns:a16="http://schemas.microsoft.com/office/drawing/2014/main" xmlns="" id="{C8658C7B-6A19-43CE-A6AC-6FE93FBE01AA}"/>
                 </a:ext>
               </a:extLst>
             </p:cNvPr>
@@ -22547,7 +22547,7 @@
           <p:cNvPr id="164" name="组合 163">
             <a:extLst>
               <a:ext uri="{FF2B5EF4-FFF2-40B4-BE49-F238E27FC236}">
-                <a16:creationId xmlns:a16="http://schemas.microsoft.com/office/drawing/2014/main" id="{D521D114-798D-4882-BEB6-09ADE33C28B6}"/>
+                <a16:creationId xmlns:a16="http://schemas.microsoft.com/office/drawing/2014/main" xmlns="" id="{D521D114-798D-4882-BEB6-09ADE33C28B6}"/>
               </a:ext>
             </a:extLst>
           </p:cNvPr>
@@ -22562,14 +22562,14 @@
             <a:chExt cx="1546857" cy="2998163"/>
           </a:xfrm>
         </p:grpSpPr>
-        <mc:AlternateContent xmlns:mc="http://schemas.openxmlformats.org/markup-compatibility/2006">
-          <mc:Choice xmlns:a14="http://schemas.microsoft.com/office/drawing/2010/main" Requires="a14">
+        <mc:AlternateContent xmlns:mc="http://schemas.openxmlformats.org/markup-compatibility/2006" xmlns:a14="http://schemas.microsoft.com/office/drawing/2010/main">
+          <mc:Choice Requires="a14">
             <p:sp>
               <p:nvSpPr>
                 <p:cNvPr id="89" name="矩形 88">
                   <a:extLst>
                     <a:ext uri="{FF2B5EF4-FFF2-40B4-BE49-F238E27FC236}">
-                      <a16:creationId xmlns:a16="http://schemas.microsoft.com/office/drawing/2014/main" id="{F8B3B827-56DE-4477-AE5F-DF302D9D1E08}"/>
+                      <a16:creationId xmlns:a16="http://schemas.microsoft.com/office/drawing/2014/main" xmlns="" id="{F8B3B827-56DE-4477-AE5F-DF302D9D1E08}"/>
                     </a:ext>
                   </a:extLst>
                 </p:cNvPr>
@@ -22591,6 +22591,7 @@
                 </a:bodyPr>
                 <a:lstStyle/>
                 <a:p>
+                  <a:pPr/>
                   <a14:m>
                     <m:oMathPara xmlns:m="http://schemas.openxmlformats.org/officeDocument/2006/math">
                       <m:oMathParaPr>
@@ -22601,7 +22602,7 @@
                           <m:sSubPr>
                             <m:ctrlPr>
                               <a:rPr lang="en-US" altLang="zh-CN" sz="2800" b="1" i="1" smtClean="0">
-                                <a:latin typeface="Cambria Math" panose="02040503050406030204" pitchFamily="18" charset="0"/>
+                                <a:latin typeface="Cambria Math"/>
                               </a:rPr>
                             </m:ctrlPr>
                           </m:sSubPr>
@@ -22644,7 +22645,7 @@
               </p:txBody>
             </p:sp>
           </mc:Choice>
-          <mc:Fallback>
+          <mc:Fallback xmlns="">
             <p:sp>
               <p:nvSpPr>
                 <p:cNvPr id="89" name="矩形 88">
@@ -22689,14 +22690,14 @@
             </p:sp>
           </mc:Fallback>
         </mc:AlternateContent>
-        <mc:AlternateContent xmlns:mc="http://schemas.openxmlformats.org/markup-compatibility/2006">
-          <mc:Choice xmlns:a14="http://schemas.microsoft.com/office/drawing/2010/main" Requires="a14">
+        <mc:AlternateContent xmlns:mc="http://schemas.openxmlformats.org/markup-compatibility/2006" xmlns:a14="http://schemas.microsoft.com/office/drawing/2010/main">
+          <mc:Choice Requires="a14">
             <p:sp>
               <p:nvSpPr>
                 <p:cNvPr id="90" name="矩形 89">
                   <a:extLst>
                     <a:ext uri="{FF2B5EF4-FFF2-40B4-BE49-F238E27FC236}">
-                      <a16:creationId xmlns:a16="http://schemas.microsoft.com/office/drawing/2014/main" id="{A58821F4-FB8C-42BB-9BB4-8D00C3EFDE73}"/>
+                      <a16:creationId xmlns:a16="http://schemas.microsoft.com/office/drawing/2014/main" xmlns="" id="{A58821F4-FB8C-42BB-9BB4-8D00C3EFDE73}"/>
                     </a:ext>
                   </a:extLst>
                 </p:cNvPr>
@@ -22718,6 +22719,7 @@
                 </a:bodyPr>
                 <a:lstStyle/>
                 <a:p>
+                  <a:pPr/>
                   <a14:m>
                     <m:oMathPara xmlns:m="http://schemas.openxmlformats.org/officeDocument/2006/math">
                       <m:oMathParaPr>
@@ -22728,7 +22730,7 @@
                           <m:sSubPr>
                             <m:ctrlPr>
                               <a:rPr lang="en-US" altLang="zh-CN" sz="2800" b="1" i="1" smtClean="0">
-                                <a:latin typeface="Cambria Math" panose="02040503050406030204" pitchFamily="18" charset="0"/>
+                                <a:latin typeface="Cambria Math"/>
                               </a:rPr>
                             </m:ctrlPr>
                           </m:sSubPr>
@@ -22774,7 +22776,7 @@
               </p:txBody>
             </p:sp>
           </mc:Choice>
-          <mc:Fallback>
+          <mc:Fallback xmlns="">
             <p:sp>
               <p:nvSpPr>
                 <p:cNvPr id="90" name="矩形 89">
@@ -22819,14 +22821,14 @@
             </p:sp>
           </mc:Fallback>
         </mc:AlternateContent>
-        <mc:AlternateContent xmlns:mc="http://schemas.openxmlformats.org/markup-compatibility/2006">
-          <mc:Choice xmlns:a14="http://schemas.microsoft.com/office/drawing/2010/main" Requires="a14">
+        <mc:AlternateContent xmlns:mc="http://schemas.openxmlformats.org/markup-compatibility/2006" xmlns:a14="http://schemas.microsoft.com/office/drawing/2010/main">
+          <mc:Choice Requires="a14">
             <p:sp>
               <p:nvSpPr>
                 <p:cNvPr id="91" name="矩形 90">
                   <a:extLst>
                     <a:ext uri="{FF2B5EF4-FFF2-40B4-BE49-F238E27FC236}">
-                      <a16:creationId xmlns:a16="http://schemas.microsoft.com/office/drawing/2014/main" id="{614FA45E-A8A3-43D0-A075-9AC4B32661DF}"/>
+                      <a16:creationId xmlns:a16="http://schemas.microsoft.com/office/drawing/2014/main" xmlns="" id="{614FA45E-A8A3-43D0-A075-9AC4B32661DF}"/>
                     </a:ext>
                   </a:extLst>
                 </p:cNvPr>
@@ -22854,7 +22856,7 @@
                         <m:sSubPr>
                           <m:ctrlPr>
                             <a:rPr lang="en-US" altLang="zh-CN" sz="2800" b="1" i="1" smtClean="0">
-                              <a:latin typeface="Cambria Math" panose="02040503050406030204" pitchFamily="18" charset="0"/>
+                              <a:latin typeface="Cambria Math"/>
                             </a:rPr>
                           </m:ctrlPr>
                         </m:sSubPr>
@@ -22912,7 +22914,7 @@
               </p:txBody>
             </p:sp>
           </mc:Choice>
-          <mc:Fallback>
+          <mc:Fallback xmlns="">
             <p:sp>
               <p:nvSpPr>
                 <p:cNvPr id="91" name="矩形 90">
@@ -22957,14 +22959,14 @@
             </p:sp>
           </mc:Fallback>
         </mc:AlternateContent>
-        <mc:AlternateContent xmlns:mc="http://schemas.openxmlformats.org/markup-compatibility/2006">
-          <mc:Choice xmlns:a14="http://schemas.microsoft.com/office/drawing/2010/main" Requires="a14">
+        <mc:AlternateContent xmlns:mc="http://schemas.openxmlformats.org/markup-compatibility/2006" xmlns:a14="http://schemas.microsoft.com/office/drawing/2010/main">
+          <mc:Choice Requires="a14">
             <p:sp>
               <p:nvSpPr>
                 <p:cNvPr id="92" name="矩形 91">
                   <a:extLst>
                     <a:ext uri="{FF2B5EF4-FFF2-40B4-BE49-F238E27FC236}">
-                      <a16:creationId xmlns:a16="http://schemas.microsoft.com/office/drawing/2014/main" id="{AAC15CAF-3DFA-4F98-AC46-DA9EA2F16664}"/>
+                      <a16:creationId xmlns:a16="http://schemas.microsoft.com/office/drawing/2014/main" xmlns="" id="{AAC15CAF-3DFA-4F98-AC46-DA9EA2F16664}"/>
                     </a:ext>
                   </a:extLst>
                 </p:cNvPr>
@@ -22992,7 +22994,7 @@
                         <m:sSubPr>
                           <m:ctrlPr>
                             <a:rPr lang="en-US" altLang="zh-CN" sz="2800" b="1" i="1" smtClean="0">
-                              <a:latin typeface="Cambria Math" panose="02040503050406030204" pitchFamily="18" charset="0"/>
+                              <a:latin typeface="Cambria Math"/>
                             </a:rPr>
                           </m:ctrlPr>
                         </m:sSubPr>
@@ -23050,7 +23052,7 @@
               </p:txBody>
             </p:sp>
           </mc:Choice>
-          <mc:Fallback>
+          <mc:Fallback xmlns="">
             <p:sp>
               <p:nvSpPr>
                 <p:cNvPr id="92" name="矩形 91">
@@ -23100,7 +23102,7 @@
             <p:cNvPr id="93" name="矩形 92">
               <a:extLst>
                 <a:ext uri="{FF2B5EF4-FFF2-40B4-BE49-F238E27FC236}">
-                  <a16:creationId xmlns:a16="http://schemas.microsoft.com/office/drawing/2014/main" id="{B7FC0BD0-3DDF-4B4E-92D7-8F03C8254CD2}"/>
+                  <a16:creationId xmlns:a16="http://schemas.microsoft.com/office/drawing/2014/main" xmlns="" id="{B7FC0BD0-3DDF-4B4E-92D7-8F03C8254CD2}"/>
                 </a:ext>
               </a:extLst>
             </p:cNvPr>
@@ -23136,7 +23138,7 @@
           <p:cNvPr id="96" name="文本框 95">
             <a:extLst>
               <a:ext uri="{FF2B5EF4-FFF2-40B4-BE49-F238E27FC236}">
-                <a16:creationId xmlns:a16="http://schemas.microsoft.com/office/drawing/2014/main" id="{255B7823-BC8F-43AA-BFCE-ABD374D980F4}"/>
+                <a16:creationId xmlns:a16="http://schemas.microsoft.com/office/drawing/2014/main" xmlns="" id="{255B7823-BC8F-43AA-BFCE-ABD374D980F4}"/>
               </a:ext>
             </a:extLst>
           </p:cNvPr>
@@ -23172,7 +23174,7 @@
           <p:cNvPr id="99" name="图片 98">
             <a:extLst>
               <a:ext uri="{FF2B5EF4-FFF2-40B4-BE49-F238E27FC236}">
-                <a16:creationId xmlns:a16="http://schemas.microsoft.com/office/drawing/2014/main" id="{33213882-DFE4-434E-81D1-26A52426A0EF}"/>
+                <a16:creationId xmlns:a16="http://schemas.microsoft.com/office/drawing/2014/main" xmlns="" id="{33213882-DFE4-434E-81D1-26A52426A0EF}"/>
               </a:ext>
             </a:extLst>
           </p:cNvPr>
@@ -23182,7 +23184,7 @@
           <p:nvPr/>
         </p:nvPicPr>
         <p:blipFill>
-          <a:blip r:embed="rId7">
+          <a:blip r:embed="rId7" cstate="print">
             <a:extLst>
               <a:ext uri="{28A0092B-C50C-407E-A947-70E740481C1C}">
                 <a14:useLocalDpi xmlns:a14="http://schemas.microsoft.com/office/drawing/2010/main" val="0"/>
@@ -23208,7 +23210,7 @@
           <p:cNvPr id="100" name="图片 99">
             <a:extLst>
               <a:ext uri="{FF2B5EF4-FFF2-40B4-BE49-F238E27FC236}">
-                <a16:creationId xmlns:a16="http://schemas.microsoft.com/office/drawing/2014/main" id="{6B8DFC08-C0D4-4B7B-A1FA-EBA977B32AA8}"/>
+                <a16:creationId xmlns:a16="http://schemas.microsoft.com/office/drawing/2014/main" xmlns="" id="{6B8DFC08-C0D4-4B7B-A1FA-EBA977B32AA8}"/>
               </a:ext>
             </a:extLst>
           </p:cNvPr>
@@ -23218,7 +23220,7 @@
           <p:nvPr/>
         </p:nvPicPr>
         <p:blipFill>
-          <a:blip r:embed="rId8">
+          <a:blip r:embed="rId8" cstate="print">
             <a:extLst>
               <a:ext uri="{28A0092B-C50C-407E-A947-70E740481C1C}">
                 <a14:useLocalDpi xmlns:a14="http://schemas.microsoft.com/office/drawing/2010/main" val="0"/>
@@ -23244,7 +23246,7 @@
           <p:cNvPr id="101" name="图片 100">
             <a:extLst>
               <a:ext uri="{FF2B5EF4-FFF2-40B4-BE49-F238E27FC236}">
-                <a16:creationId xmlns:a16="http://schemas.microsoft.com/office/drawing/2014/main" id="{0FD8A6E2-0355-4D0C-9E3B-C08F52F2BC37}"/>
+                <a16:creationId xmlns:a16="http://schemas.microsoft.com/office/drawing/2014/main" xmlns="" id="{0FD8A6E2-0355-4D0C-9E3B-C08F52F2BC37}"/>
               </a:ext>
             </a:extLst>
           </p:cNvPr>
@@ -23254,7 +23256,7 @@
           <p:nvPr/>
         </p:nvPicPr>
         <p:blipFill>
-          <a:blip r:embed="rId8">
+          <a:blip r:embed="rId8" cstate="print">
             <a:extLst>
               <a:ext uri="{28A0092B-C50C-407E-A947-70E740481C1C}">
                 <a14:useLocalDpi xmlns:a14="http://schemas.microsoft.com/office/drawing/2010/main" val="0"/>
@@ -23280,7 +23282,7 @@
           <p:cNvPr id="102" name="图片 101">
             <a:extLst>
               <a:ext uri="{FF2B5EF4-FFF2-40B4-BE49-F238E27FC236}">
-                <a16:creationId xmlns:a16="http://schemas.microsoft.com/office/drawing/2014/main" id="{38C74C11-A505-43C4-A75D-58DA0591836D}"/>
+                <a16:creationId xmlns:a16="http://schemas.microsoft.com/office/drawing/2014/main" xmlns="" id="{38C74C11-A505-43C4-A75D-58DA0591836D}"/>
               </a:ext>
             </a:extLst>
           </p:cNvPr>
@@ -23290,7 +23292,7 @@
           <p:nvPr/>
         </p:nvPicPr>
         <p:blipFill>
-          <a:blip r:embed="rId8">
+          <a:blip r:embed="rId8" cstate="print">
             <a:extLst>
               <a:ext uri="{28A0092B-C50C-407E-A947-70E740481C1C}">
                 <a14:useLocalDpi xmlns:a14="http://schemas.microsoft.com/office/drawing/2010/main" val="0"/>
@@ -23316,7 +23318,7 @@
           <p:cNvPr id="103" name="图片 102">
             <a:extLst>
               <a:ext uri="{FF2B5EF4-FFF2-40B4-BE49-F238E27FC236}">
-                <a16:creationId xmlns:a16="http://schemas.microsoft.com/office/drawing/2014/main" id="{B219BD63-3BD8-4292-BAF4-4B6C443FF6B1}"/>
+                <a16:creationId xmlns:a16="http://schemas.microsoft.com/office/drawing/2014/main" xmlns="" id="{B219BD63-3BD8-4292-BAF4-4B6C443FF6B1}"/>
               </a:ext>
             </a:extLst>
           </p:cNvPr>
@@ -23326,7 +23328,7 @@
           <p:nvPr/>
         </p:nvPicPr>
         <p:blipFill>
-          <a:blip r:embed="rId7">
+          <a:blip r:embed="rId7" cstate="print">
             <a:extLst>
               <a:ext uri="{28A0092B-C50C-407E-A947-70E740481C1C}">
                 <a14:useLocalDpi xmlns:a14="http://schemas.microsoft.com/office/drawing/2010/main" val="0"/>
@@ -23352,7 +23354,7 @@
           <p:cNvPr id="105" name="图片 104">
             <a:extLst>
               <a:ext uri="{FF2B5EF4-FFF2-40B4-BE49-F238E27FC236}">
-                <a16:creationId xmlns:a16="http://schemas.microsoft.com/office/drawing/2014/main" id="{9BA46918-2474-42BD-9339-181BD7258E41}"/>
+                <a16:creationId xmlns:a16="http://schemas.microsoft.com/office/drawing/2014/main" xmlns="" id="{9BA46918-2474-42BD-9339-181BD7258E41}"/>
               </a:ext>
             </a:extLst>
           </p:cNvPr>
@@ -23362,7 +23364,7 @@
           <p:nvPr/>
         </p:nvPicPr>
         <p:blipFill>
-          <a:blip r:embed="rId8">
+          <a:blip r:embed="rId8" cstate="print">
             <a:extLst>
               <a:ext uri="{28A0092B-C50C-407E-A947-70E740481C1C}">
                 <a14:useLocalDpi xmlns:a14="http://schemas.microsoft.com/office/drawing/2010/main" val="0"/>
@@ -23388,7 +23390,7 @@
           <p:cNvPr id="106" name="文本框 105">
             <a:extLst>
               <a:ext uri="{FF2B5EF4-FFF2-40B4-BE49-F238E27FC236}">
-                <a16:creationId xmlns:a16="http://schemas.microsoft.com/office/drawing/2014/main" id="{14A6817D-7FDB-4FD0-A45E-F14EE7041622}"/>
+                <a16:creationId xmlns:a16="http://schemas.microsoft.com/office/drawing/2014/main" xmlns="" id="{14A6817D-7FDB-4FD0-A45E-F14EE7041622}"/>
               </a:ext>
             </a:extLst>
           </p:cNvPr>
@@ -23431,7 +23433,7 @@
           <p:cNvPr id="107" name="文本框 106">
             <a:extLst>
               <a:ext uri="{FF2B5EF4-FFF2-40B4-BE49-F238E27FC236}">
-                <a16:creationId xmlns:a16="http://schemas.microsoft.com/office/drawing/2014/main" id="{F2D96C4C-C194-4B9F-89C4-E589900FD52B}"/>
+                <a16:creationId xmlns:a16="http://schemas.microsoft.com/office/drawing/2014/main" xmlns="" id="{F2D96C4C-C194-4B9F-89C4-E589900FD52B}"/>
               </a:ext>
             </a:extLst>
           </p:cNvPr>
@@ -23475,7 +23477,7 @@
           <p:cNvPr id="184" name="组合 183">
             <a:extLst>
               <a:ext uri="{FF2B5EF4-FFF2-40B4-BE49-F238E27FC236}">
-                <a16:creationId xmlns:a16="http://schemas.microsoft.com/office/drawing/2014/main" id="{5B88F4F6-3712-4ABC-9D94-B7664E8FCB7D}"/>
+                <a16:creationId xmlns:a16="http://schemas.microsoft.com/office/drawing/2014/main" xmlns="" id="{5B88F4F6-3712-4ABC-9D94-B7664E8FCB7D}"/>
               </a:ext>
             </a:extLst>
           </p:cNvPr>
@@ -23495,7 +23497,7 @@
             <p:cNvPr id="113" name="矩形 112">
               <a:extLst>
                 <a:ext uri="{FF2B5EF4-FFF2-40B4-BE49-F238E27FC236}">
-                  <a16:creationId xmlns:a16="http://schemas.microsoft.com/office/drawing/2014/main" id="{3E291024-6D87-47C9-8A00-A5E28A6AC95A}"/>
+                  <a16:creationId xmlns:a16="http://schemas.microsoft.com/office/drawing/2014/main" xmlns="" id="{3E291024-6D87-47C9-8A00-A5E28A6AC95A}"/>
                 </a:ext>
               </a:extLst>
             </p:cNvPr>
@@ -23547,7 +23549,7 @@
             <p:cNvPr id="114" name="文本框 113">
               <a:extLst>
                 <a:ext uri="{FF2B5EF4-FFF2-40B4-BE49-F238E27FC236}">
-                  <a16:creationId xmlns:a16="http://schemas.microsoft.com/office/drawing/2014/main" id="{DE9ABD13-ABE8-4FAB-A4CA-A98249A973E6}"/>
+                  <a16:creationId xmlns:a16="http://schemas.microsoft.com/office/drawing/2014/main" xmlns="" id="{DE9ABD13-ABE8-4FAB-A4CA-A98249A973E6}"/>
                 </a:ext>
               </a:extLst>
             </p:cNvPr>
@@ -23583,7 +23585,7 @@
             <p:cNvPr id="173" name="文本框 172">
               <a:extLst>
                 <a:ext uri="{FF2B5EF4-FFF2-40B4-BE49-F238E27FC236}">
-                  <a16:creationId xmlns:a16="http://schemas.microsoft.com/office/drawing/2014/main" id="{7BDB9859-9BFC-473C-8D1D-6541F6B6A541}"/>
+                  <a16:creationId xmlns:a16="http://schemas.microsoft.com/office/drawing/2014/main" xmlns="" id="{7BDB9859-9BFC-473C-8D1D-6541F6B6A541}"/>
                 </a:ext>
               </a:extLst>
             </p:cNvPr>
@@ -23619,7 +23621,7 @@
             <p:cNvPr id="119" name="组合 118">
               <a:extLst>
                 <a:ext uri="{FF2B5EF4-FFF2-40B4-BE49-F238E27FC236}">
-                  <a16:creationId xmlns:a16="http://schemas.microsoft.com/office/drawing/2014/main" id="{6057858E-185F-4E5F-A31B-C1D4950DDCC0}"/>
+                  <a16:creationId xmlns:a16="http://schemas.microsoft.com/office/drawing/2014/main" xmlns="" id="{6057858E-185F-4E5F-A31B-C1D4950DDCC0}"/>
                 </a:ext>
               </a:extLst>
             </p:cNvPr>
@@ -23642,7 +23644,7 @@
               <p:cNvPr id="120" name="矩形 119">
                 <a:extLst>
                   <a:ext uri="{FF2B5EF4-FFF2-40B4-BE49-F238E27FC236}">
-                    <a16:creationId xmlns:a16="http://schemas.microsoft.com/office/drawing/2014/main" id="{92D622C6-F4D9-4E2B-A5DC-4060D6663184}"/>
+                    <a16:creationId xmlns:a16="http://schemas.microsoft.com/office/drawing/2014/main" xmlns="" id="{92D622C6-F4D9-4E2B-A5DC-4060D6663184}"/>
                   </a:ext>
                 </a:extLst>
               </p:cNvPr>
@@ -23694,7 +23696,7 @@
               <p:cNvPr id="121" name="文本框 120">
                 <a:extLst>
                   <a:ext uri="{FF2B5EF4-FFF2-40B4-BE49-F238E27FC236}">
-                    <a16:creationId xmlns:a16="http://schemas.microsoft.com/office/drawing/2014/main" id="{2F65F177-145C-4E13-BF63-9952E4582F5C}"/>
+                    <a16:creationId xmlns:a16="http://schemas.microsoft.com/office/drawing/2014/main" xmlns="" id="{2F65F177-145C-4E13-BF63-9952E4582F5C}"/>
                   </a:ext>
                 </a:extLst>
               </p:cNvPr>
@@ -23731,7 +23733,7 @@
             <p:cNvPr id="122" name="组合 121">
               <a:extLst>
                 <a:ext uri="{FF2B5EF4-FFF2-40B4-BE49-F238E27FC236}">
-                  <a16:creationId xmlns:a16="http://schemas.microsoft.com/office/drawing/2014/main" id="{4F66364D-4E69-4310-B591-41536B428626}"/>
+                  <a16:creationId xmlns:a16="http://schemas.microsoft.com/office/drawing/2014/main" xmlns="" id="{4F66364D-4E69-4310-B591-41536B428626}"/>
                 </a:ext>
               </a:extLst>
             </p:cNvPr>
@@ -23751,7 +23753,7 @@
               <p:cNvPr id="123" name="矩形 122">
                 <a:extLst>
                   <a:ext uri="{FF2B5EF4-FFF2-40B4-BE49-F238E27FC236}">
-                    <a16:creationId xmlns:a16="http://schemas.microsoft.com/office/drawing/2014/main" id="{A9AAE1B6-4F78-455C-BFDB-B0E9982EB7AC}"/>
+                    <a16:creationId xmlns:a16="http://schemas.microsoft.com/office/drawing/2014/main" xmlns="" id="{A9AAE1B6-4F78-455C-BFDB-B0E9982EB7AC}"/>
                   </a:ext>
                 </a:extLst>
               </p:cNvPr>
@@ -23803,7 +23805,7 @@
               <p:cNvPr id="124" name="文本框 123">
                 <a:extLst>
                   <a:ext uri="{FF2B5EF4-FFF2-40B4-BE49-F238E27FC236}">
-                    <a16:creationId xmlns:a16="http://schemas.microsoft.com/office/drawing/2014/main" id="{2BD448D1-02D7-406F-84B9-472EC6000120}"/>
+                    <a16:creationId xmlns:a16="http://schemas.microsoft.com/office/drawing/2014/main" xmlns="" id="{2BD448D1-02D7-406F-84B9-472EC6000120}"/>
                   </a:ext>
                 </a:extLst>
               </p:cNvPr>
@@ -23840,7 +23842,7 @@
             <p:cNvPr id="125" name="组合 124">
               <a:extLst>
                 <a:ext uri="{FF2B5EF4-FFF2-40B4-BE49-F238E27FC236}">
-                  <a16:creationId xmlns:a16="http://schemas.microsoft.com/office/drawing/2014/main" id="{175F91EA-B3DF-4D45-B37C-669F733B748D}"/>
+                  <a16:creationId xmlns:a16="http://schemas.microsoft.com/office/drawing/2014/main" xmlns="" id="{175F91EA-B3DF-4D45-B37C-669F733B748D}"/>
                 </a:ext>
               </a:extLst>
             </p:cNvPr>
@@ -23863,7 +23865,7 @@
               <p:cNvPr id="126" name="矩形 125">
                 <a:extLst>
                   <a:ext uri="{FF2B5EF4-FFF2-40B4-BE49-F238E27FC236}">
-                    <a16:creationId xmlns:a16="http://schemas.microsoft.com/office/drawing/2014/main" id="{D737D5B4-C897-4979-B5AF-879E1BA53B91}"/>
+                    <a16:creationId xmlns:a16="http://schemas.microsoft.com/office/drawing/2014/main" xmlns="" id="{D737D5B4-C897-4979-B5AF-879E1BA53B91}"/>
                   </a:ext>
                 </a:extLst>
               </p:cNvPr>
@@ -23915,7 +23917,7 @@
               <p:cNvPr id="127" name="文本框 126">
                 <a:extLst>
                   <a:ext uri="{FF2B5EF4-FFF2-40B4-BE49-F238E27FC236}">
-                    <a16:creationId xmlns:a16="http://schemas.microsoft.com/office/drawing/2014/main" id="{821F214C-1B10-4B13-9F17-92B67E430445}"/>
+                    <a16:creationId xmlns:a16="http://schemas.microsoft.com/office/drawing/2014/main" xmlns="" id="{821F214C-1B10-4B13-9F17-92B67E430445}"/>
                   </a:ext>
                 </a:extLst>
               </p:cNvPr>
@@ -23952,7 +23954,7 @@
             <p:cNvPr id="128" name="组合 127">
               <a:extLst>
                 <a:ext uri="{FF2B5EF4-FFF2-40B4-BE49-F238E27FC236}">
-                  <a16:creationId xmlns:a16="http://schemas.microsoft.com/office/drawing/2014/main" id="{D892E2D0-B6A5-4424-B752-A300D18B3317}"/>
+                  <a16:creationId xmlns:a16="http://schemas.microsoft.com/office/drawing/2014/main" xmlns="" id="{D892E2D0-B6A5-4424-B752-A300D18B3317}"/>
                 </a:ext>
               </a:extLst>
             </p:cNvPr>
@@ -23972,7 +23974,7 @@
               <p:cNvPr id="129" name="矩形 128">
                 <a:extLst>
                   <a:ext uri="{FF2B5EF4-FFF2-40B4-BE49-F238E27FC236}">
-                    <a16:creationId xmlns:a16="http://schemas.microsoft.com/office/drawing/2014/main" id="{7A3A8FFE-ED86-46AC-8403-057D73E3123C}"/>
+                    <a16:creationId xmlns:a16="http://schemas.microsoft.com/office/drawing/2014/main" xmlns="" id="{7A3A8FFE-ED86-46AC-8403-057D73E3123C}"/>
                   </a:ext>
                 </a:extLst>
               </p:cNvPr>
@@ -24024,7 +24026,7 @@
               <p:cNvPr id="130" name="文本框 129">
                 <a:extLst>
                   <a:ext uri="{FF2B5EF4-FFF2-40B4-BE49-F238E27FC236}">
-                    <a16:creationId xmlns:a16="http://schemas.microsoft.com/office/drawing/2014/main" id="{BB887E46-FBBC-4376-8C91-C6C0A8957AAD}"/>
+                    <a16:creationId xmlns:a16="http://schemas.microsoft.com/office/drawing/2014/main" xmlns="" id="{BB887E46-FBBC-4376-8C91-C6C0A8957AAD}"/>
                   </a:ext>
                 </a:extLst>
               </p:cNvPr>
@@ -24061,7 +24063,7 @@
             <p:cNvPr id="131" name="组合 130">
               <a:extLst>
                 <a:ext uri="{FF2B5EF4-FFF2-40B4-BE49-F238E27FC236}">
-                  <a16:creationId xmlns:a16="http://schemas.microsoft.com/office/drawing/2014/main" id="{C1F4653D-4316-4840-9A03-6C355DD49E99}"/>
+                  <a16:creationId xmlns:a16="http://schemas.microsoft.com/office/drawing/2014/main" xmlns="" id="{C1F4653D-4316-4840-9A03-6C355DD49E99}"/>
                 </a:ext>
               </a:extLst>
             </p:cNvPr>
@@ -24084,7 +24086,7 @@
               <p:cNvPr id="132" name="矩形 131">
                 <a:extLst>
                   <a:ext uri="{FF2B5EF4-FFF2-40B4-BE49-F238E27FC236}">
-                    <a16:creationId xmlns:a16="http://schemas.microsoft.com/office/drawing/2014/main" id="{99F7AC74-7699-420F-8A52-CA4C0FF9EB1C}"/>
+                    <a16:creationId xmlns:a16="http://schemas.microsoft.com/office/drawing/2014/main" xmlns="" id="{99F7AC74-7699-420F-8A52-CA4C0FF9EB1C}"/>
                   </a:ext>
                 </a:extLst>
               </p:cNvPr>
@@ -24136,7 +24138,7 @@
               <p:cNvPr id="133" name="文本框 132">
                 <a:extLst>
                   <a:ext uri="{FF2B5EF4-FFF2-40B4-BE49-F238E27FC236}">
-                    <a16:creationId xmlns:a16="http://schemas.microsoft.com/office/drawing/2014/main" id="{7078C184-A857-4930-B90C-6C373EBE26C8}"/>
+                    <a16:creationId xmlns:a16="http://schemas.microsoft.com/office/drawing/2014/main" xmlns="" id="{7078C184-A857-4930-B90C-6C373EBE26C8}"/>
                   </a:ext>
                 </a:extLst>
               </p:cNvPr>
@@ -24173,7 +24175,7 @@
             <p:cNvPr id="134" name="组合 133">
               <a:extLst>
                 <a:ext uri="{FF2B5EF4-FFF2-40B4-BE49-F238E27FC236}">
-                  <a16:creationId xmlns:a16="http://schemas.microsoft.com/office/drawing/2014/main" id="{BB10A063-557D-4189-A6F9-2B5CB92C2F78}"/>
+                  <a16:creationId xmlns:a16="http://schemas.microsoft.com/office/drawing/2014/main" xmlns="" id="{BB10A063-557D-4189-A6F9-2B5CB92C2F78}"/>
                 </a:ext>
               </a:extLst>
             </p:cNvPr>
@@ -24193,7 +24195,7 @@
               <p:cNvPr id="135" name="矩形 134">
                 <a:extLst>
                   <a:ext uri="{FF2B5EF4-FFF2-40B4-BE49-F238E27FC236}">
-                    <a16:creationId xmlns:a16="http://schemas.microsoft.com/office/drawing/2014/main" id="{9C9855DE-9F56-4E14-A3C0-CC7FA29BC6BD}"/>
+                    <a16:creationId xmlns:a16="http://schemas.microsoft.com/office/drawing/2014/main" xmlns="" id="{9C9855DE-9F56-4E14-A3C0-CC7FA29BC6BD}"/>
                   </a:ext>
                 </a:extLst>
               </p:cNvPr>
@@ -24245,7 +24247,7 @@
               <p:cNvPr id="136" name="文本框 135">
                 <a:extLst>
                   <a:ext uri="{FF2B5EF4-FFF2-40B4-BE49-F238E27FC236}">
-                    <a16:creationId xmlns:a16="http://schemas.microsoft.com/office/drawing/2014/main" id="{B15D6030-577A-44F4-A632-842AAEDC1A2E}"/>
+                    <a16:creationId xmlns:a16="http://schemas.microsoft.com/office/drawing/2014/main" xmlns="" id="{B15D6030-577A-44F4-A632-842AAEDC1A2E}"/>
                   </a:ext>
                 </a:extLst>
               </p:cNvPr>
@@ -24282,7 +24284,7 @@
             <p:cNvPr id="137" name="组合 136">
               <a:extLst>
                 <a:ext uri="{FF2B5EF4-FFF2-40B4-BE49-F238E27FC236}">
-                  <a16:creationId xmlns:a16="http://schemas.microsoft.com/office/drawing/2014/main" id="{B39F9F40-8E77-4643-A6BE-A667314A7B73}"/>
+                  <a16:creationId xmlns:a16="http://schemas.microsoft.com/office/drawing/2014/main" xmlns="" id="{B39F9F40-8E77-4643-A6BE-A667314A7B73}"/>
                 </a:ext>
               </a:extLst>
             </p:cNvPr>
@@ -24305,7 +24307,7 @@
               <p:cNvPr id="138" name="矩形 137">
                 <a:extLst>
                   <a:ext uri="{FF2B5EF4-FFF2-40B4-BE49-F238E27FC236}">
-                    <a16:creationId xmlns:a16="http://schemas.microsoft.com/office/drawing/2014/main" id="{DBE21766-C720-4E3C-A30D-6978DAEFF944}"/>
+                    <a16:creationId xmlns:a16="http://schemas.microsoft.com/office/drawing/2014/main" xmlns="" id="{DBE21766-C720-4E3C-A30D-6978DAEFF944}"/>
                   </a:ext>
                 </a:extLst>
               </p:cNvPr>
@@ -24357,7 +24359,7 @@
               <p:cNvPr id="139" name="文本框 138">
                 <a:extLst>
                   <a:ext uri="{FF2B5EF4-FFF2-40B4-BE49-F238E27FC236}">
-                    <a16:creationId xmlns:a16="http://schemas.microsoft.com/office/drawing/2014/main" id="{3387C664-C790-47FC-84E3-8D2D083603EF}"/>
+                    <a16:creationId xmlns:a16="http://schemas.microsoft.com/office/drawing/2014/main" xmlns="" id="{3387C664-C790-47FC-84E3-8D2D083603EF}"/>
                   </a:ext>
                 </a:extLst>
               </p:cNvPr>
@@ -24394,7 +24396,7 @@
             <p:cNvPr id="152" name="组合 151">
               <a:extLst>
                 <a:ext uri="{FF2B5EF4-FFF2-40B4-BE49-F238E27FC236}">
-                  <a16:creationId xmlns:a16="http://schemas.microsoft.com/office/drawing/2014/main" id="{C0C0AA04-CE53-47FC-9454-8D5055D82BD6}"/>
+                  <a16:creationId xmlns:a16="http://schemas.microsoft.com/office/drawing/2014/main" xmlns="" id="{C0C0AA04-CE53-47FC-9454-8D5055D82BD6}"/>
                 </a:ext>
               </a:extLst>
             </p:cNvPr>
@@ -24414,7 +24416,7 @@
               <p:cNvPr id="153" name="矩形 152">
                 <a:extLst>
                   <a:ext uri="{FF2B5EF4-FFF2-40B4-BE49-F238E27FC236}">
-                    <a16:creationId xmlns:a16="http://schemas.microsoft.com/office/drawing/2014/main" id="{72665B56-9ECB-45DD-82B0-3893438059C2}"/>
+                    <a16:creationId xmlns:a16="http://schemas.microsoft.com/office/drawing/2014/main" xmlns="" id="{72665B56-9ECB-45DD-82B0-3893438059C2}"/>
                   </a:ext>
                 </a:extLst>
               </p:cNvPr>
@@ -24466,7 +24468,7 @@
               <p:cNvPr id="154" name="文本框 153">
                 <a:extLst>
                   <a:ext uri="{FF2B5EF4-FFF2-40B4-BE49-F238E27FC236}">
-                    <a16:creationId xmlns:a16="http://schemas.microsoft.com/office/drawing/2014/main" id="{6A882F69-9CE9-42FB-A755-2C54E2F4F59F}"/>
+                    <a16:creationId xmlns:a16="http://schemas.microsoft.com/office/drawing/2014/main" xmlns="" id="{6A882F69-9CE9-42FB-A755-2C54E2F4F59F}"/>
                   </a:ext>
                 </a:extLst>
               </p:cNvPr>
@@ -24503,7 +24505,7 @@
             <p:cNvPr id="155" name="组合 154">
               <a:extLst>
                 <a:ext uri="{FF2B5EF4-FFF2-40B4-BE49-F238E27FC236}">
-                  <a16:creationId xmlns:a16="http://schemas.microsoft.com/office/drawing/2014/main" id="{9257CD7E-A5B4-441F-BC1F-53A7BBCFA802}"/>
+                  <a16:creationId xmlns:a16="http://schemas.microsoft.com/office/drawing/2014/main" xmlns="" id="{9257CD7E-A5B4-441F-BC1F-53A7BBCFA802}"/>
                 </a:ext>
               </a:extLst>
             </p:cNvPr>
@@ -24526,7 +24528,7 @@
               <p:cNvPr id="156" name="矩形 155">
                 <a:extLst>
                   <a:ext uri="{FF2B5EF4-FFF2-40B4-BE49-F238E27FC236}">
-                    <a16:creationId xmlns:a16="http://schemas.microsoft.com/office/drawing/2014/main" id="{7A11A528-1EDE-4EDD-845A-9D1B3C4A808E}"/>
+                    <a16:creationId xmlns:a16="http://schemas.microsoft.com/office/drawing/2014/main" xmlns="" id="{7A11A528-1EDE-4EDD-845A-9D1B3C4A808E}"/>
                   </a:ext>
                 </a:extLst>
               </p:cNvPr>
@@ -24578,7 +24580,7 @@
               <p:cNvPr id="157" name="文本框 156">
                 <a:extLst>
                   <a:ext uri="{FF2B5EF4-FFF2-40B4-BE49-F238E27FC236}">
-                    <a16:creationId xmlns:a16="http://schemas.microsoft.com/office/drawing/2014/main" id="{E3EF3B91-4972-47E1-AC5B-C8BE0FBC2B10}"/>
+                    <a16:creationId xmlns:a16="http://schemas.microsoft.com/office/drawing/2014/main" xmlns="" id="{E3EF3B91-4972-47E1-AC5B-C8BE0FBC2B10}"/>
                   </a:ext>
                 </a:extLst>
               </p:cNvPr>
@@ -24615,7 +24617,7 @@
             <p:cNvPr id="158" name="组合 157">
               <a:extLst>
                 <a:ext uri="{FF2B5EF4-FFF2-40B4-BE49-F238E27FC236}">
-                  <a16:creationId xmlns:a16="http://schemas.microsoft.com/office/drawing/2014/main" id="{57D5F8C3-9AD9-4DF5-94E7-AB34111DA24A}"/>
+                  <a16:creationId xmlns:a16="http://schemas.microsoft.com/office/drawing/2014/main" xmlns="" id="{57D5F8C3-9AD9-4DF5-94E7-AB34111DA24A}"/>
                 </a:ext>
               </a:extLst>
             </p:cNvPr>
@@ -24635,7 +24637,7 @@
               <p:cNvPr id="159" name="矩形 158">
                 <a:extLst>
                   <a:ext uri="{FF2B5EF4-FFF2-40B4-BE49-F238E27FC236}">
-                    <a16:creationId xmlns:a16="http://schemas.microsoft.com/office/drawing/2014/main" id="{91C00B27-D520-4A67-847A-AF657C487273}"/>
+                    <a16:creationId xmlns:a16="http://schemas.microsoft.com/office/drawing/2014/main" xmlns="" id="{91C00B27-D520-4A67-847A-AF657C487273}"/>
                   </a:ext>
                 </a:extLst>
               </p:cNvPr>
@@ -24687,7 +24689,7 @@
               <p:cNvPr id="160" name="文本框 159">
                 <a:extLst>
                   <a:ext uri="{FF2B5EF4-FFF2-40B4-BE49-F238E27FC236}">
-                    <a16:creationId xmlns:a16="http://schemas.microsoft.com/office/drawing/2014/main" id="{D3BC4BE5-1B58-449A-BBE3-2BBCB88CCE05}"/>
+                    <a16:creationId xmlns:a16="http://schemas.microsoft.com/office/drawing/2014/main" xmlns="" id="{D3BC4BE5-1B58-449A-BBE3-2BBCB88CCE05}"/>
                   </a:ext>
                 </a:extLst>
               </p:cNvPr>
@@ -24724,7 +24726,7 @@
             <p:cNvPr id="161" name="组合 160">
               <a:extLst>
                 <a:ext uri="{FF2B5EF4-FFF2-40B4-BE49-F238E27FC236}">
-                  <a16:creationId xmlns:a16="http://schemas.microsoft.com/office/drawing/2014/main" id="{467DC1F8-4192-410B-966C-26336AB06A0D}"/>
+                  <a16:creationId xmlns:a16="http://schemas.microsoft.com/office/drawing/2014/main" xmlns="" id="{467DC1F8-4192-410B-966C-26336AB06A0D}"/>
                 </a:ext>
               </a:extLst>
             </p:cNvPr>
@@ -24747,7 +24749,7 @@
               <p:cNvPr id="162" name="矩形 161">
                 <a:extLst>
                   <a:ext uri="{FF2B5EF4-FFF2-40B4-BE49-F238E27FC236}">
-                    <a16:creationId xmlns:a16="http://schemas.microsoft.com/office/drawing/2014/main" id="{42303EB5-FE4C-4DF1-8D84-8624042D4D96}"/>
+                    <a16:creationId xmlns:a16="http://schemas.microsoft.com/office/drawing/2014/main" xmlns="" id="{42303EB5-FE4C-4DF1-8D84-8624042D4D96}"/>
                   </a:ext>
                 </a:extLst>
               </p:cNvPr>
@@ -24799,7 +24801,7 @@
               <p:cNvPr id="163" name="文本框 162">
                 <a:extLst>
                   <a:ext uri="{FF2B5EF4-FFF2-40B4-BE49-F238E27FC236}">
-                    <a16:creationId xmlns:a16="http://schemas.microsoft.com/office/drawing/2014/main" id="{48A333D5-427F-40A1-9627-813D04C7CFFA}"/>
+                    <a16:creationId xmlns:a16="http://schemas.microsoft.com/office/drawing/2014/main" xmlns="" id="{48A333D5-427F-40A1-9627-813D04C7CFFA}"/>
                   </a:ext>
                 </a:extLst>
               </p:cNvPr>
@@ -24836,7 +24838,7 @@
             <p:cNvPr id="165" name="组合 164">
               <a:extLst>
                 <a:ext uri="{FF2B5EF4-FFF2-40B4-BE49-F238E27FC236}">
-                  <a16:creationId xmlns:a16="http://schemas.microsoft.com/office/drawing/2014/main" id="{9561BE16-647A-43EA-BC7B-CC5BA17412D6}"/>
+                  <a16:creationId xmlns:a16="http://schemas.microsoft.com/office/drawing/2014/main" xmlns="" id="{9561BE16-647A-43EA-BC7B-CC5BA17412D6}"/>
                 </a:ext>
               </a:extLst>
             </p:cNvPr>
@@ -24851,14 +24853,14 @@
               <a:chExt cx="1145946" cy="3234065"/>
             </a:xfrm>
           </p:grpSpPr>
-          <mc:AlternateContent xmlns:mc="http://schemas.openxmlformats.org/markup-compatibility/2006">
-            <mc:Choice xmlns:a14="http://schemas.microsoft.com/office/drawing/2010/main" Requires="a14">
+          <mc:AlternateContent xmlns:mc="http://schemas.openxmlformats.org/markup-compatibility/2006" xmlns:a14="http://schemas.microsoft.com/office/drawing/2010/main">
+            <mc:Choice Requires="a14">
               <p:sp>
                 <p:nvSpPr>
                   <p:cNvPr id="166" name="矩形 165">
                     <a:extLst>
                       <a:ext uri="{FF2B5EF4-FFF2-40B4-BE49-F238E27FC236}">
-                        <a16:creationId xmlns:a16="http://schemas.microsoft.com/office/drawing/2014/main" id="{B23C6029-1349-4EA7-9F10-04D46A961121}"/>
+                        <a16:creationId xmlns:a16="http://schemas.microsoft.com/office/drawing/2014/main" xmlns="" id="{B23C6029-1349-4EA7-9F10-04D46A961121}"/>
                       </a:ext>
                     </a:extLst>
                   </p:cNvPr>
@@ -24880,6 +24882,7 @@
                   </a:bodyPr>
                   <a:lstStyle/>
                   <a:p>
+                    <a:pPr/>
                     <a14:m>
                       <m:oMathPara xmlns:m="http://schemas.openxmlformats.org/officeDocument/2006/math">
                         <m:oMathParaPr>
@@ -24890,7 +24893,7 @@
                             <m:sSubPr>
                               <m:ctrlPr>
                                 <a:rPr lang="en-US" altLang="zh-CN" sz="2000" b="1" i="1" smtClean="0">
-                                  <a:latin typeface="Cambria Math" panose="02040503050406030204" pitchFamily="18" charset="0"/>
+                                  <a:latin typeface="Cambria Math"/>
                                 </a:rPr>
                               </m:ctrlPr>
                             </m:sSubPr>
@@ -24933,7 +24936,7 @@
                 </p:txBody>
               </p:sp>
             </mc:Choice>
-            <mc:Fallback>
+            <mc:Fallback xmlns="">
               <p:sp>
                 <p:nvSpPr>
                   <p:cNvPr id="166" name="矩形 165">
@@ -24978,14 +24981,14 @@
               </p:sp>
             </mc:Fallback>
           </mc:AlternateContent>
-          <mc:AlternateContent xmlns:mc="http://schemas.openxmlformats.org/markup-compatibility/2006">
-            <mc:Choice xmlns:a14="http://schemas.microsoft.com/office/drawing/2010/main" Requires="a14">
+          <mc:AlternateContent xmlns:mc="http://schemas.openxmlformats.org/markup-compatibility/2006" xmlns:a14="http://schemas.microsoft.com/office/drawing/2010/main">
+            <mc:Choice Requires="a14">
               <p:sp>
                 <p:nvSpPr>
                   <p:cNvPr id="167" name="矩形 166">
                     <a:extLst>
                       <a:ext uri="{FF2B5EF4-FFF2-40B4-BE49-F238E27FC236}">
-                        <a16:creationId xmlns:a16="http://schemas.microsoft.com/office/drawing/2014/main" id="{12069CE9-6AC5-428A-BFC5-BF83C1F8C544}"/>
+                        <a16:creationId xmlns:a16="http://schemas.microsoft.com/office/drawing/2014/main" xmlns="" id="{12069CE9-6AC5-428A-BFC5-BF83C1F8C544}"/>
                       </a:ext>
                     </a:extLst>
                   </p:cNvPr>
@@ -25007,6 +25010,7 @@
                   </a:bodyPr>
                   <a:lstStyle/>
                   <a:p>
+                    <a:pPr/>
                     <a14:m>
                       <m:oMathPara xmlns:m="http://schemas.openxmlformats.org/officeDocument/2006/math">
                         <m:oMathParaPr>
@@ -25017,7 +25021,7 @@
                             <m:sSubPr>
                               <m:ctrlPr>
                                 <a:rPr lang="en-US" altLang="zh-CN" sz="2000" b="1" i="1" smtClean="0">
-                                  <a:latin typeface="Cambria Math" panose="02040503050406030204" pitchFamily="18" charset="0"/>
+                                  <a:latin typeface="Cambria Math"/>
                                 </a:rPr>
                               </m:ctrlPr>
                             </m:sSubPr>
@@ -25063,7 +25067,7 @@
                 </p:txBody>
               </p:sp>
             </mc:Choice>
-            <mc:Fallback>
+            <mc:Fallback xmlns="">
               <p:sp>
                 <p:nvSpPr>
                   <p:cNvPr id="167" name="矩形 166">
@@ -25108,14 +25112,14 @@
               </p:sp>
             </mc:Fallback>
           </mc:AlternateContent>
-          <mc:AlternateContent xmlns:mc="http://schemas.openxmlformats.org/markup-compatibility/2006">
-            <mc:Choice xmlns:a14="http://schemas.microsoft.com/office/drawing/2010/main" Requires="a14">
+          <mc:AlternateContent xmlns:mc="http://schemas.openxmlformats.org/markup-compatibility/2006" xmlns:a14="http://schemas.microsoft.com/office/drawing/2010/main">
+            <mc:Choice Requires="a14">
               <p:sp>
                 <p:nvSpPr>
                   <p:cNvPr id="168" name="矩形 167">
                     <a:extLst>
                       <a:ext uri="{FF2B5EF4-FFF2-40B4-BE49-F238E27FC236}">
-                        <a16:creationId xmlns:a16="http://schemas.microsoft.com/office/drawing/2014/main" id="{E83BEF51-3603-4B02-BE68-F13EB612AC72}"/>
+                        <a16:creationId xmlns:a16="http://schemas.microsoft.com/office/drawing/2014/main" xmlns="" id="{E83BEF51-3603-4B02-BE68-F13EB612AC72}"/>
                       </a:ext>
                     </a:extLst>
                   </p:cNvPr>
@@ -25143,7 +25147,7 @@
                           <m:sSubPr>
                             <m:ctrlPr>
                               <a:rPr lang="en-US" altLang="zh-CN" sz="2000" b="1" i="1" smtClean="0">
-                                <a:latin typeface="Cambria Math" panose="02040503050406030204" pitchFamily="18" charset="0"/>
+                                <a:latin typeface="Cambria Math"/>
                               </a:rPr>
                             </m:ctrlPr>
                           </m:sSubPr>
@@ -25201,7 +25205,7 @@
                 </p:txBody>
               </p:sp>
             </mc:Choice>
-            <mc:Fallback>
+            <mc:Fallback xmlns="">
               <p:sp>
                 <p:nvSpPr>
                   <p:cNvPr id="168" name="矩形 167">
@@ -25246,14 +25250,14 @@
               </p:sp>
             </mc:Fallback>
           </mc:AlternateContent>
-          <mc:AlternateContent xmlns:mc="http://schemas.openxmlformats.org/markup-compatibility/2006">
-            <mc:Choice xmlns:a14="http://schemas.microsoft.com/office/drawing/2010/main" Requires="a14">
+          <mc:AlternateContent xmlns:mc="http://schemas.openxmlformats.org/markup-compatibility/2006" xmlns:a14="http://schemas.microsoft.com/office/drawing/2010/main">
+            <mc:Choice Requires="a14">
               <p:sp>
                 <p:nvSpPr>
                   <p:cNvPr id="169" name="矩形 168">
                     <a:extLst>
                       <a:ext uri="{FF2B5EF4-FFF2-40B4-BE49-F238E27FC236}">
-                        <a16:creationId xmlns:a16="http://schemas.microsoft.com/office/drawing/2014/main" id="{A83142EC-449C-4D06-9382-42AA33447CFB}"/>
+                        <a16:creationId xmlns:a16="http://schemas.microsoft.com/office/drawing/2014/main" xmlns="" id="{A83142EC-449C-4D06-9382-42AA33447CFB}"/>
                       </a:ext>
                     </a:extLst>
                   </p:cNvPr>
@@ -25281,7 +25285,7 @@
                           <m:sSubPr>
                             <m:ctrlPr>
                               <a:rPr lang="en-US" altLang="zh-CN" sz="2000" b="1" i="1" smtClean="0">
-                                <a:latin typeface="Cambria Math" panose="02040503050406030204" pitchFamily="18" charset="0"/>
+                                <a:latin typeface="Cambria Math"/>
                               </a:rPr>
                             </m:ctrlPr>
                           </m:sSubPr>
@@ -25339,7 +25343,7 @@
                 </p:txBody>
               </p:sp>
             </mc:Choice>
-            <mc:Fallback>
+            <mc:Fallback xmlns="">
               <p:sp>
                 <p:nvSpPr>
                   <p:cNvPr id="169" name="矩形 168">
@@ -25389,7 +25393,7 @@
               <p:cNvPr id="170" name="矩形 169">
                 <a:extLst>
                   <a:ext uri="{FF2B5EF4-FFF2-40B4-BE49-F238E27FC236}">
-                    <a16:creationId xmlns:a16="http://schemas.microsoft.com/office/drawing/2014/main" id="{46EFA6EE-D115-4CC7-9466-210F0B2773C1}"/>
+                    <a16:creationId xmlns:a16="http://schemas.microsoft.com/office/drawing/2014/main" xmlns="" id="{46EFA6EE-D115-4CC7-9466-210F0B2773C1}"/>
                   </a:ext>
                 </a:extLst>
               </p:cNvPr>
@@ -25419,14 +25423,14 @@
               </a:p>
             </p:txBody>
           </p:sp>
-          <mc:AlternateContent xmlns:mc="http://schemas.openxmlformats.org/markup-compatibility/2006">
-            <mc:Choice xmlns:a14="http://schemas.microsoft.com/office/drawing/2010/main" Requires="a14">
+          <mc:AlternateContent xmlns:mc="http://schemas.openxmlformats.org/markup-compatibility/2006" xmlns:a14="http://schemas.microsoft.com/office/drawing/2010/main">
+            <mc:Choice Requires="a14">
               <p:sp>
                 <p:nvSpPr>
                   <p:cNvPr id="171" name="矩形 170">
                     <a:extLst>
                       <a:ext uri="{FF2B5EF4-FFF2-40B4-BE49-F238E27FC236}">
-                        <a16:creationId xmlns:a16="http://schemas.microsoft.com/office/drawing/2014/main" id="{F7EFD6A1-1EE6-4F8A-870F-D58911BEA157}"/>
+                        <a16:creationId xmlns:a16="http://schemas.microsoft.com/office/drawing/2014/main" xmlns="" id="{F7EFD6A1-1EE6-4F8A-870F-D58911BEA157}"/>
                       </a:ext>
                     </a:extLst>
                   </p:cNvPr>
@@ -25454,7 +25458,7 @@
                           <m:sSubPr>
                             <m:ctrlPr>
                               <a:rPr lang="en-US" altLang="zh-CN" sz="2000" b="1" i="1" smtClean="0">
-                                <a:latin typeface="Cambria Math" panose="02040503050406030204" pitchFamily="18" charset="0"/>
+                                <a:latin typeface="Cambria Math"/>
                               </a:rPr>
                             </m:ctrlPr>
                           </m:sSubPr>
@@ -25512,7 +25516,7 @@
                 </p:txBody>
               </p:sp>
             </mc:Choice>
-            <mc:Fallback>
+            <mc:Fallback xmlns="">
               <p:sp>
                 <p:nvSpPr>
                   <p:cNvPr id="171" name="矩形 170">
@@ -25557,14 +25561,14 @@
               </p:sp>
             </mc:Fallback>
           </mc:AlternateContent>
-          <mc:AlternateContent xmlns:mc="http://schemas.openxmlformats.org/markup-compatibility/2006">
-            <mc:Choice xmlns:a14="http://schemas.microsoft.com/office/drawing/2010/main" Requires="a14">
+          <mc:AlternateContent xmlns:mc="http://schemas.openxmlformats.org/markup-compatibility/2006" xmlns:a14="http://schemas.microsoft.com/office/drawing/2010/main">
+            <mc:Choice Requires="a14">
               <p:sp>
                 <p:nvSpPr>
                   <p:cNvPr id="172" name="矩形 171">
                     <a:extLst>
                       <a:ext uri="{FF2B5EF4-FFF2-40B4-BE49-F238E27FC236}">
-                        <a16:creationId xmlns:a16="http://schemas.microsoft.com/office/drawing/2014/main" id="{7C6CFDAA-4934-4D54-AFB6-386CB8B13C3C}"/>
+                        <a16:creationId xmlns:a16="http://schemas.microsoft.com/office/drawing/2014/main" xmlns="" id="{7C6CFDAA-4934-4D54-AFB6-386CB8B13C3C}"/>
                       </a:ext>
                     </a:extLst>
                   </p:cNvPr>
@@ -25592,7 +25596,7 @@
                           <m:sSubPr>
                             <m:ctrlPr>
                               <a:rPr lang="en-US" altLang="zh-CN" sz="2000" b="1" i="1" smtClean="0">
-                                <a:latin typeface="Cambria Math" panose="02040503050406030204" pitchFamily="18" charset="0"/>
+                                <a:latin typeface="Cambria Math"/>
                               </a:rPr>
                             </m:ctrlPr>
                           </m:sSubPr>
@@ -25650,7 +25654,7 @@
                 </p:txBody>
               </p:sp>
             </mc:Choice>
-            <mc:Fallback>
+            <mc:Fallback xmlns="">
               <p:sp>
                 <p:nvSpPr>
                   <p:cNvPr id="172" name="矩形 171">
@@ -25701,7 +25705,7 @@
             <p:cNvPr id="174" name="文本框 173">
               <a:extLst>
                 <a:ext uri="{FF2B5EF4-FFF2-40B4-BE49-F238E27FC236}">
-                  <a16:creationId xmlns:a16="http://schemas.microsoft.com/office/drawing/2014/main" id="{C64DAC9E-8A3B-4FC6-90FE-1E92074D76FA}"/>
+                  <a16:creationId xmlns:a16="http://schemas.microsoft.com/office/drawing/2014/main" xmlns="" id="{C64DAC9E-8A3B-4FC6-90FE-1E92074D76FA}"/>
                 </a:ext>
               </a:extLst>
             </p:cNvPr>
@@ -25737,7 +25741,7 @@
             <p:cNvPr id="175" name="文本框 174">
               <a:extLst>
                 <a:ext uri="{FF2B5EF4-FFF2-40B4-BE49-F238E27FC236}">
-                  <a16:creationId xmlns:a16="http://schemas.microsoft.com/office/drawing/2014/main" id="{D4469277-BE79-46C0-982F-88585D3F9386}"/>
+                  <a16:creationId xmlns:a16="http://schemas.microsoft.com/office/drawing/2014/main" xmlns="" id="{D4469277-BE79-46C0-982F-88585D3F9386}"/>
                 </a:ext>
               </a:extLst>
             </p:cNvPr>
@@ -25773,7 +25777,7 @@
             <p:cNvPr id="176" name="文本框 175">
               <a:extLst>
                 <a:ext uri="{FF2B5EF4-FFF2-40B4-BE49-F238E27FC236}">
-                  <a16:creationId xmlns:a16="http://schemas.microsoft.com/office/drawing/2014/main" id="{B310478A-454C-4F1D-A26E-4BD294F46A08}"/>
+                  <a16:creationId xmlns:a16="http://schemas.microsoft.com/office/drawing/2014/main" xmlns="" id="{B310478A-454C-4F1D-A26E-4BD294F46A08}"/>
                 </a:ext>
               </a:extLst>
             </p:cNvPr>
@@ -25809,7 +25813,7 @@
             <p:cNvPr id="177" name="文本框 176">
               <a:extLst>
                 <a:ext uri="{FF2B5EF4-FFF2-40B4-BE49-F238E27FC236}">
-                  <a16:creationId xmlns:a16="http://schemas.microsoft.com/office/drawing/2014/main" id="{91B518D8-1B82-4A82-9D39-D77CEBCEA419}"/>
+                  <a16:creationId xmlns:a16="http://schemas.microsoft.com/office/drawing/2014/main" xmlns="" id="{91B518D8-1B82-4A82-9D39-D77CEBCEA419}"/>
                 </a:ext>
               </a:extLst>
             </p:cNvPr>
@@ -25845,7 +25849,7 @@
             <p:cNvPr id="178" name="文本框 177">
               <a:extLst>
                 <a:ext uri="{FF2B5EF4-FFF2-40B4-BE49-F238E27FC236}">
-                  <a16:creationId xmlns:a16="http://schemas.microsoft.com/office/drawing/2014/main" id="{62AE65D1-BBD2-4212-AE39-45BCD2EA5195}"/>
+                  <a16:creationId xmlns:a16="http://schemas.microsoft.com/office/drawing/2014/main" xmlns="" id="{62AE65D1-BBD2-4212-AE39-45BCD2EA5195}"/>
                 </a:ext>
               </a:extLst>
             </p:cNvPr>
@@ -25881,7 +25885,7 @@
             <p:cNvPr id="180" name="直接连接符 179">
               <a:extLst>
                 <a:ext uri="{FF2B5EF4-FFF2-40B4-BE49-F238E27FC236}">
-                  <a16:creationId xmlns:a16="http://schemas.microsoft.com/office/drawing/2014/main" id="{02D3E1C8-1610-4125-89A5-4C19262270BF}"/>
+                  <a16:creationId xmlns:a16="http://schemas.microsoft.com/office/drawing/2014/main" xmlns="" id="{02D3E1C8-1610-4125-89A5-4C19262270BF}"/>
                 </a:ext>
               </a:extLst>
             </p:cNvPr>
@@ -25917,7 +25921,7 @@
             <p:cNvPr id="181" name="直接连接符 180">
               <a:extLst>
                 <a:ext uri="{FF2B5EF4-FFF2-40B4-BE49-F238E27FC236}">
-                  <a16:creationId xmlns:a16="http://schemas.microsoft.com/office/drawing/2014/main" id="{C68C6CCE-4E60-42F7-B684-66AF6F68A116}"/>
+                  <a16:creationId xmlns:a16="http://schemas.microsoft.com/office/drawing/2014/main" xmlns="" id="{C68C6CCE-4E60-42F7-B684-66AF6F68A116}"/>
                 </a:ext>
               </a:extLst>
             </p:cNvPr>
@@ -25953,7 +25957,7 @@
             <p:cNvPr id="182" name="直接连接符 181">
               <a:extLst>
                 <a:ext uri="{FF2B5EF4-FFF2-40B4-BE49-F238E27FC236}">
-                  <a16:creationId xmlns:a16="http://schemas.microsoft.com/office/drawing/2014/main" id="{E22B569A-BB76-47C3-A545-C9E607955CD2}"/>
+                  <a16:creationId xmlns:a16="http://schemas.microsoft.com/office/drawing/2014/main" xmlns="" id="{E22B569A-BB76-47C3-A545-C9E607955CD2}"/>
                 </a:ext>
               </a:extLst>
             </p:cNvPr>
@@ -25990,7 +25994,7 @@
           <p:cNvPr id="183" name="文本框 182">
             <a:extLst>
               <a:ext uri="{FF2B5EF4-FFF2-40B4-BE49-F238E27FC236}">
-                <a16:creationId xmlns:a16="http://schemas.microsoft.com/office/drawing/2014/main" id="{027BB2E5-73AE-4476-8CEB-607813F18F74}"/>
+                <a16:creationId xmlns:a16="http://schemas.microsoft.com/office/drawing/2014/main" xmlns="" id="{027BB2E5-73AE-4476-8CEB-607813F18F74}"/>
               </a:ext>
             </a:extLst>
           </p:cNvPr>
@@ -26030,7 +26034,7 @@
           <p:cNvPr id="185" name="文本框 184">
             <a:extLst>
               <a:ext uri="{FF2B5EF4-FFF2-40B4-BE49-F238E27FC236}">
-                <a16:creationId xmlns:a16="http://schemas.microsoft.com/office/drawing/2014/main" id="{E044E63A-7CFB-4919-B45E-5EC7A63C8D78}"/>
+                <a16:creationId xmlns:a16="http://schemas.microsoft.com/office/drawing/2014/main" xmlns="" id="{E044E63A-7CFB-4919-B45E-5EC7A63C8D78}"/>
               </a:ext>
             </a:extLst>
           </p:cNvPr>
@@ -26104,7 +26108,7 @@
           <p:cNvPr id="5" name="表格 5">
             <a:extLst>
               <a:ext uri="{FF2B5EF4-FFF2-40B4-BE49-F238E27FC236}">
-                <a16:creationId xmlns:a16="http://schemas.microsoft.com/office/drawing/2014/main" id="{49E7C819-DAA1-439E-B680-642ABA57E053}"/>
+                <a16:creationId xmlns="" xmlns:a16="http://schemas.microsoft.com/office/drawing/2014/main" id="{49E7C819-DAA1-439E-B680-642ABA57E053}"/>
               </a:ext>
             </a:extLst>
           </p:cNvPr>
@@ -26114,7 +26118,7 @@
           <p:nvPr>
             <p:extLst>
               <p:ext uri="{D42A27DB-BD31-4B8C-83A1-F6EECF244321}">
-                <p14:modId xmlns:p14="http://schemas.microsoft.com/office/powerpoint/2010/main" val="3117006982"/>
+                <p14:modId xmlns:p14="http://schemas.microsoft.com/office/powerpoint/2010/main" val="451704690"/>
               </p:ext>
             </p:extLst>
           </p:nvPr>
@@ -26133,35 +26137,35 @@
                 <a:gridCol w="1002535">
                   <a:extLst>
                     <a:ext uri="{9D8B030D-6E8A-4147-A177-3AD203B41FA5}">
-                      <a16:colId xmlns:a16="http://schemas.microsoft.com/office/drawing/2014/main" val="1365192702"/>
+                      <a16:colId xmlns="" xmlns:a16="http://schemas.microsoft.com/office/drawing/2014/main" val="1365192702"/>
                     </a:ext>
                   </a:extLst>
                 </a:gridCol>
                 <a:gridCol w="1002535">
                   <a:extLst>
                     <a:ext uri="{9D8B030D-6E8A-4147-A177-3AD203B41FA5}">
-                      <a16:colId xmlns:a16="http://schemas.microsoft.com/office/drawing/2014/main" val="2595605041"/>
+                      <a16:colId xmlns="" xmlns:a16="http://schemas.microsoft.com/office/drawing/2014/main" val="2595605041"/>
                     </a:ext>
                   </a:extLst>
                 </a:gridCol>
                 <a:gridCol w="1002535">
                   <a:extLst>
                     <a:ext uri="{9D8B030D-6E8A-4147-A177-3AD203B41FA5}">
-                      <a16:colId xmlns:a16="http://schemas.microsoft.com/office/drawing/2014/main" val="2779442753"/>
+                      <a16:colId xmlns="" xmlns:a16="http://schemas.microsoft.com/office/drawing/2014/main" val="2779442753"/>
                     </a:ext>
                   </a:extLst>
                 </a:gridCol>
                 <a:gridCol w="1002535">
                   <a:extLst>
                     <a:ext uri="{9D8B030D-6E8A-4147-A177-3AD203B41FA5}">
-                      <a16:colId xmlns:a16="http://schemas.microsoft.com/office/drawing/2014/main" val="926195899"/>
+                      <a16:colId xmlns="" xmlns:a16="http://schemas.microsoft.com/office/drawing/2014/main" val="926195899"/>
                     </a:ext>
                   </a:extLst>
                 </a:gridCol>
                 <a:gridCol w="1002535">
                   <a:extLst>
                     <a:ext uri="{9D8B030D-6E8A-4147-A177-3AD203B41FA5}">
-                      <a16:colId xmlns:a16="http://schemas.microsoft.com/office/drawing/2014/main" val="3119603738"/>
+                      <a16:colId xmlns="" xmlns:a16="http://schemas.microsoft.com/office/drawing/2014/main" val="3119603738"/>
                     </a:ext>
                   </a:extLst>
                 </a:gridCol>
@@ -26502,7 +26506,7 @@
                 </a:tc>
                 <a:extLst>
                   <a:ext uri="{0D108BD9-81ED-4DB2-BD59-A6C34878D82A}">
-                    <a16:rowId xmlns:a16="http://schemas.microsoft.com/office/drawing/2014/main" val="531758366"/>
+                    <a16:rowId xmlns="" xmlns:a16="http://schemas.microsoft.com/office/drawing/2014/main" val="531758366"/>
                   </a:ext>
                 </a:extLst>
               </a:tr>
@@ -26830,7 +26834,7 @@
                 </a:tc>
                 <a:extLst>
                   <a:ext uri="{0D108BD9-81ED-4DB2-BD59-A6C34878D82A}">
-                    <a16:rowId xmlns:a16="http://schemas.microsoft.com/office/drawing/2014/main" val="1253831527"/>
+                    <a16:rowId xmlns="" xmlns:a16="http://schemas.microsoft.com/office/drawing/2014/main" val="1253831527"/>
                   </a:ext>
                 </a:extLst>
               </a:tr>
@@ -27158,7 +27162,7 @@
                 </a:tc>
                 <a:extLst>
                   <a:ext uri="{0D108BD9-81ED-4DB2-BD59-A6C34878D82A}">
-                    <a16:rowId xmlns:a16="http://schemas.microsoft.com/office/drawing/2014/main" val="1944018984"/>
+                    <a16:rowId xmlns="" xmlns:a16="http://schemas.microsoft.com/office/drawing/2014/main" val="1944018984"/>
                   </a:ext>
                 </a:extLst>
               </a:tr>
@@ -27484,7 +27488,7 @@
                 </a:tc>
                 <a:extLst>
                   <a:ext uri="{0D108BD9-81ED-4DB2-BD59-A6C34878D82A}">
-                    <a16:rowId xmlns:a16="http://schemas.microsoft.com/office/drawing/2014/main" val="2250153574"/>
+                    <a16:rowId xmlns="" xmlns:a16="http://schemas.microsoft.com/office/drawing/2014/main" val="2250153574"/>
                   </a:ext>
                 </a:extLst>
               </a:tr>
@@ -27497,7 +27501,7 @@
           <p:cNvPr id="18" name="组合 17">
             <a:extLst>
               <a:ext uri="{FF2B5EF4-FFF2-40B4-BE49-F238E27FC236}">
-                <a16:creationId xmlns:a16="http://schemas.microsoft.com/office/drawing/2014/main" id="{4D17FDCD-2E97-4728-853F-A86AFB64C703}"/>
+                <a16:creationId xmlns="" xmlns:a16="http://schemas.microsoft.com/office/drawing/2014/main" id="{4D17FDCD-2E97-4728-853F-A86AFB64C703}"/>
               </a:ext>
             </a:extLst>
           </p:cNvPr>
@@ -27517,7 +27521,7 @@
             <p:cNvPr id="16" name="组合 15">
               <a:extLst>
                 <a:ext uri="{FF2B5EF4-FFF2-40B4-BE49-F238E27FC236}">
-                  <a16:creationId xmlns:a16="http://schemas.microsoft.com/office/drawing/2014/main" id="{78AADE82-5E41-4C3D-B7D7-79CE56412C25}"/>
+                  <a16:creationId xmlns="" xmlns:a16="http://schemas.microsoft.com/office/drawing/2014/main" id="{78AADE82-5E41-4C3D-B7D7-79CE56412C25}"/>
                 </a:ext>
               </a:extLst>
             </p:cNvPr>
@@ -27537,7 +27541,7 @@
               <p:cNvPr id="3" name="矩形 2">
                 <a:extLst>
                   <a:ext uri="{FF2B5EF4-FFF2-40B4-BE49-F238E27FC236}">
-                    <a16:creationId xmlns:a16="http://schemas.microsoft.com/office/drawing/2014/main" id="{B2A29C48-B6D2-4092-8E0B-8B17DB9AE7D0}"/>
+                    <a16:creationId xmlns="" xmlns:a16="http://schemas.microsoft.com/office/drawing/2014/main" id="{B2A29C48-B6D2-4092-8E0B-8B17DB9AE7D0}"/>
                   </a:ext>
                 </a:extLst>
               </p:cNvPr>
@@ -27589,7 +27593,7 @@
               <p:cNvPr id="14" name="直接连接符 13">
                 <a:extLst>
                   <a:ext uri="{FF2B5EF4-FFF2-40B4-BE49-F238E27FC236}">
-                    <a16:creationId xmlns:a16="http://schemas.microsoft.com/office/drawing/2014/main" id="{12CB4EE1-43C8-49B3-AE2E-742501F4974E}"/>
+                    <a16:creationId xmlns="" xmlns:a16="http://schemas.microsoft.com/office/drawing/2014/main" id="{12CB4EE1-43C8-49B3-AE2E-742501F4974E}"/>
                   </a:ext>
                 </a:extLst>
               </p:cNvPr>
@@ -27633,7 +27637,7 @@
             <p:cNvPr id="15" name="直接连接符 14">
               <a:extLst>
                 <a:ext uri="{FF2B5EF4-FFF2-40B4-BE49-F238E27FC236}">
-                  <a16:creationId xmlns:a16="http://schemas.microsoft.com/office/drawing/2014/main" id="{1323E7A1-A3FF-4026-AC33-CADD9854D944}"/>
+                  <a16:creationId xmlns="" xmlns:a16="http://schemas.microsoft.com/office/drawing/2014/main" id="{1323E7A1-A3FF-4026-AC33-CADD9854D944}"/>
                 </a:ext>
               </a:extLst>
             </p:cNvPr>
@@ -27676,7 +27680,7 @@
             <p:cNvPr id="17" name="直接连接符 16">
               <a:extLst>
                 <a:ext uri="{FF2B5EF4-FFF2-40B4-BE49-F238E27FC236}">
-                  <a16:creationId xmlns:a16="http://schemas.microsoft.com/office/drawing/2014/main" id="{B9CACF79-8F27-402B-B178-61124449A7EA}"/>
+                  <a16:creationId xmlns="" xmlns:a16="http://schemas.microsoft.com/office/drawing/2014/main" id="{B9CACF79-8F27-402B-B178-61124449A7EA}"/>
                 </a:ext>
               </a:extLst>
             </p:cNvPr>
@@ -27719,7 +27723,7 @@
             <p:cNvPr id="188" name="直接连接符 187">
               <a:extLst>
                 <a:ext uri="{FF2B5EF4-FFF2-40B4-BE49-F238E27FC236}">
-                  <a16:creationId xmlns:a16="http://schemas.microsoft.com/office/drawing/2014/main" id="{D38531D5-F636-430D-9514-9538E0D6E37C}"/>
+                  <a16:creationId xmlns="" xmlns:a16="http://schemas.microsoft.com/office/drawing/2014/main" id="{D38531D5-F636-430D-9514-9538E0D6E37C}"/>
                 </a:ext>
               </a:extLst>
             </p:cNvPr>
@@ -27758,156 +27762,472 @@
           </p:style>
         </p:cxnSp>
       </p:grpSp>
-      <p:sp>
-        <p:nvSpPr>
-          <p:cNvPr id="19" name="文本框 18">
-            <a:extLst>
-              <a:ext uri="{FF2B5EF4-FFF2-40B4-BE49-F238E27FC236}">
-                <a16:creationId xmlns:a16="http://schemas.microsoft.com/office/drawing/2014/main" id="{9AD3B861-0FA9-4F9F-8CFA-0EE5A44238FE}"/>
-              </a:ext>
-            </a:extLst>
-          </p:cNvPr>
-          <p:cNvSpPr txBox="1"/>
-          <p:nvPr/>
-        </p:nvSpPr>
-        <p:spPr>
-          <a:xfrm>
-            <a:off x="18695" y="913115"/>
-            <a:ext cx="587672" cy="399260"/>
-          </a:xfrm>
-          <a:prstGeom prst="rect">
-            <a:avLst/>
-          </a:prstGeom>
-          <a:noFill/>
-        </p:spPr>
-        <p:txBody>
-          <a:bodyPr wrap="square" rtlCol="0">
-            <a:spAutoFit/>
-          </a:bodyPr>
-          <a:lstStyle/>
-          <a:p>
-            <a:r>
-              <a:rPr lang="en-US" altLang="zh-CN" sz="2400" b="1" dirty="0"/>
-              <a:t>D1</a:t>
-            </a:r>
-            <a:endParaRPr lang="zh-CN" altLang="en-US" sz="2400" b="1" dirty="0"/>
-          </a:p>
-        </p:txBody>
-      </p:sp>
-      <p:sp>
-        <p:nvSpPr>
-          <p:cNvPr id="20" name="文本框 19">
-            <a:extLst>
-              <a:ext uri="{FF2B5EF4-FFF2-40B4-BE49-F238E27FC236}">
-                <a16:creationId xmlns:a16="http://schemas.microsoft.com/office/drawing/2014/main" id="{150FC204-1D59-47D4-AF08-01907A523FE2}"/>
-              </a:ext>
-            </a:extLst>
-          </p:cNvPr>
-          <p:cNvSpPr txBox="1"/>
-          <p:nvPr/>
-        </p:nvSpPr>
-        <p:spPr>
-          <a:xfrm>
-            <a:off x="670102" y="901429"/>
-            <a:ext cx="587672" cy="399260"/>
-          </a:xfrm>
-          <a:prstGeom prst="rect">
-            <a:avLst/>
-          </a:prstGeom>
-          <a:noFill/>
-        </p:spPr>
-        <p:txBody>
-          <a:bodyPr wrap="square" rtlCol="0">
-            <a:spAutoFit/>
-          </a:bodyPr>
-          <a:lstStyle/>
-          <a:p>
-            <a:r>
-              <a:rPr lang="en-US" altLang="zh-CN" sz="2400" b="1" dirty="0"/>
-              <a:t>D2</a:t>
-            </a:r>
-            <a:endParaRPr lang="zh-CN" altLang="en-US" sz="2400" b="1" dirty="0"/>
-          </a:p>
-        </p:txBody>
-      </p:sp>
-      <p:sp>
-        <p:nvSpPr>
-          <p:cNvPr id="21" name="文本框 20">
-            <a:extLst>
-              <a:ext uri="{FF2B5EF4-FFF2-40B4-BE49-F238E27FC236}">
-                <a16:creationId xmlns:a16="http://schemas.microsoft.com/office/drawing/2014/main" id="{7144D6AD-BD57-4D3B-91C2-593F9B45F6A2}"/>
-              </a:ext>
-            </a:extLst>
-          </p:cNvPr>
-          <p:cNvSpPr txBox="1"/>
-          <p:nvPr/>
-        </p:nvSpPr>
-        <p:spPr>
-          <a:xfrm>
-            <a:off x="1327497" y="901429"/>
-            <a:ext cx="587672" cy="399260"/>
-          </a:xfrm>
-          <a:prstGeom prst="rect">
-            <a:avLst/>
-          </a:prstGeom>
-          <a:noFill/>
-        </p:spPr>
-        <p:txBody>
-          <a:bodyPr wrap="square" rtlCol="0">
-            <a:spAutoFit/>
-          </a:bodyPr>
-          <a:lstStyle/>
-          <a:p>
-            <a:r>
-              <a:rPr lang="en-US" altLang="zh-CN" sz="2400" b="1" dirty="0"/>
-              <a:t>D3</a:t>
-            </a:r>
-            <a:endParaRPr lang="zh-CN" altLang="en-US" sz="2400" b="1" dirty="0"/>
-          </a:p>
-        </p:txBody>
-      </p:sp>
-      <p:sp>
-        <p:nvSpPr>
-          <p:cNvPr id="22" name="文本框 21">
-            <a:extLst>
-              <a:ext uri="{FF2B5EF4-FFF2-40B4-BE49-F238E27FC236}">
-                <a16:creationId xmlns:a16="http://schemas.microsoft.com/office/drawing/2014/main" id="{B5ACB6A4-5BEF-4930-85BC-9D68F3392072}"/>
-              </a:ext>
-            </a:extLst>
-          </p:cNvPr>
-          <p:cNvSpPr txBox="1"/>
-          <p:nvPr/>
-        </p:nvSpPr>
-        <p:spPr>
-          <a:xfrm>
-            <a:off x="2640685" y="906752"/>
-            <a:ext cx="587672" cy="461665"/>
-          </a:xfrm>
-          <a:prstGeom prst="rect">
-            <a:avLst/>
-          </a:prstGeom>
-          <a:noFill/>
-        </p:spPr>
-        <p:txBody>
-          <a:bodyPr wrap="square" rtlCol="0">
-            <a:spAutoFit/>
-          </a:bodyPr>
-          <a:lstStyle/>
-          <a:p>
-            <a:r>
-              <a:rPr lang="en-US" altLang="zh-CN" sz="2400" b="1" dirty="0"/>
-              <a:t>D5</a:t>
-            </a:r>
-            <a:endParaRPr lang="zh-CN" altLang="en-US" sz="2400" b="1" dirty="0"/>
-          </a:p>
-        </p:txBody>
-      </p:sp>
+      <mc:AlternateContent xmlns:mc="http://schemas.openxmlformats.org/markup-compatibility/2006" xmlns:a14="http://schemas.microsoft.com/office/drawing/2010/main">
+        <mc:Choice Requires="a14">
+          <p:sp>
+            <p:nvSpPr>
+              <p:cNvPr id="19" name="文本框 18">
+                <a:extLst>
+                  <a:ext uri="{FF2B5EF4-FFF2-40B4-BE49-F238E27FC236}">
+                    <a16:creationId xmlns="" xmlns:a16="http://schemas.microsoft.com/office/drawing/2014/main" id="{9AD3B861-0FA9-4F9F-8CFA-0EE5A44238FE}"/>
+                  </a:ext>
+                </a:extLst>
+              </p:cNvPr>
+              <p:cNvSpPr txBox="1"/>
+              <p:nvPr/>
+            </p:nvSpPr>
+            <p:spPr>
+              <a:xfrm>
+                <a:off x="18695" y="913115"/>
+                <a:ext cx="587672" cy="461665"/>
+              </a:xfrm>
+              <a:prstGeom prst="rect">
+                <a:avLst/>
+              </a:prstGeom>
+              <a:noFill/>
+            </p:spPr>
+            <p:txBody>
+              <a:bodyPr wrap="square" rtlCol="0">
+                <a:spAutoFit/>
+              </a:bodyPr>
+              <a:lstStyle/>
+              <a:p>
+                <a:pPr/>
+                <a14:m>
+                  <m:oMathPara xmlns:m="http://schemas.openxmlformats.org/officeDocument/2006/math">
+                    <m:oMathParaPr>
+                      <m:jc m:val="centerGroup"/>
+                    </m:oMathParaPr>
+                    <m:oMath xmlns:m="http://schemas.openxmlformats.org/officeDocument/2006/math">
+                      <m:sSub>
+                        <m:sSubPr>
+                          <m:ctrlPr>
+                            <a:rPr lang="en-US" altLang="zh-CN" sz="2400" b="1" i="1" smtClean="0">
+                              <a:latin typeface="Cambria Math"/>
+                            </a:rPr>
+                          </m:ctrlPr>
+                        </m:sSubPr>
+                        <m:e>
+                          <m:r>
+                            <a:rPr lang="en-US" altLang="zh-CN" sz="2400" b="1" i="1" smtClean="0">
+                              <a:latin typeface="Cambria Math"/>
+                            </a:rPr>
+                            <m:t>𝑫</m:t>
+                          </m:r>
+                        </m:e>
+                        <m:sub>
+                          <m:r>
+                            <a:rPr lang="en-US" altLang="zh-CN" sz="2400" b="1" i="1" smtClean="0">
+                              <a:latin typeface="Cambria Math"/>
+                            </a:rPr>
+                            <m:t>𝟏</m:t>
+                          </m:r>
+                        </m:sub>
+                      </m:sSub>
+                    </m:oMath>
+                  </m:oMathPara>
+                </a14:m>
+                <a:endParaRPr lang="zh-CN" altLang="en-US" sz="2400" b="1" dirty="0"/>
+              </a:p>
+            </p:txBody>
+          </p:sp>
+        </mc:Choice>
+        <mc:Fallback xmlns="">
+          <p:sp>
+            <p:nvSpPr>
+              <p:cNvPr id="19" name="文本框 18">
+                <a:extLst>
+                  <a:ext uri="{FF2B5EF4-FFF2-40B4-BE49-F238E27FC236}">
+                    <a16:creationId xmlns:a16="http://schemas.microsoft.com/office/drawing/2014/main" xmlns="" id="{9AD3B861-0FA9-4F9F-8CFA-0EE5A44238FE}"/>
+                  </a:ext>
+                </a:extLst>
+              </p:cNvPr>
+              <p:cNvSpPr txBox="1">
+                <a:spLocks noRot="1" noChangeAspect="1" noMove="1" noResize="1" noEditPoints="1" noAdjustHandles="1" noChangeArrowheads="1" noChangeShapeType="1" noTextEdit="1"/>
+              </p:cNvSpPr>
+              <p:nvPr/>
+            </p:nvSpPr>
+            <p:spPr>
+              <a:xfrm>
+                <a:off x="18695" y="913115"/>
+                <a:ext cx="587672" cy="461665"/>
+              </a:xfrm>
+              <a:prstGeom prst="rect">
+                <a:avLst/>
+              </a:prstGeom>
+              <a:blipFill rotWithShape="1">
+                <a:blip r:embed="rId2"/>
+                <a:stretch>
+                  <a:fillRect b="-1316"/>
+                </a:stretch>
+              </a:blipFill>
+            </p:spPr>
+            <p:txBody>
+              <a:bodyPr/>
+              <a:lstStyle/>
+              <a:p>
+                <a:r>
+                  <a:rPr lang="zh-CN" altLang="en-US">
+                    <a:noFill/>
+                  </a:rPr>
+                  <a:t> </a:t>
+                </a:r>
+              </a:p>
+            </p:txBody>
+          </p:sp>
+        </mc:Fallback>
+      </mc:AlternateContent>
+      <mc:AlternateContent xmlns:mc="http://schemas.openxmlformats.org/markup-compatibility/2006" xmlns:a14="http://schemas.microsoft.com/office/drawing/2010/main">
+        <mc:Choice Requires="a14">
+          <p:sp>
+            <p:nvSpPr>
+              <p:cNvPr id="20" name="文本框 19">
+                <a:extLst>
+                  <a:ext uri="{FF2B5EF4-FFF2-40B4-BE49-F238E27FC236}">
+                    <a16:creationId xmlns="" xmlns:a16="http://schemas.microsoft.com/office/drawing/2014/main" id="{150FC204-1D59-47D4-AF08-01907A523FE2}"/>
+                  </a:ext>
+                </a:extLst>
+              </p:cNvPr>
+              <p:cNvSpPr txBox="1"/>
+              <p:nvPr/>
+            </p:nvSpPr>
+            <p:spPr>
+              <a:xfrm>
+                <a:off x="670102" y="901429"/>
+                <a:ext cx="587672" cy="461665"/>
+              </a:xfrm>
+              <a:prstGeom prst="rect">
+                <a:avLst/>
+              </a:prstGeom>
+              <a:noFill/>
+            </p:spPr>
+            <p:txBody>
+              <a:bodyPr wrap="square" rtlCol="0">
+                <a:spAutoFit/>
+              </a:bodyPr>
+              <a:lstStyle/>
+              <a:p>
+                <a:pPr/>
+                <a14:m>
+                  <m:oMathPara xmlns:m="http://schemas.openxmlformats.org/officeDocument/2006/math">
+                    <m:oMathParaPr>
+                      <m:jc m:val="centerGroup"/>
+                    </m:oMathParaPr>
+                    <m:oMath xmlns:m="http://schemas.openxmlformats.org/officeDocument/2006/math">
+                      <m:sSub>
+                        <m:sSubPr>
+                          <m:ctrlPr>
+                            <a:rPr lang="en-US" altLang="zh-CN" sz="2400" b="1" i="1" smtClean="0">
+                              <a:latin typeface="Cambria Math"/>
+                            </a:rPr>
+                          </m:ctrlPr>
+                        </m:sSubPr>
+                        <m:e>
+                          <m:r>
+                            <a:rPr lang="en-US" altLang="zh-CN" sz="2400" b="1" i="1">
+                              <a:latin typeface="Cambria Math"/>
+                            </a:rPr>
+                            <m:t>𝑫</m:t>
+                          </m:r>
+                        </m:e>
+                        <m:sub>
+                          <m:r>
+                            <a:rPr lang="en-US" altLang="zh-CN" sz="2400" b="1" i="1" smtClean="0">
+                              <a:latin typeface="Cambria Math"/>
+                            </a:rPr>
+                            <m:t>𝟐</m:t>
+                          </m:r>
+                        </m:sub>
+                      </m:sSub>
+                    </m:oMath>
+                  </m:oMathPara>
+                </a14:m>
+                <a:endParaRPr lang="zh-CN" altLang="en-US" sz="2400" b="1" dirty="0"/>
+              </a:p>
+            </p:txBody>
+          </p:sp>
+        </mc:Choice>
+        <mc:Fallback xmlns="">
+          <p:sp>
+            <p:nvSpPr>
+              <p:cNvPr id="20" name="文本框 19">
+                <a:extLst>
+                  <a:ext uri="{FF2B5EF4-FFF2-40B4-BE49-F238E27FC236}">
+                    <a16:creationId xmlns:a16="http://schemas.microsoft.com/office/drawing/2014/main" xmlns="" id="{150FC204-1D59-47D4-AF08-01907A523FE2}"/>
+                  </a:ext>
+                </a:extLst>
+              </p:cNvPr>
+              <p:cNvSpPr txBox="1">
+                <a:spLocks noRot="1" noChangeAspect="1" noMove="1" noResize="1" noEditPoints="1" noAdjustHandles="1" noChangeArrowheads="1" noChangeShapeType="1" noTextEdit="1"/>
+              </p:cNvSpPr>
+              <p:nvPr/>
+            </p:nvSpPr>
+            <p:spPr>
+              <a:xfrm>
+                <a:off x="670102" y="901429"/>
+                <a:ext cx="587672" cy="461665"/>
+              </a:xfrm>
+              <a:prstGeom prst="rect">
+                <a:avLst/>
+              </a:prstGeom>
+              <a:blipFill rotWithShape="1">
+                <a:blip r:embed="rId3"/>
+                <a:stretch>
+                  <a:fillRect l="-1042" b="-1316"/>
+                </a:stretch>
+              </a:blipFill>
+            </p:spPr>
+            <p:txBody>
+              <a:bodyPr/>
+              <a:lstStyle/>
+              <a:p>
+                <a:r>
+                  <a:rPr lang="zh-CN" altLang="en-US">
+                    <a:noFill/>
+                  </a:rPr>
+                  <a:t> </a:t>
+                </a:r>
+              </a:p>
+            </p:txBody>
+          </p:sp>
+        </mc:Fallback>
+      </mc:AlternateContent>
+      <mc:AlternateContent xmlns:mc="http://schemas.openxmlformats.org/markup-compatibility/2006" xmlns:a14="http://schemas.microsoft.com/office/drawing/2010/main">
+        <mc:Choice Requires="a14">
+          <p:sp>
+            <p:nvSpPr>
+              <p:cNvPr id="21" name="文本框 20">
+                <a:extLst>
+                  <a:ext uri="{FF2B5EF4-FFF2-40B4-BE49-F238E27FC236}">
+                    <a16:creationId xmlns="" xmlns:a16="http://schemas.microsoft.com/office/drawing/2014/main" id="{7144D6AD-BD57-4D3B-91C2-593F9B45F6A2}"/>
+                  </a:ext>
+                </a:extLst>
+              </p:cNvPr>
+              <p:cNvSpPr txBox="1"/>
+              <p:nvPr/>
+            </p:nvSpPr>
+            <p:spPr>
+              <a:xfrm>
+                <a:off x="1327497" y="901429"/>
+                <a:ext cx="587672" cy="461665"/>
+              </a:xfrm>
+              <a:prstGeom prst="rect">
+                <a:avLst/>
+              </a:prstGeom>
+              <a:noFill/>
+            </p:spPr>
+            <p:txBody>
+              <a:bodyPr wrap="square" rtlCol="0">
+                <a:spAutoFit/>
+              </a:bodyPr>
+              <a:lstStyle/>
+              <a:p>
+                <a:pPr/>
+                <a14:m>
+                  <m:oMathPara xmlns:m="http://schemas.openxmlformats.org/officeDocument/2006/math">
+                    <m:oMathParaPr>
+                      <m:jc m:val="centerGroup"/>
+                    </m:oMathParaPr>
+                    <m:oMath xmlns:m="http://schemas.openxmlformats.org/officeDocument/2006/math">
+                      <m:sSub>
+                        <m:sSubPr>
+                          <m:ctrlPr>
+                            <a:rPr lang="en-US" altLang="zh-CN" sz="2400" b="1" i="1" smtClean="0">
+                              <a:latin typeface="Cambria Math"/>
+                            </a:rPr>
+                          </m:ctrlPr>
+                        </m:sSubPr>
+                        <m:e>
+                          <m:r>
+                            <a:rPr lang="en-US" altLang="zh-CN" sz="2400" b="1" i="1">
+                              <a:latin typeface="Cambria Math"/>
+                            </a:rPr>
+                            <m:t>𝑫</m:t>
+                          </m:r>
+                        </m:e>
+                        <m:sub>
+                          <m:r>
+                            <a:rPr lang="en-US" altLang="zh-CN" sz="2400" b="1" i="1" smtClean="0">
+                              <a:latin typeface="Cambria Math"/>
+                            </a:rPr>
+                            <m:t>𝟑</m:t>
+                          </m:r>
+                        </m:sub>
+                      </m:sSub>
+                    </m:oMath>
+                  </m:oMathPara>
+                </a14:m>
+                <a:endParaRPr lang="zh-CN" altLang="en-US" sz="2400" b="1" dirty="0"/>
+              </a:p>
+            </p:txBody>
+          </p:sp>
+        </mc:Choice>
+        <mc:Fallback xmlns="">
+          <p:sp>
+            <p:nvSpPr>
+              <p:cNvPr id="21" name="文本框 20">
+                <a:extLst>
+                  <a:ext uri="{FF2B5EF4-FFF2-40B4-BE49-F238E27FC236}">
+                    <a16:creationId xmlns:a16="http://schemas.microsoft.com/office/drawing/2014/main" xmlns="" id="{7144D6AD-BD57-4D3B-91C2-593F9B45F6A2}"/>
+                  </a:ext>
+                </a:extLst>
+              </p:cNvPr>
+              <p:cNvSpPr txBox="1">
+                <a:spLocks noRot="1" noChangeAspect="1" noMove="1" noResize="1" noEditPoints="1" noAdjustHandles="1" noChangeArrowheads="1" noChangeShapeType="1" noTextEdit="1"/>
+              </p:cNvSpPr>
+              <p:nvPr/>
+            </p:nvSpPr>
+            <p:spPr>
+              <a:xfrm>
+                <a:off x="1327497" y="901429"/>
+                <a:ext cx="587672" cy="461665"/>
+              </a:xfrm>
+              <a:prstGeom prst="rect">
+                <a:avLst/>
+              </a:prstGeom>
+              <a:blipFill rotWithShape="1">
+                <a:blip r:embed="rId4"/>
+                <a:stretch>
+                  <a:fillRect l="-1042" b="-1316"/>
+                </a:stretch>
+              </a:blipFill>
+            </p:spPr>
+            <p:txBody>
+              <a:bodyPr/>
+              <a:lstStyle/>
+              <a:p>
+                <a:r>
+                  <a:rPr lang="zh-CN" altLang="en-US">
+                    <a:noFill/>
+                  </a:rPr>
+                  <a:t> </a:t>
+                </a:r>
+              </a:p>
+            </p:txBody>
+          </p:sp>
+        </mc:Fallback>
+      </mc:AlternateContent>
+      <mc:AlternateContent xmlns:mc="http://schemas.openxmlformats.org/markup-compatibility/2006" xmlns:a14="http://schemas.microsoft.com/office/drawing/2010/main">
+        <mc:Choice Requires="a14">
+          <p:sp>
+            <p:nvSpPr>
+              <p:cNvPr id="22" name="文本框 21">
+                <a:extLst>
+                  <a:ext uri="{FF2B5EF4-FFF2-40B4-BE49-F238E27FC236}">
+                    <a16:creationId xmlns="" xmlns:a16="http://schemas.microsoft.com/office/drawing/2014/main" id="{B5ACB6A4-5BEF-4930-85BC-9D68F3392072}"/>
+                  </a:ext>
+                </a:extLst>
+              </p:cNvPr>
+              <p:cNvSpPr txBox="1"/>
+              <p:nvPr/>
+            </p:nvSpPr>
+            <p:spPr>
+              <a:xfrm>
+                <a:off x="2640685" y="906752"/>
+                <a:ext cx="587672" cy="461665"/>
+              </a:xfrm>
+              <a:prstGeom prst="rect">
+                <a:avLst/>
+              </a:prstGeom>
+              <a:noFill/>
+            </p:spPr>
+            <p:txBody>
+              <a:bodyPr wrap="square" rtlCol="0">
+                <a:spAutoFit/>
+              </a:bodyPr>
+              <a:lstStyle/>
+              <a:p>
+                <a:pPr/>
+                <a14:m>
+                  <m:oMathPara xmlns:m="http://schemas.openxmlformats.org/officeDocument/2006/math">
+                    <m:oMathParaPr>
+                      <m:jc m:val="centerGroup"/>
+                    </m:oMathParaPr>
+                    <m:oMath xmlns:m="http://schemas.openxmlformats.org/officeDocument/2006/math">
+                      <m:sSub>
+                        <m:sSubPr>
+                          <m:ctrlPr>
+                            <a:rPr lang="en-US" altLang="zh-CN" sz="2400" b="1" i="1" smtClean="0">
+                              <a:latin typeface="Cambria Math"/>
+                            </a:rPr>
+                          </m:ctrlPr>
+                        </m:sSubPr>
+                        <m:e>
+                          <m:r>
+                            <a:rPr lang="en-US" altLang="zh-CN" sz="2400" b="1" i="1">
+                              <a:latin typeface="Cambria Math"/>
+                            </a:rPr>
+                            <m:t>𝑫</m:t>
+                          </m:r>
+                        </m:e>
+                        <m:sub>
+                          <m:r>
+                            <a:rPr lang="en-US" altLang="zh-CN" sz="2400" b="1" i="1" smtClean="0">
+                              <a:latin typeface="Cambria Math"/>
+                            </a:rPr>
+                            <m:t>𝟓</m:t>
+                          </m:r>
+                        </m:sub>
+                      </m:sSub>
+                    </m:oMath>
+                  </m:oMathPara>
+                </a14:m>
+                <a:endParaRPr lang="zh-CN" altLang="en-US" sz="2400" b="1" dirty="0"/>
+              </a:p>
+            </p:txBody>
+          </p:sp>
+        </mc:Choice>
+        <mc:Fallback xmlns="">
+          <p:sp>
+            <p:nvSpPr>
+              <p:cNvPr id="22" name="文本框 21">
+                <a:extLst>
+                  <a:ext uri="{FF2B5EF4-FFF2-40B4-BE49-F238E27FC236}">
+                    <a16:creationId xmlns:a16="http://schemas.microsoft.com/office/drawing/2014/main" xmlns="" id="{B5ACB6A4-5BEF-4930-85BC-9D68F3392072}"/>
+                  </a:ext>
+                </a:extLst>
+              </p:cNvPr>
+              <p:cNvSpPr txBox="1">
+                <a:spLocks noRot="1" noChangeAspect="1" noMove="1" noResize="1" noEditPoints="1" noAdjustHandles="1" noChangeArrowheads="1" noChangeShapeType="1" noTextEdit="1"/>
+              </p:cNvSpPr>
+              <p:nvPr/>
+            </p:nvSpPr>
+            <p:spPr>
+              <a:xfrm>
+                <a:off x="2640685" y="906752"/>
+                <a:ext cx="587672" cy="461665"/>
+              </a:xfrm>
+              <a:prstGeom prst="rect">
+                <a:avLst/>
+              </a:prstGeom>
+              <a:blipFill rotWithShape="1">
+                <a:blip r:embed="rId5"/>
+                <a:stretch>
+                  <a:fillRect b="-4000"/>
+                </a:stretch>
+              </a:blipFill>
+            </p:spPr>
+            <p:txBody>
+              <a:bodyPr/>
+              <a:lstStyle/>
+              <a:p>
+                <a:r>
+                  <a:rPr lang="zh-CN" altLang="en-US">
+                    <a:noFill/>
+                  </a:rPr>
+                  <a:t> </a:t>
+                </a:r>
+              </a:p>
+            </p:txBody>
+          </p:sp>
+        </mc:Fallback>
+      </mc:AlternateContent>
       <p:sp>
         <p:nvSpPr>
           <p:cNvPr id="33" name="文本框 32">
             <a:extLst>
               <a:ext uri="{FF2B5EF4-FFF2-40B4-BE49-F238E27FC236}">
-                <a16:creationId xmlns:a16="http://schemas.microsoft.com/office/drawing/2014/main" id="{19B06D99-78E7-46F5-91F7-DC0C402D2EE9}"/>
+                <a16:creationId xmlns="" xmlns:a16="http://schemas.microsoft.com/office/drawing/2014/main" id="{19B06D99-78E7-46F5-91F7-DC0C402D2EE9}"/>
               </a:ext>
             </a:extLst>
           </p:cNvPr>
@@ -27942,7 +28262,7 @@
           <p:cNvPr id="2" name="矩形 1">
             <a:extLst>
               <a:ext uri="{FF2B5EF4-FFF2-40B4-BE49-F238E27FC236}">
-                <a16:creationId xmlns:a16="http://schemas.microsoft.com/office/drawing/2014/main" id="{C5160498-93FA-4AF1-AA8E-753D5ED06166}"/>
+                <a16:creationId xmlns="" xmlns:a16="http://schemas.microsoft.com/office/drawing/2014/main" id="{C5160498-93FA-4AF1-AA8E-753D5ED06166}"/>
               </a:ext>
             </a:extLst>
           </p:cNvPr>
@@ -27994,7 +28314,7 @@
           <p:cNvPr id="140" name="文本框 139">
             <a:extLst>
               <a:ext uri="{FF2B5EF4-FFF2-40B4-BE49-F238E27FC236}">
-                <a16:creationId xmlns:a16="http://schemas.microsoft.com/office/drawing/2014/main" id="{732EDF91-B5F4-4BAF-BD05-B7DE53BDD2D2}"/>
+                <a16:creationId xmlns="" xmlns:a16="http://schemas.microsoft.com/office/drawing/2014/main" id="{732EDF91-B5F4-4BAF-BD05-B7DE53BDD2D2}"/>
               </a:ext>
             </a:extLst>
           </p:cNvPr>
@@ -28029,14 +28349,14 @@
           </a:p>
         </p:txBody>
       </p:sp>
-      <mc:AlternateContent xmlns:mc="http://schemas.openxmlformats.org/markup-compatibility/2006">
-        <mc:Choice xmlns:a14="http://schemas.microsoft.com/office/drawing/2010/main" Requires="a14">
+      <mc:AlternateContent xmlns:mc="http://schemas.openxmlformats.org/markup-compatibility/2006" xmlns:a14="http://schemas.microsoft.com/office/drawing/2010/main">
+        <mc:Choice Requires="a14">
           <p:sp>
             <p:nvSpPr>
               <p:cNvPr id="88" name="文本框 87">
                 <a:extLst>
                   <a:ext uri="{FF2B5EF4-FFF2-40B4-BE49-F238E27FC236}">
-                    <a16:creationId xmlns:a16="http://schemas.microsoft.com/office/drawing/2014/main" id="{1B383783-A568-4B60-9218-A6899331C822}"/>
+                    <a16:creationId xmlns="" xmlns:a16="http://schemas.microsoft.com/office/drawing/2014/main" id="{1B383783-A568-4B60-9218-A6899331C822}"/>
                   </a:ext>
                 </a:extLst>
               </p:cNvPr>
@@ -28060,13 +28380,69 @@
               <a:lstStyle/>
               <a:p>
                 <a:r>
-                  <a:rPr lang="zh-CN" altLang="en-US" sz="2400" b="1" dirty="0"/>
+                  <a:rPr lang="zh-CN" altLang="en-US" sz="2400" b="1" dirty="0" smtClean="0"/>
                   <a:t>在</a:t>
                 </a:r>
-                <a:r>
-                  <a:rPr lang="en-US" altLang="zh-CN" sz="2400" b="1" dirty="0"/>
-                  <a:t>D1~D4</a:t>
-                </a:r>
+                <a14:m>
+                  <m:oMath xmlns:m="http://schemas.openxmlformats.org/officeDocument/2006/math">
+                    <m:sSub>
+                      <m:sSubPr>
+                        <m:ctrlPr>
+                          <a:rPr lang="en-US" altLang="zh-CN" sz="2400" b="1" i="1">
+                            <a:latin typeface="Cambria Math"/>
+                          </a:rPr>
+                        </m:ctrlPr>
+                      </m:sSubPr>
+                      <m:e>
+                        <m:r>
+                          <a:rPr lang="en-US" altLang="zh-CN" sz="2400" b="1" i="1">
+                            <a:latin typeface="Cambria Math"/>
+                          </a:rPr>
+                          <m:t>𝑫</m:t>
+                        </m:r>
+                      </m:e>
+                      <m:sub>
+                        <m:r>
+                          <a:rPr lang="en-US" altLang="zh-CN" sz="2400" b="1" i="1">
+                            <a:latin typeface="Cambria Math"/>
+                          </a:rPr>
+                          <m:t>𝟏</m:t>
+                        </m:r>
+                      </m:sub>
+                    </m:sSub>
+                    <m:r>
+                      <a:rPr lang="en-US" altLang="zh-CN" sz="2400" b="1" i="1" smtClean="0">
+                        <a:latin typeface="Cambria Math"/>
+                      </a:rPr>
+                      <m:t>~</m:t>
+                    </m:r>
+                    <m:sSub>
+                      <m:sSubPr>
+                        <m:ctrlPr>
+                          <a:rPr lang="en-US" altLang="zh-CN" sz="2400" b="1" i="1" smtClean="0">
+                            <a:latin typeface="Cambria Math"/>
+                          </a:rPr>
+                        </m:ctrlPr>
+                      </m:sSubPr>
+                      <m:e>
+                        <m:r>
+                          <a:rPr lang="en-US" altLang="zh-CN" sz="2400" b="1" i="1" smtClean="0">
+                            <a:latin typeface="Cambria Math"/>
+                          </a:rPr>
+                          <m:t>𝑫</m:t>
+                        </m:r>
+                      </m:e>
+                      <m:sub>
+                        <m:r>
+                          <a:rPr lang="en-US" altLang="zh-CN" sz="2400" b="1" i="1" smtClean="0">
+                            <a:latin typeface="Cambria Math"/>
+                          </a:rPr>
+                          <m:t>𝟓</m:t>
+                        </m:r>
+                      </m:sub>
+                    </m:sSub>
+                  </m:oMath>
+                </a14:m>
                 <a:r>
                   <a:rPr lang="zh-CN" altLang="en-US" sz="2400" b="1" dirty="0"/>
                   <a:t>上训练子模型：</a:t>
@@ -28077,7 +28453,7 @@
                       <m:sSubPr>
                         <m:ctrlPr>
                           <a:rPr lang="en-US" altLang="zh-CN" sz="2400" b="1" i="1" smtClean="0">
-                            <a:latin typeface="Cambria Math" panose="02040503050406030204" pitchFamily="18" charset="0"/>
+                            <a:latin typeface="Cambria Math"/>
                           </a:rPr>
                         </m:ctrlPr>
                       </m:sSubPr>
@@ -28108,7 +28484,7 @@
                       <m:sSubPr>
                         <m:ctrlPr>
                           <a:rPr lang="en-US" altLang="zh-CN" sz="2400" b="1" i="1" smtClean="0">
-                            <a:latin typeface="Cambria Math" panose="02040503050406030204" pitchFamily="18" charset="0"/>
+                            <a:latin typeface="Cambria Math"/>
                           </a:rPr>
                         </m:ctrlPr>
                       </m:sSubPr>
@@ -28139,7 +28515,7 @@
                       <m:sSubPr>
                         <m:ctrlPr>
                           <a:rPr lang="en-US" altLang="zh-CN" sz="2400" b="1" i="1" smtClean="0">
-                            <a:latin typeface="Cambria Math" panose="02040503050406030204" pitchFamily="18" charset="0"/>
+                            <a:latin typeface="Cambria Math"/>
                           </a:rPr>
                         </m:ctrlPr>
                       </m:sSubPr>
@@ -28173,13 +28549,13 @@
             </p:txBody>
           </p:sp>
         </mc:Choice>
-        <mc:Fallback>
+        <mc:Fallback xmlns="">
           <p:sp>
             <p:nvSpPr>
               <p:cNvPr id="88" name="文本框 87">
                 <a:extLst>
                   <a:ext uri="{FF2B5EF4-FFF2-40B4-BE49-F238E27FC236}">
-                    <a16:creationId xmlns:a16="http://schemas.microsoft.com/office/drawing/2014/main" id="{1B383783-A568-4B60-9218-A6899331C822}"/>
+                    <a16:creationId xmlns:a16="http://schemas.microsoft.com/office/drawing/2014/main" xmlns:a14="http://schemas.microsoft.com/office/drawing/2010/main" xmlns="" id="{1B383783-A568-4B60-9218-A6899331C822}"/>
                   </a:ext>
                 </a:extLst>
               </p:cNvPr>
@@ -28196,8 +28572,8 @@
               <a:prstGeom prst="rect">
                 <a:avLst/>
               </a:prstGeom>
-              <a:blipFill>
-                <a:blip r:embed="rId2"/>
+              <a:blipFill rotWithShape="1">
+                <a:blip r:embed="rId6"/>
                 <a:stretch>
                   <a:fillRect l="-3397" t="-5147" b="-16912"/>
                 </a:stretch>
@@ -28218,14 +28594,14 @@
           </p:sp>
         </mc:Fallback>
       </mc:AlternateContent>
-      <mc:AlternateContent xmlns:mc="http://schemas.openxmlformats.org/markup-compatibility/2006">
-        <mc:Choice xmlns:a14="http://schemas.microsoft.com/office/drawing/2010/main" Requires="a14">
+      <mc:AlternateContent xmlns:mc="http://schemas.openxmlformats.org/markup-compatibility/2006" xmlns:a14="http://schemas.microsoft.com/office/drawing/2010/main">
+        <mc:Choice Requires="a14">
           <p:sp>
             <p:nvSpPr>
               <p:cNvPr id="141" name="文本框 140">
                 <a:extLst>
                   <a:ext uri="{FF2B5EF4-FFF2-40B4-BE49-F238E27FC236}">
-                    <a16:creationId xmlns:a16="http://schemas.microsoft.com/office/drawing/2014/main" id="{1BA90917-8E4E-4EC1-B995-6FE55C624021}"/>
+                    <a16:creationId xmlns="" xmlns:a16="http://schemas.microsoft.com/office/drawing/2014/main" id="{1BA90917-8E4E-4EC1-B995-6FE55C624021}"/>
                   </a:ext>
                 </a:extLst>
               </p:cNvPr>
@@ -28234,8 +28610,8 @@
             </p:nvSpPr>
             <p:spPr>
               <a:xfrm>
-                <a:off x="271504" y="1595314"/>
-                <a:ext cx="1764940" cy="830997"/>
+                <a:off x="271503" y="1595314"/>
+                <a:ext cx="2876081" cy="830997"/>
               </a:xfrm>
               <a:prstGeom prst="rect">
                 <a:avLst/>
@@ -28249,77 +28625,133 @@
               <a:lstStyle/>
               <a:p>
                 <a:r>
+                  <a:rPr lang="zh-CN" altLang="en-US" sz="2400" b="1" dirty="0" smtClean="0"/>
+                  <a:t>类别</a:t>
+                </a:r>
+                <a:r>
                   <a:rPr lang="zh-CN" altLang="en-US" sz="2400" b="1" dirty="0"/>
-                  <a:t>定义类别：</a:t>
+                  <a:t>：</a:t>
                 </a:r>
                 <a14:m>
                   <m:oMath xmlns:m="http://schemas.openxmlformats.org/officeDocument/2006/math">
-                    <m:r>
-                      <a:rPr lang="en-US" altLang="zh-CN" sz="2400" b="1" i="0" smtClean="0">
-                        <a:latin typeface="Cambria Math" panose="02040503050406030204" pitchFamily="18" charset="0"/>
-                      </a:rPr>
-                      <m:t>𝐂</m:t>
-                    </m:r>
-                    <m:r>
-                      <a:rPr lang="en-US" altLang="zh-CN" sz="2400" b="1" i="1" smtClean="0">
-                        <a:latin typeface="Cambria Math" panose="02040503050406030204" pitchFamily="18" charset="0"/>
-                      </a:rPr>
-                      <m:t>𝟏</m:t>
-                    </m:r>
+                    <m:sSub>
+                      <m:sSubPr>
+                        <m:ctrlPr>
+                          <a:rPr lang="en-US" altLang="zh-CN" sz="2400" b="1" i="1" smtClean="0">
+                            <a:latin typeface="Cambria Math"/>
+                          </a:rPr>
+                        </m:ctrlPr>
+                      </m:sSubPr>
+                      <m:e>
+                        <m:r>
+                          <a:rPr lang="en-US" altLang="zh-CN" sz="2400" b="1" i="0" smtClean="0">
+                            <a:latin typeface="Cambria Math" panose="02040503050406030204" pitchFamily="18" charset="0"/>
+                          </a:rPr>
+                          <m:t>𝐂</m:t>
+                        </m:r>
+                      </m:e>
+                      <m:sub>
+                        <m:r>
+                          <a:rPr lang="en-US" altLang="zh-CN" sz="2400" b="1" i="1" smtClean="0">
+                            <a:latin typeface="Cambria Math"/>
+                          </a:rPr>
+                          <m:t>𝟏</m:t>
+                        </m:r>
+                      </m:sub>
+                    </m:sSub>
                     <m:r>
                       <a:rPr lang="zh-CN" altLang="en-US" sz="2400" b="1" i="1" smtClean="0">
                         <a:latin typeface="Cambria Math" panose="02040503050406030204" pitchFamily="18" charset="0"/>
                       </a:rPr>
                       <m:t>、</m:t>
                     </m:r>
-                    <m:r>
-                      <a:rPr lang="en-US" altLang="zh-CN" sz="2400" b="1" i="1" smtClean="0">
-                        <a:latin typeface="Cambria Math" panose="02040503050406030204" pitchFamily="18" charset="0"/>
-                      </a:rPr>
-                      <m:t>𝑪</m:t>
-                    </m:r>
-                    <m:r>
-                      <a:rPr lang="en-US" altLang="zh-CN" sz="2400" b="1" i="1" smtClean="0">
-                        <a:latin typeface="Cambria Math" panose="02040503050406030204" pitchFamily="18" charset="0"/>
-                      </a:rPr>
-                      <m:t>𝟐</m:t>
-                    </m:r>
+                    <m:sSub>
+                      <m:sSubPr>
+                        <m:ctrlPr>
+                          <a:rPr lang="en-US" altLang="zh-CN" sz="2400" b="1" i="1" smtClean="0">
+                            <a:latin typeface="Cambria Math"/>
+                          </a:rPr>
+                        </m:ctrlPr>
+                      </m:sSubPr>
+                      <m:e>
+                        <m:r>
+                          <a:rPr lang="en-US" altLang="zh-CN" sz="2400" b="1" i="1" smtClean="0">
+                            <a:latin typeface="Cambria Math" panose="02040503050406030204" pitchFamily="18" charset="0"/>
+                          </a:rPr>
+                          <m:t>𝑪</m:t>
+                        </m:r>
+                      </m:e>
+                      <m:sub>
+                        <m:r>
+                          <a:rPr lang="en-US" altLang="zh-CN" sz="2400" b="1" i="1" smtClean="0">
+                            <a:latin typeface="Cambria Math"/>
+                          </a:rPr>
+                          <m:t>𝟐</m:t>
+                        </m:r>
+                      </m:sub>
+                    </m:sSub>
                     <m:r>
                       <a:rPr lang="zh-CN" altLang="en-US" sz="2400" b="1" i="1" smtClean="0">
                         <a:latin typeface="Cambria Math" panose="02040503050406030204" pitchFamily="18" charset="0"/>
                       </a:rPr>
                       <m:t>、</m:t>
                     </m:r>
-                    <m:r>
-                      <a:rPr lang="en-US" altLang="zh-CN" sz="2400" b="1" i="1" smtClean="0">
-                        <a:latin typeface="Cambria Math" panose="02040503050406030204" pitchFamily="18" charset="0"/>
-                      </a:rPr>
-                      <m:t>𝑪</m:t>
-                    </m:r>
-                    <m:r>
-                      <a:rPr lang="en-US" altLang="zh-CN" sz="2400" b="1" i="1" smtClean="0">
-                        <a:latin typeface="Cambria Math" panose="02040503050406030204" pitchFamily="18" charset="0"/>
-                      </a:rPr>
-                      <m:t>𝟑</m:t>
-                    </m:r>
+                    <m:sSub>
+                      <m:sSubPr>
+                        <m:ctrlPr>
+                          <a:rPr lang="en-US" altLang="zh-CN" sz="2400" b="1" i="1" smtClean="0">
+                            <a:latin typeface="Cambria Math"/>
+                          </a:rPr>
+                        </m:ctrlPr>
+                      </m:sSubPr>
+                      <m:e>
+                        <m:r>
+                          <a:rPr lang="en-US" altLang="zh-CN" sz="2400" b="1" i="1" smtClean="0">
+                            <a:latin typeface="Cambria Math" panose="02040503050406030204" pitchFamily="18" charset="0"/>
+                          </a:rPr>
+                          <m:t>𝑪</m:t>
+                        </m:r>
+                      </m:e>
+                      <m:sub>
+                        <m:r>
+                          <a:rPr lang="en-US" altLang="zh-CN" sz="2400" b="1" i="1" smtClean="0">
+                            <a:latin typeface="Cambria Math"/>
+                          </a:rPr>
+                          <m:t>𝟑</m:t>
+                        </m:r>
+                      </m:sub>
+                    </m:sSub>
                     <m:r>
                       <a:rPr lang="zh-CN" altLang="en-US" sz="2400" b="1" i="1" smtClean="0">
                         <a:latin typeface="Cambria Math" panose="02040503050406030204" pitchFamily="18" charset="0"/>
                       </a:rPr>
                       <m:t>、</m:t>
                     </m:r>
-                    <m:r>
-                      <a:rPr lang="en-US" altLang="zh-CN" sz="2400" b="1" i="1" smtClean="0">
-                        <a:latin typeface="Cambria Math" panose="02040503050406030204" pitchFamily="18" charset="0"/>
-                      </a:rPr>
-                      <m:t>𝑪</m:t>
-                    </m:r>
-                    <m:r>
-                      <a:rPr lang="en-US" altLang="zh-CN" sz="2400" b="1" i="1" smtClean="0">
-                        <a:latin typeface="Cambria Math" panose="02040503050406030204" pitchFamily="18" charset="0"/>
-                      </a:rPr>
-                      <m:t>𝟒</m:t>
-                    </m:r>
+                    <m:sSub>
+                      <m:sSubPr>
+                        <m:ctrlPr>
+                          <a:rPr lang="en-US" altLang="zh-CN" sz="2400" b="1" i="1" smtClean="0">
+                            <a:latin typeface="Cambria Math"/>
+                          </a:rPr>
+                        </m:ctrlPr>
+                      </m:sSubPr>
+                      <m:e>
+                        <m:r>
+                          <a:rPr lang="en-US" altLang="zh-CN" sz="2400" b="1" i="1" smtClean="0">
+                            <a:latin typeface="Cambria Math" panose="02040503050406030204" pitchFamily="18" charset="0"/>
+                          </a:rPr>
+                          <m:t>𝑪</m:t>
+                        </m:r>
+                      </m:e>
+                      <m:sub>
+                        <m:r>
+                          <a:rPr lang="en-US" altLang="zh-CN" sz="2400" b="1" i="1" smtClean="0">
+                            <a:latin typeface="Cambria Math"/>
+                          </a:rPr>
+                          <m:t>𝟒</m:t>
+                        </m:r>
+                      </m:sub>
+                    </m:sSub>
                   </m:oMath>
                 </a14:m>
                 <a:endParaRPr lang="zh-CN" altLang="en-US" sz="2400" b="1" dirty="0"/>
@@ -28327,13 +28759,13 @@
             </p:txBody>
           </p:sp>
         </mc:Choice>
-        <mc:Fallback>
+        <mc:Fallback xmlns="">
           <p:sp>
             <p:nvSpPr>
               <p:cNvPr id="141" name="文本框 140">
                 <a:extLst>
                   <a:ext uri="{FF2B5EF4-FFF2-40B4-BE49-F238E27FC236}">
-                    <a16:creationId xmlns:a16="http://schemas.microsoft.com/office/drawing/2014/main" id="{1BA90917-8E4E-4EC1-B995-6FE55C624021}"/>
+                    <a16:creationId xmlns:a16="http://schemas.microsoft.com/office/drawing/2014/main" xmlns:a14="http://schemas.microsoft.com/office/drawing/2010/main" xmlns="" id="{1BA90917-8E4E-4EC1-B995-6FE55C624021}"/>
                   </a:ext>
                 </a:extLst>
               </p:cNvPr>
@@ -28344,16 +28776,16 @@
             </p:nvSpPr>
             <p:spPr>
               <a:xfrm>
-                <a:off x="271504" y="1595314"/>
-                <a:ext cx="1764940" cy="830997"/>
+                <a:off x="271503" y="1595314"/>
+                <a:ext cx="2876081" cy="830997"/>
               </a:xfrm>
               <a:prstGeom prst="rect">
                 <a:avLst/>
               </a:prstGeom>
-              <a:blipFill>
-                <a:blip r:embed="rId3"/>
+              <a:blipFill rotWithShape="1">
+                <a:blip r:embed="rId7"/>
                 <a:stretch>
-                  <a:fillRect l="-5536" t="-5147" r="-46713"/>
+                  <a:fillRect l="-3397" t="-5147" b="-735"/>
                 </a:stretch>
               </a:blipFill>
             </p:spPr>
@@ -28377,7 +28809,7 @@
           <p:cNvPr id="7" name="箭头: 下 6">
             <a:extLst>
               <a:ext uri="{FF2B5EF4-FFF2-40B4-BE49-F238E27FC236}">
-                <a16:creationId xmlns:a16="http://schemas.microsoft.com/office/drawing/2014/main" id="{36B9D08B-4FCA-47B2-B4CC-8544B7CAC82A}"/>
+                <a16:creationId xmlns="" xmlns:a16="http://schemas.microsoft.com/office/drawing/2014/main" id="{36B9D08B-4FCA-47B2-B4CC-8544B7CAC82A}"/>
               </a:ext>
             </a:extLst>
           </p:cNvPr>
@@ -28420,14 +28852,14 @@
           </a:p>
         </p:txBody>
       </p:sp>
-      <mc:AlternateContent xmlns:mc="http://schemas.openxmlformats.org/markup-compatibility/2006">
-        <mc:Choice xmlns:a14="http://schemas.microsoft.com/office/drawing/2010/main" Requires="a14">
+      <mc:AlternateContent xmlns:mc="http://schemas.openxmlformats.org/markup-compatibility/2006" xmlns:a14="http://schemas.microsoft.com/office/drawing/2010/main">
+        <mc:Choice Requires="a14">
           <p:sp>
             <p:nvSpPr>
               <p:cNvPr id="9" name="矩形 8">
                 <a:extLst>
                   <a:ext uri="{FF2B5EF4-FFF2-40B4-BE49-F238E27FC236}">
-                    <a16:creationId xmlns:a16="http://schemas.microsoft.com/office/drawing/2014/main" id="{35653BE9-53C4-4D40-9901-3CABAB9737D7}"/>
+                    <a16:creationId xmlns="" xmlns:a16="http://schemas.microsoft.com/office/drawing/2014/main" id="{35653BE9-53C4-4D40-9901-3CABAB9737D7}"/>
                   </a:ext>
                 </a:extLst>
               </p:cNvPr>
@@ -28449,6 +28881,7 @@
               </a:bodyPr>
               <a:lstStyle/>
               <a:p>
+                <a:pPr/>
                 <a14:m>
                   <m:oMathPara xmlns:m="http://schemas.openxmlformats.org/officeDocument/2006/math">
                     <m:oMathParaPr>
@@ -28459,7 +28892,7 @@
                         <m:sSubPr>
                           <m:ctrlPr>
                             <a:rPr lang="en-US" altLang="zh-CN" sz="3200" b="1" i="1" smtClean="0">
-                              <a:latin typeface="Cambria Math" panose="02040503050406030204" pitchFamily="18" charset="0"/>
+                              <a:latin typeface="Cambria Math"/>
                             </a:rPr>
                           </m:ctrlPr>
                         </m:sSubPr>
@@ -28486,6 +28919,7 @@
                 <a:endParaRPr lang="en-US" altLang="zh-CN" dirty="0"/>
               </a:p>
               <a:p>
+                <a:pPr/>
                 <a14:m>
                   <m:oMathPara xmlns:m="http://schemas.openxmlformats.org/officeDocument/2006/math">
                     <m:oMathParaPr>
@@ -28506,7 +28940,7 @@
             </p:txBody>
           </p:sp>
         </mc:Choice>
-        <mc:Fallback>
+        <mc:Fallback xmlns="">
           <p:sp>
             <p:nvSpPr>
               <p:cNvPr id="9" name="矩形 8">
@@ -28530,7 +28964,7 @@
                 <a:avLst/>
               </a:prstGeom>
               <a:blipFill>
-                <a:blip r:embed="rId4"/>
+                <a:blip r:embed="rId8"/>
                 <a:stretch>
                   <a:fillRect/>
                 </a:stretch>
@@ -28551,14 +28985,14 @@
           </p:sp>
         </mc:Fallback>
       </mc:AlternateContent>
-      <mc:AlternateContent xmlns:mc="http://schemas.openxmlformats.org/markup-compatibility/2006">
-        <mc:Choice xmlns:a14="http://schemas.microsoft.com/office/drawing/2010/main" Requires="a14">
+      <mc:AlternateContent xmlns:mc="http://schemas.openxmlformats.org/markup-compatibility/2006" xmlns:a14="http://schemas.microsoft.com/office/drawing/2010/main">
+        <mc:Choice Requires="a14">
           <p:sp>
             <p:nvSpPr>
               <p:cNvPr id="10" name="矩形 9">
                 <a:extLst>
                   <a:ext uri="{FF2B5EF4-FFF2-40B4-BE49-F238E27FC236}">
-                    <a16:creationId xmlns:a16="http://schemas.microsoft.com/office/drawing/2014/main" id="{1E5CD617-DD78-4DB4-921F-EAD715D02E39}"/>
+                    <a16:creationId xmlns="" xmlns:a16="http://schemas.microsoft.com/office/drawing/2014/main" id="{1E5CD617-DD78-4DB4-921F-EAD715D02E39}"/>
                   </a:ext>
                 </a:extLst>
               </p:cNvPr>
@@ -28580,6 +29014,7 @@
               </a:bodyPr>
               <a:lstStyle/>
               <a:p>
+                <a:pPr/>
                 <a14:m>
                   <m:oMathPara xmlns:m="http://schemas.openxmlformats.org/officeDocument/2006/math">
                     <m:oMathParaPr>
@@ -28613,7 +29048,7 @@
             </p:txBody>
           </p:sp>
         </mc:Choice>
-        <mc:Fallback>
+        <mc:Fallback xmlns="">
           <p:sp>
             <p:nvSpPr>
               <p:cNvPr id="10" name="矩形 9">
@@ -28637,7 +29072,7 @@
                 <a:avLst/>
               </a:prstGeom>
               <a:blipFill>
-                <a:blip r:embed="rId5"/>
+                <a:blip r:embed="rId9"/>
                 <a:stretch>
                   <a:fillRect/>
                 </a:stretch>
@@ -28658,14 +29093,14 @@
           </p:sp>
         </mc:Fallback>
       </mc:AlternateContent>
-      <mc:AlternateContent xmlns:mc="http://schemas.openxmlformats.org/markup-compatibility/2006">
-        <mc:Choice xmlns:a14="http://schemas.microsoft.com/office/drawing/2010/main" Requires="a14">
+      <mc:AlternateContent xmlns:mc="http://schemas.openxmlformats.org/markup-compatibility/2006" xmlns:a14="http://schemas.microsoft.com/office/drawing/2010/main">
+        <mc:Choice Requires="a14">
           <p:sp>
             <p:nvSpPr>
               <p:cNvPr id="145" name="矩形 144">
                 <a:extLst>
                   <a:ext uri="{FF2B5EF4-FFF2-40B4-BE49-F238E27FC236}">
-                    <a16:creationId xmlns:a16="http://schemas.microsoft.com/office/drawing/2014/main" id="{4FBEC509-D14D-49D5-B296-E32F85F5ADE9}"/>
+                    <a16:creationId xmlns="" xmlns:a16="http://schemas.microsoft.com/office/drawing/2014/main" id="{4FBEC509-D14D-49D5-B296-E32F85F5ADE9}"/>
                   </a:ext>
                 </a:extLst>
               </p:cNvPr>
@@ -28687,6 +29122,7 @@
               </a:bodyPr>
               <a:lstStyle/>
               <a:p>
+                <a:pPr/>
                 <a14:m>
                   <m:oMathPara xmlns:m="http://schemas.openxmlformats.org/officeDocument/2006/math">
                     <m:oMathParaPr>
@@ -28720,7 +29156,7 @@
             </p:txBody>
           </p:sp>
         </mc:Choice>
-        <mc:Fallback>
+        <mc:Fallback xmlns="">
           <p:sp>
             <p:nvSpPr>
               <p:cNvPr id="145" name="矩形 144">
@@ -28744,7 +29180,7 @@
                 <a:avLst/>
               </a:prstGeom>
               <a:blipFill>
-                <a:blip r:embed="rId6"/>
+                <a:blip r:embed="rId10"/>
                 <a:stretch>
                   <a:fillRect/>
                 </a:stretch>
@@ -28765,14 +29201,14 @@
           </p:sp>
         </mc:Fallback>
       </mc:AlternateContent>
-      <mc:AlternateContent xmlns:mc="http://schemas.openxmlformats.org/markup-compatibility/2006">
-        <mc:Choice xmlns:a14="http://schemas.microsoft.com/office/drawing/2010/main" Requires="a14">
+      <mc:AlternateContent xmlns:mc="http://schemas.openxmlformats.org/markup-compatibility/2006" xmlns:a14="http://schemas.microsoft.com/office/drawing/2010/main">
+        <mc:Choice Requires="a14">
           <p:sp>
             <p:nvSpPr>
               <p:cNvPr id="146" name="矩形 145">
                 <a:extLst>
                   <a:ext uri="{FF2B5EF4-FFF2-40B4-BE49-F238E27FC236}">
-                    <a16:creationId xmlns:a16="http://schemas.microsoft.com/office/drawing/2014/main" id="{E619C76E-F38E-4BCF-92D5-1FFA88F595BC}"/>
+                    <a16:creationId xmlns="" xmlns:a16="http://schemas.microsoft.com/office/drawing/2014/main" id="{E619C76E-F38E-4BCF-92D5-1FFA88F595BC}"/>
                   </a:ext>
                 </a:extLst>
               </p:cNvPr>
@@ -28794,6 +29230,7 @@
               </a:bodyPr>
               <a:lstStyle/>
               <a:p>
+                <a:pPr/>
                 <a14:m>
                   <m:oMathPara xmlns:m="http://schemas.openxmlformats.org/officeDocument/2006/math">
                     <m:oMathParaPr>
@@ -28827,7 +29264,7 @@
             </p:txBody>
           </p:sp>
         </mc:Choice>
-        <mc:Fallback>
+        <mc:Fallback xmlns="">
           <p:sp>
             <p:nvSpPr>
               <p:cNvPr id="146" name="矩形 145">
@@ -28851,7 +29288,7 @@
                 <a:avLst/>
               </a:prstGeom>
               <a:blipFill>
-                <a:blip r:embed="rId7"/>
+                <a:blip r:embed="rId11"/>
                 <a:stretch>
                   <a:fillRect/>
                 </a:stretch>
@@ -28872,14 +29309,14 @@
           </p:sp>
         </mc:Fallback>
       </mc:AlternateContent>
-      <mc:AlternateContent xmlns:mc="http://schemas.openxmlformats.org/markup-compatibility/2006">
-        <mc:Choice xmlns:a14="http://schemas.microsoft.com/office/drawing/2010/main" Requires="a14">
+      <mc:AlternateContent xmlns:mc="http://schemas.openxmlformats.org/markup-compatibility/2006" xmlns:a14="http://schemas.microsoft.com/office/drawing/2010/main">
+        <mc:Choice Requires="a14">
           <p:sp>
             <p:nvSpPr>
               <p:cNvPr id="147" name="矩形 146">
                 <a:extLst>
                   <a:ext uri="{FF2B5EF4-FFF2-40B4-BE49-F238E27FC236}">
-                    <a16:creationId xmlns:a16="http://schemas.microsoft.com/office/drawing/2014/main" id="{461E6B93-3253-451F-B16C-628F0268D686}"/>
+                    <a16:creationId xmlns="" xmlns:a16="http://schemas.microsoft.com/office/drawing/2014/main" id="{461E6B93-3253-451F-B16C-628F0268D686}"/>
                   </a:ext>
                 </a:extLst>
               </p:cNvPr>
@@ -28901,6 +29338,7 @@
               </a:bodyPr>
               <a:lstStyle/>
               <a:p>
+                <a:pPr/>
                 <a14:m>
                   <m:oMathPara xmlns:m="http://schemas.openxmlformats.org/officeDocument/2006/math">
                     <m:oMathParaPr>
@@ -28934,7 +29372,7 @@
             </p:txBody>
           </p:sp>
         </mc:Choice>
-        <mc:Fallback>
+        <mc:Fallback xmlns="">
           <p:sp>
             <p:nvSpPr>
               <p:cNvPr id="147" name="矩形 146">
@@ -28958,7 +29396,7 @@
                 <a:avLst/>
               </a:prstGeom>
               <a:blipFill>
-                <a:blip r:embed="rId8"/>
+                <a:blip r:embed="rId12"/>
                 <a:stretch>
                   <a:fillRect/>
                 </a:stretch>
@@ -28979,14 +29417,14 @@
           </p:sp>
         </mc:Fallback>
       </mc:AlternateContent>
-      <mc:AlternateContent xmlns:mc="http://schemas.openxmlformats.org/markup-compatibility/2006">
-        <mc:Choice xmlns:a14="http://schemas.microsoft.com/office/drawing/2010/main" Requires="a14">
+      <mc:AlternateContent xmlns:mc="http://schemas.openxmlformats.org/markup-compatibility/2006" xmlns:a14="http://schemas.microsoft.com/office/drawing/2010/main">
+        <mc:Choice Requires="a14">
           <p:sp>
             <p:nvSpPr>
               <p:cNvPr id="148" name="矩形 147">
                 <a:extLst>
                   <a:ext uri="{FF2B5EF4-FFF2-40B4-BE49-F238E27FC236}">
-                    <a16:creationId xmlns:a16="http://schemas.microsoft.com/office/drawing/2014/main" id="{E9A536F6-9424-4D12-BF18-340488AAE106}"/>
+                    <a16:creationId xmlns="" xmlns:a16="http://schemas.microsoft.com/office/drawing/2014/main" id="{E9A536F6-9424-4D12-BF18-340488AAE106}"/>
                   </a:ext>
                 </a:extLst>
               </p:cNvPr>
@@ -29008,6 +29446,7 @@
               </a:bodyPr>
               <a:lstStyle/>
               <a:p>
+                <a:pPr/>
                 <a14:m>
                   <m:oMathPara xmlns:m="http://schemas.openxmlformats.org/officeDocument/2006/math">
                     <m:oMathParaPr>
@@ -29018,7 +29457,7 @@
                         <m:sSubPr>
                           <m:ctrlPr>
                             <a:rPr lang="en-US" altLang="zh-CN" sz="3200" b="1" i="1" smtClean="0">
-                              <a:latin typeface="Cambria Math" panose="02040503050406030204" pitchFamily="18" charset="0"/>
+                              <a:latin typeface="Cambria Math"/>
                             </a:rPr>
                           </m:ctrlPr>
                         </m:sSubPr>
@@ -29045,6 +29484,7 @@
                 <a:endParaRPr lang="en-US" altLang="zh-CN" dirty="0"/>
               </a:p>
               <a:p>
+                <a:pPr/>
                 <a14:m>
                   <m:oMathPara xmlns:m="http://schemas.openxmlformats.org/officeDocument/2006/math">
                     <m:oMathParaPr>
@@ -29065,7 +29505,7 @@
             </p:txBody>
           </p:sp>
         </mc:Choice>
-        <mc:Fallback>
+        <mc:Fallback xmlns="">
           <p:sp>
             <p:nvSpPr>
               <p:cNvPr id="148" name="矩形 147">
@@ -29089,7 +29529,7 @@
                 <a:avLst/>
               </a:prstGeom>
               <a:blipFill>
-                <a:blip r:embed="rId9"/>
+                <a:blip r:embed="rId13"/>
                 <a:stretch>
                   <a:fillRect/>
                 </a:stretch>
@@ -29110,14 +29550,14 @@
           </p:sp>
         </mc:Fallback>
       </mc:AlternateContent>
-      <mc:AlternateContent xmlns:mc="http://schemas.openxmlformats.org/markup-compatibility/2006">
-        <mc:Choice xmlns:a14="http://schemas.microsoft.com/office/drawing/2010/main" Requires="a14">
+      <mc:AlternateContent xmlns:mc="http://schemas.openxmlformats.org/markup-compatibility/2006" xmlns:a14="http://schemas.microsoft.com/office/drawing/2010/main">
+        <mc:Choice Requires="a14">
           <p:sp>
             <p:nvSpPr>
               <p:cNvPr id="149" name="矩形 148">
                 <a:extLst>
                   <a:ext uri="{FF2B5EF4-FFF2-40B4-BE49-F238E27FC236}">
-                    <a16:creationId xmlns:a16="http://schemas.microsoft.com/office/drawing/2014/main" id="{16CBC6CD-539A-45FB-B002-C0D8C0A87EE9}"/>
+                    <a16:creationId xmlns="" xmlns:a16="http://schemas.microsoft.com/office/drawing/2014/main" id="{16CBC6CD-539A-45FB-B002-C0D8C0A87EE9}"/>
                   </a:ext>
                 </a:extLst>
               </p:cNvPr>
@@ -29139,6 +29579,7 @@
               </a:bodyPr>
               <a:lstStyle/>
               <a:p>
+                <a:pPr/>
                 <a14:m>
                   <m:oMathPara xmlns:m="http://schemas.openxmlformats.org/officeDocument/2006/math">
                     <m:oMathParaPr>
@@ -29149,7 +29590,7 @@
                         <m:sSubPr>
                           <m:ctrlPr>
                             <a:rPr lang="en-US" altLang="zh-CN" sz="3200" b="1" i="1" smtClean="0">
-                              <a:latin typeface="Cambria Math" panose="02040503050406030204" pitchFamily="18" charset="0"/>
+                              <a:latin typeface="Cambria Math"/>
                             </a:rPr>
                           </m:ctrlPr>
                         </m:sSubPr>
@@ -29176,6 +29617,7 @@
                 <a:endParaRPr lang="en-US" altLang="zh-CN" dirty="0"/>
               </a:p>
               <a:p>
+                <a:pPr/>
                 <a14:m>
                   <m:oMathPara xmlns:m="http://schemas.openxmlformats.org/officeDocument/2006/math">
                     <m:oMathParaPr>
@@ -29196,7 +29638,7 @@
             </p:txBody>
           </p:sp>
         </mc:Choice>
-        <mc:Fallback>
+        <mc:Fallback xmlns="">
           <p:sp>
             <p:nvSpPr>
               <p:cNvPr id="149" name="矩形 148">
@@ -29220,7 +29662,7 @@
                 <a:avLst/>
               </a:prstGeom>
               <a:blipFill>
-                <a:blip r:embed="rId10"/>
+                <a:blip r:embed="rId14"/>
                 <a:stretch>
                   <a:fillRect/>
                 </a:stretch>
@@ -29241,14 +29683,14 @@
           </p:sp>
         </mc:Fallback>
       </mc:AlternateContent>
-      <mc:AlternateContent xmlns:mc="http://schemas.openxmlformats.org/markup-compatibility/2006">
-        <mc:Choice xmlns:a14="http://schemas.microsoft.com/office/drawing/2010/main" Requires="a14">
+      <mc:AlternateContent xmlns:mc="http://schemas.openxmlformats.org/markup-compatibility/2006" xmlns:a14="http://schemas.microsoft.com/office/drawing/2010/main">
+        <mc:Choice Requires="a14">
           <p:sp>
             <p:nvSpPr>
               <p:cNvPr id="150" name="矩形 149">
                 <a:extLst>
                   <a:ext uri="{FF2B5EF4-FFF2-40B4-BE49-F238E27FC236}">
-                    <a16:creationId xmlns:a16="http://schemas.microsoft.com/office/drawing/2014/main" id="{501248CA-A54C-4906-A093-4701C2CD526E}"/>
+                    <a16:creationId xmlns="" xmlns:a16="http://schemas.microsoft.com/office/drawing/2014/main" id="{501248CA-A54C-4906-A093-4701C2CD526E}"/>
                   </a:ext>
                 </a:extLst>
               </p:cNvPr>
@@ -29270,6 +29712,7 @@
               </a:bodyPr>
               <a:lstStyle/>
               <a:p>
+                <a:pPr/>
                 <a14:m>
                   <m:oMathPara xmlns:m="http://schemas.openxmlformats.org/officeDocument/2006/math">
                     <m:oMathParaPr>
@@ -29280,7 +29723,7 @@
                         <m:sSubPr>
                           <m:ctrlPr>
                             <a:rPr lang="en-US" altLang="zh-CN" sz="3200" b="1" i="1" smtClean="0">
-                              <a:latin typeface="Cambria Math" panose="02040503050406030204" pitchFamily="18" charset="0"/>
+                              <a:latin typeface="Cambria Math"/>
                             </a:rPr>
                           </m:ctrlPr>
                         </m:sSubPr>
@@ -29307,6 +29750,7 @@
                 <a:endParaRPr lang="en-US" altLang="zh-CN" dirty="0"/>
               </a:p>
               <a:p>
+                <a:pPr/>
                 <a14:m>
                   <m:oMathPara xmlns:m="http://schemas.openxmlformats.org/officeDocument/2006/math">
                     <m:oMathParaPr>
@@ -29327,7 +29771,7 @@
             </p:txBody>
           </p:sp>
         </mc:Choice>
-        <mc:Fallback>
+        <mc:Fallback xmlns="">
           <p:sp>
             <p:nvSpPr>
               <p:cNvPr id="150" name="矩形 149">
@@ -29351,7 +29795,7 @@
                 <a:avLst/>
               </a:prstGeom>
               <a:blipFill>
-                <a:blip r:embed="rId11"/>
+                <a:blip r:embed="rId15"/>
                 <a:stretch>
                   <a:fillRect/>
                 </a:stretch>
@@ -29372,175 +29816,14 @@
           </p:sp>
         </mc:Fallback>
       </mc:AlternateContent>
-      <mc:AlternateContent xmlns:mc="http://schemas.openxmlformats.org/markup-compatibility/2006">
-        <mc:Choice xmlns:a14="http://schemas.microsoft.com/office/drawing/2010/main" Requires="a14">
-          <p:sp>
-            <p:nvSpPr>
-              <p:cNvPr id="151" name="文本框 150">
-                <a:extLst>
-                  <a:ext uri="{FF2B5EF4-FFF2-40B4-BE49-F238E27FC236}">
-                    <a16:creationId xmlns:a16="http://schemas.microsoft.com/office/drawing/2014/main" id="{F1546034-A7D4-48A5-BF02-408B5099B2B3}"/>
-                  </a:ext>
-                </a:extLst>
-              </p:cNvPr>
-              <p:cNvSpPr txBox="1"/>
-              <p:nvPr/>
-            </p:nvSpPr>
-            <p:spPr>
-              <a:xfrm>
-                <a:off x="120725" y="3757698"/>
-                <a:ext cx="3386096" cy="830997"/>
-              </a:xfrm>
-              <a:prstGeom prst="rect">
-                <a:avLst/>
-              </a:prstGeom>
-              <a:noFill/>
-            </p:spPr>
-            <p:txBody>
-              <a:bodyPr wrap="square" rtlCol="0">
-                <a:spAutoFit/>
-              </a:bodyPr>
-              <a:lstStyle/>
-              <a:p>
-                <a:r>
-                  <a:rPr lang="en-US" altLang="zh-CN" sz="2400" b="1" dirty="0"/>
-                  <a:t>+1</a:t>
-                </a:r>
-                <a:r>
-                  <a:rPr lang="zh-CN" altLang="en-US" sz="2400" b="1" dirty="0"/>
-                  <a:t>、</a:t>
-                </a:r>
-                <a:r>
-                  <a:rPr lang="en-US" altLang="zh-CN" sz="2400" b="1" dirty="0"/>
-                  <a:t>-1</a:t>
-                </a:r>
-                <a:r>
-                  <a:rPr lang="zh-CN" altLang="en-US" sz="2400" b="1" dirty="0"/>
-                  <a:t>表示模型</a:t>
-                </a:r>
-                <a14:m>
-                  <m:oMath xmlns:m="http://schemas.openxmlformats.org/officeDocument/2006/math">
-                    <m:sSub>
-                      <m:sSubPr>
-                        <m:ctrlPr>
-                          <a:rPr lang="en-US" altLang="zh-CN" sz="2400" b="1" i="1" smtClean="0">
-                            <a:latin typeface="Cambria Math" panose="02040503050406030204" pitchFamily="18" charset="0"/>
-                          </a:rPr>
-                        </m:ctrlPr>
-                      </m:sSubPr>
-                      <m:e>
-                        <m:r>
-                          <a:rPr lang="en-US" altLang="zh-CN" sz="2400" b="1" i="1" smtClean="0">
-                            <a:latin typeface="Cambria Math" panose="02040503050406030204" pitchFamily="18" charset="0"/>
-                          </a:rPr>
-                          <m:t>𝒇</m:t>
-                        </m:r>
-                      </m:e>
-                      <m:sub>
-                        <m:r>
-                          <a:rPr lang="en-US" altLang="zh-CN" sz="2400" b="1" i="1" smtClean="0">
-                            <a:latin typeface="Cambria Math" panose="02040503050406030204" pitchFamily="18" charset="0"/>
-                          </a:rPr>
-                          <m:t>𝒊</m:t>
-                        </m:r>
-                      </m:sub>
-                    </m:sSub>
-                  </m:oMath>
-                </a14:m>
-                <a:r>
-                  <a:rPr lang="zh-CN" altLang="en-US" sz="2400" b="1" dirty="0"/>
-                  <a:t>将类</a:t>
-                </a:r>
-                <a14:m>
-                  <m:oMath xmlns:m="http://schemas.openxmlformats.org/officeDocument/2006/math">
-                    <m:sSub>
-                      <m:sSubPr>
-                        <m:ctrlPr>
-                          <a:rPr lang="en-US" altLang="zh-CN" sz="2400" b="1" i="1" smtClean="0">
-                            <a:latin typeface="Cambria Math" panose="02040503050406030204" pitchFamily="18" charset="0"/>
-                          </a:rPr>
-                        </m:ctrlPr>
-                      </m:sSubPr>
-                      <m:e>
-                        <m:r>
-                          <a:rPr lang="en-US" altLang="zh-CN" sz="2400" b="1" i="1" smtClean="0">
-                            <a:latin typeface="Cambria Math" panose="02040503050406030204" pitchFamily="18" charset="0"/>
-                          </a:rPr>
-                          <m:t>𝑪</m:t>
-                        </m:r>
-                      </m:e>
-                      <m:sub>
-                        <m:r>
-                          <a:rPr lang="en-US" altLang="zh-CN" sz="2400" b="1" i="1" smtClean="0">
-                            <a:latin typeface="Cambria Math" panose="02040503050406030204" pitchFamily="18" charset="0"/>
-                          </a:rPr>
-                          <m:t>𝒊</m:t>
-                        </m:r>
-                      </m:sub>
-                    </m:sSub>
-                  </m:oMath>
-                </a14:m>
-                <a:r>
-                  <a:rPr lang="zh-CN" altLang="en-US" sz="2400" b="1" dirty="0"/>
-                  <a:t>表示某一类，共两类</a:t>
-                </a:r>
-              </a:p>
-            </p:txBody>
-          </p:sp>
-        </mc:Choice>
-        <mc:Fallback>
-          <p:sp>
-            <p:nvSpPr>
-              <p:cNvPr id="151" name="文本框 150">
-                <a:extLst>
-                  <a:ext uri="{FF2B5EF4-FFF2-40B4-BE49-F238E27FC236}">
-                    <a16:creationId xmlns:a16="http://schemas.microsoft.com/office/drawing/2014/main" id="{F1546034-A7D4-48A5-BF02-408B5099B2B3}"/>
-                  </a:ext>
-                </a:extLst>
-              </p:cNvPr>
-              <p:cNvSpPr txBox="1">
-                <a:spLocks noRot="1" noChangeAspect="1" noMove="1" noResize="1" noEditPoints="1" noAdjustHandles="1" noChangeArrowheads="1" noChangeShapeType="1" noTextEdit="1"/>
-              </p:cNvSpPr>
-              <p:nvPr/>
-            </p:nvSpPr>
-            <p:spPr>
-              <a:xfrm>
-                <a:off x="120725" y="3757698"/>
-                <a:ext cx="3386096" cy="830997"/>
-              </a:xfrm>
-              <a:prstGeom prst="rect">
-                <a:avLst/>
-              </a:prstGeom>
-              <a:blipFill>
-                <a:blip r:embed="rId12"/>
-                <a:stretch>
-                  <a:fillRect l="-2883" t="-5109" b="-16058"/>
-                </a:stretch>
-              </a:blipFill>
-            </p:spPr>
-            <p:txBody>
-              <a:bodyPr/>
-              <a:lstStyle/>
-              <a:p>
-                <a:r>
-                  <a:rPr lang="zh-CN" altLang="en-US">
-                    <a:noFill/>
-                  </a:rPr>
-                  <a:t> </a:t>
-                </a:r>
-              </a:p>
-            </p:txBody>
-          </p:sp>
-        </mc:Fallback>
-      </mc:AlternateContent>
-      <mc:AlternateContent xmlns:mc="http://schemas.openxmlformats.org/markup-compatibility/2006">
-        <mc:Choice xmlns:a14="http://schemas.microsoft.com/office/drawing/2010/main" Requires="a14">
+      <mc:AlternateContent xmlns:mc="http://schemas.openxmlformats.org/markup-compatibility/2006" xmlns:a14="http://schemas.microsoft.com/office/drawing/2010/main">
+        <mc:Choice Requires="a14">
           <p:sp>
             <p:nvSpPr>
               <p:cNvPr id="179" name="矩形 178">
                 <a:extLst>
                   <a:ext uri="{FF2B5EF4-FFF2-40B4-BE49-F238E27FC236}">
-                    <a16:creationId xmlns:a16="http://schemas.microsoft.com/office/drawing/2014/main" id="{15ABC847-EE6C-449B-9F53-7476FAC5B128}"/>
+                    <a16:creationId xmlns="" xmlns:a16="http://schemas.microsoft.com/office/drawing/2014/main" id="{15ABC847-EE6C-449B-9F53-7476FAC5B128}"/>
                   </a:ext>
                 </a:extLst>
               </p:cNvPr>
@@ -29549,7 +29832,7 @@
             </p:nvSpPr>
             <p:spPr>
               <a:xfrm>
-                <a:off x="0" y="4960594"/>
+                <a:off x="0" y="5157424"/>
                 <a:ext cx="3407321" cy="584775"/>
               </a:xfrm>
               <a:prstGeom prst="rect">
@@ -29605,13 +29888,13 @@
             </p:txBody>
           </p:sp>
         </mc:Choice>
-        <mc:Fallback>
+        <mc:Fallback xmlns="">
           <p:sp>
             <p:nvSpPr>
               <p:cNvPr id="179" name="矩形 178">
                 <a:extLst>
                   <a:ext uri="{FF2B5EF4-FFF2-40B4-BE49-F238E27FC236}">
-                    <a16:creationId xmlns:a16="http://schemas.microsoft.com/office/drawing/2014/main" id="{15ABC847-EE6C-449B-9F53-7476FAC5B128}"/>
+                    <a16:creationId xmlns:a16="http://schemas.microsoft.com/office/drawing/2014/main" xmlns:a14="http://schemas.microsoft.com/office/drawing/2010/main" xmlns="" id="{15ABC847-EE6C-449B-9F53-7476FAC5B128}"/>
                   </a:ext>
                 </a:extLst>
               </p:cNvPr>
@@ -29622,14 +29905,14 @@
             </p:nvSpPr>
             <p:spPr>
               <a:xfrm>
-                <a:off x="0" y="4960594"/>
+                <a:off x="0" y="5157424"/>
                 <a:ext cx="3407321" cy="584775"/>
               </a:xfrm>
               <a:prstGeom prst="rect">
                 <a:avLst/>
               </a:prstGeom>
-              <a:blipFill>
-                <a:blip r:embed="rId13"/>
+              <a:blipFill rotWithShape="1">
+                <a:blip r:embed="rId16"/>
                 <a:stretch>
                   <a:fillRect l="-4472" t="-18750" b="-28125"/>
                 </a:stretch>
@@ -29650,14 +29933,14 @@
           </p:sp>
         </mc:Fallback>
       </mc:AlternateContent>
-      <mc:AlternateContent xmlns:mc="http://schemas.openxmlformats.org/markup-compatibility/2006">
-        <mc:Choice xmlns:a14="http://schemas.microsoft.com/office/drawing/2010/main" Requires="a14">
+      <mc:AlternateContent xmlns:mc="http://schemas.openxmlformats.org/markup-compatibility/2006" xmlns:a14="http://schemas.microsoft.com/office/drawing/2010/main">
+        <mc:Choice Requires="a14">
           <p:sp>
             <p:nvSpPr>
               <p:cNvPr id="186" name="矩形 185">
                 <a:extLst>
                   <a:ext uri="{FF2B5EF4-FFF2-40B4-BE49-F238E27FC236}">
-                    <a16:creationId xmlns:a16="http://schemas.microsoft.com/office/drawing/2014/main" id="{228BF918-1C9F-4E6B-87AB-C13C60A07141}"/>
+                    <a16:creationId xmlns="" xmlns:a16="http://schemas.microsoft.com/office/drawing/2014/main" id="{228BF918-1C9F-4E6B-87AB-C13C60A07141}"/>
                   </a:ext>
                 </a:extLst>
               </p:cNvPr>
@@ -29666,7 +29949,7 @@
             </p:nvSpPr>
             <p:spPr>
               <a:xfrm>
-                <a:off x="3407321" y="4913567"/>
+                <a:off x="3407321" y="5158929"/>
                 <a:ext cx="724301" cy="584775"/>
               </a:xfrm>
               <a:prstGeom prst="rect">
@@ -29679,6 +29962,7 @@
               </a:bodyPr>
               <a:lstStyle/>
               <a:p>
+                <a:pPr/>
                 <a14:m>
                   <m:oMathPara xmlns:m="http://schemas.openxmlformats.org/officeDocument/2006/math">
                     <m:oMathParaPr>
@@ -29689,7 +29973,7 @@
                         <m:sSubPr>
                           <m:ctrlPr>
                             <a:rPr lang="en-US" altLang="zh-CN" sz="3200" b="1" i="1" smtClean="0">
-                              <a:latin typeface="Cambria Math" panose="02040503050406030204" pitchFamily="18" charset="0"/>
+                              <a:latin typeface="Cambria Math"/>
                             </a:rPr>
                           </m:ctrlPr>
                         </m:sSubPr>
@@ -29716,9 +30000,9 @@
                           </m:r>
                           <m:r>
                             <a:rPr lang="en-US" altLang="zh-CN" sz="3200" b="1" i="1" smtClean="0">
-                              <a:latin typeface="Cambria Math" panose="02040503050406030204" pitchFamily="18" charset="0"/>
+                              <a:latin typeface="Cambria Math"/>
                             </a:rPr>
-                            <m:t>𝟒</m:t>
+                            <m:t>𝟓</m:t>
                           </m:r>
                         </m:sub>
                       </m:sSub>
@@ -29730,13 +30014,13 @@
             </p:txBody>
           </p:sp>
         </mc:Choice>
-        <mc:Fallback>
+        <mc:Fallback xmlns="">
           <p:sp>
             <p:nvSpPr>
               <p:cNvPr id="186" name="矩形 185">
                 <a:extLst>
                   <a:ext uri="{FF2B5EF4-FFF2-40B4-BE49-F238E27FC236}">
-                    <a16:creationId xmlns:a16="http://schemas.microsoft.com/office/drawing/2014/main" id="{228BF918-1C9F-4E6B-87AB-C13C60A07141}"/>
+                    <a16:creationId xmlns:a16="http://schemas.microsoft.com/office/drawing/2014/main" xmlns:a14="http://schemas.microsoft.com/office/drawing/2010/main" xmlns="" id="{228BF918-1C9F-4E6B-87AB-C13C60A07141}"/>
                   </a:ext>
                 </a:extLst>
               </p:cNvPr>
@@ -29747,16 +30031,16 @@
             </p:nvSpPr>
             <p:spPr>
               <a:xfrm>
-                <a:off x="3407321" y="4913567"/>
+                <a:off x="3407321" y="5158929"/>
                 <a:ext cx="724301" cy="584775"/>
               </a:xfrm>
               <a:prstGeom prst="rect">
                 <a:avLst/>
               </a:prstGeom>
-              <a:blipFill>
-                <a:blip r:embed="rId14"/>
+              <a:blipFill rotWithShape="1">
+                <a:blip r:embed="rId17"/>
                 <a:stretch>
-                  <a:fillRect r="-21849"/>
+                  <a:fillRect r="-20168"/>
                 </a:stretch>
               </a:blipFill>
             </p:spPr>
@@ -29780,7 +30064,7 @@
           <p:cNvPr id="13" name="表格 12">
             <a:extLst>
               <a:ext uri="{FF2B5EF4-FFF2-40B4-BE49-F238E27FC236}">
-                <a16:creationId xmlns:a16="http://schemas.microsoft.com/office/drawing/2014/main" id="{2F1B8DD7-6B1F-44EE-AE23-0C47A1A9200E}"/>
+                <a16:creationId xmlns="" xmlns:a16="http://schemas.microsoft.com/office/drawing/2014/main" id="{2F1B8DD7-6B1F-44EE-AE23-0C47A1A9200E}"/>
               </a:ext>
             </a:extLst>
           </p:cNvPr>
@@ -29790,13 +30074,13 @@
           <p:nvPr>
             <p:extLst>
               <p:ext uri="{D42A27DB-BD31-4B8C-83A1-F6EECF244321}">
-                <p14:modId xmlns:p14="http://schemas.microsoft.com/office/powerpoint/2010/main" val="3864969039"/>
+                <p14:modId xmlns:p14="http://schemas.microsoft.com/office/powerpoint/2010/main" val="1064561068"/>
               </p:ext>
             </p:extLst>
           </p:nvPr>
         </p:nvGraphicFramePr>
         <p:xfrm>
-          <a:off x="4998145" y="4833126"/>
+          <a:off x="4998145" y="5078488"/>
           <a:ext cx="5012675" cy="839707"/>
         </p:xfrm>
         <a:graphic>
@@ -29809,35 +30093,35 @@
                 <a:gridCol w="1002535">
                   <a:extLst>
                     <a:ext uri="{9D8B030D-6E8A-4147-A177-3AD203B41FA5}">
-                      <a16:colId xmlns:a16="http://schemas.microsoft.com/office/drawing/2014/main" val="3279421863"/>
+                      <a16:colId xmlns="" xmlns:a16="http://schemas.microsoft.com/office/drawing/2014/main" val="3279421863"/>
                     </a:ext>
                   </a:extLst>
                 </a:gridCol>
                 <a:gridCol w="1002535">
                   <a:extLst>
                     <a:ext uri="{9D8B030D-6E8A-4147-A177-3AD203B41FA5}">
-                      <a16:colId xmlns:a16="http://schemas.microsoft.com/office/drawing/2014/main" val="620763088"/>
+                      <a16:colId xmlns="" xmlns:a16="http://schemas.microsoft.com/office/drawing/2014/main" val="620763088"/>
                     </a:ext>
                   </a:extLst>
                 </a:gridCol>
                 <a:gridCol w="1002535">
                   <a:extLst>
                     <a:ext uri="{9D8B030D-6E8A-4147-A177-3AD203B41FA5}">
-                      <a16:colId xmlns:a16="http://schemas.microsoft.com/office/drawing/2014/main" val="841653960"/>
+                      <a16:colId xmlns="" xmlns:a16="http://schemas.microsoft.com/office/drawing/2014/main" val="841653960"/>
                     </a:ext>
                   </a:extLst>
                 </a:gridCol>
                 <a:gridCol w="1002535">
                   <a:extLst>
                     <a:ext uri="{9D8B030D-6E8A-4147-A177-3AD203B41FA5}">
-                      <a16:colId xmlns:a16="http://schemas.microsoft.com/office/drawing/2014/main" val="689981326"/>
+                      <a16:colId xmlns="" xmlns:a16="http://schemas.microsoft.com/office/drawing/2014/main" val="689981326"/>
                     </a:ext>
                   </a:extLst>
                 </a:gridCol>
                 <a:gridCol w="1002535">
                   <a:extLst>
                     <a:ext uri="{9D8B030D-6E8A-4147-A177-3AD203B41FA5}">
-                      <a16:colId xmlns:a16="http://schemas.microsoft.com/office/drawing/2014/main" val="2034141238"/>
+                      <a16:colId xmlns="" xmlns:a16="http://schemas.microsoft.com/office/drawing/2014/main" val="2034141238"/>
                     </a:ext>
                   </a:extLst>
                 </a:gridCol>
@@ -30168,7 +30452,7 @@
                 </a:tc>
                 <a:extLst>
                   <a:ext uri="{0D108BD9-81ED-4DB2-BD59-A6C34878D82A}">
-                    <a16:rowId xmlns:a16="http://schemas.microsoft.com/office/drawing/2014/main" val="3467855228"/>
+                    <a16:rowId xmlns="" xmlns:a16="http://schemas.microsoft.com/office/drawing/2014/main" val="3467855228"/>
                   </a:ext>
                 </a:extLst>
               </a:tr>
@@ -30176,14 +30460,14 @@
           </a:graphicData>
         </a:graphic>
       </p:graphicFrame>
-      <mc:AlternateContent xmlns:mc="http://schemas.openxmlformats.org/markup-compatibility/2006">
-        <mc:Choice xmlns:a14="http://schemas.microsoft.com/office/drawing/2010/main" Requires="a14">
+      <mc:AlternateContent xmlns:mc="http://schemas.openxmlformats.org/markup-compatibility/2006" xmlns:a14="http://schemas.microsoft.com/office/drawing/2010/main">
+        <mc:Choice Requires="a14">
           <p:sp>
             <p:nvSpPr>
               <p:cNvPr id="23" name="矩形 22">
                 <a:extLst>
                   <a:ext uri="{FF2B5EF4-FFF2-40B4-BE49-F238E27FC236}">
-                    <a16:creationId xmlns:a16="http://schemas.microsoft.com/office/drawing/2014/main" id="{DFC616B8-DB3E-4287-AF07-825FD10997D4}"/>
+                    <a16:creationId xmlns="" xmlns:a16="http://schemas.microsoft.com/office/drawing/2014/main" id="{DFC616B8-DB3E-4287-AF07-825FD10997D4}"/>
                   </a:ext>
                 </a:extLst>
               </p:cNvPr>
@@ -30192,7 +30476,7 @@
             </p:nvSpPr>
             <p:spPr>
               <a:xfrm>
-                <a:off x="4300518" y="4929815"/>
+                <a:off x="4300518" y="5175177"/>
                 <a:ext cx="697627" cy="646331"/>
               </a:xfrm>
               <a:prstGeom prst="rect">
@@ -30205,6 +30489,7 @@
               </a:bodyPr>
               <a:lstStyle/>
               <a:p>
+                <a:pPr/>
                 <a14:m>
                   <m:oMathPara xmlns:m="http://schemas.openxmlformats.org/officeDocument/2006/math">
                     <m:oMathParaPr>
@@ -30226,13 +30511,13 @@
             </p:txBody>
           </p:sp>
         </mc:Choice>
-        <mc:Fallback>
+        <mc:Fallback xmlns="">
           <p:sp>
             <p:nvSpPr>
               <p:cNvPr id="23" name="矩形 22">
                 <a:extLst>
                   <a:ext uri="{FF2B5EF4-FFF2-40B4-BE49-F238E27FC236}">
-                    <a16:creationId xmlns:a16="http://schemas.microsoft.com/office/drawing/2014/main" id="{DFC616B8-DB3E-4287-AF07-825FD10997D4}"/>
+                    <a16:creationId xmlns:a16="http://schemas.microsoft.com/office/drawing/2014/main" xmlns:a14="http://schemas.microsoft.com/office/drawing/2010/main" xmlns="" id="{DFC616B8-DB3E-4287-AF07-825FD10997D4}"/>
                   </a:ext>
                 </a:extLst>
               </p:cNvPr>
@@ -30243,14 +30528,14 @@
             </p:nvSpPr>
             <p:spPr>
               <a:xfrm>
-                <a:off x="4300518" y="4929815"/>
+                <a:off x="4300518" y="5175177"/>
                 <a:ext cx="697627" cy="646331"/>
               </a:xfrm>
               <a:prstGeom prst="rect">
                 <a:avLst/>
               </a:prstGeom>
-              <a:blipFill>
-                <a:blip r:embed="rId15"/>
+              <a:blipFill rotWithShape="1">
+                <a:blip r:embed="rId18"/>
                 <a:stretch>
                   <a:fillRect/>
                 </a:stretch>
@@ -30271,14 +30556,14 @@
           </p:sp>
         </mc:Fallback>
       </mc:AlternateContent>
-      <mc:AlternateContent xmlns:mc="http://schemas.openxmlformats.org/markup-compatibility/2006">
-        <mc:Choice xmlns:a14="http://schemas.microsoft.com/office/drawing/2010/main" Requires="a14">
+      <mc:AlternateContent xmlns:mc="http://schemas.openxmlformats.org/markup-compatibility/2006" xmlns:a14="http://schemas.microsoft.com/office/drawing/2010/main">
+        <mc:Choice Requires="a14">
           <p:sp>
             <p:nvSpPr>
               <p:cNvPr id="187" name="矩形 186">
                 <a:extLst>
                   <a:ext uri="{FF2B5EF4-FFF2-40B4-BE49-F238E27FC236}">
-                    <a16:creationId xmlns:a16="http://schemas.microsoft.com/office/drawing/2014/main" id="{1EF66449-AED3-41D7-9C8C-18D903B07018}"/>
+                    <a16:creationId xmlns="" xmlns:a16="http://schemas.microsoft.com/office/drawing/2014/main" id="{1EF66449-AED3-41D7-9C8C-18D903B07018}"/>
                   </a:ext>
                 </a:extLst>
               </p:cNvPr>
@@ -30300,6 +30585,7 @@
               </a:bodyPr>
               <a:lstStyle/>
               <a:p>
+                <a:pPr/>
                 <a14:m>
                   <m:oMathPara xmlns:m="http://schemas.openxmlformats.org/officeDocument/2006/math">
                     <m:oMathParaPr>
@@ -30310,7 +30596,7 @@
                         <m:sSubPr>
                           <m:ctrlPr>
                             <a:rPr lang="en-US" altLang="zh-CN" sz="3200" b="1" i="1" smtClean="0">
-                              <a:latin typeface="Cambria Math" panose="02040503050406030204" pitchFamily="18" charset="0"/>
+                              <a:latin typeface="Cambria Math"/>
                             </a:rPr>
                           </m:ctrlPr>
                         </m:sSubPr>
@@ -30325,9 +30611,9 @@
                         <m:sub>
                           <m:r>
                             <a:rPr lang="en-US" altLang="zh-CN" sz="3200" b="1" i="1" smtClean="0">
-                              <a:latin typeface="Cambria Math" panose="02040503050406030204" pitchFamily="18" charset="0"/>
+                              <a:latin typeface="Cambria Math"/>
                             </a:rPr>
-                            <m:t>𝟒</m:t>
+                            <m:t>𝟓</m:t>
                           </m:r>
                         </m:sub>
                       </m:sSub>
@@ -30337,6 +30623,7 @@
                 <a:endParaRPr lang="en-US" altLang="zh-CN" dirty="0"/>
               </a:p>
               <a:p>
+                <a:pPr/>
                 <a14:m>
                   <m:oMathPara xmlns:m="http://schemas.openxmlformats.org/officeDocument/2006/math">
                     <m:oMathParaPr>
@@ -30357,13 +30644,13 @@
             </p:txBody>
           </p:sp>
         </mc:Choice>
-        <mc:Fallback>
+        <mc:Fallback xmlns="">
           <p:sp>
             <p:nvSpPr>
               <p:cNvPr id="187" name="矩形 186">
                 <a:extLst>
                   <a:ext uri="{FF2B5EF4-FFF2-40B4-BE49-F238E27FC236}">
-                    <a16:creationId xmlns:a16="http://schemas.microsoft.com/office/drawing/2014/main" id="{1EF66449-AED3-41D7-9C8C-18D903B07018}"/>
+                    <a16:creationId xmlns:a16="http://schemas.microsoft.com/office/drawing/2014/main" xmlns:a14="http://schemas.microsoft.com/office/drawing/2010/main" xmlns="" id="{1EF66449-AED3-41D7-9C8C-18D903B07018}"/>
                   </a:ext>
                 </a:extLst>
               </p:cNvPr>
@@ -30380,8 +30667,8 @@
               <a:prstGeom prst="rect">
                 <a:avLst/>
               </a:prstGeom>
-              <a:blipFill>
-                <a:blip r:embed="rId16"/>
+              <a:blipFill rotWithShape="1">
+                <a:blip r:embed="rId19"/>
                 <a:stretch>
                   <a:fillRect/>
                 </a:stretch>
@@ -30402,48 +30689,127 @@
           </p:sp>
         </mc:Fallback>
       </mc:AlternateContent>
-      <p:sp>
-        <p:nvSpPr>
-          <p:cNvPr id="189" name="文本框 188">
-            <a:extLst>
-              <a:ext uri="{FF2B5EF4-FFF2-40B4-BE49-F238E27FC236}">
-                <a16:creationId xmlns:a16="http://schemas.microsoft.com/office/drawing/2014/main" id="{4A3CB86A-6DA7-472C-BF4A-E080B509BCA4}"/>
-              </a:ext>
-            </a:extLst>
-          </p:cNvPr>
-          <p:cNvSpPr txBox="1"/>
-          <p:nvPr/>
-        </p:nvSpPr>
-        <p:spPr>
-          <a:xfrm>
-            <a:off x="2001138" y="905367"/>
-            <a:ext cx="587672" cy="399260"/>
-          </a:xfrm>
-          <a:prstGeom prst="rect">
-            <a:avLst/>
-          </a:prstGeom>
-          <a:noFill/>
-        </p:spPr>
-        <p:txBody>
-          <a:bodyPr wrap="square" rtlCol="0">
-            <a:spAutoFit/>
-          </a:bodyPr>
-          <a:lstStyle/>
-          <a:p>
-            <a:r>
-              <a:rPr lang="en-US" altLang="zh-CN" sz="2400" b="1" dirty="0"/>
-              <a:t>D4</a:t>
-            </a:r>
-            <a:endParaRPr lang="zh-CN" altLang="en-US" sz="2400" b="1" dirty="0"/>
-          </a:p>
-        </p:txBody>
-      </p:sp>
+      <mc:AlternateContent xmlns:mc="http://schemas.openxmlformats.org/markup-compatibility/2006" xmlns:a14="http://schemas.microsoft.com/office/drawing/2010/main">
+        <mc:Choice Requires="a14">
+          <p:sp>
+            <p:nvSpPr>
+              <p:cNvPr id="189" name="文本框 188">
+                <a:extLst>
+                  <a:ext uri="{FF2B5EF4-FFF2-40B4-BE49-F238E27FC236}">
+                    <a16:creationId xmlns="" xmlns:a16="http://schemas.microsoft.com/office/drawing/2014/main" id="{4A3CB86A-6DA7-472C-BF4A-E080B509BCA4}"/>
+                  </a:ext>
+                </a:extLst>
+              </p:cNvPr>
+              <p:cNvSpPr txBox="1"/>
+              <p:nvPr/>
+            </p:nvSpPr>
+            <p:spPr>
+              <a:xfrm>
+                <a:off x="2001138" y="905367"/>
+                <a:ext cx="587672" cy="461665"/>
+              </a:xfrm>
+              <a:prstGeom prst="rect">
+                <a:avLst/>
+              </a:prstGeom>
+              <a:noFill/>
+            </p:spPr>
+            <p:txBody>
+              <a:bodyPr wrap="square" rtlCol="0">
+                <a:spAutoFit/>
+              </a:bodyPr>
+              <a:lstStyle/>
+              <a:p>
+                <a:pPr/>
+                <a14:m>
+                  <m:oMathPara xmlns:m="http://schemas.openxmlformats.org/officeDocument/2006/math">
+                    <m:oMathParaPr>
+                      <m:jc m:val="centerGroup"/>
+                    </m:oMathParaPr>
+                    <m:oMath xmlns:m="http://schemas.openxmlformats.org/officeDocument/2006/math">
+                      <m:sSub>
+                        <m:sSubPr>
+                          <m:ctrlPr>
+                            <a:rPr lang="en-US" altLang="zh-CN" sz="2400" b="1" i="1" smtClean="0">
+                              <a:latin typeface="Cambria Math"/>
+                            </a:rPr>
+                          </m:ctrlPr>
+                        </m:sSubPr>
+                        <m:e>
+                          <m:r>
+                            <a:rPr lang="en-US" altLang="zh-CN" sz="2400" b="1" i="1">
+                              <a:latin typeface="Cambria Math"/>
+                            </a:rPr>
+                            <m:t>𝑫</m:t>
+                          </m:r>
+                        </m:e>
+                        <m:sub>
+                          <m:r>
+                            <a:rPr lang="en-US" altLang="zh-CN" sz="2400" b="1" i="1" smtClean="0">
+                              <a:latin typeface="Cambria Math"/>
+                            </a:rPr>
+                            <m:t>𝟒</m:t>
+                          </m:r>
+                        </m:sub>
+                      </m:sSub>
+                    </m:oMath>
+                  </m:oMathPara>
+                </a14:m>
+                <a:endParaRPr lang="zh-CN" altLang="en-US" sz="2400" b="1" dirty="0"/>
+              </a:p>
+            </p:txBody>
+          </p:sp>
+        </mc:Choice>
+        <mc:Fallback xmlns="">
+          <p:sp>
+            <p:nvSpPr>
+              <p:cNvPr id="189" name="文本框 188">
+                <a:extLst>
+                  <a:ext uri="{FF2B5EF4-FFF2-40B4-BE49-F238E27FC236}">
+                    <a16:creationId xmlns:a16="http://schemas.microsoft.com/office/drawing/2014/main" xmlns="" id="{4A3CB86A-6DA7-472C-BF4A-E080B509BCA4}"/>
+                  </a:ext>
+                </a:extLst>
+              </p:cNvPr>
+              <p:cNvSpPr txBox="1">
+                <a:spLocks noRot="1" noChangeAspect="1" noMove="1" noResize="1" noEditPoints="1" noAdjustHandles="1" noChangeArrowheads="1" noChangeShapeType="1" noTextEdit="1"/>
+              </p:cNvSpPr>
+              <p:nvPr/>
+            </p:nvSpPr>
+            <p:spPr>
+              <a:xfrm>
+                <a:off x="2001138" y="905367"/>
+                <a:ext cx="587672" cy="461665"/>
+              </a:xfrm>
+              <a:prstGeom prst="rect">
+                <a:avLst/>
+              </a:prstGeom>
+              <a:blipFill rotWithShape="1">
+                <a:blip r:embed="rId20"/>
+                <a:stretch>
+                  <a:fillRect b="-2667"/>
+                </a:stretch>
+              </a:blipFill>
+            </p:spPr>
+            <p:txBody>
+              <a:bodyPr/>
+              <a:lstStyle/>
+              <a:p>
+                <a:r>
+                  <a:rPr lang="zh-CN" altLang="en-US">
+                    <a:noFill/>
+                  </a:rPr>
+                  <a:t> </a:t>
+                </a:r>
+              </a:p>
+            </p:txBody>
+          </p:sp>
+        </mc:Fallback>
+      </mc:AlternateContent>
       <p:sp>
         <p:nvSpPr>
           <p:cNvPr id="50" name="任意多边形: 形状 49">
             <a:extLst>
               <a:ext uri="{FF2B5EF4-FFF2-40B4-BE49-F238E27FC236}">
-                <a16:creationId xmlns:a16="http://schemas.microsoft.com/office/drawing/2014/main" id="{6C4EA8ED-2A7E-483D-814E-CC33EA3732D2}"/>
+                <a16:creationId xmlns="" xmlns:a16="http://schemas.microsoft.com/office/drawing/2014/main" id="{6C4EA8ED-2A7E-483D-814E-CC33EA3732D2}"/>
               </a:ext>
             </a:extLst>
           </p:cNvPr>
@@ -30534,7 +30900,7 @@
           <p:cNvPr id="190" name="任意多边形: 形状 189">
             <a:extLst>
               <a:ext uri="{FF2B5EF4-FFF2-40B4-BE49-F238E27FC236}">
-                <a16:creationId xmlns:a16="http://schemas.microsoft.com/office/drawing/2014/main" id="{12D13E39-A16C-4C91-B9D5-1425DF909E91}"/>
+                <a16:creationId xmlns="" xmlns:a16="http://schemas.microsoft.com/office/drawing/2014/main" id="{12D13E39-A16C-4C91-B9D5-1425DF909E91}"/>
               </a:ext>
             </a:extLst>
           </p:cNvPr>
@@ -30625,7 +30991,7 @@
           <p:cNvPr id="191" name="任意多边形: 形状 190">
             <a:extLst>
               <a:ext uri="{FF2B5EF4-FFF2-40B4-BE49-F238E27FC236}">
-                <a16:creationId xmlns:a16="http://schemas.microsoft.com/office/drawing/2014/main" id="{C57EF113-4DAE-4B92-A356-841DBE719CD7}"/>
+                <a16:creationId xmlns="" xmlns:a16="http://schemas.microsoft.com/office/drawing/2014/main" id="{C57EF113-4DAE-4B92-A356-841DBE719CD7}"/>
               </a:ext>
             </a:extLst>
           </p:cNvPr>
@@ -30716,7 +31082,7 @@
           <p:cNvPr id="192" name="任意多边形: 形状 191">
             <a:extLst>
               <a:ext uri="{FF2B5EF4-FFF2-40B4-BE49-F238E27FC236}">
-                <a16:creationId xmlns:a16="http://schemas.microsoft.com/office/drawing/2014/main" id="{D6BF91E8-3ED4-4399-8168-8D5F22673E32}"/>
+                <a16:creationId xmlns="" xmlns:a16="http://schemas.microsoft.com/office/drawing/2014/main" id="{D6BF91E8-3ED4-4399-8168-8D5F22673E32}"/>
               </a:ext>
             </a:extLst>
           </p:cNvPr>
@@ -30807,7 +31173,7 @@
           <p:cNvPr id="193" name="文本框 192">
             <a:extLst>
               <a:ext uri="{FF2B5EF4-FFF2-40B4-BE49-F238E27FC236}">
-                <a16:creationId xmlns:a16="http://schemas.microsoft.com/office/drawing/2014/main" id="{190675ED-7743-4E58-B4D6-9FEFF665854D}"/>
+                <a16:creationId xmlns="" xmlns:a16="http://schemas.microsoft.com/office/drawing/2014/main" id="{190675ED-7743-4E58-B4D6-9FEFF665854D}"/>
               </a:ext>
             </a:extLst>
           </p:cNvPr>
@@ -30842,7 +31208,7 @@
           <p:cNvPr id="194" name="文本框 193">
             <a:extLst>
               <a:ext uri="{FF2B5EF4-FFF2-40B4-BE49-F238E27FC236}">
-                <a16:creationId xmlns:a16="http://schemas.microsoft.com/office/drawing/2014/main" id="{10B61B0F-D02B-42C9-84AE-4BB8991144BE}"/>
+                <a16:creationId xmlns="" xmlns:a16="http://schemas.microsoft.com/office/drawing/2014/main" id="{10B61B0F-D02B-42C9-84AE-4BB8991144BE}"/>
               </a:ext>
             </a:extLst>
           </p:cNvPr>
@@ -30878,7 +31244,7 @@
           <p:cNvPr id="195" name="文本框 194">
             <a:extLst>
               <a:ext uri="{FF2B5EF4-FFF2-40B4-BE49-F238E27FC236}">
-                <a16:creationId xmlns:a16="http://schemas.microsoft.com/office/drawing/2014/main" id="{2C214AAC-A975-45F4-ACA1-A78C1B3F2399}"/>
+                <a16:creationId xmlns="" xmlns:a16="http://schemas.microsoft.com/office/drawing/2014/main" id="{2C214AAC-A975-45F4-ACA1-A78C1B3F2399}"/>
               </a:ext>
             </a:extLst>
           </p:cNvPr>
@@ -30914,7 +31280,7 @@
           <p:cNvPr id="196" name="文本框 195">
             <a:extLst>
               <a:ext uri="{FF2B5EF4-FFF2-40B4-BE49-F238E27FC236}">
-                <a16:creationId xmlns:a16="http://schemas.microsoft.com/office/drawing/2014/main" id="{5B40BFB7-6E33-4232-84A4-7B230217B829}"/>
+                <a16:creationId xmlns="" xmlns:a16="http://schemas.microsoft.com/office/drawing/2014/main" id="{5B40BFB7-6E33-4232-84A4-7B230217B829}"/>
               </a:ext>
             </a:extLst>
           </p:cNvPr>
@@ -30950,7 +31316,7 @@
           <p:cNvPr id="197" name="文本框 196">
             <a:extLst>
               <a:ext uri="{FF2B5EF4-FFF2-40B4-BE49-F238E27FC236}">
-                <a16:creationId xmlns:a16="http://schemas.microsoft.com/office/drawing/2014/main" id="{B1EF7FAA-7E94-4317-9C71-309031437E9C}"/>
+                <a16:creationId xmlns="" xmlns:a16="http://schemas.microsoft.com/office/drawing/2014/main" id="{B1EF7FAA-7E94-4317-9C71-309031437E9C}"/>
               </a:ext>
             </a:extLst>
           </p:cNvPr>
@@ -30986,7 +31352,7 @@
           <p:cNvPr id="51" name="箭头: 下 50">
             <a:extLst>
               <a:ext uri="{FF2B5EF4-FFF2-40B4-BE49-F238E27FC236}">
-                <a16:creationId xmlns:a16="http://schemas.microsoft.com/office/drawing/2014/main" id="{872F036B-72A3-4A2B-ADC3-1E8B7FDE4B29}"/>
+                <a16:creationId xmlns="" xmlns:a16="http://schemas.microsoft.com/office/drawing/2014/main" id="{872F036B-72A3-4A2B-ADC3-1E8B7FDE4B29}"/>
               </a:ext>
             </a:extLst>
           </p:cNvPr>
@@ -30996,7 +31362,7 @@
         <p:spPr>
           <a:xfrm>
             <a:off x="10956629" y="4612957"/>
-            <a:ext cx="196948" cy="1346479"/>
+            <a:ext cx="129465" cy="443137"/>
           </a:xfrm>
           <a:prstGeom prst="downArrow">
             <a:avLst/>
@@ -31027,14 +31393,14 @@
           </a:p>
         </p:txBody>
       </p:sp>
-      <mc:AlternateContent xmlns:mc="http://schemas.openxmlformats.org/markup-compatibility/2006">
-        <mc:Choice xmlns:a14="http://schemas.microsoft.com/office/drawing/2010/main" Requires="a14">
+      <mc:AlternateContent xmlns:mc="http://schemas.openxmlformats.org/markup-compatibility/2006" xmlns:a14="http://schemas.microsoft.com/office/drawing/2010/main">
+        <mc:Choice Requires="a14">
           <p:sp>
             <p:nvSpPr>
               <p:cNvPr id="52" name="矩形 51">
                 <a:extLst>
                   <a:ext uri="{FF2B5EF4-FFF2-40B4-BE49-F238E27FC236}">
-                    <a16:creationId xmlns:a16="http://schemas.microsoft.com/office/drawing/2014/main" id="{2A22D914-14D3-4961-8650-D172A18C7443}"/>
+                    <a16:creationId xmlns="" xmlns:a16="http://schemas.microsoft.com/office/drawing/2014/main" id="{2A22D914-14D3-4961-8650-D172A18C7443}"/>
                   </a:ext>
                 </a:extLst>
               </p:cNvPr>
@@ -31043,8 +31409,8 @@
             </p:nvSpPr>
             <p:spPr>
               <a:xfrm>
-                <a:off x="10166547" y="6030484"/>
-                <a:ext cx="1880643" cy="523220"/>
+                <a:off x="10244332" y="5355771"/>
+                <a:ext cx="1866665" cy="523220"/>
               </a:xfrm>
               <a:prstGeom prst="rect">
                 <a:avLst/>
@@ -31059,7 +31425,7 @@
                 <a14:m>
                   <m:oMath xmlns:m="http://schemas.openxmlformats.org/officeDocument/2006/math">
                     <m:r>
-                      <a:rPr lang="en-US" altLang="zh-CN" sz="2800" b="1" i="1">
+                      <a:rPr lang="en-US" altLang="zh-CN" sz="2800" b="1" i="1" smtClean="0">
                         <a:latin typeface="Cambria Math" panose="02040503050406030204" pitchFamily="18" charset="0"/>
                         <a:ea typeface="Cambria Math" panose="02040503050406030204" pitchFamily="18" charset="0"/>
                       </a:rPr>
@@ -31068,28 +31434,54 @@
                   </m:oMath>
                 </a14:m>
                 <a:r>
-                  <a:rPr lang="zh-CN" altLang="en-US" sz="2800" dirty="0"/>
+                  <a:rPr lang="zh-CN" altLang="en-US" sz="2800" dirty="0" smtClean="0"/>
                   <a:t>属于</a:t>
                 </a:r>
+                <a14:m>
+                  <m:oMath xmlns:m="http://schemas.openxmlformats.org/officeDocument/2006/math">
+                    <m:sSub>
+                      <m:sSubPr>
+                        <m:ctrlPr>
+                          <a:rPr lang="en-US" altLang="zh-CN" sz="2800" b="1" i="1" dirty="0" smtClean="0">
+                            <a:latin typeface="Cambria Math"/>
+                          </a:rPr>
+                        </m:ctrlPr>
+                      </m:sSubPr>
+                      <m:e>
+                        <m:r>
+                          <a:rPr lang="en-US" altLang="zh-CN" sz="2800" b="1" i="1" dirty="0" smtClean="0">
+                            <a:latin typeface="Cambria Math"/>
+                          </a:rPr>
+                          <m:t>𝑪</m:t>
+                        </m:r>
+                      </m:e>
+                      <m:sub>
+                        <m:r>
+                          <a:rPr lang="en-US" altLang="zh-CN" sz="2800" b="1" i="1" dirty="0" smtClean="0">
+                            <a:latin typeface="Cambria Math"/>
+                          </a:rPr>
+                          <m:t>𝟑</m:t>
+                        </m:r>
+                      </m:sub>
+                    </m:sSub>
+                  </m:oMath>
+                </a14:m>
                 <a:r>
-                  <a:rPr lang="en-US" altLang="zh-CN" sz="2800" dirty="0"/>
-                  <a:t>C3</a:t>
-                </a:r>
-                <a:r>
-                  <a:rPr lang="zh-CN" altLang="en-US" sz="2800" dirty="0"/>
+                  <a:rPr lang="zh-CN" altLang="en-US" sz="2800" dirty="0" smtClean="0"/>
                   <a:t>类</a:t>
                 </a:r>
+                <a:endParaRPr lang="zh-CN" altLang="en-US" sz="2800" dirty="0"/>
               </a:p>
             </p:txBody>
           </p:sp>
         </mc:Choice>
-        <mc:Fallback>
+        <mc:Fallback xmlns="">
           <p:sp>
             <p:nvSpPr>
               <p:cNvPr id="52" name="矩形 51">
                 <a:extLst>
                   <a:ext uri="{FF2B5EF4-FFF2-40B4-BE49-F238E27FC236}">
-                    <a16:creationId xmlns:a16="http://schemas.microsoft.com/office/drawing/2014/main" id="{2A22D914-14D3-4961-8650-D172A18C7443}"/>
+                    <a16:creationId xmlns:a16="http://schemas.microsoft.com/office/drawing/2014/main" xmlns:a14="http://schemas.microsoft.com/office/drawing/2010/main" xmlns="" id="{2A22D914-14D3-4961-8650-D172A18C7443}"/>
                   </a:ext>
                 </a:extLst>
               </p:cNvPr>
@@ -31100,16 +31492,16 @@
             </p:nvSpPr>
             <p:spPr>
               <a:xfrm>
-                <a:off x="10166547" y="6030484"/>
-                <a:ext cx="1880643" cy="523220"/>
+                <a:off x="10244332" y="5355771"/>
+                <a:ext cx="1866665" cy="523220"/>
               </a:xfrm>
               <a:prstGeom prst="rect">
                 <a:avLst/>
               </a:prstGeom>
-              <a:blipFill>
-                <a:blip r:embed="rId17"/>
+              <a:blipFill rotWithShape="1">
+                <a:blip r:embed="rId21"/>
                 <a:stretch>
-                  <a:fillRect t="-11628" r="-5519" b="-31395"/>
+                  <a:fillRect t="-11765" r="-5556" b="-32941"/>
                 </a:stretch>
               </a:blipFill>
             </p:spPr>
@@ -31133,7 +31525,7 @@
           <p:cNvPr id="54" name="直接连接符 53">
             <a:extLst>
               <a:ext uri="{FF2B5EF4-FFF2-40B4-BE49-F238E27FC236}">
-                <a16:creationId xmlns:a16="http://schemas.microsoft.com/office/drawing/2014/main" id="{D15972C0-259E-4380-84A2-2EC99550CC4E}"/>
+                <a16:creationId xmlns="" xmlns:a16="http://schemas.microsoft.com/office/drawing/2014/main" id="{D15972C0-259E-4380-84A2-2EC99550CC4E}"/>
               </a:ext>
             </a:extLst>
           </p:cNvPr>
@@ -31174,7 +31566,7 @@
     </p:spTree>
     <p:extLst>
       <p:ext uri="{BB962C8B-B14F-4D97-AF65-F5344CB8AC3E}">
-        <p14:creationId xmlns:p14="http://schemas.microsoft.com/office/powerpoint/2010/main" val="912547265"/>
+        <p14:creationId xmlns:p14="http://schemas.microsoft.com/office/powerpoint/2010/main" val="681872571"/>
       </p:ext>
     </p:extLst>
   </p:cSld>
@@ -31206,7 +31598,7 @@
           <p:cNvPr id="7" name="图片 6">
             <a:extLst>
               <a:ext uri="{FF2B5EF4-FFF2-40B4-BE49-F238E27FC236}">
-                <a16:creationId xmlns:a16="http://schemas.microsoft.com/office/drawing/2014/main" id="{442F4EE8-F3BC-4F9C-A2E0-337BBC727C41}"/>
+                <a16:creationId xmlns:a16="http://schemas.microsoft.com/office/drawing/2014/main" xmlns="" id="{442F4EE8-F3BC-4F9C-A2E0-337BBC727C41}"/>
               </a:ext>
             </a:extLst>
           </p:cNvPr>
@@ -31242,7 +31634,7 @@
           <p:cNvPr id="8" name="矩形 7">
             <a:extLst>
               <a:ext uri="{FF2B5EF4-FFF2-40B4-BE49-F238E27FC236}">
-                <a16:creationId xmlns:a16="http://schemas.microsoft.com/office/drawing/2014/main" id="{62ECFF5D-6F50-4067-96F1-8DE2ADA9BA33}"/>
+                <a16:creationId xmlns:a16="http://schemas.microsoft.com/office/drawing/2014/main" xmlns="" id="{62ECFF5D-6F50-4067-96F1-8DE2ADA9BA33}"/>
               </a:ext>
             </a:extLst>
           </p:cNvPr>
@@ -31290,7 +31682,7 @@
           <p:cNvPr id="9" name="矩形 8">
             <a:extLst>
               <a:ext uri="{FF2B5EF4-FFF2-40B4-BE49-F238E27FC236}">
-                <a16:creationId xmlns:a16="http://schemas.microsoft.com/office/drawing/2014/main" id="{E15BB35E-8265-4A8A-8E88-FFB770D40CBB}"/>
+                <a16:creationId xmlns:a16="http://schemas.microsoft.com/office/drawing/2014/main" xmlns="" id="{E15BB35E-8265-4A8A-8E88-FFB770D40CBB}"/>
               </a:ext>
             </a:extLst>
           </p:cNvPr>
@@ -31338,7 +31730,7 @@
           <p:cNvPr id="13" name="矩形 12">
             <a:extLst>
               <a:ext uri="{FF2B5EF4-FFF2-40B4-BE49-F238E27FC236}">
-                <a16:creationId xmlns:a16="http://schemas.microsoft.com/office/drawing/2014/main" id="{8BA3E0AC-9057-4444-A7B9-DA8EA2C59FCC}"/>
+                <a16:creationId xmlns:a16="http://schemas.microsoft.com/office/drawing/2014/main" xmlns="" id="{8BA3E0AC-9057-4444-A7B9-DA8EA2C59FCC}"/>
               </a:ext>
             </a:extLst>
           </p:cNvPr>
@@ -31386,7 +31778,7 @@
           <p:cNvPr id="14" name="文本框 13">
             <a:extLst>
               <a:ext uri="{FF2B5EF4-FFF2-40B4-BE49-F238E27FC236}">
-                <a16:creationId xmlns:a16="http://schemas.microsoft.com/office/drawing/2014/main" id="{8305536C-5555-4031-9A63-6B508D7EE5FF}"/>
+                <a16:creationId xmlns:a16="http://schemas.microsoft.com/office/drawing/2014/main" xmlns="" id="{8305536C-5555-4031-9A63-6B508D7EE5FF}"/>
               </a:ext>
             </a:extLst>
           </p:cNvPr>
@@ -31442,7 +31834,7 @@
           <p:cNvPr id="15" name="文本框 14">
             <a:extLst>
               <a:ext uri="{FF2B5EF4-FFF2-40B4-BE49-F238E27FC236}">
-                <a16:creationId xmlns:a16="http://schemas.microsoft.com/office/drawing/2014/main" id="{8E22C3DB-2E69-4D90-AA9C-92568EA3919D}"/>
+                <a16:creationId xmlns:a16="http://schemas.microsoft.com/office/drawing/2014/main" xmlns="" id="{8E22C3DB-2E69-4D90-AA9C-92568EA3919D}"/>
               </a:ext>
             </a:extLst>
           </p:cNvPr>
@@ -31477,7 +31869,7 @@
           <p:cNvPr id="16" name="文本框 15">
             <a:extLst>
               <a:ext uri="{FF2B5EF4-FFF2-40B4-BE49-F238E27FC236}">
-                <a16:creationId xmlns:a16="http://schemas.microsoft.com/office/drawing/2014/main" id="{5A35EF8E-5F84-49D7-9962-4945E171F370}"/>
+                <a16:creationId xmlns:a16="http://schemas.microsoft.com/office/drawing/2014/main" xmlns="" id="{5A35EF8E-5F84-49D7-9962-4945E171F370}"/>
               </a:ext>
             </a:extLst>
           </p:cNvPr>
@@ -31549,7 +31941,7 @@
           <p:cNvPr id="4" name="图片 3">
             <a:extLst>
               <a:ext uri="{FF2B5EF4-FFF2-40B4-BE49-F238E27FC236}">
-                <a16:creationId xmlns:a16="http://schemas.microsoft.com/office/drawing/2014/main" id="{9E7B9B00-53AA-4DA9-8B21-570B82EF25EC}"/>
+                <a16:creationId xmlns:a16="http://schemas.microsoft.com/office/drawing/2014/main" xmlns="" id="{9E7B9B00-53AA-4DA9-8B21-570B82EF25EC}"/>
               </a:ext>
             </a:extLst>
           </p:cNvPr>
@@ -31579,7 +31971,7 @@
           <p:cNvPr id="5" name="图片 4">
             <a:extLst>
               <a:ext uri="{FF2B5EF4-FFF2-40B4-BE49-F238E27FC236}">
-                <a16:creationId xmlns:a16="http://schemas.microsoft.com/office/drawing/2014/main" id="{B6DBC4B4-ECB5-4860-A75E-45920AB49548}"/>
+                <a16:creationId xmlns:a16="http://schemas.microsoft.com/office/drawing/2014/main" xmlns="" id="{B6DBC4B4-ECB5-4860-A75E-45920AB49548}"/>
               </a:ext>
             </a:extLst>
           </p:cNvPr>
@@ -31609,7 +32001,7 @@
           <p:cNvPr id="6" name="图片 5">
             <a:extLst>
               <a:ext uri="{FF2B5EF4-FFF2-40B4-BE49-F238E27FC236}">
-                <a16:creationId xmlns:a16="http://schemas.microsoft.com/office/drawing/2014/main" id="{678F45FB-A197-4C34-832A-A3D8B8248203}"/>
+                <a16:creationId xmlns:a16="http://schemas.microsoft.com/office/drawing/2014/main" xmlns="" id="{678F45FB-A197-4C34-832A-A3D8B8248203}"/>
               </a:ext>
             </a:extLst>
           </p:cNvPr>
@@ -31619,7 +32011,7 @@
           <p:nvPr/>
         </p:nvPicPr>
         <p:blipFill>
-          <a:blip r:embed="rId4">
+          <a:blip r:embed="rId4" cstate="print">
             <a:extLst>
               <a:ext uri="{28A0092B-C50C-407E-A947-70E740481C1C}">
                 <a14:useLocalDpi xmlns:a14="http://schemas.microsoft.com/office/drawing/2010/main" val="0"/>
@@ -31645,7 +32037,7 @@
           <p:cNvPr id="7" name="图片 6">
             <a:extLst>
               <a:ext uri="{FF2B5EF4-FFF2-40B4-BE49-F238E27FC236}">
-                <a16:creationId xmlns:a16="http://schemas.microsoft.com/office/drawing/2014/main" id="{5A3FED35-75E8-4DB5-B1AA-4BB935B2BF27}"/>
+                <a16:creationId xmlns:a16="http://schemas.microsoft.com/office/drawing/2014/main" xmlns="" id="{5A3FED35-75E8-4DB5-B1AA-4BB935B2BF27}"/>
               </a:ext>
             </a:extLst>
           </p:cNvPr>
@@ -31655,7 +32047,7 @@
           <p:nvPr/>
         </p:nvPicPr>
         <p:blipFill>
-          <a:blip r:embed="rId5">
+          <a:blip r:embed="rId5" cstate="print">
             <a:extLst>
               <a:ext uri="{28A0092B-C50C-407E-A947-70E740481C1C}">
                 <a14:useLocalDpi xmlns:a14="http://schemas.microsoft.com/office/drawing/2010/main" val="0"/>
@@ -31681,7 +32073,7 @@
           <p:cNvPr id="8" name="文本框 7">
             <a:extLst>
               <a:ext uri="{FF2B5EF4-FFF2-40B4-BE49-F238E27FC236}">
-                <a16:creationId xmlns:a16="http://schemas.microsoft.com/office/drawing/2014/main" id="{6B64181D-D3BE-4F81-939D-F6B8B24B8170}"/>
+                <a16:creationId xmlns:a16="http://schemas.microsoft.com/office/drawing/2014/main" xmlns="" id="{6B64181D-D3BE-4F81-939D-F6B8B24B8170}"/>
               </a:ext>
             </a:extLst>
           </p:cNvPr>
@@ -31716,7 +32108,7 @@
           <p:cNvPr id="9" name="文本框 8">
             <a:extLst>
               <a:ext uri="{FF2B5EF4-FFF2-40B4-BE49-F238E27FC236}">
-                <a16:creationId xmlns:a16="http://schemas.microsoft.com/office/drawing/2014/main" id="{AD5442F7-2FFB-4C84-BD56-12295980AAE0}"/>
+                <a16:creationId xmlns:a16="http://schemas.microsoft.com/office/drawing/2014/main" xmlns="" id="{AD5442F7-2FFB-4C84-BD56-12295980AAE0}"/>
               </a:ext>
             </a:extLst>
           </p:cNvPr>
@@ -31781,7 +32173,7 @@
           <p:cNvPr id="6" name="图片 5">
             <a:extLst>
               <a:ext uri="{FF2B5EF4-FFF2-40B4-BE49-F238E27FC236}">
-                <a16:creationId xmlns:a16="http://schemas.microsoft.com/office/drawing/2014/main" id="{678F45FB-A197-4C34-832A-A3D8B8248203}"/>
+                <a16:creationId xmlns:a16="http://schemas.microsoft.com/office/drawing/2014/main" xmlns="" id="{678F45FB-A197-4C34-832A-A3D8B8248203}"/>
               </a:ext>
             </a:extLst>
           </p:cNvPr>
@@ -31791,7 +32183,7 @@
           <p:nvPr/>
         </p:nvPicPr>
         <p:blipFill>
-          <a:blip r:embed="rId2">
+          <a:blip r:embed="rId2" cstate="print">
             <a:extLst>
               <a:ext uri="{28A0092B-C50C-407E-A947-70E740481C1C}">
                 <a14:useLocalDpi xmlns:a14="http://schemas.microsoft.com/office/drawing/2010/main" val="0"/>
@@ -31817,7 +32209,7 @@
           <p:cNvPr id="7" name="图片 6">
             <a:extLst>
               <a:ext uri="{FF2B5EF4-FFF2-40B4-BE49-F238E27FC236}">
-                <a16:creationId xmlns:a16="http://schemas.microsoft.com/office/drawing/2014/main" id="{5A3FED35-75E8-4DB5-B1AA-4BB935B2BF27}"/>
+                <a16:creationId xmlns:a16="http://schemas.microsoft.com/office/drawing/2014/main" xmlns="" id="{5A3FED35-75E8-4DB5-B1AA-4BB935B2BF27}"/>
               </a:ext>
             </a:extLst>
           </p:cNvPr>
@@ -31827,7 +32219,7 @@
           <p:nvPr/>
         </p:nvPicPr>
         <p:blipFill>
-          <a:blip r:embed="rId3">
+          <a:blip r:embed="rId3" cstate="print">
             <a:extLst>
               <a:ext uri="{28A0092B-C50C-407E-A947-70E740481C1C}">
                 <a14:useLocalDpi xmlns:a14="http://schemas.microsoft.com/office/drawing/2010/main" val="0"/>
@@ -31853,7 +32245,7 @@
           <p:cNvPr id="8" name="文本框 7">
             <a:extLst>
               <a:ext uri="{FF2B5EF4-FFF2-40B4-BE49-F238E27FC236}">
-                <a16:creationId xmlns:a16="http://schemas.microsoft.com/office/drawing/2014/main" id="{6B64181D-D3BE-4F81-939D-F6B8B24B8170}"/>
+                <a16:creationId xmlns:a16="http://schemas.microsoft.com/office/drawing/2014/main" xmlns="" id="{6B64181D-D3BE-4F81-939D-F6B8B24B8170}"/>
               </a:ext>
             </a:extLst>
           </p:cNvPr>
@@ -31896,7 +32288,7 @@
           <p:cNvPr id="9" name="文本框 8">
             <a:extLst>
               <a:ext uri="{FF2B5EF4-FFF2-40B4-BE49-F238E27FC236}">
-                <a16:creationId xmlns:a16="http://schemas.microsoft.com/office/drawing/2014/main" id="{AD5442F7-2FFB-4C84-BD56-12295980AAE0}"/>
+                <a16:creationId xmlns:a16="http://schemas.microsoft.com/office/drawing/2014/main" xmlns="" id="{AD5442F7-2FFB-4C84-BD56-12295980AAE0}"/>
               </a:ext>
             </a:extLst>
           </p:cNvPr>
@@ -31941,7 +32333,7 @@
               <p:cNvPr id="2" name="文本框 1">
                 <a:extLst>
                   <a:ext uri="{FF2B5EF4-FFF2-40B4-BE49-F238E27FC236}">
-                    <a16:creationId xmlns:a16="http://schemas.microsoft.com/office/drawing/2014/main" id="{F7B02336-4CD3-4568-A154-D502E54AFE70}"/>
+                    <a16:creationId xmlns:a16="http://schemas.microsoft.com/office/drawing/2014/main" xmlns="" id="{F7B02336-4CD3-4568-A154-D502E54AFE70}"/>
                   </a:ext>
                 </a:extLst>
               </p:cNvPr>
@@ -31975,7 +32367,7 @@
                         <m:sSubSupPr>
                           <m:ctrlPr>
                             <a:rPr lang="en-US" altLang="zh-CN" sz="3600" b="0" i="1" smtClean="0">
-                              <a:latin typeface="Cambria Math" panose="02040503050406030204" pitchFamily="18" charset="0"/>
+                              <a:latin typeface="Cambria Math"/>
                             </a:rPr>
                           </m:ctrlPr>
                         </m:sSubSupPr>
@@ -32014,7 +32406,7 @@
                         <m:sSubSupPr>
                           <m:ctrlPr>
                             <a:rPr lang="en-US" altLang="zh-CN" sz="3600" b="0" i="1" smtClean="0">
-                              <a:latin typeface="Cambria Math" panose="02040503050406030204" pitchFamily="18" charset="0"/>
+                              <a:latin typeface="Cambria Math"/>
                             </a:rPr>
                           </m:ctrlPr>
                         </m:sSubSupPr>
@@ -32109,7 +32501,7 @@
               <p:cNvPr id="10" name="文本框 9">
                 <a:extLst>
                   <a:ext uri="{FF2B5EF4-FFF2-40B4-BE49-F238E27FC236}">
-                    <a16:creationId xmlns:a16="http://schemas.microsoft.com/office/drawing/2014/main" id="{78CB586A-83ED-40C4-A12C-6D4B373DB7ED}"/>
+                    <a16:creationId xmlns:a16="http://schemas.microsoft.com/office/drawing/2014/main" xmlns="" id="{78CB586A-83ED-40C4-A12C-6D4B373DB7ED}"/>
                   </a:ext>
                 </a:extLst>
               </p:cNvPr>
@@ -32143,7 +32535,7 @@
                         <m:sSubSupPr>
                           <m:ctrlPr>
                             <a:rPr lang="en-US" altLang="zh-CN" sz="3600" b="0" i="1" smtClean="0">
-                              <a:latin typeface="Cambria Math" panose="02040503050406030204" pitchFamily="18" charset="0"/>
+                              <a:latin typeface="Cambria Math"/>
                             </a:rPr>
                           </m:ctrlPr>
                         </m:sSubSupPr>
@@ -32182,7 +32574,7 @@
                         <m:sSubSupPr>
                           <m:ctrlPr>
                             <a:rPr lang="en-US" altLang="zh-CN" sz="3600" b="0" i="1" smtClean="0">
-                              <a:latin typeface="Cambria Math" panose="02040503050406030204" pitchFamily="18" charset="0"/>
+                              <a:latin typeface="Cambria Math"/>
                             </a:rPr>
                           </m:ctrlPr>
                         </m:sSubSupPr>
@@ -32305,7 +32697,7 @@
           <p:cNvPr id="8" name="文本框 7">
             <a:extLst>
               <a:ext uri="{FF2B5EF4-FFF2-40B4-BE49-F238E27FC236}">
-                <a16:creationId xmlns:a16="http://schemas.microsoft.com/office/drawing/2014/main" id="{6B64181D-D3BE-4F81-939D-F6B8B24B8170}"/>
+                <a16:creationId xmlns:a16="http://schemas.microsoft.com/office/drawing/2014/main" xmlns="" id="{6B64181D-D3BE-4F81-939D-F6B8B24B8170}"/>
               </a:ext>
             </a:extLst>
           </p:cNvPr>
@@ -32340,7 +32732,7 @@
           <p:cNvPr id="4" name="图片 3">
             <a:extLst>
               <a:ext uri="{FF2B5EF4-FFF2-40B4-BE49-F238E27FC236}">
-                <a16:creationId xmlns:a16="http://schemas.microsoft.com/office/drawing/2014/main" id="{E56F4E32-9F37-4259-A028-9B23AC9DBB45}"/>
+                <a16:creationId xmlns:a16="http://schemas.microsoft.com/office/drawing/2014/main" xmlns="" id="{E56F4E32-9F37-4259-A028-9B23AC9DBB45}"/>
               </a:ext>
             </a:extLst>
           </p:cNvPr>
@@ -32376,7 +32768,7 @@
           <p:cNvPr id="12" name="文本框 11">
             <a:extLst>
               <a:ext uri="{FF2B5EF4-FFF2-40B4-BE49-F238E27FC236}">
-                <a16:creationId xmlns:a16="http://schemas.microsoft.com/office/drawing/2014/main" id="{5024ED4B-77B9-4BEE-9887-A2F55842D485}"/>
+                <a16:creationId xmlns:a16="http://schemas.microsoft.com/office/drawing/2014/main" xmlns="" id="{5024ED4B-77B9-4BEE-9887-A2F55842D485}"/>
               </a:ext>
             </a:extLst>
           </p:cNvPr>
@@ -32411,7 +32803,7 @@
           <p:cNvPr id="14" name="图片 13">
             <a:extLst>
               <a:ext uri="{FF2B5EF4-FFF2-40B4-BE49-F238E27FC236}">
-                <a16:creationId xmlns:a16="http://schemas.microsoft.com/office/drawing/2014/main" id="{10003BD8-EB9D-416C-852E-FCDBB9767EEE}"/>
+                <a16:creationId xmlns:a16="http://schemas.microsoft.com/office/drawing/2014/main" xmlns="" id="{10003BD8-EB9D-416C-852E-FCDBB9767EEE}"/>
               </a:ext>
             </a:extLst>
           </p:cNvPr>
@@ -32477,7 +32869,7 @@
           <p:cNvPr id="7" name="图片 6">
             <a:extLst>
               <a:ext uri="{FF2B5EF4-FFF2-40B4-BE49-F238E27FC236}">
-                <a16:creationId xmlns:a16="http://schemas.microsoft.com/office/drawing/2014/main" id="{1371CDA2-C0AB-49AC-9F42-A6058FC4986C}"/>
+                <a16:creationId xmlns:a16="http://schemas.microsoft.com/office/drawing/2014/main" xmlns="" id="{1371CDA2-C0AB-49AC-9F42-A6058FC4986C}"/>
               </a:ext>
             </a:extLst>
           </p:cNvPr>
@@ -32513,7 +32905,7 @@
           <p:cNvPr id="10" name="图片 9">
             <a:extLst>
               <a:ext uri="{FF2B5EF4-FFF2-40B4-BE49-F238E27FC236}">
-                <a16:creationId xmlns:a16="http://schemas.microsoft.com/office/drawing/2014/main" id="{22543C94-E83E-46EB-B3C6-9AB5F6A9CF43}"/>
+                <a16:creationId xmlns:a16="http://schemas.microsoft.com/office/drawing/2014/main" xmlns="" id="{22543C94-E83E-46EB-B3C6-9AB5F6A9CF43}"/>
               </a:ext>
             </a:extLst>
           </p:cNvPr>
@@ -32549,7 +32941,7 @@
           <p:cNvPr id="12" name="直接连接符 11">
             <a:extLst>
               <a:ext uri="{FF2B5EF4-FFF2-40B4-BE49-F238E27FC236}">
-                <a16:creationId xmlns:a16="http://schemas.microsoft.com/office/drawing/2014/main" id="{C4F470F2-765F-4F33-99A0-5414861766CE}"/>
+                <a16:creationId xmlns:a16="http://schemas.microsoft.com/office/drawing/2014/main" xmlns="" id="{C4F470F2-765F-4F33-99A0-5414861766CE}"/>
               </a:ext>
             </a:extLst>
           </p:cNvPr>
@@ -32585,7 +32977,7 @@
           <p:cNvPr id="13" name="文本框 12">
             <a:extLst>
               <a:ext uri="{FF2B5EF4-FFF2-40B4-BE49-F238E27FC236}">
-                <a16:creationId xmlns:a16="http://schemas.microsoft.com/office/drawing/2014/main" id="{4559E109-3D7C-4585-81D7-7A8A73E7B785}"/>
+                <a16:creationId xmlns:a16="http://schemas.microsoft.com/office/drawing/2014/main" xmlns="" id="{4559E109-3D7C-4585-81D7-7A8A73E7B785}"/>
               </a:ext>
             </a:extLst>
           </p:cNvPr>
@@ -32620,7 +33012,7 @@
           <p:cNvPr id="14" name="任意多边形: 形状 13">
             <a:extLst>
               <a:ext uri="{FF2B5EF4-FFF2-40B4-BE49-F238E27FC236}">
-                <a16:creationId xmlns:a16="http://schemas.microsoft.com/office/drawing/2014/main" id="{4BC53B53-C4F8-49BE-83DD-9A7A487CC2C4}"/>
+                <a16:creationId xmlns:a16="http://schemas.microsoft.com/office/drawing/2014/main" xmlns="" id="{4BC53B53-C4F8-49BE-83DD-9A7A487CC2C4}"/>
               </a:ext>
             </a:extLst>
           </p:cNvPr>
@@ -32703,7 +33095,7 @@
           <p:cNvPr id="15" name="文本框 14">
             <a:extLst>
               <a:ext uri="{FF2B5EF4-FFF2-40B4-BE49-F238E27FC236}">
-                <a16:creationId xmlns:a16="http://schemas.microsoft.com/office/drawing/2014/main" id="{44497CE3-50EF-481C-9E72-61D5DBEEE1F9}"/>
+                <a16:creationId xmlns:a16="http://schemas.microsoft.com/office/drawing/2014/main" xmlns="" id="{44497CE3-50EF-481C-9E72-61D5DBEEE1F9}"/>
               </a:ext>
             </a:extLst>
           </p:cNvPr>
@@ -32768,7 +33160,7 @@
           <p:cNvPr id="6" name="图片 5">
             <a:extLst>
               <a:ext uri="{FF2B5EF4-FFF2-40B4-BE49-F238E27FC236}">
-                <a16:creationId xmlns:a16="http://schemas.microsoft.com/office/drawing/2014/main" id="{68B084A8-3E04-4ED7-9563-BF3127C01256}"/>
+                <a16:creationId xmlns:a16="http://schemas.microsoft.com/office/drawing/2014/main" xmlns="" id="{68B084A8-3E04-4ED7-9563-BF3127C01256}"/>
               </a:ext>
             </a:extLst>
           </p:cNvPr>
@@ -32804,7 +33196,7 @@
           <p:cNvPr id="8" name="图片 7">
             <a:extLst>
               <a:ext uri="{FF2B5EF4-FFF2-40B4-BE49-F238E27FC236}">
-                <a16:creationId xmlns:a16="http://schemas.microsoft.com/office/drawing/2014/main" id="{192F6A4A-4706-4ED7-AEC1-3CF65FDF91D9}"/>
+                <a16:creationId xmlns:a16="http://schemas.microsoft.com/office/drawing/2014/main" xmlns="" id="{192F6A4A-4706-4ED7-AEC1-3CF65FDF91D9}"/>
               </a:ext>
             </a:extLst>
           </p:cNvPr>
@@ -32840,7 +33232,7 @@
           <p:cNvPr id="9" name="矩形 8">
             <a:extLst>
               <a:ext uri="{FF2B5EF4-FFF2-40B4-BE49-F238E27FC236}">
-                <a16:creationId xmlns:a16="http://schemas.microsoft.com/office/drawing/2014/main" id="{6039A52F-A0AB-4F6E-9046-9766CEA9F17F}"/>
+                <a16:creationId xmlns:a16="http://schemas.microsoft.com/office/drawing/2014/main" xmlns="" id="{6039A52F-A0AB-4F6E-9046-9766CEA9F17F}"/>
               </a:ext>
             </a:extLst>
           </p:cNvPr>
@@ -32893,7 +33285,7 @@
           <p:cNvPr id="10" name="矩形 9">
             <a:extLst>
               <a:ext uri="{FF2B5EF4-FFF2-40B4-BE49-F238E27FC236}">
-                <a16:creationId xmlns:a16="http://schemas.microsoft.com/office/drawing/2014/main" id="{181FDFF8-C0BE-4DF4-A02B-F2FE36F56C5D}"/>
+                <a16:creationId xmlns:a16="http://schemas.microsoft.com/office/drawing/2014/main" xmlns="" id="{181FDFF8-C0BE-4DF4-A02B-F2FE36F56C5D}"/>
               </a:ext>
             </a:extLst>
           </p:cNvPr>
@@ -32976,7 +33368,7 @@
           <p:cNvPr id="4" name="图片 3">
             <a:extLst>
               <a:ext uri="{FF2B5EF4-FFF2-40B4-BE49-F238E27FC236}">
-                <a16:creationId xmlns:a16="http://schemas.microsoft.com/office/drawing/2014/main" id="{4858061A-F96F-40BD-8C00-9B0E40921731}"/>
+                <a16:creationId xmlns:a16="http://schemas.microsoft.com/office/drawing/2014/main" xmlns="" id="{4858061A-F96F-40BD-8C00-9B0E40921731}"/>
               </a:ext>
             </a:extLst>
           </p:cNvPr>
@@ -33010,7 +33402,7 @@
           <p:cNvPr id="5" name="椭圆 4">
             <a:extLst>
               <a:ext uri="{FF2B5EF4-FFF2-40B4-BE49-F238E27FC236}">
-                <a16:creationId xmlns:a16="http://schemas.microsoft.com/office/drawing/2014/main" id="{164FD8AE-953E-48E4-91CF-174AFDE528F7}"/>
+                <a16:creationId xmlns:a16="http://schemas.microsoft.com/office/drawing/2014/main" xmlns="" id="{164FD8AE-953E-48E4-91CF-174AFDE528F7}"/>
               </a:ext>
             </a:extLst>
           </p:cNvPr>
@@ -33062,7 +33454,7 @@
           <p:cNvPr id="6" name="文本框 5">
             <a:extLst>
               <a:ext uri="{FF2B5EF4-FFF2-40B4-BE49-F238E27FC236}">
-                <a16:creationId xmlns:a16="http://schemas.microsoft.com/office/drawing/2014/main" id="{EE26973A-0711-47B2-8313-F7EB253ABE73}"/>
+                <a16:creationId xmlns:a16="http://schemas.microsoft.com/office/drawing/2014/main" xmlns="" id="{EE26973A-0711-47B2-8313-F7EB253ABE73}"/>
               </a:ext>
             </a:extLst>
           </p:cNvPr>
@@ -33127,7 +33519,7 @@
           <p:cNvPr id="3" name="图片 2">
             <a:extLst>
               <a:ext uri="{FF2B5EF4-FFF2-40B4-BE49-F238E27FC236}">
-                <a16:creationId xmlns:a16="http://schemas.microsoft.com/office/drawing/2014/main" id="{D9B4981A-2195-453D-8C69-4AD4EA5974D5}"/>
+                <a16:creationId xmlns:a16="http://schemas.microsoft.com/office/drawing/2014/main" xmlns="" id="{D9B4981A-2195-453D-8C69-4AD4EA5974D5}"/>
               </a:ext>
             </a:extLst>
           </p:cNvPr>
@@ -33162,7 +33554,7 @@
           <p:cNvPr id="7" name="矩形 6">
             <a:extLst>
               <a:ext uri="{FF2B5EF4-FFF2-40B4-BE49-F238E27FC236}">
-                <a16:creationId xmlns:a16="http://schemas.microsoft.com/office/drawing/2014/main" id="{9B9D4104-7EB7-490D-B902-82E3A83E6F5B}"/>
+                <a16:creationId xmlns:a16="http://schemas.microsoft.com/office/drawing/2014/main" xmlns="" id="{9B9D4104-7EB7-490D-B902-82E3A83E6F5B}"/>
               </a:ext>
             </a:extLst>
           </p:cNvPr>
@@ -33214,7 +33606,7 @@
           <p:cNvPr id="8" name="文本框 7">
             <a:extLst>
               <a:ext uri="{FF2B5EF4-FFF2-40B4-BE49-F238E27FC236}">
-                <a16:creationId xmlns:a16="http://schemas.microsoft.com/office/drawing/2014/main" id="{856816FA-635C-481C-BA66-378CD0A06B10}"/>
+                <a16:creationId xmlns:a16="http://schemas.microsoft.com/office/drawing/2014/main" xmlns="" id="{856816FA-635C-481C-BA66-378CD0A06B10}"/>
               </a:ext>
             </a:extLst>
           </p:cNvPr>
@@ -33309,7 +33701,7 @@
     </a:clrScheme>
     <a:fontScheme name="Office">
       <a:majorFont>
-        <a:latin typeface="等线 Light" panose="020F0302020204030204"/>
+        <a:latin typeface="等线 Light"/>
         <a:ea typeface=""/>
         <a:cs typeface=""/>
         <a:font script="Jpan" typeface="游ゴシック Light"/>
@@ -33361,7 +33753,7 @@
         <a:font script="Tfng" typeface="Ebrima"/>
       </a:majorFont>
       <a:minorFont>
-        <a:latin typeface="等线" panose="020F0502020204030204"/>
+        <a:latin typeface="等线"/>
         <a:ea typeface=""/>
         <a:cs typeface=""/>
         <a:font script="Jpan" typeface="游ゴシック"/>
@@ -33555,7 +33947,7 @@
   <a:extraClrSchemeLst/>
   <a:extLst>
     <a:ext uri="{05A4C25C-085E-4340-85A3-A5531E510DB2}">
-      <thm15:themeFamily xmlns:thm15="http://schemas.microsoft.com/office/thememl/2012/main" name="Office Theme" id="{62F939B6-93AF-4DB8-9C6B-D6C7DFDC589F}" vid="{4A3C46E8-61CC-4603-A589-7422A47A8E4A}"/>
+      <thm15:themeFamily xmlns:thm15="http://schemas.microsoft.com/office/thememl/2012/main" xmlns="" name="Office Theme" id="{62F939B6-93AF-4DB8-9C6B-D6C7DFDC589F}" vid="{4A3C46E8-61CC-4603-A589-7422A47A8E4A}"/>
     </a:ext>
   </a:extLst>
 </a:theme>
@@ -33604,7 +33996,7 @@
     </a:clrScheme>
     <a:fontScheme name="Office">
       <a:majorFont>
-        <a:latin typeface="等线 Light" panose="020F0302020204030204"/>
+        <a:latin typeface="等线 Light"/>
         <a:ea typeface=""/>
         <a:cs typeface=""/>
         <a:font script="Jpan" typeface="游ゴシック Light"/>
@@ -33656,7 +34048,7 @@
         <a:font script="Tfng" typeface="Ebrima"/>
       </a:majorFont>
       <a:minorFont>
-        <a:latin typeface="等线" panose="020F0502020204030204"/>
+        <a:latin typeface="等线"/>
         <a:ea typeface=""/>
         <a:cs typeface=""/>
         <a:font script="Jpan" typeface="游ゴシック"/>
@@ -33850,7 +34242,7 @@
   <a:extraClrSchemeLst/>
   <a:extLst>
     <a:ext uri="{05A4C25C-085E-4340-85A3-A5531E510DB2}">
-      <thm15:themeFamily xmlns:thm15="http://schemas.microsoft.com/office/thememl/2012/main" name="Office Theme" id="{62F939B6-93AF-4DB8-9C6B-D6C7DFDC589F}" vid="{4A3C46E8-61CC-4603-A589-7422A47A8E4A}"/>
+      <thm15:themeFamily xmlns:thm15="http://schemas.microsoft.com/office/thememl/2012/main" xmlns="" name="Office Theme" id="{62F939B6-93AF-4DB8-9C6B-D6C7DFDC589F}" vid="{4A3C46E8-61CC-4603-A589-7422A47A8E4A}"/>
     </a:ext>
   </a:extLst>
 </a:theme>
